--- a/CodeReviewTool/doc/CodeReview_점검_Tool_개발계획서_rev05.pptx
+++ b/CodeReviewTool/doc/CodeReview_점검_Tool_개발계획서_rev05.pptx
@@ -291,7 +291,7 @@
           <a:p>
             <a:fld id="{036B6B10-1B09-480E-9EAC-7453F6B2BC47}" type="datetimeFigureOut">
               <a:rPr lang="ko-KR" altLang="en-US" smtClean="0"/>
-              <a:t>2024-08-05</a:t>
+              <a:t>2024-08-26</a:t>
             </a:fld>
             <a:endParaRPr lang="ko-KR" altLang="en-US"/>
           </a:p>
@@ -456,7 +456,7 @@
           <a:p>
             <a:fld id="{FE749B7C-4794-4872-A925-753F194DD9F3}" type="datetimeFigureOut">
               <a:rPr lang="ko-KR" altLang="en-US" smtClean="0"/>
-              <a:t>2024-08-05</a:t>
+              <a:t>2024-08-26</a:t>
             </a:fld>
             <a:endParaRPr lang="ko-KR" altLang="en-US"/>
           </a:p>
@@ -1797,7 +1797,7 @@
           <a:p>
             <a:fld id="{805658A3-C337-411C-A39B-D6A40476A7DB}" type="datetimeFigureOut">
               <a:rPr lang="ko-KR" altLang="en-US" smtClean="0"/>
-              <a:t>2024-08-05</a:t>
+              <a:t>2024-08-26</a:t>
             </a:fld>
             <a:endParaRPr lang="ko-KR" altLang="en-US"/>
           </a:p>
@@ -30517,30 +30517,30 @@
           <p:nvPr>
             <p:extLst>
               <p:ext uri="{D42A27DB-BD31-4B8C-83A1-F6EECF244321}">
-                <p14:modId xmlns:p14="http://schemas.microsoft.com/office/powerpoint/2010/main" val="3527124343"/>
+                <p14:modId xmlns:p14="http://schemas.microsoft.com/office/powerpoint/2010/main" val="503130443"/>
               </p:ext>
             </p:extLst>
           </p:nvPr>
         </p:nvGraphicFramePr>
         <p:xfrm>
-          <a:off x="668524" y="1664806"/>
-          <a:ext cx="8874845" cy="4137367"/>
+          <a:off x="812540" y="1664804"/>
+          <a:ext cx="8248392" cy="4198317"/>
         </p:xfrm>
         <a:graphic>
           <a:graphicData uri="http://schemas.openxmlformats.org/drawingml/2006/table">
             <a:tbl>
-              <a:tblPr>
-                <a:tableStyleId>{616DA210-FB5B-4158-B5E0-FEB733F419BA}</a:tableStyleId>
+              <a:tblPr firstRow="1" firstCol="1" bandRow="1">
+                <a:tableStyleId>{5C22544A-7EE6-4342-B048-85BDC9FD1C3A}</a:tableStyleId>
               </a:tblPr>
               <a:tblGrid>
-                <a:gridCol w="827955">
+                <a:gridCol w="1152128">
                   <a:extLst>
                     <a:ext uri="{9D8B030D-6E8A-4147-A177-3AD203B41FA5}">
                       <a16:colId xmlns:a16="http://schemas.microsoft.com/office/drawing/2014/main" val="3322228484"/>
                     </a:ext>
                   </a:extLst>
                 </a:gridCol>
-                <a:gridCol w="3672545">
+                <a:gridCol w="2721919">
                   <a:extLst>
                     <a:ext uri="{9D8B030D-6E8A-4147-A177-3AD203B41FA5}">
                       <a16:colId xmlns:a16="http://schemas.microsoft.com/office/drawing/2014/main" val="3088701884"/>
@@ -30570,13 +30570,8 @@
                     <a:p>
                       <a:pPr algn="ctr" fontAlgn="ctr"/>
                       <a:r>
-                        <a:rPr lang="ko-KR" altLang="en-US" sz="1100" b="1" i="0" u="none" strike="noStrike" dirty="0" smtClean="0">
-                          <a:solidFill>
-                            <a:srgbClr val="000000"/>
-                          </a:solidFill>
-                          <a:effectLst/>
-                          <a:latin typeface="맑은 고딕" panose="020B0503020000020004" pitchFamily="50" charset="-127"/>
-                          <a:ea typeface="맑은 고딕" panose="020B0503020000020004" pitchFamily="50" charset="-127"/>
+                        <a:rPr lang="ko-KR" altLang="en-US" sz="1100" u="none" strike="noStrike" dirty="0" smtClean="0">
+                          <a:effectLst/>
                         </a:rPr>
                         <a:t>구분</a:t>
                       </a:r>
@@ -30590,13 +30585,7 @@
                       </a:endParaRPr>
                     </a:p>
                   </a:txBody>
-                  <a:tcPr marL="9525" marR="9525" marT="9525" marB="0" anchor="ctr">
-                    <a:solidFill>
-                      <a:schemeClr val="bg1">
-                        <a:lumMod val="85000"/>
-                      </a:schemeClr>
-                    </a:solidFill>
-                  </a:tcPr>
+                  <a:tcPr marL="9525" marR="9525" marT="9525" marB="0" anchor="ctr"/>
                 </a:tc>
                 <a:tc>
                   <a:txBody>
@@ -30605,7 +30594,7 @@
                     <a:p>
                       <a:pPr algn="ctr" fontAlgn="ctr"/>
                       <a:r>
-                        <a:rPr lang="ko-KR" altLang="en-US" sz="1100" b="1" u="none" strike="noStrike" dirty="0">
+                        <a:rPr lang="ko-KR" altLang="en-US" sz="1100" u="none" strike="noStrike" dirty="0">
                           <a:effectLst/>
                         </a:rPr>
                         <a:t>코드 리뷰 항목</a:t>
@@ -30620,13 +30609,7 @@
                       </a:endParaRPr>
                     </a:p>
                   </a:txBody>
-                  <a:tcPr marL="9525" marR="9525" marT="9525" marB="0" anchor="ctr">
-                    <a:solidFill>
-                      <a:schemeClr val="bg1">
-                        <a:lumMod val="85000"/>
-                      </a:schemeClr>
-                    </a:solidFill>
-                  </a:tcPr>
+                  <a:tcPr marL="9525" marR="9525" marT="9525" marB="0" anchor="ctr"/>
                 </a:tc>
                 <a:tc>
                   <a:txBody>
@@ -30635,13 +30618,8 @@
                     <a:p>
                       <a:pPr algn="ctr" fontAlgn="ctr"/>
                       <a:r>
-                        <a:rPr lang="ko-KR" altLang="en-US" sz="1100" b="1" i="0" u="none" strike="noStrike" dirty="0" smtClean="0">
-                          <a:solidFill>
-                            <a:srgbClr val="000000"/>
-                          </a:solidFill>
-                          <a:effectLst/>
-                          <a:latin typeface="맑은 고딕" panose="020B0503020000020004" pitchFamily="50" charset="-127"/>
-                          <a:ea typeface="맑은 고딕" panose="020B0503020000020004" pitchFamily="50" charset="-127"/>
+                        <a:rPr lang="ko-KR" altLang="en-US" sz="1100" u="none" strike="noStrike" dirty="0" smtClean="0">
+                          <a:effectLst/>
                         </a:rPr>
                         <a:t>검증 가능성</a:t>
                       </a:r>
@@ -30655,13 +30633,7 @@
                       </a:endParaRPr>
                     </a:p>
                   </a:txBody>
-                  <a:tcPr marL="9525" marR="9525" marT="9525" marB="0" anchor="ctr">
-                    <a:solidFill>
-                      <a:schemeClr val="bg1">
-                        <a:lumMod val="85000"/>
-                      </a:schemeClr>
-                    </a:solidFill>
-                  </a:tcPr>
+                  <a:tcPr marL="9525" marR="9525" marT="9525" marB="0" anchor="ctr"/>
                 </a:tc>
                 <a:tc>
                   <a:txBody>
@@ -30670,13 +30642,8 @@
                     <a:p>
                       <a:pPr algn="ctr" fontAlgn="ctr"/>
                       <a:r>
-                        <a:rPr lang="ko-KR" altLang="en-US" sz="1100" b="1" i="0" u="none" strike="noStrike" dirty="0" smtClean="0">
-                          <a:solidFill>
-                            <a:srgbClr val="000000"/>
-                          </a:solidFill>
-                          <a:effectLst/>
-                          <a:latin typeface="맑은 고딕" panose="020B0503020000020004" pitchFamily="50" charset="-127"/>
-                          <a:ea typeface="맑은 고딕" panose="020B0503020000020004" pitchFamily="50" charset="-127"/>
+                        <a:rPr lang="ko-KR" altLang="en-US" sz="1100" u="none" strike="noStrike" dirty="0" smtClean="0">
+                          <a:effectLst/>
                         </a:rPr>
                         <a:t>검증 방법</a:t>
                       </a:r>
@@ -30690,13 +30657,7 @@
                       </a:endParaRPr>
                     </a:p>
                   </a:txBody>
-                  <a:tcPr marL="9525" marR="9525" marT="9525" marB="0" anchor="ctr">
-                    <a:solidFill>
-                      <a:schemeClr val="bg1">
-                        <a:lumMod val="85000"/>
-                      </a:schemeClr>
-                    </a:solidFill>
-                  </a:tcPr>
+                  <a:tcPr marL="9525" marR="9525" marT="9525" marB="0" anchor="ctr"/>
                 </a:tc>
                 <a:extLst>
                   <a:ext uri="{0D108BD9-81ED-4DB2-BD59-A6C34878D82A}">
@@ -30712,13 +30673,8 @@
                     <a:p>
                       <a:pPr algn="ctr" fontAlgn="ctr"/>
                       <a:r>
-                        <a:rPr lang="ko-KR" altLang="en-US" sz="1100" b="1" i="0" u="none" strike="noStrike" dirty="0" smtClean="0">
-                          <a:solidFill>
-                            <a:srgbClr val="000000"/>
-                          </a:solidFill>
-                          <a:effectLst/>
-                          <a:latin typeface="맑은 고딕" panose="020B0503020000020004" pitchFamily="50" charset="-127"/>
-                          <a:ea typeface="맑은 고딕" panose="020B0503020000020004" pitchFamily="50" charset="-127"/>
+                        <a:rPr lang="ko-KR" altLang="en-US" sz="1100" u="none" strike="noStrike" dirty="0" smtClean="0">
+                          <a:effectLst/>
                         </a:rPr>
                         <a:t>성능</a:t>
                       </a:r>
@@ -30732,13 +30688,7 @@
                       </a:endParaRPr>
                     </a:p>
                   </a:txBody>
-                  <a:tcPr marL="9525" marR="9525" marT="9525" marB="0" anchor="ctr">
-                    <a:solidFill>
-                      <a:schemeClr val="bg1">
-                        <a:lumMod val="85000"/>
-                      </a:schemeClr>
-                    </a:solidFill>
-                  </a:tcPr>
+                  <a:tcPr marL="9525" marR="9525" marT="9525" marB="0" anchor="ctr"/>
                 </a:tc>
                 <a:tc>
                   <a:txBody>
@@ -30748,33 +30698,18 @@
                       <a:pPr lvl="1" algn="l" fontAlgn="ctr"/>
                       <a:r>
                         <a:rPr lang="ko-KR" altLang="en-US" sz="1050" u="none" strike="noStrike" dirty="0" smtClean="0">
-                          <a:solidFill>
-                            <a:schemeClr val="bg1">
-                              <a:lumMod val="50000"/>
-                            </a:schemeClr>
-                          </a:solidFill>
                           <a:effectLst/>
                         </a:rPr>
                         <a:t>스크립트 </a:t>
                       </a:r>
                       <a:r>
                         <a:rPr lang="en-US" altLang="ko-KR" sz="1050" u="none" strike="noStrike" dirty="0">
-                          <a:solidFill>
-                            <a:schemeClr val="bg1">
-                              <a:lumMod val="50000"/>
-                            </a:schemeClr>
-                          </a:solidFill>
                           <a:effectLst/>
                         </a:rPr>
                         <a:t>Active </a:t>
                       </a:r>
                       <a:r>
                         <a:rPr lang="ko-KR" altLang="en-US" sz="1050" u="none" strike="noStrike" baseline="0" dirty="0" smtClean="0">
-                          <a:solidFill>
-                            <a:schemeClr val="bg1">
-                              <a:lumMod val="50000"/>
-                            </a:schemeClr>
-                          </a:solidFill>
                           <a:effectLst/>
                         </a:rPr>
                         <a:t> 동작 조건 확인</a:t>
@@ -30791,34 +30726,77 @@
                       </a:endParaRPr>
                     </a:p>
                   </a:txBody>
-                  <a:tcPr marL="9525" marR="9525" marT="9525" marB="0" anchor="ctr">
-                    <a:solidFill>
-                      <a:schemeClr val="bg1">
-                        <a:lumMod val="95000"/>
-                      </a:schemeClr>
-                    </a:solidFill>
-                  </a:tcPr>
+                  <a:tcPr marL="9525" marR="9525" marT="9525" marB="0" anchor="ctr"/>
                 </a:tc>
                 <a:tc>
                   <a:txBody>
                     <a:bodyPr/>
                     <a:lstStyle/>
                     <a:p>
-                      <a:pPr algn="ctr" fontAlgn="ctr"/>
-                      <a:r>
-                        <a:rPr lang="ko-KR" altLang="en-US" sz="1050" b="0" i="0" u="none" strike="noStrike" dirty="0" smtClean="0">
-                          <a:solidFill>
-                            <a:schemeClr val="bg1">
-                              <a:lumMod val="50000"/>
-                            </a:schemeClr>
-                          </a:solidFill>
-                          <a:effectLst/>
-                          <a:latin typeface="맑은 고딕" panose="020B0503020000020004" pitchFamily="50" charset="-127"/>
-                          <a:ea typeface="맑은 고딕" panose="020B0503020000020004" pitchFamily="50" charset="-127"/>
-                        </a:rPr>
-                        <a:t>△</a:t>
-                      </a:r>
-                      <a:endParaRPr lang="ko-KR" altLang="en-US" sz="1050" b="0" i="0" u="none" strike="noStrike" dirty="0">
+                      <a:pPr marL="0" marR="0" indent="0" algn="ctr" defTabSz="914400" rtl="0" eaLnBrk="1" fontAlgn="ctr" latinLnBrk="1" hangingPunct="1">
+                        <a:lnSpc>
+                          <a:spcPct val="100000"/>
+                        </a:lnSpc>
+                        <a:spcBef>
+                          <a:spcPts val="0"/>
+                        </a:spcBef>
+                        <a:spcAft>
+                          <a:spcPts val="0"/>
+                        </a:spcAft>
+                        <a:buClrTx/>
+                        <a:buSzTx/>
+                        <a:buFontTx/>
+                        <a:buNone/>
+                        <a:tabLst/>
+                        <a:defRPr/>
+                      </a:pPr>
+                      <a:r>
+                        <a:rPr lang="en-US" altLang="ko-KR" sz="1050" u="none" strike="noStrike" dirty="0" smtClean="0">
+                          <a:effectLst/>
+                        </a:rPr>
+                        <a:t>X</a:t>
+                      </a:r>
+                    </a:p>
+                  </a:txBody>
+                  <a:tcPr marL="9525" marR="9525" marT="9525" marB="0" anchor="ctr"/>
+                </a:tc>
+                <a:tc>
+                  <a:txBody>
+                    <a:bodyPr/>
+                    <a:lstStyle/>
+                    <a:p>
+                      <a:pPr algn="l" fontAlgn="ctr"/>
+                      <a:r>
+                        <a:rPr lang="en-US" altLang="ko-KR" sz="900" u="none" strike="noStrike" dirty="0" smtClean="0">
+                          <a:effectLst/>
+                        </a:rPr>
+                        <a:t>  </a:t>
+                      </a:r>
+                      <a:r>
+                        <a:rPr lang="en-US" altLang="ko-KR" sz="900" u="none" strike="noStrike" dirty="0" smtClean="0">
+                          <a:effectLst/>
+                        </a:rPr>
+                        <a:t> - </a:t>
+                      </a:r>
+                      <a:r>
+                        <a:rPr lang="ko-KR" altLang="en-US" sz="900" u="none" strike="noStrike" dirty="0" smtClean="0">
+                          <a:effectLst/>
+                        </a:rPr>
+                        <a:t>코드 구현에 따른 </a:t>
+                      </a:r>
+                      <a:r>
+                        <a:rPr lang="en-US" altLang="ko-KR" sz="900" u="none" strike="noStrike" dirty="0" smtClean="0">
+                          <a:effectLst/>
+                        </a:rPr>
+                        <a:t>Active </a:t>
+                      </a:r>
+                      <a:r>
+                        <a:rPr lang="ko-KR" altLang="en-US" sz="900" u="none" strike="noStrike" dirty="0" smtClean="0">
+                          <a:effectLst/>
+                        </a:rPr>
+                        <a:t>조건 패턴 확인 불가능</a:t>
+                      </a:r>
+                      <a:endParaRPr lang="ko-KR" altLang="en-US" sz="900" b="0" i="0" u="none" strike="noStrike" dirty="0">
                         <a:solidFill>
                           <a:schemeClr val="bg1">
                             <a:lumMod val="50000"/>
@@ -30830,117 +30808,7 @@
                       </a:endParaRPr>
                     </a:p>
                   </a:txBody>
-                  <a:tcPr marL="9525" marR="9525" marT="9525" marB="0" anchor="ctr">
-                    <a:solidFill>
-                      <a:schemeClr val="bg1">
-                        <a:lumMod val="95000"/>
-                      </a:schemeClr>
-                    </a:solidFill>
-                  </a:tcPr>
-                </a:tc>
-                <a:tc>
-                  <a:txBody>
-                    <a:bodyPr/>
-                    <a:lstStyle/>
-                    <a:p>
-                      <a:pPr algn="l" fontAlgn="ctr"/>
-                      <a:r>
-                        <a:rPr lang="en-US" altLang="ko-KR" sz="900" b="0" i="0" u="none" strike="noStrike" dirty="0" smtClean="0">
-                          <a:solidFill>
-                            <a:schemeClr val="bg1">
-                              <a:lumMod val="50000"/>
-                            </a:schemeClr>
-                          </a:solidFill>
-                          <a:effectLst/>
-                          <a:latin typeface="맑은 고딕" panose="020B0503020000020004" pitchFamily="50" charset="-127"/>
-                          <a:ea typeface="맑은 고딕" panose="020B0503020000020004" pitchFamily="50" charset="-127"/>
-                        </a:rPr>
-                        <a:t>  -</a:t>
-                      </a:r>
-                      <a:r>
-                        <a:rPr lang="en-US" altLang="ko-KR" sz="900" b="0" i="0" u="none" strike="noStrike" baseline="0" dirty="0" smtClean="0">
-                          <a:solidFill>
-                            <a:schemeClr val="bg1">
-                              <a:lumMod val="50000"/>
-                            </a:schemeClr>
-                          </a:solidFill>
-                          <a:effectLst/>
-                          <a:latin typeface="맑은 고딕" panose="020B0503020000020004" pitchFamily="50" charset="-127"/>
-                          <a:ea typeface="맑은 고딕" panose="020B0503020000020004" pitchFamily="50" charset="-127"/>
-                        </a:rPr>
-                        <a:t> </a:t>
-                      </a:r>
-                      <a:r>
-                        <a:rPr lang="ko-KR" altLang="en-US" sz="900" b="0" i="0" u="none" strike="noStrike" baseline="0" dirty="0" smtClean="0">
-                          <a:solidFill>
-                            <a:schemeClr val="bg1">
-                              <a:lumMod val="50000"/>
-                            </a:schemeClr>
-                          </a:solidFill>
-                          <a:effectLst/>
-                          <a:latin typeface="맑은 고딕" panose="020B0503020000020004" pitchFamily="50" charset="-127"/>
-                          <a:ea typeface="맑은 고딕" panose="020B0503020000020004" pitchFamily="50" charset="-127"/>
-                        </a:rPr>
-                        <a:t>이중화 서버의 중복 처리에 대한 </a:t>
-                      </a:r>
-                      <a:r>
-                        <a:rPr lang="en-US" altLang="ko-KR" sz="900" b="0" i="0" u="none" strike="noStrike" baseline="0" dirty="0" err="1" smtClean="0">
-                          <a:solidFill>
-                            <a:schemeClr val="bg1">
-                              <a:lumMod val="50000"/>
-                            </a:schemeClr>
-                          </a:solidFill>
-                          <a:effectLst/>
-                          <a:latin typeface="맑은 고딕" panose="020B0503020000020004" pitchFamily="50" charset="-127"/>
-                          <a:ea typeface="맑은 고딕" panose="020B0503020000020004" pitchFamily="50" charset="-127"/>
-                        </a:rPr>
-                        <a:t>Acitve</a:t>
-                      </a:r>
-                      <a:r>
-                        <a:rPr lang="en-US" altLang="ko-KR" sz="900" b="0" i="0" u="none" strike="noStrike" baseline="0" dirty="0" smtClean="0">
-                          <a:solidFill>
-                            <a:schemeClr val="bg1">
-                              <a:lumMod val="50000"/>
-                            </a:schemeClr>
-                          </a:solidFill>
-                          <a:effectLst/>
-                          <a:latin typeface="맑은 고딕" panose="020B0503020000020004" pitchFamily="50" charset="-127"/>
-                          <a:ea typeface="맑은 고딕" panose="020B0503020000020004" pitchFamily="50" charset="-127"/>
-                        </a:rPr>
-                        <a:t> </a:t>
-                      </a:r>
-                      <a:r>
-                        <a:rPr lang="ko-KR" altLang="en-US" sz="900" b="0" i="0" u="none" strike="noStrike" baseline="0" dirty="0" smtClean="0">
-                          <a:solidFill>
-                            <a:schemeClr val="bg1">
-                              <a:lumMod val="50000"/>
-                            </a:schemeClr>
-                          </a:solidFill>
-                          <a:effectLst/>
-                          <a:latin typeface="맑은 고딕" panose="020B0503020000020004" pitchFamily="50" charset="-127"/>
-                          <a:ea typeface="맑은 고딕" panose="020B0503020000020004" pitchFamily="50" charset="-127"/>
-                        </a:rPr>
-                        <a:t>조건 적용 확인</a:t>
-                      </a:r>
-                      <a:endParaRPr lang="ko-KR" altLang="en-US" sz="900" b="0" i="0" u="none" strike="noStrike" dirty="0">
-                        <a:solidFill>
-                          <a:schemeClr val="bg1">
-                            <a:lumMod val="50000"/>
-                          </a:schemeClr>
-                        </a:solidFill>
-                        <a:effectLst/>
-                        <a:latin typeface="맑은 고딕" panose="020B0503020000020004" pitchFamily="50" charset="-127"/>
-                        <a:ea typeface="맑은 고딕" panose="020B0503020000020004" pitchFamily="50" charset="-127"/>
-                      </a:endParaRPr>
-                    </a:p>
-                  </a:txBody>
-                  <a:tcPr marL="9525" marR="9525" marT="9525" marB="0" anchor="ctr">
-                    <a:solidFill>
-                      <a:schemeClr val="bg1">
-                        <a:lumMod val="95000"/>
-                      </a:schemeClr>
-                    </a:solidFill>
-                  </a:tcPr>
+                  <a:tcPr marL="9525" marR="9525" marT="9525" marB="0" anchor="ctr"/>
                 </a:tc>
                 <a:extLst>
                   <a:ext uri="{0D108BD9-81ED-4DB2-BD59-A6C34878D82A}">
@@ -30974,13 +30842,13 @@
                     <a:p>
                       <a:pPr lvl="1" algn="l" fontAlgn="ctr"/>
                       <a:r>
-                        <a:rPr lang="en-US" altLang="ko-KR" sz="1050" b="1" u="none" strike="noStrike" dirty="0">
+                        <a:rPr lang="en-US" altLang="ko-KR" sz="1050" u="none" strike="noStrike" dirty="0">
                           <a:effectLst/>
                         </a:rPr>
                         <a:t>Loop</a:t>
                       </a:r>
                       <a:r>
-                        <a:rPr lang="ko-KR" altLang="en-US" sz="1050" b="1" u="none" strike="noStrike" dirty="0">
+                        <a:rPr lang="ko-KR" altLang="en-US" sz="1050" u="none" strike="noStrike" dirty="0">
                           <a:effectLst/>
                         </a:rPr>
                         <a:t>문 내에 처리 조건</a:t>
@@ -30995,11 +30863,7 @@
                       </a:endParaRPr>
                     </a:p>
                   </a:txBody>
-                  <a:tcPr marL="9525" marR="9525" marT="9525" marB="0" anchor="ctr">
-                    <a:solidFill>
-                      <a:schemeClr val="bg1"/>
-                    </a:solidFill>
-                  </a:tcPr>
+                  <a:tcPr marL="9525" marR="9525" marT="9525" marB="0" anchor="ctr"/>
                 </a:tc>
                 <a:tc>
                   <a:txBody>
@@ -31008,13 +30872,8 @@
                     <a:p>
                       <a:pPr algn="ctr" fontAlgn="ctr"/>
                       <a:r>
-                        <a:rPr lang="ko-KR" altLang="en-US" sz="1050" b="1" i="0" u="none" strike="noStrike" dirty="0" smtClean="0">
-                          <a:solidFill>
-                            <a:srgbClr val="000000"/>
-                          </a:solidFill>
-                          <a:effectLst/>
-                          <a:latin typeface="맑은 고딕" panose="020B0503020000020004" pitchFamily="50" charset="-127"/>
-                          <a:ea typeface="+mn-ea"/>
+                        <a:rPr lang="ko-KR" altLang="en-US" sz="1050" u="none" strike="noStrike" dirty="0" smtClean="0">
+                          <a:effectLst/>
                         </a:rPr>
                         <a:t>○</a:t>
                       </a:r>
@@ -31028,11 +30887,7 @@
                       </a:endParaRPr>
                     </a:p>
                   </a:txBody>
-                  <a:tcPr marL="9525" marR="9525" marT="9525" marB="0" anchor="ctr">
-                    <a:solidFill>
-                      <a:schemeClr val="bg1"/>
-                    </a:solidFill>
-                  </a:tcPr>
+                  <a:tcPr marL="9525" marR="9525" marT="9525" marB="0" anchor="ctr"/>
                 </a:tc>
                 <a:tc>
                   <a:txBody>
@@ -31041,46 +30896,32 @@
                     <a:p>
                       <a:pPr algn="l" fontAlgn="ctr"/>
                       <a:r>
-                        <a:rPr lang="en-US" altLang="ko-KR" sz="900" b="1" i="0" u="none" strike="noStrike" baseline="0" dirty="0" smtClean="0">
-                          <a:solidFill>
-                            <a:srgbClr val="000000"/>
-                          </a:solidFill>
-                          <a:effectLst/>
-                          <a:latin typeface="맑은 고딕" panose="020B0503020000020004" pitchFamily="50" charset="-127"/>
-                          <a:ea typeface="맑은 고딕" panose="020B0503020000020004" pitchFamily="50" charset="-127"/>
-                        </a:rPr>
-                        <a:t>  - while</a:t>
-                      </a:r>
-                      <a:r>
-                        <a:rPr lang="ko-KR" altLang="en-US" sz="900" b="1" i="0" u="none" strike="noStrike" baseline="0" dirty="0" smtClean="0">
-                          <a:solidFill>
-                            <a:srgbClr val="000000"/>
-                          </a:solidFill>
-                          <a:effectLst/>
-                          <a:latin typeface="맑은 고딕" panose="020B0503020000020004" pitchFamily="50" charset="-127"/>
-                          <a:ea typeface="맑은 고딕" panose="020B0503020000020004" pitchFamily="50" charset="-127"/>
+                        <a:rPr lang="en-US" altLang="ko-KR" sz="900" u="none" strike="noStrike" baseline="0" dirty="0" smtClean="0">
+                          <a:effectLst/>
+                        </a:rPr>
+                        <a:t>  - </a:t>
+                      </a:r>
+                      <a:r>
+                        <a:rPr lang="en-US" altLang="ko-KR" sz="900" u="none" strike="noStrike" baseline="0" dirty="0" smtClean="0">
+                          <a:effectLst/>
+                        </a:rPr>
+                        <a:t>while</a:t>
+                      </a:r>
+                      <a:r>
+                        <a:rPr lang="ko-KR" altLang="en-US" sz="900" u="none" strike="noStrike" baseline="0" dirty="0" smtClean="0">
+                          <a:effectLst/>
                         </a:rPr>
                         <a:t>문 내 </a:t>
                       </a:r>
                       <a:r>
-                        <a:rPr lang="en-US" altLang="ko-KR" sz="900" b="1" i="0" u="none" strike="noStrike" baseline="0" dirty="0" smtClean="0">
-                          <a:solidFill>
-                            <a:srgbClr val="000000"/>
-                          </a:solidFill>
-                          <a:effectLst/>
-                          <a:latin typeface="맑은 고딕" panose="020B0503020000020004" pitchFamily="50" charset="-127"/>
-                          <a:ea typeface="맑은 고딕" panose="020B0503020000020004" pitchFamily="50" charset="-127"/>
+                        <a:rPr lang="en-US" altLang="ko-KR" sz="900" u="none" strike="noStrike" baseline="0" dirty="0" smtClean="0">
+                          <a:effectLst/>
                         </a:rPr>
                         <a:t>delay </a:t>
                       </a:r>
                       <a:r>
-                        <a:rPr lang="ko-KR" altLang="en-US" sz="900" b="1" i="0" u="none" strike="noStrike" baseline="0" dirty="0" smtClean="0">
-                          <a:solidFill>
-                            <a:srgbClr val="000000"/>
-                          </a:solidFill>
-                          <a:effectLst/>
-                          <a:latin typeface="맑은 고딕" panose="020B0503020000020004" pitchFamily="50" charset="-127"/>
-                          <a:ea typeface="맑은 고딕" panose="020B0503020000020004" pitchFamily="50" charset="-127"/>
+                        <a:rPr lang="ko-KR" altLang="en-US" sz="900" u="none" strike="noStrike" baseline="0" dirty="0" smtClean="0">
+                          <a:effectLst/>
                         </a:rPr>
                         <a:t>적용 확인</a:t>
                       </a:r>
@@ -31094,11 +30935,7 @@
                       </a:endParaRPr>
                     </a:p>
                   </a:txBody>
-                  <a:tcPr marL="9525" marR="9525" marT="9525" marB="0" anchor="ctr">
-                    <a:solidFill>
-                      <a:schemeClr val="bg1"/>
-                    </a:solidFill>
-                  </a:tcPr>
+                  <a:tcPr marL="9525" marR="9525" marT="9525" marB="0" anchor="ctr"/>
                 </a:tc>
                 <a:extLst>
                   <a:ext uri="{0D108BD9-81ED-4DB2-BD59-A6C34878D82A}">
@@ -31132,13 +30969,13 @@
                     <a:p>
                       <a:pPr lvl="1" algn="l" fontAlgn="ctr"/>
                       <a:r>
-                        <a:rPr lang="en-US" altLang="ko-KR" sz="1050" b="1" u="none" strike="noStrike" dirty="0">
+                        <a:rPr lang="en-US" altLang="ko-KR" sz="1050" u="none" strike="noStrike" dirty="0">
                           <a:effectLst/>
                         </a:rPr>
                         <a:t>Event, Ctrl Manager </a:t>
                       </a:r>
                       <a:r>
-                        <a:rPr lang="ko-KR" altLang="en-US" sz="1050" b="1" u="none" strike="noStrike" dirty="0">
+                        <a:rPr lang="ko-KR" altLang="en-US" sz="1050" u="none" strike="noStrike" dirty="0">
                           <a:effectLst/>
                         </a:rPr>
                         <a:t>이벤트 교환 횟수 최소화</a:t>
@@ -31162,13 +30999,8 @@
                     <a:p>
                       <a:pPr algn="ctr" fontAlgn="ctr"/>
                       <a:r>
-                        <a:rPr lang="ko-KR" altLang="en-US" sz="1050" b="1" i="0" u="none" strike="noStrike" dirty="0" smtClean="0">
-                          <a:solidFill>
-                            <a:srgbClr val="000000"/>
-                          </a:solidFill>
-                          <a:effectLst/>
-                          <a:latin typeface="맑은 고딕" panose="020B0503020000020004" pitchFamily="50" charset="-127"/>
-                          <a:ea typeface="맑은 고딕" panose="020B0503020000020004" pitchFamily="50" charset="-127"/>
+                        <a:rPr lang="ko-KR" altLang="en-US" sz="1050" u="none" strike="noStrike" dirty="0" smtClean="0">
+                          <a:effectLst/>
                         </a:rPr>
                         <a:t>○</a:t>
                       </a:r>
@@ -31207,112 +31039,62 @@
                         <a:defRPr/>
                       </a:pPr>
                       <a:r>
-                        <a:rPr lang="en-US" altLang="ko-KR" sz="900" b="1" i="0" u="none" strike="noStrike" dirty="0" smtClean="0">
-                          <a:solidFill>
-                            <a:schemeClr val="tx1"/>
-                          </a:solidFill>
-                          <a:effectLst/>
-                          <a:latin typeface="+mn-ea"/>
-                          <a:ea typeface="+mn-ea"/>
+                        <a:rPr lang="en-US" altLang="ko-KR" sz="900" u="none" strike="noStrike" dirty="0" smtClean="0">
+                          <a:effectLst/>
                         </a:rPr>
                         <a:t>  - </a:t>
                       </a:r>
                       <a:r>
-                        <a:rPr lang="en-US" altLang="ko-KR" sz="900" b="1" i="0" u="none" strike="noStrike" dirty="0" err="1" smtClean="0">
-                          <a:solidFill>
-                            <a:schemeClr val="tx1"/>
-                          </a:solidFill>
-                          <a:effectLst/>
-                          <a:latin typeface="+mn-ea"/>
-                          <a:ea typeface="+mn-ea"/>
+                        <a:rPr lang="en-US" altLang="ko-KR" sz="900" u="none" strike="noStrike" dirty="0" err="1" smtClean="0">
+                          <a:effectLst/>
                         </a:rPr>
                         <a:t>dpGet</a:t>
                       </a:r>
                       <a:r>
-                        <a:rPr lang="en-US" altLang="ko-KR" sz="900" b="1" i="0" u="none" strike="noStrike" dirty="0" smtClean="0">
-                          <a:solidFill>
-                            <a:schemeClr val="tx1"/>
-                          </a:solidFill>
-                          <a:effectLst/>
-                          <a:latin typeface="+mn-ea"/>
-                          <a:ea typeface="+mn-ea"/>
+                        <a:rPr lang="en-US" altLang="ko-KR" sz="900" u="none" strike="noStrike" dirty="0" smtClean="0">
+                          <a:effectLst/>
                         </a:rPr>
                         <a:t>, </a:t>
                       </a:r>
                       <a:r>
-                        <a:rPr lang="en-US" altLang="ko-KR" sz="900" b="1" i="0" u="none" strike="noStrike" dirty="0" err="1" smtClean="0">
-                          <a:solidFill>
-                            <a:schemeClr val="tx1"/>
-                          </a:solidFill>
-                          <a:effectLst/>
-                          <a:latin typeface="+mn-ea"/>
-                          <a:ea typeface="+mn-ea"/>
+                        <a:rPr lang="en-US" altLang="ko-KR" sz="900" u="none" strike="noStrike" dirty="0" err="1" smtClean="0">
+                          <a:effectLst/>
                         </a:rPr>
                         <a:t>dpSet</a:t>
                       </a:r>
                       <a:r>
-                        <a:rPr lang="en-US" altLang="ko-KR" sz="900" b="1" i="0" u="none" strike="noStrike" dirty="0" smtClean="0">
-                          <a:solidFill>
-                            <a:schemeClr val="tx1"/>
-                          </a:solidFill>
-                          <a:effectLst/>
-                          <a:latin typeface="+mn-ea"/>
-                          <a:ea typeface="+mn-ea"/>
+                        <a:rPr lang="en-US" altLang="ko-KR" sz="900" u="none" strike="noStrike" dirty="0" smtClean="0">
+                          <a:effectLst/>
                         </a:rPr>
                         <a:t> </a:t>
                       </a:r>
                       <a:r>
-                        <a:rPr lang="ko-KR" altLang="en-US" sz="900" b="1" i="0" u="none" strike="noStrike" dirty="0" smtClean="0">
-                          <a:solidFill>
-                            <a:schemeClr val="tx1"/>
-                          </a:solidFill>
-                          <a:effectLst/>
-                          <a:latin typeface="+mn-ea"/>
-                          <a:ea typeface="+mn-ea"/>
+                        <a:rPr lang="ko-KR" altLang="en-US" sz="900" u="none" strike="noStrike" dirty="0" smtClean="0">
+                          <a:effectLst/>
                         </a:rPr>
                         <a:t>연속 처리</a:t>
                       </a:r>
                       <a:r>
-                        <a:rPr lang="ko-KR" altLang="en-US" sz="900" b="1" i="0" u="none" strike="noStrike" baseline="0" dirty="0" smtClean="0">
-                          <a:solidFill>
-                            <a:schemeClr val="tx1"/>
-                          </a:solidFill>
-                          <a:effectLst/>
-                          <a:latin typeface="+mn-ea"/>
-                          <a:ea typeface="+mn-ea"/>
+                        <a:rPr lang="ko-KR" altLang="en-US" sz="900" u="none" strike="noStrike" baseline="0" dirty="0" smtClean="0">
+                          <a:effectLst/>
                         </a:rPr>
                         <a:t> 경우 확인 </a:t>
                       </a:r>
                       <a:r>
-                        <a:rPr lang="en-US" altLang="ko-KR" sz="900" b="1" i="0" u="none" strike="noStrike" baseline="0" dirty="0" smtClean="0">
-                          <a:solidFill>
-                            <a:schemeClr val="tx1"/>
-                          </a:solidFill>
-                          <a:effectLst/>
-                          <a:latin typeface="+mn-ea"/>
-                          <a:ea typeface="+mn-ea"/>
+                        <a:rPr lang="en-US" altLang="ko-KR" sz="900" u="none" strike="noStrike" baseline="0" dirty="0" smtClean="0">
+                          <a:effectLst/>
                         </a:rPr>
                         <a:t>(</a:t>
                       </a:r>
                       <a:r>
-                        <a:rPr lang="ko-KR" altLang="en-US" sz="900" b="1" i="0" u="none" strike="noStrike" baseline="0" dirty="0" smtClean="0">
-                          <a:solidFill>
-                            <a:schemeClr val="tx1"/>
-                          </a:solidFill>
-                          <a:effectLst/>
-                          <a:latin typeface="+mn-ea"/>
-                          <a:ea typeface="+mn-ea"/>
+                        <a:rPr lang="ko-KR" altLang="en-US" sz="900" u="none" strike="noStrike" baseline="0" dirty="0" smtClean="0">
+                          <a:effectLst/>
                         </a:rPr>
                         <a:t>불합리 사항</a:t>
                       </a:r>
                       <a:r>
-                        <a:rPr lang="en-US" altLang="ko-KR" sz="900" b="1" i="0" u="none" strike="noStrike" baseline="0" dirty="0" smtClean="0">
-                          <a:solidFill>
-                            <a:schemeClr val="tx1"/>
-                          </a:solidFill>
-                          <a:effectLst/>
-                          <a:latin typeface="+mn-ea"/>
-                          <a:ea typeface="+mn-ea"/>
+                        <a:rPr lang="en-US" altLang="ko-KR" sz="900" u="none" strike="noStrike" baseline="0" dirty="0" smtClean="0">
+                          <a:effectLst/>
                         </a:rPr>
                         <a:t>)</a:t>
                       </a:r>
@@ -31360,19 +31142,19 @@
                     <a:p>
                       <a:pPr lvl="1" algn="l" fontAlgn="ctr"/>
                       <a:r>
-                        <a:rPr lang="ko-KR" altLang="en-US" sz="1050" b="1" u="none" strike="noStrike" dirty="0">
+                        <a:rPr lang="ko-KR" altLang="en-US" sz="1050" u="none" strike="noStrike" dirty="0">
                           <a:effectLst/>
                         </a:rPr>
                         <a:t>적절한 </a:t>
                       </a:r>
                       <a:r>
-                        <a:rPr lang="en-US" altLang="ko-KR" sz="1050" b="1" u="none" strike="noStrike" dirty="0">
+                        <a:rPr lang="en-US" altLang="ko-KR" sz="1050" u="none" strike="noStrike" dirty="0">
                           <a:effectLst/>
                         </a:rPr>
                         <a:t>DP </a:t>
                       </a:r>
                       <a:r>
-                        <a:rPr lang="ko-KR" altLang="en-US" sz="1050" b="1" u="none" strike="noStrike" dirty="0">
+                        <a:rPr lang="ko-KR" altLang="en-US" sz="1050" u="none" strike="noStrike" dirty="0">
                           <a:effectLst/>
                         </a:rPr>
                         <a:t>처리 함수 사용</a:t>
@@ -31412,16 +31194,19 @@
                         <a:defRPr/>
                       </a:pPr>
                       <a:r>
-                        <a:rPr lang="ko-KR" altLang="en-US" sz="1050" b="1" i="0" u="none" strike="noStrike" dirty="0" smtClean="0">
-                          <a:solidFill>
-                            <a:srgbClr val="000000"/>
-                          </a:solidFill>
-                          <a:effectLst/>
-                          <a:latin typeface="맑은 고딕" panose="020B0503020000020004" pitchFamily="50" charset="-127"/>
-                          <a:ea typeface="+mn-ea"/>
+                        <a:rPr lang="ko-KR" altLang="en-US" sz="1050" u="none" strike="noStrike" dirty="0" smtClean="0">
+                          <a:effectLst/>
                         </a:rPr>
                         <a:t>○</a:t>
                       </a:r>
+                      <a:endParaRPr lang="ko-KR" altLang="en-US" sz="1050" b="1" i="0" u="none" strike="noStrike" dirty="0" smtClean="0">
+                        <a:solidFill>
+                          <a:srgbClr val="000000"/>
+                        </a:solidFill>
+                        <a:effectLst/>
+                        <a:latin typeface="맑은 고딕" panose="020B0503020000020004" pitchFamily="50" charset="-127"/>
+                        <a:ea typeface="+mn-ea"/>
+                      </a:endParaRPr>
                     </a:p>
                   </a:txBody>
                   <a:tcPr marL="9525" marR="9525" marT="9525" marB="0" anchor="ctr"/>
@@ -31433,90 +31218,50 @@
                     <a:p>
                       <a:pPr algn="l" fontAlgn="ctr"/>
                       <a:r>
-                        <a:rPr lang="en-US" altLang="ko-KR" sz="900" b="1" i="0" u="none" strike="noStrike" dirty="0" smtClean="0">
-                          <a:solidFill>
-                            <a:srgbClr val="000000"/>
-                          </a:solidFill>
-                          <a:effectLst/>
-                          <a:latin typeface="맑은 고딕" panose="020B0503020000020004" pitchFamily="50" charset="-127"/>
-                          <a:ea typeface="맑은 고딕" panose="020B0503020000020004" pitchFamily="50" charset="-127"/>
+                        <a:rPr lang="en-US" altLang="ko-KR" sz="900" u="none" strike="noStrike" dirty="0" smtClean="0">
+                          <a:effectLst/>
                         </a:rPr>
                         <a:t>  - Callback</a:t>
                       </a:r>
                       <a:r>
-                        <a:rPr lang="en-US" altLang="ko-KR" sz="900" b="1" i="0" u="none" strike="noStrike" baseline="0" dirty="0" smtClean="0">
-                          <a:solidFill>
-                            <a:srgbClr val="000000"/>
-                          </a:solidFill>
-                          <a:effectLst/>
-                          <a:latin typeface="맑은 고딕" panose="020B0503020000020004" pitchFamily="50" charset="-127"/>
-                          <a:ea typeface="맑은 고딕" panose="020B0503020000020004" pitchFamily="50" charset="-127"/>
+                        <a:rPr lang="en-US" altLang="ko-KR" sz="900" u="none" strike="noStrike" baseline="0" dirty="0" smtClean="0">
+                          <a:effectLst/>
                         </a:rPr>
                         <a:t> </a:t>
                       </a:r>
                       <a:r>
-                        <a:rPr lang="ko-KR" altLang="en-US" sz="900" b="1" i="0" u="none" strike="noStrike" baseline="0" dirty="0" smtClean="0">
-                          <a:solidFill>
-                            <a:srgbClr val="000000"/>
-                          </a:solidFill>
-                          <a:effectLst/>
-                          <a:latin typeface="맑은 고딕" panose="020B0503020000020004" pitchFamily="50" charset="-127"/>
-                          <a:ea typeface="맑은 고딕" panose="020B0503020000020004" pitchFamily="50" charset="-127"/>
+                        <a:rPr lang="ko-KR" altLang="en-US" sz="900" u="none" strike="noStrike" baseline="0" dirty="0" smtClean="0">
+                          <a:effectLst/>
                         </a:rPr>
                         <a:t>함수 내 </a:t>
                       </a:r>
                       <a:r>
-                        <a:rPr lang="en-US" altLang="ko-KR" sz="900" b="1" i="0" u="none" strike="noStrike" baseline="0" dirty="0" smtClean="0">
-                          <a:solidFill>
-                            <a:srgbClr val="000000"/>
-                          </a:solidFill>
-                          <a:effectLst/>
-                          <a:latin typeface="맑은 고딕" panose="020B0503020000020004" pitchFamily="50" charset="-127"/>
-                          <a:ea typeface="맑은 고딕" panose="020B0503020000020004" pitchFamily="50" charset="-127"/>
+                        <a:rPr lang="en-US" altLang="ko-KR" sz="900" u="none" strike="noStrike" baseline="0" dirty="0" smtClean="0">
+                          <a:effectLst/>
                         </a:rPr>
                         <a:t>Delay </a:t>
                       </a:r>
                       <a:r>
-                        <a:rPr lang="ko-KR" altLang="en-US" sz="900" b="1" i="0" u="none" strike="noStrike" baseline="0" dirty="0" smtClean="0">
-                          <a:solidFill>
-                            <a:srgbClr val="000000"/>
-                          </a:solidFill>
-                          <a:effectLst/>
-                          <a:latin typeface="맑은 고딕" panose="020B0503020000020004" pitchFamily="50" charset="-127"/>
-                          <a:ea typeface="맑은 고딕" panose="020B0503020000020004" pitchFamily="50" charset="-127"/>
+                        <a:rPr lang="ko-KR" altLang="en-US" sz="900" u="none" strike="noStrike" baseline="0" dirty="0" smtClean="0">
+                          <a:effectLst/>
                         </a:rPr>
                         <a:t>처리 경우 확인 </a:t>
                       </a:r>
                       <a:r>
-                        <a:rPr lang="en-US" altLang="ko-KR" sz="900" b="1" i="0" u="none" strike="noStrike" baseline="0" dirty="0" smtClean="0">
-                          <a:solidFill>
-                            <a:srgbClr val="000000"/>
-                          </a:solidFill>
-                          <a:effectLst/>
-                          <a:latin typeface="맑은 고딕" panose="020B0503020000020004" pitchFamily="50" charset="-127"/>
-                          <a:ea typeface="맑은 고딕" panose="020B0503020000020004" pitchFamily="50" charset="-127"/>
+                        <a:rPr lang="en-US" altLang="ko-KR" sz="900" u="none" strike="noStrike" baseline="0" dirty="0" smtClean="0">
+                          <a:effectLst/>
                         </a:rPr>
                         <a:t>(</a:t>
                       </a:r>
                       <a:r>
-                        <a:rPr lang="ko-KR" altLang="en-US" sz="900" b="1" i="0" u="none" strike="noStrike" baseline="0" dirty="0" smtClean="0">
-                          <a:solidFill>
-                            <a:srgbClr val="000000"/>
-                          </a:solidFill>
-                          <a:effectLst/>
-                          <a:latin typeface="맑은 고딕" panose="020B0503020000020004" pitchFamily="50" charset="-127"/>
-                          <a:ea typeface="맑은 고딕" panose="020B0503020000020004" pitchFamily="50" charset="-127"/>
+                        <a:rPr lang="ko-KR" altLang="en-US" sz="900" u="none" strike="noStrike" baseline="0" dirty="0" smtClean="0">
+                          <a:effectLst/>
                         </a:rPr>
                         <a:t>불합리 사항</a:t>
                       </a:r>
                       <a:r>
-                        <a:rPr lang="en-US" altLang="ko-KR" sz="900" b="1" i="0" u="none" strike="noStrike" baseline="0" dirty="0" smtClean="0">
-                          <a:solidFill>
-                            <a:srgbClr val="000000"/>
-                          </a:solidFill>
-                          <a:effectLst/>
-                          <a:latin typeface="맑은 고딕" panose="020B0503020000020004" pitchFamily="50" charset="-127"/>
-                          <a:ea typeface="맑은 고딕" panose="020B0503020000020004" pitchFamily="50" charset="-127"/>
+                        <a:rPr lang="en-US" altLang="ko-KR" sz="900" u="none" strike="noStrike" baseline="0" dirty="0" smtClean="0">
+                          <a:effectLst/>
                         </a:rPr>
                         <a:t>)</a:t>
                       </a:r>
@@ -31565,55 +31310,30 @@
                       <a:pPr lvl="1" algn="l" fontAlgn="ctr"/>
                       <a:r>
                         <a:rPr lang="en-US" sz="1050" u="none" strike="noStrike" dirty="0" err="1">
-                          <a:solidFill>
-                            <a:schemeClr val="bg1">
-                              <a:lumMod val="50000"/>
-                            </a:schemeClr>
-                          </a:solidFill>
                           <a:effectLst/>
                         </a:rPr>
                         <a:t>Raima</a:t>
                       </a:r>
                       <a:r>
                         <a:rPr lang="en-US" sz="1050" u="none" strike="noStrike" dirty="0">
-                          <a:solidFill>
-                            <a:schemeClr val="bg1">
-                              <a:lumMod val="50000"/>
-                            </a:schemeClr>
-                          </a:solidFill>
                           <a:effectLst/>
                         </a:rPr>
                         <a:t> </a:t>
                       </a:r>
                       <a:r>
                         <a:rPr lang="en-US" sz="1050" u="none" strike="noStrike" dirty="0" smtClean="0">
-                          <a:solidFill>
-                            <a:schemeClr val="bg1">
-                              <a:lumMod val="50000"/>
-                            </a:schemeClr>
-                          </a:solidFill>
                           <a:effectLst/>
                         </a:rPr>
                         <a:t>DB</a:t>
                       </a:r>
                       <a:r>
                         <a:rPr lang="en-US" sz="1050" u="none" strike="noStrike" baseline="0" dirty="0" smtClean="0">
-                          <a:solidFill>
-                            <a:schemeClr val="bg1">
-                              <a:lumMod val="50000"/>
-                            </a:schemeClr>
-                          </a:solidFill>
                           <a:effectLst/>
                         </a:rPr>
                         <a:t> </a:t>
                       </a:r>
                       <a:r>
                         <a:rPr lang="ko-KR" altLang="en-US" sz="1050" u="none" strike="noStrike" baseline="0" dirty="0" smtClean="0">
-                          <a:solidFill>
-                            <a:schemeClr val="bg1">
-                              <a:lumMod val="50000"/>
-                            </a:schemeClr>
-                          </a:solidFill>
                           <a:effectLst/>
                         </a:rPr>
                         <a:t>증가 방지</a:t>
@@ -31630,13 +31350,7 @@
                       </a:endParaRPr>
                     </a:p>
                   </a:txBody>
-                  <a:tcPr marL="9525" marR="9525" marT="9525" marB="0" anchor="ctr">
-                    <a:solidFill>
-                      <a:schemeClr val="bg1">
-                        <a:lumMod val="85000"/>
-                      </a:schemeClr>
-                    </a:solidFill>
-                  </a:tcPr>
+                  <a:tcPr marL="9525" marR="9525" marT="9525" marB="0" anchor="ctr"/>
                 </a:tc>
                 <a:tc>
                   <a:txBody>
@@ -31661,15 +31375,8 @@
                         <a:defRPr/>
                       </a:pPr>
                       <a:r>
-                        <a:rPr lang="en-US" altLang="ko-KR" sz="1050" b="0" i="0" u="none" strike="noStrike" dirty="0" smtClean="0">
-                          <a:solidFill>
-                            <a:schemeClr val="bg1">
-                              <a:lumMod val="50000"/>
-                            </a:schemeClr>
-                          </a:solidFill>
-                          <a:effectLst/>
-                          <a:latin typeface="맑은 고딕" panose="020B0503020000020004" pitchFamily="50" charset="-127"/>
-                          <a:ea typeface="+mn-ea"/>
+                        <a:rPr lang="en-US" altLang="ko-KR" sz="1050" u="none" strike="noStrike" dirty="0" smtClean="0">
+                          <a:effectLst/>
                         </a:rPr>
                         <a:t>X</a:t>
                       </a:r>
@@ -31685,13 +31392,7 @@
                       </a:endParaRPr>
                     </a:p>
                   </a:txBody>
-                  <a:tcPr marL="9525" marR="9525" marT="9525" marB="0" anchor="ctr">
-                    <a:solidFill>
-                      <a:schemeClr val="bg1">
-                        <a:lumMod val="85000"/>
-                      </a:schemeClr>
-                    </a:solidFill>
-                  </a:tcPr>
+                  <a:tcPr marL="9525" marR="9525" marT="9525" marB="0" anchor="ctr"/>
                 </a:tc>
                 <a:tc>
                   <a:txBody>
@@ -31716,119 +31417,50 @@
                         <a:defRPr/>
                       </a:pPr>
                       <a:r>
-                        <a:rPr lang="en-US" altLang="ko-KR" sz="900" b="0" i="0" u="none" strike="noStrike" dirty="0" smtClean="0">
-                          <a:solidFill>
-                            <a:schemeClr val="bg1">
-                              <a:lumMod val="50000"/>
-                            </a:schemeClr>
-                          </a:solidFill>
-                          <a:effectLst/>
-                          <a:latin typeface="+mn-ea"/>
-                          <a:ea typeface="+mn-ea"/>
+                        <a:rPr lang="en-US" altLang="ko-KR" sz="900" u="none" strike="noStrike" dirty="0" smtClean="0">
+                          <a:effectLst/>
                         </a:rPr>
                         <a:t> </a:t>
                       </a:r>
                       <a:r>
-                        <a:rPr lang="en-US" altLang="ko-KR" sz="900" b="0" i="0" u="none" strike="noStrike" baseline="0" dirty="0" smtClean="0">
-                          <a:solidFill>
-                            <a:schemeClr val="bg1">
-                              <a:lumMod val="50000"/>
-                            </a:schemeClr>
-                          </a:solidFill>
-                          <a:effectLst/>
-                          <a:latin typeface="+mn-ea"/>
-                          <a:ea typeface="+mn-ea"/>
+                        <a:rPr lang="en-US" altLang="ko-KR" sz="900" u="none" strike="noStrike" baseline="0" dirty="0" smtClean="0">
+                          <a:effectLst/>
+                        </a:rPr>
+                        <a:t> - </a:t>
+                      </a:r>
+                      <a:r>
+                        <a:rPr lang="en-US" altLang="ko-KR" sz="900" u="none" strike="noStrike" baseline="0" dirty="0" err="1" smtClean="0">
+                          <a:effectLst/>
+                        </a:rPr>
+                        <a:t>dpSet</a:t>
+                      </a:r>
+                      <a:r>
+                        <a:rPr lang="en-US" altLang="ko-KR" sz="900" u="none" strike="noStrike" baseline="0" dirty="0" smtClean="0">
+                          <a:effectLst/>
                         </a:rPr>
                         <a:t> </a:t>
                       </a:r>
                       <a:r>
-                        <a:rPr lang="en-US" altLang="ko-KR" sz="900" b="0" i="0" u="none" strike="noStrike" baseline="0" dirty="0" smtClean="0">
-                          <a:solidFill>
-                            <a:schemeClr val="bg1">
-                              <a:lumMod val="50000"/>
-                            </a:schemeClr>
-                          </a:solidFill>
-                          <a:effectLst/>
-                          <a:latin typeface="+mn-ea"/>
-                          <a:ea typeface="+mn-ea"/>
-                        </a:rPr>
-                        <a:t>- </a:t>
-                      </a:r>
-                      <a:r>
-                        <a:rPr lang="en-US" altLang="ko-KR" sz="900" b="0" i="0" u="none" strike="noStrike" baseline="0" dirty="0" err="1" smtClean="0">
-                          <a:solidFill>
-                            <a:schemeClr val="bg1">
-                              <a:lumMod val="50000"/>
-                            </a:schemeClr>
-                          </a:solidFill>
-                          <a:effectLst/>
-                          <a:latin typeface="+mn-ea"/>
-                          <a:ea typeface="+mn-ea"/>
-                        </a:rPr>
-                        <a:t>dpSet</a:t>
-                      </a:r>
-                      <a:r>
-                        <a:rPr lang="en-US" altLang="ko-KR" sz="900" b="0" i="0" u="none" strike="noStrike" baseline="0" dirty="0" smtClean="0">
-                          <a:solidFill>
-                            <a:schemeClr val="bg1">
-                              <a:lumMod val="50000"/>
-                            </a:schemeClr>
-                          </a:solidFill>
-                          <a:effectLst/>
-                          <a:latin typeface="+mn-ea"/>
-                          <a:ea typeface="+mn-ea"/>
+                        <a:rPr lang="ko-KR" altLang="en-US" sz="900" u="none" strike="noStrike" baseline="0" dirty="0" smtClean="0">
+                          <a:effectLst/>
+                        </a:rPr>
+                        <a:t>처리하는 대상의 </a:t>
+                      </a:r>
+                      <a:r>
+                        <a:rPr lang="en-US" altLang="ko-KR" sz="900" u="none" strike="noStrike" baseline="0" dirty="0" err="1" smtClean="0">
+                          <a:effectLst/>
+                        </a:rPr>
+                        <a:t>DataPoint</a:t>
+                      </a:r>
+                      <a:r>
+                        <a:rPr lang="en-US" altLang="ko-KR" sz="900" u="none" strike="noStrike" baseline="0" dirty="0" smtClean="0">
+                          <a:effectLst/>
                         </a:rPr>
                         <a:t> </a:t>
                       </a:r>
                       <a:r>
-                        <a:rPr lang="ko-KR" altLang="en-US" sz="900" b="0" i="0" u="none" strike="noStrike" baseline="0" dirty="0" smtClean="0">
-                          <a:solidFill>
-                            <a:schemeClr val="bg1">
-                              <a:lumMod val="50000"/>
-                            </a:schemeClr>
-                          </a:solidFill>
-                          <a:effectLst/>
-                          <a:latin typeface="+mn-ea"/>
-                          <a:ea typeface="+mn-ea"/>
-                        </a:rPr>
-                        <a:t>처리하는 대상의 </a:t>
-                      </a:r>
-                      <a:r>
-                        <a:rPr lang="en-US" altLang="ko-KR" sz="900" b="0" i="0" u="none" strike="noStrike" baseline="0" dirty="0" err="1" smtClean="0">
-                          <a:solidFill>
-                            <a:schemeClr val="bg1">
-                              <a:lumMod val="50000"/>
-                            </a:schemeClr>
-                          </a:solidFill>
-                          <a:effectLst/>
-                          <a:latin typeface="+mn-ea"/>
-                          <a:ea typeface="+mn-ea"/>
-                        </a:rPr>
-                        <a:t>DataPoint</a:t>
-                      </a:r>
-                      <a:r>
-                        <a:rPr lang="en-US" altLang="ko-KR" sz="900" b="0" i="0" u="none" strike="noStrike" baseline="0" dirty="0" smtClean="0">
-                          <a:solidFill>
-                            <a:schemeClr val="bg1">
-                              <a:lumMod val="50000"/>
-                            </a:schemeClr>
-                          </a:solidFill>
-                          <a:effectLst/>
-                          <a:latin typeface="+mn-ea"/>
-                          <a:ea typeface="+mn-ea"/>
-                        </a:rPr>
-                        <a:t> </a:t>
-                      </a:r>
-                      <a:r>
-                        <a:rPr lang="ko-KR" altLang="en-US" sz="900" b="0" i="0" u="none" strike="noStrike" baseline="0" dirty="0" smtClean="0">
-                          <a:solidFill>
-                            <a:schemeClr val="bg1">
-                              <a:lumMod val="50000"/>
-                            </a:schemeClr>
-                          </a:solidFill>
-                          <a:effectLst/>
-                          <a:latin typeface="+mn-ea"/>
-                          <a:ea typeface="+mn-ea"/>
+                        <a:rPr lang="ko-KR" altLang="en-US" sz="900" u="none" strike="noStrike" baseline="0" dirty="0" smtClean="0">
+                          <a:effectLst/>
                         </a:rPr>
                         <a:t>확인 어려움</a:t>
                       </a:r>
@@ -31844,13 +31476,7 @@
                       </a:endParaRPr>
                     </a:p>
                   </a:txBody>
-                  <a:tcPr marL="9525" marR="9525" marT="9525" marB="0" anchor="ctr">
-                    <a:solidFill>
-                      <a:schemeClr val="bg1">
-                        <a:lumMod val="85000"/>
-                      </a:schemeClr>
-                    </a:solidFill>
-                  </a:tcPr>
+                  <a:tcPr marL="9525" marR="9525" marT="9525" marB="0" anchor="ctr"/>
                 </a:tc>
                 <a:extLst>
                   <a:ext uri="{0D108BD9-81ED-4DB2-BD59-A6C34878D82A}">
@@ -31870,105 +31496,50 @@
                         </a:lnSpc>
                       </a:pPr>
                       <a:r>
-                        <a:rPr lang="en-US" altLang="ko-KR" sz="1100" b="1" i="0" u="none" strike="noStrike" dirty="0" smtClean="0">
-                          <a:solidFill>
-                            <a:srgbClr val="000000"/>
-                          </a:solidFill>
-                          <a:effectLst/>
-                          <a:latin typeface="맑은 고딕" panose="020B0503020000020004" pitchFamily="50" charset="-127"/>
-                          <a:ea typeface="맑은 고딕" panose="020B0503020000020004" pitchFamily="50" charset="-127"/>
+                        <a:rPr lang="en-US" altLang="ko-KR" sz="1100" u="none" strike="noStrike" dirty="0" smtClean="0">
+                          <a:effectLst/>
+                        </a:rPr>
+                        <a:t>Query </a:t>
+                      </a:r>
+                      <a:r>
+                        <a:rPr lang="ko-KR" altLang="en-US" sz="1100" u="none" strike="noStrike" baseline="0" dirty="0" smtClean="0">
+                          <a:effectLst/>
+                        </a:rPr>
+                        <a:t>검증</a:t>
+                      </a:r>
+                      <a:endParaRPr lang="ko-KR" altLang="en-US" sz="1100" b="1" i="0" u="none" strike="noStrike" dirty="0">
+                        <a:solidFill>
+                          <a:srgbClr val="000000"/>
+                        </a:solidFill>
+                        <a:effectLst/>
+                        <a:latin typeface="맑은 고딕" panose="020B0503020000020004" pitchFamily="50" charset="-127"/>
+                        <a:ea typeface="맑은 고딕" panose="020B0503020000020004" pitchFamily="50" charset="-127"/>
+                      </a:endParaRPr>
+                    </a:p>
+                  </a:txBody>
+                  <a:tcPr marL="9525" marR="9525" marT="9525" marB="0" anchor="ctr"/>
+                </a:tc>
+                <a:tc>
+                  <a:txBody>
+                    <a:bodyPr/>
+                    <a:lstStyle/>
+                    <a:p>
+                      <a:pPr lvl="1" algn="l" fontAlgn="ctr"/>
+                      <a:r>
+                        <a:rPr lang="en-US" altLang="ko-KR" sz="1050" u="none" strike="noStrike" dirty="0" smtClean="0">
+                          <a:effectLst/>
                         </a:rPr>
                         <a:t>Query</a:t>
                       </a:r>
                       <a:r>
-                        <a:rPr lang="en-US" altLang="ko-KR" sz="1100" b="1" i="0" u="none" strike="noStrike" baseline="0" dirty="0" smtClean="0">
-                          <a:solidFill>
-                            <a:srgbClr val="000000"/>
-                          </a:solidFill>
-                          <a:effectLst/>
-                          <a:latin typeface="맑은 고딕" panose="020B0503020000020004" pitchFamily="50" charset="-127"/>
-                          <a:ea typeface="맑은 고딕" panose="020B0503020000020004" pitchFamily="50" charset="-127"/>
+                        <a:rPr lang="en-US" altLang="ko-KR" sz="1050" u="none" strike="noStrike" baseline="0" dirty="0" smtClean="0">
+                          <a:effectLst/>
                         </a:rPr>
                         <a:t> </a:t>
                       </a:r>
-                    </a:p>
-                    <a:p>
-                      <a:pPr algn="ctr" fontAlgn="ctr">
-                        <a:lnSpc>
-                          <a:spcPct val="150000"/>
-                        </a:lnSpc>
-                      </a:pPr>
-                      <a:r>
-                        <a:rPr lang="ko-KR" altLang="en-US" sz="1100" b="1" i="0" u="none" strike="noStrike" baseline="0" dirty="0" smtClean="0">
-                          <a:solidFill>
-                            <a:srgbClr val="000000"/>
-                          </a:solidFill>
-                          <a:effectLst/>
-                          <a:latin typeface="맑은 고딕" panose="020B0503020000020004" pitchFamily="50" charset="-127"/>
-                          <a:ea typeface="맑은 고딕" panose="020B0503020000020004" pitchFamily="50" charset="-127"/>
-                        </a:rPr>
-                        <a:t>검증</a:t>
-                      </a:r>
-                      <a:endParaRPr lang="ko-KR" altLang="en-US" sz="1100" b="1" i="0" u="none" strike="noStrike" dirty="0">
-                        <a:solidFill>
-                          <a:srgbClr val="000000"/>
-                        </a:solidFill>
-                        <a:effectLst/>
-                        <a:latin typeface="맑은 고딕" panose="020B0503020000020004" pitchFamily="50" charset="-127"/>
-                        <a:ea typeface="맑은 고딕" panose="020B0503020000020004" pitchFamily="50" charset="-127"/>
-                      </a:endParaRPr>
-                    </a:p>
-                  </a:txBody>
-                  <a:tcPr marL="9525" marR="9525" marT="9525" marB="0" anchor="ctr">
-                    <a:solidFill>
-                      <a:schemeClr val="bg1">
-                        <a:lumMod val="85000"/>
-                      </a:schemeClr>
-                    </a:solidFill>
-                  </a:tcPr>
-                </a:tc>
-                <a:tc>
-                  <a:txBody>
-                    <a:bodyPr/>
-                    <a:lstStyle/>
-                    <a:p>
-                      <a:pPr lvl="1" algn="l" fontAlgn="ctr"/>
-                      <a:r>
-                        <a:rPr lang="en-US" altLang="ko-KR" sz="1050" b="0" i="0" u="none" strike="noStrike" dirty="0" smtClean="0">
-                          <a:solidFill>
-                            <a:schemeClr val="bg1">
-                              <a:lumMod val="50000"/>
-                            </a:schemeClr>
-                          </a:solidFill>
-                          <a:effectLst/>
-                          <a:latin typeface="+mn-lt"/>
-                          <a:ea typeface="+mn-ea"/>
-                        </a:rPr>
-                        <a:t>Query</a:t>
-                      </a:r>
-                      <a:r>
-                        <a:rPr lang="en-US" altLang="ko-KR" sz="1050" b="0" i="0" u="none" strike="noStrike" baseline="0" dirty="0" smtClean="0">
-                          <a:solidFill>
-                            <a:schemeClr val="bg1">
-                              <a:lumMod val="50000"/>
-                            </a:schemeClr>
-                          </a:solidFill>
-                          <a:effectLst/>
-                          <a:latin typeface="+mn-lt"/>
-                          <a:ea typeface="+mn-ea"/>
-                        </a:rPr>
-                        <a:t> </a:t>
-                      </a:r>
-                      <a:r>
-                        <a:rPr lang="ko-KR" altLang="en-US" sz="1050" b="0" i="0" u="none" strike="noStrike" baseline="0" dirty="0" smtClean="0">
-                          <a:solidFill>
-                            <a:schemeClr val="bg1">
-                              <a:lumMod val="50000"/>
-                            </a:schemeClr>
-                          </a:solidFill>
-                          <a:effectLst/>
-                          <a:latin typeface="+mn-lt"/>
-                          <a:ea typeface="+mn-ea"/>
+                      <a:r>
+                        <a:rPr lang="ko-KR" altLang="en-US" sz="1050" u="none" strike="noStrike" baseline="0" dirty="0" smtClean="0">
+                          <a:effectLst/>
                         </a:rPr>
                         <a:t>정합성 검증 확인</a:t>
                       </a:r>
@@ -31984,13 +31555,7 @@
                       </a:endParaRPr>
                     </a:p>
                   </a:txBody>
-                  <a:tcPr marL="9525" marR="9525" marT="9525" marB="0" anchor="ctr">
-                    <a:solidFill>
-                      <a:schemeClr val="bg1">
-                        <a:lumMod val="85000"/>
-                      </a:schemeClr>
-                    </a:solidFill>
-                  </a:tcPr>
+                  <a:tcPr marL="9525" marR="9525" marT="9525" marB="0" anchor="ctr"/>
                 </a:tc>
                 <a:tc>
                   <a:txBody>
@@ -32015,21 +31580,13 @@
                         <a:defRPr/>
                       </a:pPr>
                       <a:r>
-                        <a:rPr kumimoji="0" lang="en-US" altLang="ko-KR" sz="1050" b="0" i="0" u="none" strike="noStrike" kern="1200" cap="none" spc="0" normalizeH="0" baseline="0" noProof="0" dirty="0" smtClean="0">
+                        <a:rPr kumimoji="0" lang="en-US" altLang="ko-KR" sz="1050" u="none" strike="noStrike" kern="1200" cap="none" spc="0" normalizeH="0" baseline="0" noProof="0" dirty="0" smtClean="0">
                           <a:ln>
                             <a:noFill/>
                           </a:ln>
-                          <a:solidFill>
-                            <a:schemeClr val="bg1">
-                              <a:lumMod val="50000"/>
-                            </a:schemeClr>
-                          </a:solidFill>
                           <a:effectLst/>
                           <a:uLnTx/>
                           <a:uFillTx/>
-                          <a:latin typeface="맑은 고딕" panose="020B0503020000020004" pitchFamily="50" charset="-127"/>
-                          <a:ea typeface="맑은 고딕" panose="020B0503020000020004" pitchFamily="50" charset="-127"/>
-                          <a:cs typeface="+mn-cs"/>
                         </a:rPr>
                         <a:t>X</a:t>
                       </a:r>
@@ -32045,13 +31602,7 @@
                       </a:endParaRPr>
                     </a:p>
                   </a:txBody>
-                  <a:tcPr marL="9525" marR="9525" marT="9525" marB="0" anchor="ctr">
-                    <a:solidFill>
-                      <a:schemeClr val="bg1">
-                        <a:lumMod val="85000"/>
-                      </a:schemeClr>
-                    </a:solidFill>
-                  </a:tcPr>
+                  <a:tcPr marL="9525" marR="9525" marT="9525" marB="0" anchor="ctr"/>
                 </a:tc>
                 <a:tc>
                   <a:txBody>
@@ -32076,28 +31627,14 @@
                         <a:defRPr/>
                       </a:pPr>
                       <a:r>
-                        <a:rPr lang="en-US" altLang="ko-KR" sz="900" b="0" i="0" u="none" strike="noStrike" dirty="0" smtClean="0">
-                          <a:solidFill>
-                            <a:schemeClr val="bg1">
-                              <a:lumMod val="50000"/>
-                            </a:schemeClr>
-                          </a:solidFill>
-                          <a:effectLst/>
-                          <a:latin typeface="맑은 고딕" panose="020B0503020000020004" pitchFamily="50" charset="-127"/>
-                          <a:ea typeface="맑은 고딕" panose="020B0503020000020004" pitchFamily="50" charset="-127"/>
+                        <a:rPr lang="en-US" altLang="ko-KR" sz="900" u="none" strike="noStrike" dirty="0" smtClean="0">
+                          <a:effectLst/>
                         </a:rPr>
                         <a:t>  - Query</a:t>
                       </a:r>
                       <a:r>
-                        <a:rPr lang="ko-KR" altLang="en-US" sz="900" b="0" i="0" u="none" strike="noStrike" dirty="0" smtClean="0">
-                          <a:solidFill>
-                            <a:schemeClr val="bg1">
-                              <a:lumMod val="50000"/>
-                            </a:schemeClr>
-                          </a:solidFill>
-                          <a:effectLst/>
-                          <a:latin typeface="맑은 고딕" panose="020B0503020000020004" pitchFamily="50" charset="-127"/>
-                          <a:ea typeface="맑은 고딕" panose="020B0503020000020004" pitchFamily="50" charset="-127"/>
+                        <a:rPr lang="ko-KR" altLang="en-US" sz="900" u="none" strike="noStrike" dirty="0" smtClean="0">
+                          <a:effectLst/>
                         </a:rPr>
                         <a:t>에 문자열의 정합성 체크 확인 어려움</a:t>
                       </a:r>
@@ -32113,13 +31650,7 @@
                       </a:endParaRPr>
                     </a:p>
                   </a:txBody>
-                  <a:tcPr marL="9525" marR="9525" marT="9525" marB="0" anchor="ctr">
-                    <a:solidFill>
-                      <a:schemeClr val="bg1">
-                        <a:lumMod val="85000"/>
-                      </a:schemeClr>
-                    </a:solidFill>
-                  </a:tcPr>
+                  <a:tcPr marL="9525" marR="9525" marT="9525" marB="0" anchor="ctr"/>
                 </a:tc>
                 <a:extLst>
                   <a:ext uri="{0D108BD9-81ED-4DB2-BD59-A6C34878D82A}">
@@ -32135,13 +31666,8 @@
                     <a:p>
                       <a:pPr algn="ctr" fontAlgn="ctr"/>
                       <a:r>
-                        <a:rPr lang="ko-KR" altLang="en-US" sz="1100" b="1" i="0" u="none" strike="noStrike" dirty="0" smtClean="0">
-                          <a:solidFill>
-                            <a:srgbClr val="000000"/>
-                          </a:solidFill>
-                          <a:effectLst/>
-                          <a:latin typeface="맑은 고딕" panose="020B0503020000020004" pitchFamily="50" charset="-127"/>
-                          <a:ea typeface="맑은 고딕" panose="020B0503020000020004" pitchFamily="50" charset="-127"/>
+                        <a:rPr lang="ko-KR" altLang="en-US" sz="1100" u="none" strike="noStrike" dirty="0" smtClean="0">
+                          <a:effectLst/>
                         </a:rPr>
                         <a:t>코드 표준</a:t>
                       </a:r>
@@ -32155,13 +31681,7 @@
                       </a:endParaRPr>
                     </a:p>
                   </a:txBody>
-                  <a:tcPr marL="9525" marR="9525" marT="9525" marB="0" anchor="ctr">
-                    <a:solidFill>
-                      <a:schemeClr val="bg1">
-                        <a:lumMod val="85000"/>
-                      </a:schemeClr>
-                    </a:solidFill>
-                  </a:tcPr>
+                  <a:tcPr marL="9525" marR="9525" marT="9525" marB="0" anchor="ctr"/>
                 </a:tc>
                 <a:tc>
                   <a:txBody>
@@ -32200,13 +31720,8 @@
                     <a:p>
                       <a:pPr algn="ctr" fontAlgn="ctr"/>
                       <a:r>
-                        <a:rPr lang="ko-KR" altLang="en-US" sz="1050" b="0" i="0" u="none" strike="noStrike" dirty="0" smtClean="0">
-                          <a:solidFill>
-                            <a:srgbClr val="000000"/>
-                          </a:solidFill>
-                          <a:effectLst/>
-                          <a:latin typeface="맑은 고딕" panose="020B0503020000020004" pitchFamily="50" charset="-127"/>
-                          <a:ea typeface="+mn-ea"/>
+                        <a:rPr lang="ko-KR" altLang="en-US" sz="1050" u="none" strike="noStrike" dirty="0" smtClean="0">
+                          <a:effectLst/>
                         </a:rPr>
                         <a:t>○</a:t>
                       </a:r>
@@ -32229,35 +31744,20 @@
                     <a:p>
                       <a:pPr algn="l" fontAlgn="ctr"/>
                       <a:r>
-                        <a:rPr lang="en-US" altLang="ko-KR" sz="900" b="0" i="0" u="none" strike="noStrike" dirty="0" smtClean="0">
-                          <a:solidFill>
-                            <a:srgbClr val="000000"/>
-                          </a:solidFill>
-                          <a:effectLst/>
-                          <a:latin typeface="맑은 고딕" panose="020B0503020000020004" pitchFamily="50" charset="-127"/>
-                          <a:ea typeface="맑은 고딕" panose="020B0503020000020004" pitchFamily="50" charset="-127"/>
+                        <a:rPr lang="en-US" altLang="ko-KR" sz="900" u="none" strike="noStrike" dirty="0" smtClean="0">
+                          <a:effectLst/>
                         </a:rPr>
                         <a:t> - </a:t>
                       </a:r>
                       <a:r>
-                        <a:rPr lang="en-US" altLang="ko-KR" sz="900" b="0" i="0" u="none" strike="noStrike" baseline="0" dirty="0" smtClean="0">
-                          <a:solidFill>
-                            <a:srgbClr val="000000"/>
-                          </a:solidFill>
-                          <a:effectLst/>
-                          <a:latin typeface="맑은 고딕" panose="020B0503020000020004" pitchFamily="50" charset="-127"/>
-                          <a:ea typeface="맑은 고딕" panose="020B0503020000020004" pitchFamily="50" charset="-127"/>
+                        <a:rPr lang="en-US" altLang="ko-KR" sz="900" u="none" strike="noStrike" baseline="0" dirty="0" smtClean="0">
+                          <a:effectLst/>
                         </a:rPr>
                         <a:t>DP </a:t>
                       </a:r>
                       <a:r>
-                        <a:rPr lang="ko-KR" altLang="en-US" sz="900" b="0" i="0" u="none" strike="noStrike" baseline="0" dirty="0" smtClean="0">
-                          <a:solidFill>
-                            <a:srgbClr val="000000"/>
-                          </a:solidFill>
-                          <a:effectLst/>
-                          <a:latin typeface="맑은 고딕" panose="020B0503020000020004" pitchFamily="50" charset="-127"/>
-                          <a:ea typeface="맑은 고딕" panose="020B0503020000020004" pitchFamily="50" charset="-127"/>
+                        <a:rPr lang="ko-KR" altLang="en-US" sz="900" u="none" strike="noStrike" baseline="0" dirty="0" smtClean="0">
+                          <a:effectLst/>
                         </a:rPr>
                         <a:t>처리 함수 확인하여 예외처리 확인</a:t>
                       </a:r>
@@ -32357,16 +31857,19 @@
                         <a:defRPr/>
                       </a:pPr>
                       <a:r>
-                        <a:rPr lang="ko-KR" altLang="en-US" sz="1050" b="0" i="0" u="none" strike="noStrike" dirty="0" smtClean="0">
-                          <a:solidFill>
-                            <a:srgbClr val="000000"/>
-                          </a:solidFill>
-                          <a:effectLst/>
-                          <a:latin typeface="맑은 고딕" panose="020B0503020000020004" pitchFamily="50" charset="-127"/>
-                          <a:ea typeface="+mn-ea"/>
+                        <a:rPr lang="ko-KR" altLang="en-US" sz="1050" u="none" strike="noStrike" dirty="0" smtClean="0">
+                          <a:effectLst/>
                         </a:rPr>
                         <a:t>○</a:t>
                       </a:r>
+                      <a:endParaRPr lang="ko-KR" altLang="en-US" sz="1050" b="0" i="0" u="none" strike="noStrike" dirty="0" smtClean="0">
+                        <a:solidFill>
+                          <a:srgbClr val="000000"/>
+                        </a:solidFill>
+                        <a:effectLst/>
+                        <a:latin typeface="맑은 고딕" panose="020B0503020000020004" pitchFamily="50" charset="-127"/>
+                        <a:ea typeface="+mn-ea"/>
+                      </a:endParaRPr>
                     </a:p>
                   </a:txBody>
                   <a:tcPr marL="9525" marR="9525" marT="9525" marB="0" anchor="ctr"/>
@@ -32378,59 +31881,28 @@
                     <a:p>
                       <a:pPr algn="l" fontAlgn="ctr"/>
                       <a:r>
-                        <a:rPr lang="en-US" altLang="ko-KR" sz="900" b="0" i="0" u="none" strike="noStrike" dirty="0" smtClean="0">
-                          <a:solidFill>
-                            <a:srgbClr val="000000"/>
-                          </a:solidFill>
-                          <a:effectLst/>
-                          <a:latin typeface="맑은 고딕" panose="020B0503020000020004" pitchFamily="50" charset="-127"/>
-                          <a:ea typeface="맑은 고딕" panose="020B0503020000020004" pitchFamily="50" charset="-127"/>
+                        <a:rPr lang="en-US" altLang="ko-KR" sz="900" u="none" strike="noStrike" dirty="0" smtClean="0">
+                          <a:effectLst/>
                         </a:rPr>
                         <a:t> - </a:t>
                       </a:r>
                       <a:r>
-                        <a:rPr lang="ko-KR" altLang="en-US" sz="900" b="0" i="0" u="none" strike="noStrike" dirty="0" smtClean="0">
-                          <a:solidFill>
-                            <a:srgbClr val="000000"/>
-                          </a:solidFill>
-                          <a:effectLst/>
-                          <a:latin typeface="맑은 고딕" panose="020B0503020000020004" pitchFamily="50" charset="-127"/>
-                          <a:ea typeface="맑은 고딕" panose="020B0503020000020004" pitchFamily="50" charset="-127"/>
+                        <a:rPr lang="ko-KR" altLang="en-US" sz="900" u="none" strike="noStrike" dirty="0" smtClean="0">
+                          <a:effectLst/>
                         </a:rPr>
                         <a:t>함수 내에서 </a:t>
                       </a:r>
                       <a:r>
-                        <a:rPr lang="en-US" altLang="ko-KR" sz="900" b="0" i="0" u="none" strike="noStrike" dirty="0" smtClean="0">
-                          <a:solidFill>
-                            <a:srgbClr val="000000"/>
-                          </a:solidFill>
-                          <a:effectLst/>
-                          <a:latin typeface="맑은 고딕" panose="020B0503020000020004" pitchFamily="50" charset="-127"/>
-                          <a:ea typeface="맑은 고딕" panose="020B0503020000020004" pitchFamily="50" charset="-127"/>
+                        <a:rPr lang="en-US" altLang="ko-KR" sz="900" u="none" strike="noStrike" dirty="0" smtClean="0">
+                          <a:effectLst/>
                         </a:rPr>
                         <a:t>try/catch </a:t>
                       </a:r>
                       <a:r>
-                        <a:rPr lang="ko-KR" altLang="en-US" sz="900" b="0" i="0" u="none" strike="noStrike" dirty="0" smtClean="0">
-                          <a:solidFill>
-                            <a:srgbClr val="000000"/>
-                          </a:solidFill>
-                          <a:effectLst/>
-                          <a:latin typeface="맑은 고딕" panose="020B0503020000020004" pitchFamily="50" charset="-127"/>
-                          <a:ea typeface="맑은 고딕" panose="020B0503020000020004" pitchFamily="50" charset="-127"/>
-                        </a:rPr>
-                        <a:t>예외처리 </a:t>
-                      </a:r>
-                      <a:r>
-                        <a:rPr lang="ko-KR" altLang="en-US" sz="900" b="0" i="0" u="none" strike="noStrike" dirty="0" smtClean="0">
-                          <a:solidFill>
-                            <a:srgbClr val="000000"/>
-                          </a:solidFill>
-                          <a:effectLst/>
-                          <a:latin typeface="맑은 고딕" panose="020B0503020000020004" pitchFamily="50" charset="-127"/>
-                          <a:ea typeface="맑은 고딕" panose="020B0503020000020004" pitchFamily="50" charset="-127"/>
-                        </a:rPr>
-                        <a:t>작성 확인</a:t>
+                        <a:rPr lang="ko-KR" altLang="en-US" sz="900" u="none" strike="noStrike" dirty="0" smtClean="0">
+                          <a:effectLst/>
+                        </a:rPr>
+                        <a:t>예외처리 작성 확인</a:t>
                       </a:r>
                       <a:endParaRPr lang="ko-KR" altLang="en-US" sz="900" b="0" i="0" u="none" strike="noStrike" dirty="0">
                         <a:solidFill>
@@ -32516,16 +31988,19 @@
                         <a:defRPr/>
                       </a:pPr>
                       <a:r>
-                        <a:rPr lang="ko-KR" altLang="en-US" sz="1050" b="0" i="0" u="none" strike="noStrike" dirty="0" smtClean="0">
-                          <a:solidFill>
-                            <a:srgbClr val="000000"/>
-                          </a:solidFill>
-                          <a:effectLst/>
-                          <a:latin typeface="맑은 고딕" panose="020B0503020000020004" pitchFamily="50" charset="-127"/>
-                          <a:ea typeface="+mn-ea"/>
+                        <a:rPr lang="ko-KR" altLang="en-US" sz="1050" u="none" strike="noStrike" dirty="0" smtClean="0">
+                          <a:effectLst/>
                         </a:rPr>
                         <a:t>○</a:t>
                       </a:r>
+                      <a:endParaRPr lang="ko-KR" altLang="en-US" sz="1050" b="0" i="0" u="none" strike="noStrike" dirty="0" smtClean="0">
+                        <a:solidFill>
+                          <a:srgbClr val="000000"/>
+                        </a:solidFill>
+                        <a:effectLst/>
+                        <a:latin typeface="맑은 고딕" panose="020B0503020000020004" pitchFamily="50" charset="-127"/>
+                        <a:ea typeface="+mn-ea"/>
+                      </a:endParaRPr>
                     </a:p>
                   </a:txBody>
                   <a:tcPr marL="9525" marR="9525" marT="9525" marB="0" anchor="ctr"/>
@@ -32537,24 +32012,14 @@
                     <a:p>
                       <a:pPr algn="l" fontAlgn="ctr"/>
                       <a:r>
-                        <a:rPr lang="en-US" altLang="ko-KR" sz="900" b="0" i="0" u="none" strike="noStrike" dirty="0" smtClean="0">
-                          <a:solidFill>
-                            <a:srgbClr val="000000"/>
-                          </a:solidFill>
-                          <a:effectLst/>
-                          <a:latin typeface="맑은 고딕" panose="020B0503020000020004" pitchFamily="50" charset="-127"/>
-                          <a:ea typeface="맑은 고딕" panose="020B0503020000020004" pitchFamily="50" charset="-127"/>
+                        <a:rPr lang="en-US" altLang="ko-KR" sz="900" u="none" strike="noStrike" dirty="0" smtClean="0">
+                          <a:effectLst/>
                         </a:rPr>
                         <a:t> - </a:t>
                       </a:r>
                       <a:r>
-                        <a:rPr lang="ko-KR" altLang="en-US" sz="900" b="0" i="0" u="none" strike="noStrike" dirty="0" smtClean="0">
-                          <a:solidFill>
-                            <a:srgbClr val="000000"/>
-                          </a:solidFill>
-                          <a:effectLst/>
-                          <a:latin typeface="맑은 고딕" panose="020B0503020000020004" pitchFamily="50" charset="-127"/>
-                          <a:ea typeface="+mn-ea"/>
+                        <a:rPr lang="ko-KR" altLang="en-US" sz="900" u="none" strike="noStrike" dirty="0" smtClean="0">
+                          <a:effectLst/>
                         </a:rPr>
                         <a:t>스크립트 버전 및 배포 이력 작성 확인</a:t>
                       </a:r>
@@ -32603,36 +32068,56 @@
                       <a:pPr lvl="1" algn="l" fontAlgn="ctr"/>
                       <a:r>
                         <a:rPr lang="ko-KR" altLang="en-US" sz="1050" u="none" strike="noStrike" dirty="0" smtClean="0">
-                          <a:solidFill>
-                            <a:schemeClr val="bg1">
-                              <a:lumMod val="50000"/>
-                            </a:schemeClr>
-                          </a:solidFill>
                           <a:effectLst/>
                         </a:rPr>
                         <a:t>예상하지 못한 </a:t>
                       </a:r>
                       <a:r>
                         <a:rPr lang="en-US" altLang="ko-KR" sz="1050" u="none" strike="noStrike" dirty="0" smtClean="0">
-                          <a:solidFill>
-                            <a:schemeClr val="bg1">
-                              <a:lumMod val="50000"/>
-                            </a:schemeClr>
-                          </a:solidFill>
                           <a:effectLst/>
                         </a:rPr>
                         <a:t>Logic </a:t>
                       </a:r>
                       <a:r>
                         <a:rPr lang="ko-KR" altLang="en-US" sz="1050" u="none" strike="noStrike" dirty="0" smtClean="0">
-                          <a:solidFill>
-                            <a:schemeClr val="bg1">
-                              <a:lumMod val="50000"/>
-                            </a:schemeClr>
-                          </a:solidFill>
-                          <a:effectLst/>
-                        </a:rPr>
-                        <a:t>동작 확인</a:t>
+                          <a:effectLst/>
+                        </a:rPr>
+                        <a:t>동작 </a:t>
+                      </a:r>
+                      <a:r>
+                        <a:rPr lang="ko-KR" altLang="en-US" sz="1050" u="none" strike="noStrike" dirty="0" smtClean="0">
+                          <a:effectLst/>
+                        </a:rPr>
+                        <a:t>확인</a:t>
+                      </a:r>
+                      <a:r>
+                        <a:rPr lang="en-US" altLang="ko-KR" sz="1050" u="none" strike="noStrike" dirty="0" smtClean="0">
+                          <a:effectLst/>
+                        </a:rPr>
+                        <a:t/>
+                      </a:r>
+                      <a:br>
+                        <a:rPr lang="en-US" altLang="ko-KR" sz="1050" u="none" strike="noStrike" dirty="0" smtClean="0">
+                          <a:effectLst/>
+                        </a:rPr>
+                      </a:br>
+                      <a:r>
+                        <a:rPr lang="en-US" altLang="ko-KR" sz="1050" u="none" strike="noStrike" dirty="0" smtClean="0">
+                          <a:effectLst/>
+                        </a:rPr>
+                        <a:t>(Logic </a:t>
+                      </a:r>
+                      <a:r>
+                        <a:rPr lang="ko-KR" altLang="en-US" sz="1050" u="none" strike="noStrike" dirty="0" smtClean="0">
+                          <a:effectLst/>
+                        </a:rPr>
+                        <a:t>요구사항 동작 체크</a:t>
+                      </a:r>
+                      <a:r>
+                        <a:rPr lang="en-US" altLang="ko-KR" sz="1050" u="none" strike="noStrike" dirty="0" smtClean="0">
+                          <a:effectLst/>
+                        </a:rPr>
+                        <a:t>)</a:t>
                       </a:r>
                       <a:endParaRPr lang="ko-KR" altLang="en-US" sz="1050" b="0" i="0" u="none" strike="noStrike" dirty="0">
                         <a:solidFill>
@@ -32646,13 +32131,7 @@
                       </a:endParaRPr>
                     </a:p>
                   </a:txBody>
-                  <a:tcPr marL="9525" marR="9525" marT="9525" marB="0" anchor="ctr">
-                    <a:solidFill>
-                      <a:schemeClr val="bg1">
-                        <a:lumMod val="85000"/>
-                      </a:schemeClr>
-                    </a:solidFill>
-                  </a:tcPr>
+                  <a:tcPr marL="9525" marR="9525" marT="9525" marB="0" anchor="ctr"/>
                 </a:tc>
                 <a:tc>
                   <a:txBody>
@@ -32677,15 +32156,8 @@
                         <a:defRPr/>
                       </a:pPr>
                       <a:r>
-                        <a:rPr lang="en-US" altLang="ko-KR" sz="1050" b="0" i="0" u="none" strike="noStrike" dirty="0" smtClean="0">
-                          <a:solidFill>
-                            <a:schemeClr val="bg1">
-                              <a:lumMod val="50000"/>
-                            </a:schemeClr>
-                          </a:solidFill>
-                          <a:effectLst/>
-                          <a:latin typeface="맑은 고딕" panose="020B0503020000020004" pitchFamily="50" charset="-127"/>
-                          <a:ea typeface="+mn-ea"/>
+                        <a:rPr lang="en-US" altLang="ko-KR" sz="1050" u="none" strike="noStrike" dirty="0" smtClean="0">
+                          <a:effectLst/>
                         </a:rPr>
                         <a:t>X</a:t>
                       </a:r>
@@ -32701,13 +32173,7 @@
                       </a:endParaRPr>
                     </a:p>
                   </a:txBody>
-                  <a:tcPr marL="9525" marR="9525" marT="9525" marB="0" anchor="ctr">
-                    <a:solidFill>
-                      <a:schemeClr val="bg1">
-                        <a:lumMod val="85000"/>
-                      </a:schemeClr>
-                    </a:solidFill>
-                  </a:tcPr>
+                  <a:tcPr marL="9525" marR="9525" marT="9525" marB="0" anchor="ctr"/>
                 </a:tc>
                 <a:tc>
                   <a:txBody>
@@ -32716,80 +32182,32 @@
                     <a:p>
                       <a:pPr algn="l" fontAlgn="ctr"/>
                       <a:r>
-                        <a:rPr lang="en-US" altLang="ko-KR" sz="900" b="0" i="0" u="none" strike="noStrike" dirty="0" smtClean="0">
-                          <a:solidFill>
-                            <a:schemeClr val="bg1">
-                              <a:lumMod val="50000"/>
-                            </a:schemeClr>
-                          </a:solidFill>
-                          <a:effectLst/>
-                          <a:latin typeface="맑은 고딕" panose="020B0503020000020004" pitchFamily="50" charset="-127"/>
-                          <a:ea typeface="맑은 고딕" panose="020B0503020000020004" pitchFamily="50" charset="-127"/>
-                        </a:rPr>
-                        <a:t>  </a:t>
-                      </a:r>
-                      <a:r>
-                        <a:rPr lang="en-US" altLang="ko-KR" sz="900" b="0" i="0" u="none" strike="noStrike" dirty="0" smtClean="0">
-                          <a:solidFill>
-                            <a:schemeClr val="bg1">
-                              <a:lumMod val="50000"/>
-                            </a:schemeClr>
-                          </a:solidFill>
-                          <a:effectLst/>
-                          <a:latin typeface="맑은 고딕" panose="020B0503020000020004" pitchFamily="50" charset="-127"/>
-                          <a:ea typeface="맑은 고딕" panose="020B0503020000020004" pitchFamily="50" charset="-127"/>
-                        </a:rPr>
-                        <a:t>-</a:t>
-                      </a:r>
-                      <a:r>
-                        <a:rPr lang="ko-KR" altLang="en-US" sz="900" b="0" i="0" u="none" strike="noStrike" dirty="0" smtClean="0">
-                          <a:solidFill>
-                            <a:schemeClr val="bg1">
-                              <a:lumMod val="50000"/>
-                            </a:schemeClr>
-                          </a:solidFill>
-                          <a:effectLst/>
-                          <a:latin typeface="맑은 고딕" panose="020B0503020000020004" pitchFamily="50" charset="-127"/>
-                          <a:ea typeface="맑은 고딕" panose="020B0503020000020004" pitchFamily="50" charset="-127"/>
+                        <a:rPr lang="en-US" altLang="ko-KR" sz="900" u="none" strike="noStrike" dirty="0" smtClean="0">
+                          <a:effectLst/>
+                        </a:rPr>
+                        <a:t>  -</a:t>
+                      </a:r>
+                      <a:r>
+                        <a:rPr lang="ko-KR" altLang="en-US" sz="900" u="none" strike="noStrike" dirty="0" smtClean="0">
+                          <a:effectLst/>
                         </a:rPr>
                         <a:t>동작 </a:t>
                       </a:r>
                       <a:r>
-                        <a:rPr lang="en-US" altLang="ko-KR" sz="900" b="0" i="0" u="none" strike="noStrike" dirty="0" smtClean="0">
-                          <a:solidFill>
-                            <a:schemeClr val="bg1">
-                              <a:lumMod val="50000"/>
-                            </a:schemeClr>
-                          </a:solidFill>
-                          <a:effectLst/>
-                          <a:latin typeface="맑은 고딕" panose="020B0503020000020004" pitchFamily="50" charset="-127"/>
-                          <a:ea typeface="맑은 고딕" panose="020B0503020000020004" pitchFamily="50" charset="-127"/>
+                        <a:rPr lang="en-US" altLang="ko-KR" sz="900" u="none" strike="noStrike" dirty="0" smtClean="0">
+                          <a:effectLst/>
                         </a:rPr>
                         <a:t>Logic</a:t>
                       </a:r>
                       <a:r>
-                        <a:rPr lang="ko-KR" altLang="en-US" sz="900" b="0" i="0" u="none" strike="noStrike" dirty="0" smtClean="0">
-                          <a:solidFill>
-                            <a:schemeClr val="bg1">
-                              <a:lumMod val="50000"/>
-                            </a:schemeClr>
-                          </a:solidFill>
-                          <a:effectLst/>
-                          <a:latin typeface="맑은 고딕" panose="020B0503020000020004" pitchFamily="50" charset="-127"/>
-                          <a:ea typeface="맑은 고딕" panose="020B0503020000020004" pitchFamily="50" charset="-127"/>
+                        <a:rPr lang="ko-KR" altLang="en-US" sz="900" u="none" strike="noStrike" dirty="0" smtClean="0">
+                          <a:effectLst/>
                         </a:rPr>
                         <a:t>에 대해서 조건</a:t>
                       </a:r>
                       <a:r>
-                        <a:rPr lang="ko-KR" altLang="en-US" sz="900" b="0" i="0" u="none" strike="noStrike" baseline="0" dirty="0" smtClean="0">
-                          <a:solidFill>
-                            <a:schemeClr val="bg1">
-                              <a:lumMod val="50000"/>
-                            </a:schemeClr>
-                          </a:solidFill>
-                          <a:effectLst/>
-                          <a:latin typeface="맑은 고딕" panose="020B0503020000020004" pitchFamily="50" charset="-127"/>
-                          <a:ea typeface="맑은 고딕" panose="020B0503020000020004" pitchFamily="50" charset="-127"/>
+                        <a:rPr lang="ko-KR" altLang="en-US" sz="900" u="none" strike="noStrike" baseline="0" dirty="0" smtClean="0">
+                          <a:effectLst/>
                         </a:rPr>
                         <a:t> 정의를 코드로만 판단 불가능</a:t>
                       </a:r>
@@ -32805,13 +32223,7 @@
                       </a:endParaRPr>
                     </a:p>
                   </a:txBody>
-                  <a:tcPr marL="9525" marR="9525" marT="9525" marB="0" anchor="ctr">
-                    <a:solidFill>
-                      <a:schemeClr val="bg1">
-                        <a:lumMod val="85000"/>
-                      </a:schemeClr>
-                    </a:solidFill>
-                  </a:tcPr>
+                  <a:tcPr marL="9525" marR="9525" marT="9525" marB="0" anchor="ctr"/>
                 </a:tc>
                 <a:extLst>
                   <a:ext uri="{0D108BD9-81ED-4DB2-BD59-A6C34878D82A}">
@@ -32891,16 +32303,19 @@
                         <a:defRPr/>
                       </a:pPr>
                       <a:r>
-                        <a:rPr lang="ko-KR" altLang="en-US" sz="1050" b="0" i="0" u="none" strike="noStrike" dirty="0" smtClean="0">
-                          <a:solidFill>
-                            <a:srgbClr val="000000"/>
-                          </a:solidFill>
-                          <a:effectLst/>
-                          <a:latin typeface="맑은 고딕" panose="020B0503020000020004" pitchFamily="50" charset="-127"/>
-                          <a:ea typeface="+mn-ea"/>
+                        <a:rPr lang="ko-KR" altLang="en-US" sz="1050" u="none" strike="noStrike" dirty="0" smtClean="0">
+                          <a:effectLst/>
                         </a:rPr>
                         <a:t>○</a:t>
                       </a:r>
+                      <a:endParaRPr lang="ko-KR" altLang="en-US" sz="1050" b="0" i="0" u="none" strike="noStrike" dirty="0" smtClean="0">
+                        <a:solidFill>
+                          <a:srgbClr val="000000"/>
+                        </a:solidFill>
+                        <a:effectLst/>
+                        <a:latin typeface="맑은 고딕" panose="020B0503020000020004" pitchFamily="50" charset="-127"/>
+                        <a:ea typeface="+mn-ea"/>
+                      </a:endParaRPr>
                     </a:p>
                   </a:txBody>
                   <a:tcPr marL="9525" marR="9525" marT="9525" marB="0" anchor="ctr"/>
@@ -32912,100 +32327,55 @@
                     <a:p>
                       <a:pPr algn="l" fontAlgn="ctr"/>
                       <a:r>
-                        <a:rPr lang="en-US" altLang="ko-KR" sz="900" b="0" i="0" u="none" strike="noStrike" dirty="0" smtClean="0">
-                          <a:solidFill>
-                            <a:srgbClr val="000000"/>
-                          </a:solidFill>
-                          <a:effectLst/>
-                          <a:latin typeface="맑은 고딕" panose="020B0503020000020004" pitchFamily="50" charset="-127"/>
-                          <a:ea typeface="맑은 고딕" panose="020B0503020000020004" pitchFamily="50" charset="-127"/>
+                        <a:rPr lang="en-US" altLang="ko-KR" sz="900" u="none" strike="noStrike" dirty="0" smtClean="0">
+                          <a:effectLst/>
                         </a:rPr>
                         <a:t> - </a:t>
                       </a:r>
                       <a:r>
-                        <a:rPr lang="ko-KR" altLang="en-US" sz="900" b="0" i="0" u="none" strike="noStrike" dirty="0" smtClean="0">
-                          <a:solidFill>
-                            <a:srgbClr val="000000"/>
-                          </a:solidFill>
-                          <a:effectLst/>
-                          <a:latin typeface="맑은 고딕" panose="020B0503020000020004" pitchFamily="50" charset="-127"/>
-                          <a:ea typeface="맑은 고딕" panose="020B0503020000020004" pitchFamily="50" charset="-127"/>
+                        <a:rPr lang="ko-KR" altLang="en-US" sz="900" u="none" strike="noStrike" dirty="0" smtClean="0">
+                          <a:effectLst/>
                         </a:rPr>
                         <a:t>함수내 하드</a:t>
                       </a:r>
                       <a:r>
-                        <a:rPr lang="ko-KR" altLang="en-US" sz="900" b="0" i="0" u="none" strike="noStrike" baseline="0" dirty="0" smtClean="0">
-                          <a:solidFill>
-                            <a:srgbClr val="000000"/>
-                          </a:solidFill>
-                          <a:effectLst/>
-                          <a:latin typeface="맑은 고딕" panose="020B0503020000020004" pitchFamily="50" charset="-127"/>
-                          <a:ea typeface="맑은 고딕" panose="020B0503020000020004" pitchFamily="50" charset="-127"/>
+                        <a:rPr lang="ko-KR" altLang="en-US" sz="900" u="none" strike="noStrike" baseline="0" dirty="0" smtClean="0">
+                          <a:effectLst/>
                         </a:rPr>
                         <a:t> 코딩으로 작성된 경우 확인</a:t>
                       </a:r>
                       <a:r>
-                        <a:rPr lang="en-US" altLang="ko-KR" sz="900" b="0" i="0" u="none" strike="noStrike" baseline="0" dirty="0" smtClean="0">
-                          <a:solidFill>
-                            <a:srgbClr val="000000"/>
-                          </a:solidFill>
-                          <a:effectLst/>
-                          <a:latin typeface="맑은 고딕" panose="020B0503020000020004" pitchFamily="50" charset="-127"/>
-                          <a:ea typeface="맑은 고딕" panose="020B0503020000020004" pitchFamily="50" charset="-127"/>
+                        <a:rPr lang="en-US" altLang="ko-KR" sz="900" u="none" strike="noStrike" baseline="0" dirty="0" smtClean="0">
+                          <a:effectLst/>
                         </a:rPr>
                         <a:t> (</a:t>
                       </a:r>
                       <a:r>
-                        <a:rPr lang="ko-KR" altLang="en-US" sz="900" b="0" i="0" u="none" strike="noStrike" baseline="0" dirty="0" smtClean="0">
-                          <a:solidFill>
-                            <a:srgbClr val="000000"/>
-                          </a:solidFill>
-                          <a:effectLst/>
-                          <a:latin typeface="맑은 고딕" panose="020B0503020000020004" pitchFamily="50" charset="-127"/>
-                          <a:ea typeface="맑은 고딕" panose="020B0503020000020004" pitchFamily="50" charset="-127"/>
+                        <a:rPr lang="ko-KR" altLang="en-US" sz="900" u="none" strike="noStrike" baseline="0" dirty="0" smtClean="0">
+                          <a:effectLst/>
                         </a:rPr>
                         <a:t>불합리 사항</a:t>
                       </a:r>
                       <a:r>
-                        <a:rPr lang="en-US" altLang="ko-KR" sz="900" b="0" i="0" u="none" strike="noStrike" baseline="0" dirty="0" smtClean="0">
-                          <a:solidFill>
-                            <a:srgbClr val="000000"/>
-                          </a:solidFill>
-                          <a:effectLst/>
-                          <a:latin typeface="맑은 고딕" panose="020B0503020000020004" pitchFamily="50" charset="-127"/>
-                          <a:ea typeface="맑은 고딕" panose="020B0503020000020004" pitchFamily="50" charset="-127"/>
+                        <a:rPr lang="en-US" altLang="ko-KR" sz="900" u="none" strike="noStrike" baseline="0" dirty="0" smtClean="0">
+                          <a:effectLst/>
                         </a:rPr>
                         <a:t>)</a:t>
                       </a:r>
                       <a:br>
-                        <a:rPr lang="en-US" altLang="ko-KR" sz="900" b="0" i="0" u="none" strike="noStrike" baseline="0" dirty="0" smtClean="0">
-                          <a:solidFill>
-                            <a:srgbClr val="000000"/>
-                          </a:solidFill>
-                          <a:effectLst/>
-                          <a:latin typeface="맑은 고딕" panose="020B0503020000020004" pitchFamily="50" charset="-127"/>
-                          <a:ea typeface="맑은 고딕" panose="020B0503020000020004" pitchFamily="50" charset="-127"/>
+                        <a:rPr lang="en-US" altLang="ko-KR" sz="900" u="none" strike="noStrike" baseline="0" dirty="0" smtClean="0">
+                          <a:effectLst/>
                         </a:rPr>
                       </a:br>
                       <a:r>
-                        <a:rPr lang="en-US" altLang="ko-KR" sz="900" b="0" i="0" u="none" strike="noStrike" baseline="0" dirty="0" smtClean="0">
-                          <a:solidFill>
-                            <a:srgbClr val="000000"/>
-                          </a:solidFill>
-                          <a:effectLst/>
-                          <a:latin typeface="맑은 고딕" panose="020B0503020000020004" pitchFamily="50" charset="-127"/>
-                          <a:ea typeface="맑은 고딕" panose="020B0503020000020004" pitchFamily="50" charset="-127"/>
+                        <a:rPr lang="en-US" altLang="ko-KR" sz="900" u="none" strike="noStrike" baseline="0" dirty="0" smtClean="0">
+                          <a:effectLst/>
                         </a:rPr>
                         <a:t>   ex) </a:t>
                       </a:r>
                       <a:r>
-                        <a:rPr lang="ko-KR" altLang="en-US" sz="900" b="0" i="0" u="none" strike="noStrike" baseline="0" dirty="0" smtClean="0">
-                          <a:solidFill>
-                            <a:srgbClr val="000000"/>
-                          </a:solidFill>
-                          <a:effectLst/>
-                          <a:latin typeface="맑은 고딕" panose="020B0503020000020004" pitchFamily="50" charset="-127"/>
-                          <a:ea typeface="맑은 고딕" panose="020B0503020000020004" pitchFamily="50" charset="-127"/>
+                        <a:rPr lang="ko-KR" altLang="en-US" sz="900" u="none" strike="noStrike" baseline="0" dirty="0" smtClean="0">
+                          <a:effectLst/>
                         </a:rPr>
                         <a:t>하드 코딩 정의는 상세 페이지에서 설명</a:t>
                       </a:r>
@@ -33077,13 +32447,8 @@
                     <a:p>
                       <a:pPr algn="ctr" fontAlgn="ctr"/>
                       <a:r>
-                        <a:rPr lang="ko-KR" altLang="en-US" sz="1050" b="0" i="0" u="none" strike="noStrike" dirty="0" smtClean="0">
-                          <a:solidFill>
-                            <a:srgbClr val="000000"/>
-                          </a:solidFill>
-                          <a:effectLst/>
-                          <a:latin typeface="맑은 고딕" panose="020B0503020000020004" pitchFamily="50" charset="-127"/>
-                          <a:ea typeface="+mn-ea"/>
+                        <a:rPr lang="ko-KR" altLang="en-US" sz="1050" u="none" strike="noStrike" dirty="0" smtClean="0">
+                          <a:effectLst/>
                         </a:rPr>
                         <a:t>○</a:t>
                       </a:r>
@@ -33106,123 +32471,62 @@
                     <a:p>
                       <a:pPr algn="l" fontAlgn="ctr"/>
                       <a:r>
-                        <a:rPr lang="en-US" altLang="ko-KR" sz="900" b="0" i="0" u="none" strike="noStrike" dirty="0" smtClean="0">
-                          <a:solidFill>
-                            <a:srgbClr val="000000"/>
-                          </a:solidFill>
-                          <a:effectLst/>
-                          <a:latin typeface="맑은 고딕" panose="020B0503020000020004" pitchFamily="50" charset="-127"/>
-                          <a:ea typeface="맑은 고딕" panose="020B0503020000020004" pitchFamily="50" charset="-127"/>
+                        <a:rPr lang="en-US" altLang="ko-KR" sz="900" u="none" strike="noStrike" dirty="0" smtClean="0">
+                          <a:effectLst/>
                         </a:rPr>
                         <a:t> - </a:t>
                       </a:r>
                       <a:r>
-                        <a:rPr lang="ko-KR" altLang="en-US" sz="900" b="0" i="0" u="none" strike="noStrike" dirty="0" smtClean="0">
-                          <a:solidFill>
-                            <a:srgbClr val="000000"/>
-                          </a:solidFill>
-                          <a:effectLst/>
-                          <a:latin typeface="맑은 고딕" panose="020B0503020000020004" pitchFamily="50" charset="-127"/>
-                          <a:ea typeface="맑은 고딕" panose="020B0503020000020004" pitchFamily="50" charset="-127"/>
+                        <a:rPr lang="ko-KR" altLang="en-US" sz="900" u="none" strike="noStrike" dirty="0" smtClean="0">
+                          <a:effectLst/>
                         </a:rPr>
                         <a:t>미사용 함수</a:t>
                       </a:r>
                       <a:r>
-                        <a:rPr lang="en-US" altLang="ko-KR" sz="900" b="0" i="0" u="none" strike="noStrike" dirty="0" smtClean="0">
-                          <a:solidFill>
-                            <a:srgbClr val="000000"/>
-                          </a:solidFill>
-                          <a:effectLst/>
-                          <a:latin typeface="맑은 고딕" panose="020B0503020000020004" pitchFamily="50" charset="-127"/>
-                          <a:ea typeface="맑은 고딕" panose="020B0503020000020004" pitchFamily="50" charset="-127"/>
+                        <a:rPr lang="en-US" altLang="ko-KR" sz="900" u="none" strike="noStrike" dirty="0" smtClean="0">
+                          <a:effectLst/>
                         </a:rPr>
                         <a:t>, </a:t>
                       </a:r>
                       <a:r>
-                        <a:rPr lang="ko-KR" altLang="en-US" sz="900" b="0" i="0" u="none" strike="noStrike" dirty="0" smtClean="0">
-                          <a:solidFill>
-                            <a:srgbClr val="000000"/>
-                          </a:solidFill>
-                          <a:effectLst/>
-                          <a:latin typeface="맑은 고딕" panose="020B0503020000020004" pitchFamily="50" charset="-127"/>
-                          <a:ea typeface="맑은 고딕" panose="020B0503020000020004" pitchFamily="50" charset="-127"/>
+                        <a:rPr lang="ko-KR" altLang="en-US" sz="900" u="none" strike="noStrike" dirty="0" smtClean="0">
+                          <a:effectLst/>
                         </a:rPr>
                         <a:t>변수 유</a:t>
                       </a:r>
                       <a:r>
-                        <a:rPr lang="en-US" altLang="ko-KR" sz="900" b="0" i="0" u="none" strike="noStrike" dirty="0" smtClean="0">
-                          <a:solidFill>
-                            <a:srgbClr val="000000"/>
-                          </a:solidFill>
-                          <a:effectLst/>
-                          <a:latin typeface="맑은 고딕" panose="020B0503020000020004" pitchFamily="50" charset="-127"/>
-                          <a:ea typeface="맑은 고딕" panose="020B0503020000020004" pitchFamily="50" charset="-127"/>
+                        <a:rPr lang="en-US" altLang="ko-KR" sz="900" u="none" strike="noStrike" dirty="0" smtClean="0">
+                          <a:effectLst/>
                         </a:rPr>
                         <a:t>/</a:t>
                       </a:r>
                       <a:r>
-                        <a:rPr lang="ko-KR" altLang="en-US" sz="900" b="0" i="0" u="none" strike="noStrike" dirty="0" smtClean="0">
-                          <a:solidFill>
-                            <a:srgbClr val="000000"/>
-                          </a:solidFill>
-                          <a:effectLst/>
-                          <a:latin typeface="맑은 고딕" panose="020B0503020000020004" pitchFamily="50" charset="-127"/>
-                          <a:ea typeface="맑은 고딕" panose="020B0503020000020004" pitchFamily="50" charset="-127"/>
+                        <a:rPr lang="ko-KR" altLang="en-US" sz="900" u="none" strike="noStrike" dirty="0" smtClean="0">
+                          <a:effectLst/>
                         </a:rPr>
                         <a:t>무</a:t>
                       </a:r>
                       <a:r>
-                        <a:rPr lang="ko-KR" altLang="en-US" sz="900" b="0" i="0" u="none" strike="noStrike" baseline="0" dirty="0" smtClean="0">
-                          <a:solidFill>
-                            <a:srgbClr val="000000"/>
-                          </a:solidFill>
-                          <a:effectLst/>
-                          <a:latin typeface="맑은 고딕" panose="020B0503020000020004" pitchFamily="50" charset="-127"/>
-                          <a:ea typeface="맑은 고딕" panose="020B0503020000020004" pitchFamily="50" charset="-127"/>
-                        </a:rPr>
-                        <a:t> </a:t>
-                      </a:r>
-                      <a:r>
-                        <a:rPr lang="ko-KR" altLang="en-US" sz="900" b="0" i="0" u="none" strike="noStrike" baseline="0" dirty="0" smtClean="0">
-                          <a:solidFill>
-                            <a:srgbClr val="000000"/>
-                          </a:solidFill>
-                          <a:effectLst/>
-                          <a:latin typeface="맑은 고딕" panose="020B0503020000020004" pitchFamily="50" charset="-127"/>
-                          <a:ea typeface="맑은 고딕" panose="020B0503020000020004" pitchFamily="50" charset="-127"/>
-                        </a:rPr>
-                        <a:t>확인 </a:t>
-                      </a:r>
-                      <a:r>
-                        <a:rPr lang="en-US" altLang="ko-KR" sz="900" b="0" i="0" u="none" strike="noStrike" baseline="0" dirty="0" smtClean="0">
-                          <a:solidFill>
-                            <a:srgbClr val="000000"/>
-                          </a:solidFill>
-                          <a:effectLst/>
-                          <a:latin typeface="맑은 고딕" panose="020B0503020000020004" pitchFamily="50" charset="-127"/>
-                          <a:ea typeface="맑은 고딕" panose="020B0503020000020004" pitchFamily="50" charset="-127"/>
+                        <a:rPr lang="ko-KR" altLang="en-US" sz="900" u="none" strike="noStrike" baseline="0" dirty="0" smtClean="0">
+                          <a:effectLst/>
+                        </a:rPr>
+                        <a:t> 확인 </a:t>
+                      </a:r>
+                      <a:r>
+                        <a:rPr lang="en-US" altLang="ko-KR" sz="900" u="none" strike="noStrike" baseline="0" dirty="0" smtClean="0">
+                          <a:effectLst/>
                         </a:rPr>
                         <a:t>(</a:t>
                       </a:r>
                       <a:r>
-                        <a:rPr lang="ko-KR" altLang="en-US" sz="900" b="0" i="0" u="none" strike="noStrike" baseline="0" dirty="0" smtClean="0">
-                          <a:solidFill>
-                            <a:srgbClr val="000000"/>
-                          </a:solidFill>
-                          <a:effectLst/>
-                          <a:latin typeface="맑은 고딕" panose="020B0503020000020004" pitchFamily="50" charset="-127"/>
-                          <a:ea typeface="맑은 고딕" panose="020B0503020000020004" pitchFamily="50" charset="-127"/>
+                        <a:rPr lang="ko-KR" altLang="en-US" sz="900" u="none" strike="noStrike" baseline="0" dirty="0" smtClean="0">
+                          <a:effectLst/>
                         </a:rPr>
                         <a:t>불합리 사항</a:t>
                       </a:r>
                       <a:r>
-                        <a:rPr lang="en-US" altLang="ko-KR" sz="900" b="0" i="0" u="none" strike="noStrike" baseline="0" dirty="0" smtClean="0">
-                          <a:solidFill>
-                            <a:srgbClr val="000000"/>
-                          </a:solidFill>
-                          <a:effectLst/>
-                          <a:latin typeface="맑은 고딕" panose="020B0503020000020004" pitchFamily="50" charset="-127"/>
-                          <a:ea typeface="맑은 고딕" panose="020B0503020000020004" pitchFamily="50" charset="-127"/>
+                        <a:rPr lang="en-US" altLang="ko-KR" sz="900" u="none" strike="noStrike" baseline="0" dirty="0" smtClean="0">
+                          <a:effectLst/>
                         </a:rPr>
                         <a:t>)</a:t>
                       </a:r>

--- a/CodeReviewTool/doc/CodeReview_점검_Tool_개발계획서_rev05.pptx
+++ b/CodeReviewTool/doc/CodeReview_점검_Tool_개발계획서_rev05.pptx
@@ -21,8 +21,8 @@
     <p:sldId id="359" r:id="rId9"/>
     <p:sldId id="360" r:id="rId10"/>
     <p:sldId id="361" r:id="rId11"/>
-    <p:sldId id="343" r:id="rId12"/>
-    <p:sldId id="344" r:id="rId13"/>
+    <p:sldId id="362" r:id="rId12"/>
+    <p:sldId id="343" r:id="rId13"/>
     <p:sldId id="348" r:id="rId14"/>
     <p:sldId id="350" r:id="rId15"/>
     <p:sldId id="349" r:id="rId16"/>
@@ -172,8 +172,8 @@
             <p14:sldId id="359"/>
             <p14:sldId id="360"/>
             <p14:sldId id="361"/>
+            <p14:sldId id="362"/>
             <p14:sldId id="343"/>
-            <p14:sldId id="344"/>
             <p14:sldId id="348"/>
             <p14:sldId id="350"/>
             <p14:sldId id="349"/>
@@ -291,7 +291,7 @@
           <a:p>
             <a:fld id="{036B6B10-1B09-480E-9EAC-7453F6B2BC47}" type="datetimeFigureOut">
               <a:rPr lang="ko-KR" altLang="en-US" smtClean="0"/>
-              <a:t>2024-08-26</a:t>
+              <a:t>2024-08-30</a:t>
             </a:fld>
             <a:endParaRPr lang="ko-KR" altLang="en-US"/>
           </a:p>
@@ -456,7 +456,7 @@
           <a:p>
             <a:fld id="{FE749B7C-4794-4872-A925-753F194DD9F3}" type="datetimeFigureOut">
               <a:rPr lang="ko-KR" altLang="en-US" smtClean="0"/>
-              <a:t>2024-08-26</a:t>
+              <a:t>2024-08-30</a:t>
             </a:fld>
             <a:endParaRPr lang="ko-KR" altLang="en-US"/>
           </a:p>
@@ -1797,7 +1797,7 @@
           <a:p>
             <a:fld id="{805658A3-C337-411C-A39B-D6A40476A7DB}" type="datetimeFigureOut">
               <a:rPr lang="ko-KR" altLang="en-US" smtClean="0"/>
-              <a:t>2024-08-26</a:t>
+              <a:t>2024-08-30</a:t>
             </a:fld>
             <a:endParaRPr lang="ko-KR" altLang="en-US"/>
           </a:p>
@@ -3111,52 +3111,45 @@
           <p:nvPr>
             <p:extLst>
               <p:ext uri="{D42A27DB-BD31-4B8C-83A1-F6EECF244321}">
-                <p14:modId xmlns:p14="http://schemas.microsoft.com/office/powerpoint/2010/main" val="2176576863"/>
+                <p14:modId xmlns:p14="http://schemas.microsoft.com/office/powerpoint/2010/main" val="1745820686"/>
               </p:ext>
             </p:extLst>
           </p:nvPr>
         </p:nvGraphicFramePr>
         <p:xfrm>
-          <a:off x="668524" y="1664806"/>
-          <a:ext cx="8874845" cy="4560865"/>
+          <a:off x="596516" y="1628800"/>
+          <a:ext cx="8652538" cy="3812154"/>
         </p:xfrm>
         <a:graphic>
           <a:graphicData uri="http://schemas.openxmlformats.org/drawingml/2006/table">
             <a:tbl>
-              <a:tblPr>
-                <a:tableStyleId>{616DA210-FB5B-4158-B5E0-FEB733F419BA}</a:tableStyleId>
+              <a:tblPr firstRow="1" firstCol="1" bandRow="1">
+                <a:tableStyleId>{5C22544A-7EE6-4342-B048-85BDC9FD1C3A}</a:tableStyleId>
               </a:tblPr>
               <a:tblGrid>
-                <a:gridCol w="827955">
+                <a:gridCol w="735013">
                   <a:extLst>
                     <a:ext uri="{9D8B030D-6E8A-4147-A177-3AD203B41FA5}">
                       <a16:colId xmlns:a16="http://schemas.microsoft.com/office/drawing/2014/main" val="3322228484"/>
                     </a:ext>
                   </a:extLst>
                 </a:gridCol>
-                <a:gridCol w="3672545">
+                <a:gridCol w="3057525">
                   <a:extLst>
                     <a:ext uri="{9D8B030D-6E8A-4147-A177-3AD203B41FA5}">
                       <a16:colId xmlns:a16="http://schemas.microsoft.com/office/drawing/2014/main" val="3088701884"/>
                     </a:ext>
                   </a:extLst>
                 </a:gridCol>
-                <a:gridCol w="1008112">
+                <a:gridCol w="4860000">
                   <a:extLst>
                     <a:ext uri="{9D8B030D-6E8A-4147-A177-3AD203B41FA5}">
                       <a16:colId xmlns:a16="http://schemas.microsoft.com/office/drawing/2014/main" val="3637397950"/>
                     </a:ext>
                   </a:extLst>
                 </a:gridCol>
-                <a:gridCol w="3366233">
-                  <a:extLst>
-                    <a:ext uri="{9D8B030D-6E8A-4147-A177-3AD203B41FA5}">
-                      <a16:colId xmlns:a16="http://schemas.microsoft.com/office/drawing/2014/main" val="1474204968"/>
-                    </a:ext>
-                  </a:extLst>
-                </a:gridCol>
               </a:tblGrid>
-              <a:tr h="288030">
+              <a:tr h="314589">
                 <a:tc>
                   <a:txBody>
                     <a:bodyPr/>
@@ -3164,15 +3157,39 @@
                     <a:p>
                       <a:pPr algn="ctr" fontAlgn="ctr"/>
                       <a:r>
+                        <a:rPr lang="ko-KR" altLang="en-US" sz="1100" u="none" strike="noStrike" dirty="0" smtClean="0">
+                          <a:effectLst/>
+                        </a:rPr>
+                        <a:t>구분</a:t>
+                      </a:r>
+                      <a:endParaRPr lang="ko-KR" altLang="en-US" sz="1100" b="1" i="0" u="none" strike="noStrike" dirty="0">
+                        <a:solidFill>
+                          <a:srgbClr val="000000"/>
+                        </a:solidFill>
+                        <a:effectLst/>
+                        <a:latin typeface="맑은 고딕" panose="020B0503020000020004" pitchFamily="50" charset="-127"/>
+                        <a:ea typeface="맑은 고딕" panose="020B0503020000020004" pitchFamily="50" charset="-127"/>
+                      </a:endParaRPr>
+                    </a:p>
+                  </a:txBody>
+                  <a:tcPr marL="9525" marR="9525" marT="9525" marB="0" anchor="ctr"/>
+                </a:tc>
+                <a:tc>
+                  <a:txBody>
+                    <a:bodyPr/>
+                    <a:lstStyle/>
+                    <a:p>
+                      <a:pPr algn="ctr" fontAlgn="ctr"/>
+                      <a:r>
                         <a:rPr lang="ko-KR" altLang="en-US" sz="1100" b="1" i="0" u="none" strike="noStrike" dirty="0" smtClean="0">
                           <a:solidFill>
-                            <a:srgbClr val="000000"/>
-                          </a:solidFill>
-                          <a:effectLst/>
-                          <a:latin typeface="맑은 고딕" panose="020B0503020000020004" pitchFamily="50" charset="-127"/>
-                          <a:ea typeface="맑은 고딕" panose="020B0503020000020004" pitchFamily="50" charset="-127"/>
-                        </a:rPr>
-                        <a:t>구분</a:t>
+                            <a:schemeClr val="lt1"/>
+                          </a:solidFill>
+                          <a:effectLst/>
+                          <a:latin typeface="+mn-lt"/>
+                          <a:ea typeface="+mn-ea"/>
+                        </a:rPr>
+                        <a:t>코드 리뷰 항목</a:t>
                       </a:r>
                       <a:endParaRPr lang="ko-KR" altLang="en-US" sz="1100" b="1" i="0" u="none" strike="noStrike" dirty="0">
                         <a:solidFill>
@@ -3184,13 +3201,7 @@
                       </a:endParaRPr>
                     </a:p>
                   </a:txBody>
-                  <a:tcPr marL="9525" marR="9525" marT="9525" marB="0" anchor="ctr">
-                    <a:solidFill>
-                      <a:schemeClr val="bg1">
-                        <a:lumMod val="85000"/>
-                      </a:schemeClr>
-                    </a:solidFill>
-                  </a:tcPr>
+                  <a:tcPr marL="9525" marR="9525" marT="9525" marB="0" anchor="ctr"/>
                 </a:tc>
                 <a:tc>
                   <a:txBody>
@@ -3199,10 +3210,26 @@
                     <a:p>
                       <a:pPr algn="ctr" fontAlgn="ctr"/>
                       <a:r>
-                        <a:rPr lang="ko-KR" altLang="en-US" sz="1100" b="1" u="none" strike="noStrike" dirty="0">
-                          <a:effectLst/>
-                        </a:rPr>
-                        <a:t>코드 리뷰 항목</a:t>
+                        <a:rPr lang="ko-KR" altLang="en-US" sz="1100" b="1" i="0" u="none" strike="noStrike" dirty="0" smtClean="0">
+                          <a:solidFill>
+                            <a:schemeClr val="lt1"/>
+                          </a:solidFill>
+                          <a:effectLst/>
+                          <a:latin typeface="+mn-lt"/>
+                          <a:ea typeface="+mn-ea"/>
+                        </a:rPr>
+                        <a:t>상세 내용 </a:t>
+                      </a:r>
+                      <a:r>
+                        <a:rPr lang="en-US" altLang="ko-KR" sz="1100" b="1" i="0" u="none" strike="noStrike" dirty="0" smtClean="0">
+                          <a:solidFill>
+                            <a:schemeClr val="lt1"/>
+                          </a:solidFill>
+                          <a:effectLst/>
+                          <a:latin typeface="+mn-lt"/>
+                          <a:ea typeface="+mn-ea"/>
+                        </a:rPr>
+                        <a:t>Message</a:t>
                       </a:r>
                       <a:endParaRPr lang="ko-KR" altLang="en-US" sz="1100" b="1" i="0" u="none" strike="noStrike" dirty="0">
                         <a:solidFill>
@@ -3214,83 +3241,7 @@
                       </a:endParaRPr>
                     </a:p>
                   </a:txBody>
-                  <a:tcPr marL="9525" marR="9525" marT="9525" marB="0" anchor="ctr">
-                    <a:solidFill>
-                      <a:schemeClr val="bg1">
-                        <a:lumMod val="85000"/>
-                      </a:schemeClr>
-                    </a:solidFill>
-                  </a:tcPr>
-                </a:tc>
-                <a:tc>
-                  <a:txBody>
-                    <a:bodyPr/>
-                    <a:lstStyle/>
-                    <a:p>
-                      <a:pPr algn="ctr" fontAlgn="ctr"/>
-                      <a:r>
-                        <a:rPr lang="ko-KR" altLang="en-US" sz="1100" b="1" i="0" u="none" strike="noStrike" dirty="0" smtClean="0">
-                          <a:solidFill>
-                            <a:srgbClr val="000000"/>
-                          </a:solidFill>
-                          <a:effectLst/>
-                          <a:latin typeface="맑은 고딕" panose="020B0503020000020004" pitchFamily="50" charset="-127"/>
-                          <a:ea typeface="맑은 고딕" panose="020B0503020000020004" pitchFamily="50" charset="-127"/>
-                        </a:rPr>
-                        <a:t>검증 가능성</a:t>
-                      </a:r>
-                      <a:endParaRPr lang="ko-KR" altLang="en-US" sz="1100" b="1" i="0" u="none" strike="noStrike" dirty="0">
-                        <a:solidFill>
-                          <a:srgbClr val="000000"/>
-                        </a:solidFill>
-                        <a:effectLst/>
-                        <a:latin typeface="맑은 고딕" panose="020B0503020000020004" pitchFamily="50" charset="-127"/>
-                        <a:ea typeface="맑은 고딕" panose="020B0503020000020004" pitchFamily="50" charset="-127"/>
-                      </a:endParaRPr>
-                    </a:p>
-                  </a:txBody>
-                  <a:tcPr marL="9525" marR="9525" marT="9525" marB="0" anchor="ctr">
-                    <a:solidFill>
-                      <a:schemeClr val="bg1">
-                        <a:lumMod val="85000"/>
-                      </a:schemeClr>
-                    </a:solidFill>
-                  </a:tcPr>
-                </a:tc>
-                <a:tc>
-                  <a:txBody>
-                    <a:bodyPr/>
-                    <a:lstStyle/>
-                    <a:p>
-                      <a:pPr algn="ctr" fontAlgn="ctr"/>
-                      <a:r>
-                        <a:rPr lang="ko-KR" altLang="en-US" sz="1100" b="1" i="0" u="none" strike="noStrike" dirty="0" smtClean="0">
-                          <a:solidFill>
-                            <a:srgbClr val="000000"/>
-                          </a:solidFill>
-                          <a:effectLst/>
-                          <a:latin typeface="맑은 고딕" panose="020B0503020000020004" pitchFamily="50" charset="-127"/>
-                          <a:ea typeface="맑은 고딕" panose="020B0503020000020004" pitchFamily="50" charset="-127"/>
-                        </a:rPr>
-                        <a:t>검증 방법</a:t>
-                      </a:r>
-                      <a:endParaRPr lang="ko-KR" altLang="en-US" sz="1100" b="1" i="0" u="none" strike="noStrike" dirty="0">
-                        <a:solidFill>
-                          <a:srgbClr val="000000"/>
-                        </a:solidFill>
-                        <a:effectLst/>
-                        <a:latin typeface="맑은 고딕" panose="020B0503020000020004" pitchFamily="50" charset="-127"/>
-                        <a:ea typeface="맑은 고딕" panose="020B0503020000020004" pitchFamily="50" charset="-127"/>
-                      </a:endParaRPr>
-                    </a:p>
-                  </a:txBody>
-                  <a:tcPr marL="9525" marR="9525" marT="9525" marB="0" anchor="ctr">
-                    <a:solidFill>
-                      <a:schemeClr val="bg1">
-                        <a:lumMod val="85000"/>
-                      </a:schemeClr>
-                    </a:solidFill>
-                  </a:tcPr>
+                  <a:tcPr marL="9525" marR="9525" marT="9525" marB="0" anchor="ctr"/>
                 </a:tc>
                 <a:extLst>
                   <a:ext uri="{0D108BD9-81ED-4DB2-BD59-A6C34878D82A}">
@@ -3298,21 +3249,16 @@
                   </a:ext>
                 </a:extLst>
               </a:tr>
-              <a:tr h="245937">
-                <a:tc rowSpan="6">
+              <a:tr h="288000">
+                <a:tc rowSpan="5">
                   <a:txBody>
                     <a:bodyPr/>
                     <a:lstStyle/>
                     <a:p>
                       <a:pPr algn="ctr" fontAlgn="ctr"/>
                       <a:r>
-                        <a:rPr lang="ko-KR" altLang="en-US" sz="1100" b="1" i="0" u="none" strike="noStrike" dirty="0" smtClean="0">
-                          <a:solidFill>
-                            <a:srgbClr val="000000"/>
-                          </a:solidFill>
-                          <a:effectLst/>
-                          <a:latin typeface="맑은 고딕" panose="020B0503020000020004" pitchFamily="50" charset="-127"/>
-                          <a:ea typeface="맑은 고딕" panose="020B0503020000020004" pitchFamily="50" charset="-127"/>
+                        <a:rPr lang="ko-KR" altLang="en-US" sz="1100" u="none" strike="noStrike" dirty="0" smtClean="0">
+                          <a:effectLst/>
                         </a:rPr>
                         <a:t>성능</a:t>
                       </a:r>
@@ -3326,13 +3272,7 @@
                       </a:endParaRPr>
                     </a:p>
                   </a:txBody>
-                  <a:tcPr marL="9525" marR="9525" marT="9525" marB="0" anchor="ctr">
-                    <a:solidFill>
-                      <a:schemeClr val="bg1">
-                        <a:lumMod val="85000"/>
-                      </a:schemeClr>
-                    </a:solidFill>
-                  </a:tcPr>
+                  <a:tcPr marL="9525" marR="9525" marT="9525" marB="0" anchor="ctr"/>
                 </a:tc>
                 <a:tc>
                   <a:txBody>
@@ -3341,618 +3281,28 @@
                     <a:p>
                       <a:pPr lvl="1" algn="l" fontAlgn="ctr"/>
                       <a:r>
-                        <a:rPr lang="ko-KR" altLang="en-US" sz="1050" u="none" strike="noStrike" dirty="0">
-                          <a:solidFill>
-                            <a:schemeClr val="bg1">
-                              <a:lumMod val="50000"/>
-                            </a:schemeClr>
-                          </a:solidFill>
-                          <a:effectLst/>
-                        </a:rPr>
-                        <a:t>스크립트 동작 </a:t>
+                        <a:rPr lang="ko-KR" altLang="en-US" sz="1050" u="none" strike="noStrike" dirty="0" smtClean="0">
+                          <a:effectLst/>
+                        </a:rPr>
+                        <a:t>스크립트 </a:t>
                       </a:r>
                       <a:r>
                         <a:rPr lang="en-US" altLang="ko-KR" sz="1050" u="none" strike="noStrike" dirty="0">
-                          <a:solidFill>
-                            <a:schemeClr val="bg1">
-                              <a:lumMod val="50000"/>
-                            </a:schemeClr>
-                          </a:solidFill>
                           <a:effectLst/>
                         </a:rPr>
                         <a:t>Active </a:t>
                       </a:r>
                       <a:r>
-                        <a:rPr lang="ko-KR" altLang="en-US" sz="1050" u="none" strike="noStrike" dirty="0">
-                          <a:solidFill>
-                            <a:schemeClr val="bg1">
-                              <a:lumMod val="50000"/>
-                            </a:schemeClr>
-                          </a:solidFill>
-                          <a:effectLst/>
-                        </a:rPr>
-                        <a:t>감시 적용</a:t>
+                        <a:rPr lang="ko-KR" altLang="en-US" sz="1050" u="none" strike="noStrike" baseline="0" dirty="0" smtClean="0">
+                          <a:effectLst/>
+                        </a:rPr>
+                        <a:t> 동작 조건 확인</a:t>
                       </a:r>
                       <a:endParaRPr lang="ko-KR" altLang="en-US" sz="1050" b="0" i="0" u="none" strike="noStrike" dirty="0">
                         <a:solidFill>
                           <a:schemeClr val="bg1">
                             <a:lumMod val="50000"/>
                           </a:schemeClr>
-                        </a:solidFill>
-                        <a:effectLst/>
-                        <a:latin typeface="맑은 고딕" panose="020B0503020000020004" pitchFamily="50" charset="-127"/>
-                        <a:ea typeface="맑은 고딕" panose="020B0503020000020004" pitchFamily="50" charset="-127"/>
-                      </a:endParaRPr>
-                    </a:p>
-                  </a:txBody>
-                  <a:tcPr marL="9525" marR="9525" marT="9525" marB="0" anchor="ctr">
-                    <a:solidFill>
-                      <a:schemeClr val="bg1">
-                        <a:lumMod val="85000"/>
-                      </a:schemeClr>
-                    </a:solidFill>
-                  </a:tcPr>
-                </a:tc>
-                <a:tc>
-                  <a:txBody>
-                    <a:bodyPr/>
-                    <a:lstStyle/>
-                    <a:p>
-                      <a:pPr algn="ctr" fontAlgn="ctr"/>
-                      <a:r>
-                        <a:rPr lang="en-US" altLang="ko-KR" sz="1050" b="0" i="0" u="none" strike="noStrike" dirty="0" smtClean="0">
-                          <a:solidFill>
-                            <a:schemeClr val="bg1">
-                              <a:lumMod val="50000"/>
-                            </a:schemeClr>
-                          </a:solidFill>
-                          <a:effectLst/>
-                          <a:latin typeface="맑은 고딕" panose="020B0503020000020004" pitchFamily="50" charset="-127"/>
-                          <a:ea typeface="+mn-ea"/>
-                        </a:rPr>
-                        <a:t>X</a:t>
-                      </a:r>
-                      <a:endParaRPr lang="ko-KR" altLang="en-US" sz="1050" b="0" i="0" u="none" strike="noStrike" dirty="0">
-                        <a:solidFill>
-                          <a:schemeClr val="bg1">
-                            <a:lumMod val="50000"/>
-                          </a:schemeClr>
-                        </a:solidFill>
-                        <a:effectLst/>
-                        <a:latin typeface="맑은 고딕" panose="020B0503020000020004" pitchFamily="50" charset="-127"/>
-                        <a:ea typeface="맑은 고딕" panose="020B0503020000020004" pitchFamily="50" charset="-127"/>
-                      </a:endParaRPr>
-                    </a:p>
-                  </a:txBody>
-                  <a:tcPr marL="9525" marR="9525" marT="9525" marB="0" anchor="ctr">
-                    <a:solidFill>
-                      <a:schemeClr val="bg1">
-                        <a:lumMod val="85000"/>
-                      </a:schemeClr>
-                    </a:solidFill>
-                  </a:tcPr>
-                </a:tc>
-                <a:tc>
-                  <a:txBody>
-                    <a:bodyPr/>
-                    <a:lstStyle/>
-                    <a:p>
-                      <a:pPr algn="l" fontAlgn="ctr"/>
-                      <a:endParaRPr lang="ko-KR" altLang="en-US" sz="900" b="0" i="0" u="none" strike="noStrike" dirty="0">
-                        <a:solidFill>
-                          <a:schemeClr val="bg1">
-                            <a:lumMod val="50000"/>
-                          </a:schemeClr>
-                        </a:solidFill>
-                        <a:effectLst/>
-                        <a:latin typeface="맑은 고딕" panose="020B0503020000020004" pitchFamily="50" charset="-127"/>
-                        <a:ea typeface="맑은 고딕" panose="020B0503020000020004" pitchFamily="50" charset="-127"/>
-                      </a:endParaRPr>
-                    </a:p>
-                  </a:txBody>
-                  <a:tcPr marL="9525" marR="9525" marT="9525" marB="0" anchor="ctr">
-                    <a:solidFill>
-                      <a:schemeClr val="bg1">
-                        <a:lumMod val="85000"/>
-                      </a:schemeClr>
-                    </a:solidFill>
-                  </a:tcPr>
-                </a:tc>
-                <a:extLst>
-                  <a:ext uri="{0D108BD9-81ED-4DB2-BD59-A6C34878D82A}">
-                    <a16:rowId xmlns:a16="http://schemas.microsoft.com/office/drawing/2014/main" val="2289168842"/>
-                  </a:ext>
-                </a:extLst>
-              </a:tr>
-              <a:tr h="245937">
-                <a:tc vMerge="1">
-                  <a:txBody>
-                    <a:bodyPr/>
-                    <a:lstStyle/>
-                    <a:p>
-                      <a:pPr algn="l" fontAlgn="ctr"/>
-                      <a:endParaRPr lang="ko-KR" altLang="en-US" sz="1100" b="0" i="0" u="none" strike="noStrike" dirty="0">
-                        <a:solidFill>
-                          <a:srgbClr val="000000"/>
-                        </a:solidFill>
-                        <a:effectLst/>
-                        <a:latin typeface="맑은 고딕" panose="020B0503020000020004" pitchFamily="50" charset="-127"/>
-                        <a:ea typeface="맑은 고딕" panose="020B0503020000020004" pitchFamily="50" charset="-127"/>
-                      </a:endParaRPr>
-                    </a:p>
-                  </a:txBody>
-                  <a:tcPr marL="9525" marR="9525" marT="9525" marB="0" anchor="ctr"/>
-                </a:tc>
-                <a:tc>
-                  <a:txBody>
-                    <a:bodyPr/>
-                    <a:lstStyle/>
-                    <a:p>
-                      <a:pPr lvl="1" algn="l" fontAlgn="ctr"/>
-                      <a:r>
-                        <a:rPr lang="en-US" altLang="ko-KR" sz="1050" u="none" strike="noStrike" dirty="0">
-                          <a:effectLst/>
-                        </a:rPr>
-                        <a:t>Loop</a:t>
-                      </a:r>
-                      <a:r>
-                        <a:rPr lang="ko-KR" altLang="en-US" sz="1050" u="none" strike="noStrike" dirty="0">
-                          <a:effectLst/>
-                        </a:rPr>
-                        <a:t>문 내에 처리 조건</a:t>
-                      </a:r>
-                      <a:endParaRPr lang="ko-KR" altLang="en-US" sz="1050" b="0" i="0" u="none" strike="noStrike" dirty="0">
-                        <a:solidFill>
-                          <a:srgbClr val="000000"/>
-                        </a:solidFill>
-                        <a:effectLst/>
-                        <a:latin typeface="맑은 고딕" panose="020B0503020000020004" pitchFamily="50" charset="-127"/>
-                        <a:ea typeface="맑은 고딕" panose="020B0503020000020004" pitchFamily="50" charset="-127"/>
-                      </a:endParaRPr>
-                    </a:p>
-                  </a:txBody>
-                  <a:tcPr marL="9525" marR="9525" marT="9525" marB="0" anchor="ctr">
-                    <a:solidFill>
-                      <a:schemeClr val="bg1"/>
-                    </a:solidFill>
-                  </a:tcPr>
-                </a:tc>
-                <a:tc>
-                  <a:txBody>
-                    <a:bodyPr/>
-                    <a:lstStyle/>
-                    <a:p>
-                      <a:pPr algn="ctr" fontAlgn="ctr"/>
-                      <a:r>
-                        <a:rPr lang="ko-KR" altLang="en-US" sz="1050" b="0" i="0" u="none" strike="noStrike" dirty="0" smtClean="0">
-                          <a:solidFill>
-                            <a:srgbClr val="000000"/>
-                          </a:solidFill>
-                          <a:effectLst/>
-                          <a:latin typeface="맑은 고딕" panose="020B0503020000020004" pitchFamily="50" charset="-127"/>
-                          <a:ea typeface="+mn-ea"/>
-                        </a:rPr>
-                        <a:t>○</a:t>
-                      </a:r>
-                      <a:endParaRPr lang="ko-KR" altLang="en-US" sz="1050" b="0" i="0" u="none" strike="noStrike" dirty="0">
-                        <a:solidFill>
-                          <a:srgbClr val="000000"/>
-                        </a:solidFill>
-                        <a:effectLst/>
-                        <a:latin typeface="맑은 고딕" panose="020B0503020000020004" pitchFamily="50" charset="-127"/>
-                        <a:ea typeface="+mn-ea"/>
-                      </a:endParaRPr>
-                    </a:p>
-                  </a:txBody>
-                  <a:tcPr marL="9525" marR="9525" marT="9525" marB="0" anchor="ctr">
-                    <a:solidFill>
-                      <a:schemeClr val="bg1"/>
-                    </a:solidFill>
-                  </a:tcPr>
-                </a:tc>
-                <a:tc>
-                  <a:txBody>
-                    <a:bodyPr/>
-                    <a:lstStyle/>
-                    <a:p>
-                      <a:pPr algn="l" fontAlgn="ctr"/>
-                      <a:r>
-                        <a:rPr lang="en-US" altLang="ko-KR" sz="900" b="0" i="0" u="none" strike="noStrike" baseline="0" dirty="0" smtClean="0">
-                          <a:solidFill>
-                            <a:srgbClr val="000000"/>
-                          </a:solidFill>
-                          <a:effectLst/>
-                          <a:latin typeface="맑은 고딕" panose="020B0503020000020004" pitchFamily="50" charset="-127"/>
-                          <a:ea typeface="맑은 고딕" panose="020B0503020000020004" pitchFamily="50" charset="-127"/>
-                        </a:rPr>
-                        <a:t> - while</a:t>
-                      </a:r>
-                      <a:r>
-                        <a:rPr lang="ko-KR" altLang="en-US" sz="900" b="0" i="0" u="none" strike="noStrike" baseline="0" dirty="0" smtClean="0">
-                          <a:solidFill>
-                            <a:srgbClr val="000000"/>
-                          </a:solidFill>
-                          <a:effectLst/>
-                          <a:latin typeface="맑은 고딕" panose="020B0503020000020004" pitchFamily="50" charset="-127"/>
-                          <a:ea typeface="맑은 고딕" panose="020B0503020000020004" pitchFamily="50" charset="-127"/>
-                        </a:rPr>
-                        <a:t>문 조건 별 </a:t>
-                      </a:r>
-                      <a:r>
-                        <a:rPr lang="en-US" altLang="ko-KR" sz="900" b="0" i="0" u="none" strike="noStrike" baseline="0" dirty="0" smtClean="0">
-                          <a:solidFill>
-                            <a:srgbClr val="000000"/>
-                          </a:solidFill>
-                          <a:effectLst/>
-                          <a:latin typeface="맑은 고딕" panose="020B0503020000020004" pitchFamily="50" charset="-127"/>
-                          <a:ea typeface="맑은 고딕" panose="020B0503020000020004" pitchFamily="50" charset="-127"/>
-                        </a:rPr>
-                        <a:t>Delay </a:t>
-                      </a:r>
-                      <a:r>
-                        <a:rPr lang="ko-KR" altLang="en-US" sz="900" b="0" i="0" u="none" strike="noStrike" baseline="0" dirty="0" smtClean="0">
-                          <a:solidFill>
-                            <a:srgbClr val="000000"/>
-                          </a:solidFill>
-                          <a:effectLst/>
-                          <a:latin typeface="맑은 고딕" panose="020B0503020000020004" pitchFamily="50" charset="-127"/>
-                          <a:ea typeface="맑은 고딕" panose="020B0503020000020004" pitchFamily="50" charset="-127"/>
-                        </a:rPr>
-                        <a:t>처리 확인</a:t>
-                      </a:r>
-                      <a:endParaRPr lang="ko-KR" altLang="en-US" sz="900" b="0" i="0" u="none" strike="noStrike" dirty="0">
-                        <a:solidFill>
-                          <a:srgbClr val="000000"/>
-                        </a:solidFill>
-                        <a:effectLst/>
-                        <a:latin typeface="맑은 고딕" panose="020B0503020000020004" pitchFamily="50" charset="-127"/>
-                        <a:ea typeface="맑은 고딕" panose="020B0503020000020004" pitchFamily="50" charset="-127"/>
-                      </a:endParaRPr>
-                    </a:p>
-                  </a:txBody>
-                  <a:tcPr marL="9525" marR="9525" marT="9525" marB="0" anchor="ctr">
-                    <a:solidFill>
-                      <a:schemeClr val="bg1"/>
-                    </a:solidFill>
-                  </a:tcPr>
-                </a:tc>
-                <a:extLst>
-                  <a:ext uri="{0D108BD9-81ED-4DB2-BD59-A6C34878D82A}">
-                    <a16:rowId xmlns:a16="http://schemas.microsoft.com/office/drawing/2014/main" val="1948227982"/>
-                  </a:ext>
-                </a:extLst>
-              </a:tr>
-              <a:tr h="372222">
-                <a:tc vMerge="1">
-                  <a:txBody>
-                    <a:bodyPr/>
-                    <a:lstStyle/>
-                    <a:p>
-                      <a:pPr algn="l" fontAlgn="ctr"/>
-                      <a:endParaRPr lang="ko-KR" altLang="en-US" sz="1100" b="0" i="0" u="none" strike="noStrike" dirty="0">
-                        <a:solidFill>
-                          <a:srgbClr val="000000"/>
-                        </a:solidFill>
-                        <a:effectLst/>
-                        <a:latin typeface="맑은 고딕" panose="020B0503020000020004" pitchFamily="50" charset="-127"/>
-                        <a:ea typeface="맑은 고딕" panose="020B0503020000020004" pitchFamily="50" charset="-127"/>
-                      </a:endParaRPr>
-                    </a:p>
-                  </a:txBody>
-                  <a:tcPr marL="9525" marR="9525" marT="9525" marB="0" anchor="ctr"/>
-                </a:tc>
-                <a:tc>
-                  <a:txBody>
-                    <a:bodyPr/>
-                    <a:lstStyle/>
-                    <a:p>
-                      <a:pPr lvl="1" algn="l" fontAlgn="ctr"/>
-                      <a:r>
-                        <a:rPr lang="en-US" altLang="ko-KR" sz="1050" u="none" strike="noStrike" dirty="0">
-                          <a:effectLst/>
-                        </a:rPr>
-                        <a:t>Event, Ctrl Manager </a:t>
-                      </a:r>
-                      <a:r>
-                        <a:rPr lang="ko-KR" altLang="en-US" sz="1050" u="none" strike="noStrike" dirty="0">
-                          <a:effectLst/>
-                        </a:rPr>
-                        <a:t>이벤트 교환 횟수 최소화</a:t>
-                      </a:r>
-                      <a:endParaRPr lang="ko-KR" altLang="en-US" sz="1050" b="0" i="0" u="none" strike="noStrike" dirty="0">
-                        <a:solidFill>
-                          <a:srgbClr val="000000"/>
-                        </a:solidFill>
-                        <a:effectLst/>
-                        <a:latin typeface="맑은 고딕" panose="020B0503020000020004" pitchFamily="50" charset="-127"/>
-                        <a:ea typeface="맑은 고딕" panose="020B0503020000020004" pitchFamily="50" charset="-127"/>
-                      </a:endParaRPr>
-                    </a:p>
-                  </a:txBody>
-                  <a:tcPr marL="9525" marR="9525" marT="9525" marB="0" anchor="ctr"/>
-                </a:tc>
-                <a:tc>
-                  <a:txBody>
-                    <a:bodyPr/>
-                    <a:lstStyle/>
-                    <a:p>
-                      <a:pPr algn="ctr" fontAlgn="ctr"/>
-                      <a:r>
-                        <a:rPr lang="ko-KR" altLang="en-US" sz="1050" b="0" i="0" u="none" strike="noStrike" dirty="0" smtClean="0">
-                          <a:solidFill>
-                            <a:srgbClr val="000000"/>
-                          </a:solidFill>
-                          <a:effectLst/>
-                          <a:latin typeface="맑은 고딕" panose="020B0503020000020004" pitchFamily="50" charset="-127"/>
-                          <a:ea typeface="맑은 고딕" panose="020B0503020000020004" pitchFamily="50" charset="-127"/>
-                        </a:rPr>
-                        <a:t>○</a:t>
-                      </a:r>
-                      <a:endParaRPr lang="ko-KR" altLang="en-US" sz="1050" b="0" i="0" u="none" strike="noStrike" dirty="0">
-                        <a:solidFill>
-                          <a:srgbClr val="000000"/>
-                        </a:solidFill>
-                        <a:effectLst/>
-                        <a:latin typeface="맑은 고딕" panose="020B0503020000020004" pitchFamily="50" charset="-127"/>
-                        <a:ea typeface="맑은 고딕" panose="020B0503020000020004" pitchFamily="50" charset="-127"/>
-                      </a:endParaRPr>
-                    </a:p>
-                  </a:txBody>
-                  <a:tcPr marL="9525" marR="9525" marT="9525" marB="0" anchor="ctr"/>
-                </a:tc>
-                <a:tc>
-                  <a:txBody>
-                    <a:bodyPr/>
-                    <a:lstStyle/>
-                    <a:p>
-                      <a:pPr marL="0" marR="0" lvl="0" indent="0" algn="l" defTabSz="914400" rtl="0" eaLnBrk="1" fontAlgn="ctr" latinLnBrk="1" hangingPunct="1">
-                        <a:lnSpc>
-                          <a:spcPct val="100000"/>
-                        </a:lnSpc>
-                        <a:spcBef>
-                          <a:spcPts val="0"/>
-                        </a:spcBef>
-                        <a:spcAft>
-                          <a:spcPts val="0"/>
-                        </a:spcAft>
-                        <a:buClrTx/>
-                        <a:buSzTx/>
-                        <a:buFontTx/>
-                        <a:buNone/>
-                        <a:tabLst/>
-                        <a:defRPr/>
-                      </a:pPr>
-                      <a:r>
-                        <a:rPr lang="en-US" altLang="ko-KR" sz="900" b="0" i="0" u="none" strike="noStrike" dirty="0" smtClean="0">
-                          <a:solidFill>
-                            <a:schemeClr val="tx1"/>
-                          </a:solidFill>
-                          <a:effectLst/>
-                          <a:latin typeface="+mn-ea"/>
-                          <a:ea typeface="+mn-ea"/>
-                        </a:rPr>
-                        <a:t> - </a:t>
-                      </a:r>
-                      <a:r>
-                        <a:rPr lang="en-US" altLang="ko-KR" sz="900" b="0" i="0" u="none" strike="noStrike" dirty="0" err="1" smtClean="0">
-                          <a:solidFill>
-                            <a:schemeClr val="tx1"/>
-                          </a:solidFill>
-                          <a:effectLst/>
-                          <a:latin typeface="+mn-ea"/>
-                          <a:ea typeface="+mn-ea"/>
-                        </a:rPr>
-                        <a:t>dpGet</a:t>
-                      </a:r>
-                      <a:r>
-                        <a:rPr lang="en-US" altLang="ko-KR" sz="900" b="0" i="0" u="none" strike="noStrike" dirty="0" smtClean="0">
-                          <a:solidFill>
-                            <a:schemeClr val="tx1"/>
-                          </a:solidFill>
-                          <a:effectLst/>
-                          <a:latin typeface="+mn-ea"/>
-                          <a:ea typeface="+mn-ea"/>
-                        </a:rPr>
-                        <a:t>,</a:t>
-                      </a:r>
-                      <a:r>
-                        <a:rPr lang="en-US" altLang="ko-KR" sz="900" b="0" i="0" u="none" strike="noStrike" baseline="0" dirty="0" smtClean="0">
-                          <a:solidFill>
-                            <a:schemeClr val="tx1"/>
-                          </a:solidFill>
-                          <a:effectLst/>
-                          <a:latin typeface="+mn-ea"/>
-                          <a:ea typeface="+mn-ea"/>
-                        </a:rPr>
-                        <a:t> </a:t>
-                      </a:r>
-                      <a:r>
-                        <a:rPr lang="en-US" altLang="ko-KR" sz="900" b="0" i="0" u="none" strike="noStrike" dirty="0" err="1" smtClean="0">
-                          <a:solidFill>
-                            <a:schemeClr val="tx1"/>
-                          </a:solidFill>
-                          <a:effectLst/>
-                          <a:latin typeface="+mn-ea"/>
-                          <a:ea typeface="+mn-ea"/>
-                        </a:rPr>
-                        <a:t>dpSet</a:t>
-                      </a:r>
-                      <a:r>
-                        <a:rPr lang="en-US" altLang="ko-KR" sz="900" b="0" i="0" u="none" strike="noStrike" dirty="0" smtClean="0">
-                          <a:solidFill>
-                            <a:schemeClr val="tx1"/>
-                          </a:solidFill>
-                          <a:effectLst/>
-                          <a:latin typeface="+mn-ea"/>
-                          <a:ea typeface="+mn-ea"/>
-                        </a:rPr>
-                        <a:t> </a:t>
-                      </a:r>
-                      <a:r>
-                        <a:rPr lang="ko-KR" altLang="en-US" sz="900" b="0" i="0" u="none" strike="noStrike" dirty="0" smtClean="0">
-                          <a:solidFill>
-                            <a:schemeClr val="tx1"/>
-                          </a:solidFill>
-                          <a:effectLst/>
-                          <a:latin typeface="+mn-ea"/>
-                          <a:ea typeface="+mn-ea"/>
-                        </a:rPr>
-                        <a:t>반복</a:t>
-                      </a:r>
-                      <a:r>
-                        <a:rPr lang="ko-KR" altLang="en-US" sz="900" b="0" i="0" u="none" strike="noStrike" baseline="0" dirty="0" smtClean="0">
-                          <a:solidFill>
-                            <a:schemeClr val="tx1"/>
-                          </a:solidFill>
-                          <a:effectLst/>
-                          <a:latin typeface="+mn-ea"/>
-                          <a:ea typeface="+mn-ea"/>
-                        </a:rPr>
-                        <a:t> 코드가 </a:t>
-                      </a:r>
-                      <a:r>
-                        <a:rPr lang="ko-KR" altLang="en-US" sz="900" b="0" i="0" u="none" strike="noStrike" baseline="0" dirty="0" err="1" smtClean="0">
-                          <a:solidFill>
-                            <a:schemeClr val="tx1"/>
-                          </a:solidFill>
-                          <a:effectLst/>
-                          <a:latin typeface="+mn-ea"/>
-                          <a:ea typeface="+mn-ea"/>
-                        </a:rPr>
-                        <a:t>반복문</a:t>
-                      </a:r>
-                      <a:r>
-                        <a:rPr lang="ko-KR" altLang="en-US" sz="900" b="0" i="0" u="none" strike="noStrike" baseline="0" dirty="0" smtClean="0">
-                          <a:solidFill>
-                            <a:schemeClr val="tx1"/>
-                          </a:solidFill>
-                          <a:effectLst/>
-                          <a:latin typeface="+mn-ea"/>
-                          <a:ea typeface="+mn-ea"/>
-                        </a:rPr>
-                        <a:t> 내에 사용 확인</a:t>
-                      </a:r>
-                      <a:r>
-                        <a:rPr lang="en-US" altLang="ko-KR" sz="900" b="0" i="0" u="none" strike="noStrike" baseline="0" dirty="0" smtClean="0">
-                          <a:solidFill>
-                            <a:schemeClr val="tx1"/>
-                          </a:solidFill>
-                          <a:effectLst/>
-                          <a:latin typeface="+mn-ea"/>
-                          <a:ea typeface="+mn-ea"/>
-                        </a:rPr>
-                        <a:t/>
-                      </a:r>
-                      <a:br>
-                        <a:rPr lang="en-US" altLang="ko-KR" sz="900" b="0" i="0" u="none" strike="noStrike" baseline="0" dirty="0" smtClean="0">
-                          <a:solidFill>
-                            <a:schemeClr val="tx1"/>
-                          </a:solidFill>
-                          <a:effectLst/>
-                          <a:latin typeface="+mn-ea"/>
-                          <a:ea typeface="+mn-ea"/>
-                        </a:rPr>
-                      </a:br>
-                      <a:r>
-                        <a:rPr lang="en-US" altLang="ko-KR" sz="900" b="0" i="0" u="none" strike="noStrike" baseline="0" dirty="0" smtClean="0">
-                          <a:solidFill>
-                            <a:schemeClr val="tx1"/>
-                          </a:solidFill>
-                          <a:effectLst/>
-                          <a:latin typeface="+mn-ea"/>
-                          <a:ea typeface="+mn-ea"/>
-                          <a:sym typeface="Wingdings" panose="05000000000000000000" pitchFamily="2" charset="2"/>
-                        </a:rPr>
-                        <a:t> </a:t>
-                      </a:r>
-                      <a:r>
-                        <a:rPr lang="ko-KR" altLang="en-US" sz="900" b="0" i="0" u="none" strike="noStrike" baseline="0" dirty="0" err="1" smtClean="0">
-                          <a:solidFill>
-                            <a:schemeClr val="tx1"/>
-                          </a:solidFill>
-                          <a:effectLst/>
-                          <a:latin typeface="+mn-ea"/>
-                          <a:ea typeface="+mn-ea"/>
-                          <a:sym typeface="Wingdings" panose="05000000000000000000" pitchFamily="2" charset="2"/>
-                        </a:rPr>
-                        <a:t>사용있는</a:t>
-                      </a:r>
-                      <a:r>
-                        <a:rPr lang="ko-KR" altLang="en-US" sz="900" b="0" i="0" u="none" strike="noStrike" baseline="0" dirty="0" smtClean="0">
-                          <a:solidFill>
-                            <a:schemeClr val="tx1"/>
-                          </a:solidFill>
-                          <a:effectLst/>
-                          <a:latin typeface="+mn-ea"/>
-                          <a:ea typeface="+mn-ea"/>
-                          <a:sym typeface="Wingdings" panose="05000000000000000000" pitchFamily="2" charset="2"/>
-                        </a:rPr>
-                        <a:t> 경우 에러 판단</a:t>
-                      </a:r>
-                      <a:endParaRPr lang="ko-KR" altLang="en-US" sz="900" b="0" i="0" u="none" strike="noStrike" dirty="0">
-                        <a:solidFill>
-                          <a:schemeClr val="tx1"/>
-                        </a:solidFill>
-                        <a:effectLst/>
-                        <a:latin typeface="맑은 고딕" panose="020B0503020000020004" pitchFamily="50" charset="-127"/>
-                        <a:ea typeface="맑은 고딕" panose="020B0503020000020004" pitchFamily="50" charset="-127"/>
-                      </a:endParaRPr>
-                    </a:p>
-                  </a:txBody>
-                  <a:tcPr marL="9525" marR="9525" marT="9525" marB="0" anchor="ctr"/>
-                </a:tc>
-                <a:extLst>
-                  <a:ext uri="{0D108BD9-81ED-4DB2-BD59-A6C34878D82A}">
-                    <a16:rowId xmlns:a16="http://schemas.microsoft.com/office/drawing/2014/main" val="1712770648"/>
-                  </a:ext>
-                </a:extLst>
-              </a:tr>
-              <a:tr h="245937">
-                <a:tc vMerge="1">
-                  <a:txBody>
-                    <a:bodyPr/>
-                    <a:lstStyle/>
-                    <a:p>
-                      <a:pPr algn="l" fontAlgn="ctr"/>
-                      <a:endParaRPr lang="ko-KR" altLang="en-US" sz="1100" b="0" i="0" u="none" strike="noStrike" dirty="0">
-                        <a:solidFill>
-                          <a:srgbClr val="000000"/>
-                        </a:solidFill>
-                        <a:effectLst/>
-                        <a:latin typeface="맑은 고딕" panose="020B0503020000020004" pitchFamily="50" charset="-127"/>
-                        <a:ea typeface="맑은 고딕" panose="020B0503020000020004" pitchFamily="50" charset="-127"/>
-                      </a:endParaRPr>
-                    </a:p>
-                  </a:txBody>
-                  <a:tcPr marL="9525" marR="9525" marT="9525" marB="0" anchor="ctr"/>
-                </a:tc>
-                <a:tc>
-                  <a:txBody>
-                    <a:bodyPr/>
-                    <a:lstStyle/>
-                    <a:p>
-                      <a:pPr lvl="1" algn="l" fontAlgn="ctr"/>
-                      <a:r>
-                        <a:rPr lang="ko-KR" altLang="en-US" sz="1050" u="none" strike="noStrike" dirty="0">
-                          <a:effectLst/>
-                        </a:rPr>
-                        <a:t>적절한 </a:t>
-                      </a:r>
-                      <a:r>
-                        <a:rPr lang="en-US" altLang="ko-KR" sz="1050" u="none" strike="noStrike" dirty="0">
-                          <a:effectLst/>
-                        </a:rPr>
-                        <a:t>DP </a:t>
-                      </a:r>
-                      <a:r>
-                        <a:rPr lang="ko-KR" altLang="en-US" sz="1050" u="none" strike="noStrike" dirty="0">
-                          <a:effectLst/>
-                        </a:rPr>
-                        <a:t>처리 함수 사용</a:t>
-                      </a:r>
-                      <a:endParaRPr lang="ko-KR" altLang="en-US" sz="1050" b="0" i="0" u="none" strike="noStrike" dirty="0">
-                        <a:solidFill>
-                          <a:srgbClr val="000000"/>
                         </a:solidFill>
                         <a:effectLst/>
                         <a:latin typeface="맑은 고딕" panose="020B0503020000020004" pitchFamily="50" charset="-127"/>
@@ -3985,110 +3335,13 @@
                         <a:defRPr/>
                       </a:pPr>
                       <a:r>
-                        <a:rPr lang="ko-KR" altLang="en-US" sz="1050" b="0" i="0" u="none" strike="noStrike" dirty="0" smtClean="0">
-                          <a:solidFill>
-                            <a:srgbClr val="000000"/>
-                          </a:solidFill>
-                          <a:effectLst/>
-                          <a:latin typeface="맑은 고딕" panose="020B0503020000020004" pitchFamily="50" charset="-127"/>
-                          <a:ea typeface="+mn-ea"/>
-                        </a:rPr>
-                        <a:t>○</a:t>
-                      </a:r>
-                    </a:p>
-                  </a:txBody>
-                  <a:tcPr marL="9525" marR="9525" marT="9525" marB="0" anchor="ctr"/>
-                </a:tc>
-                <a:tc>
-                  <a:txBody>
-                    <a:bodyPr/>
-                    <a:lstStyle/>
-                    <a:p>
-                      <a:pPr algn="l" fontAlgn="ctr"/>
-                      <a:r>
-                        <a:rPr lang="en-US" altLang="ko-KR" sz="900" b="0" i="0" u="none" strike="noStrike" dirty="0" smtClean="0">
-                          <a:solidFill>
-                            <a:srgbClr val="000000"/>
-                          </a:solidFill>
-                          <a:effectLst/>
-                          <a:latin typeface="맑은 고딕" panose="020B0503020000020004" pitchFamily="50" charset="-127"/>
-                          <a:ea typeface="맑은 고딕" panose="020B0503020000020004" pitchFamily="50" charset="-127"/>
-                        </a:rPr>
-                        <a:t>  Callback</a:t>
-                      </a:r>
-                      <a:r>
-                        <a:rPr lang="en-US" altLang="ko-KR" sz="900" b="0" i="0" u="none" strike="noStrike" baseline="0" dirty="0" smtClean="0">
-                          <a:solidFill>
-                            <a:srgbClr val="000000"/>
-                          </a:solidFill>
-                          <a:effectLst/>
-                          <a:latin typeface="맑은 고딕" panose="020B0503020000020004" pitchFamily="50" charset="-127"/>
-                          <a:ea typeface="맑은 고딕" panose="020B0503020000020004" pitchFamily="50" charset="-127"/>
-                        </a:rPr>
-                        <a:t> </a:t>
-                      </a:r>
-                      <a:r>
-                        <a:rPr lang="ko-KR" altLang="en-US" sz="900" b="0" i="0" u="none" strike="noStrike" baseline="0" dirty="0" smtClean="0">
-                          <a:solidFill>
-                            <a:srgbClr val="000000"/>
-                          </a:solidFill>
-                          <a:effectLst/>
-                          <a:latin typeface="맑은 고딕" panose="020B0503020000020004" pitchFamily="50" charset="-127"/>
-                          <a:ea typeface="맑은 고딕" panose="020B0503020000020004" pitchFamily="50" charset="-127"/>
-                        </a:rPr>
-                        <a:t>함수내 </a:t>
-                      </a:r>
-                      <a:r>
-                        <a:rPr lang="en-US" altLang="ko-KR" sz="900" b="0" i="0" u="none" strike="noStrike" baseline="0" dirty="0" smtClean="0">
-                          <a:solidFill>
-                            <a:srgbClr val="000000"/>
-                          </a:solidFill>
-                          <a:effectLst/>
-                          <a:latin typeface="맑은 고딕" panose="020B0503020000020004" pitchFamily="50" charset="-127"/>
-                          <a:ea typeface="맑은 고딕" panose="020B0503020000020004" pitchFamily="50" charset="-127"/>
-                        </a:rPr>
-                        <a:t>Delay </a:t>
-                      </a:r>
-                      <a:r>
-                        <a:rPr lang="ko-KR" altLang="en-US" sz="900" b="0" i="0" u="none" strike="noStrike" baseline="0" dirty="0" smtClean="0">
-                          <a:solidFill>
-                            <a:srgbClr val="000000"/>
-                          </a:solidFill>
-                          <a:effectLst/>
-                          <a:latin typeface="맑은 고딕" panose="020B0503020000020004" pitchFamily="50" charset="-127"/>
-                          <a:ea typeface="맑은 고딕" panose="020B0503020000020004" pitchFamily="50" charset="-127"/>
-                        </a:rPr>
-                        <a:t>처리 유</a:t>
-                      </a:r>
-                      <a:r>
-                        <a:rPr lang="en-US" altLang="ko-KR" sz="900" b="0" i="0" u="none" strike="noStrike" baseline="0" dirty="0" smtClean="0">
-                          <a:solidFill>
-                            <a:srgbClr val="000000"/>
-                          </a:solidFill>
-                          <a:effectLst/>
-                          <a:latin typeface="맑은 고딕" panose="020B0503020000020004" pitchFamily="50" charset="-127"/>
-                          <a:ea typeface="맑은 고딕" panose="020B0503020000020004" pitchFamily="50" charset="-127"/>
-                        </a:rPr>
-                        <a:t>/</a:t>
-                      </a:r>
-                      <a:r>
-                        <a:rPr lang="ko-KR" altLang="en-US" sz="900" b="0" i="0" u="none" strike="noStrike" baseline="0" dirty="0" smtClean="0">
-                          <a:solidFill>
-                            <a:srgbClr val="000000"/>
-                          </a:solidFill>
-                          <a:effectLst/>
-                          <a:latin typeface="맑은 고딕" panose="020B0503020000020004" pitchFamily="50" charset="-127"/>
-                          <a:ea typeface="맑은 고딕" panose="020B0503020000020004" pitchFamily="50" charset="-127"/>
-                        </a:rPr>
-                        <a:t>무 확인</a:t>
-                      </a:r>
-                      <a:endParaRPr lang="ko-KR" altLang="en-US" sz="900" b="0" i="0" u="none" strike="noStrike" dirty="0">
-                        <a:solidFill>
-                          <a:srgbClr val="000000"/>
-                        </a:solidFill>
-                        <a:effectLst/>
-                        <a:latin typeface="맑은 고딕" panose="020B0503020000020004" pitchFamily="50" charset="-127"/>
-                        <a:ea typeface="맑은 고딕" panose="020B0503020000020004" pitchFamily="50" charset="-127"/>
+                        <a:rPr lang="en-US" altLang="ko-KR" sz="1050" u="none" strike="noStrike" dirty="0" smtClean="0">
+                          <a:effectLst/>
+                        </a:rPr>
+                        <a:t>-</a:t>
+                      </a:r>
+                      <a:endParaRPr lang="en-US" altLang="ko-KR" sz="1050" u="none" strike="noStrike" dirty="0" smtClean="0">
+                        <a:effectLst/>
                       </a:endParaRPr>
                     </a:p>
                   </a:txBody>
@@ -4096,11 +3349,11 @@
                 </a:tc>
                 <a:extLst>
                   <a:ext uri="{0D108BD9-81ED-4DB2-BD59-A6C34878D82A}">
-                    <a16:rowId xmlns:a16="http://schemas.microsoft.com/office/drawing/2014/main" val="67822993"/>
+                    <a16:rowId xmlns:a16="http://schemas.microsoft.com/office/drawing/2014/main" val="2289168842"/>
                   </a:ext>
                 </a:extLst>
               </a:tr>
-              <a:tr h="245937">
+              <a:tr h="288000">
                 <a:tc vMerge="1">
                   <a:txBody>
                     <a:bodyPr/>
@@ -4126,32 +3379,20 @@
                     <a:p>
                       <a:pPr lvl="1" algn="l" fontAlgn="ctr"/>
                       <a:r>
-                        <a:rPr lang="en-US" sz="1050" u="none" strike="noStrike" dirty="0">
-                          <a:solidFill>
-                            <a:schemeClr val="bg1">
-                              <a:lumMod val="50000"/>
-                            </a:schemeClr>
-                          </a:solidFill>
-                          <a:effectLst/>
-                        </a:rPr>
-                        <a:t>DP Query </a:t>
+                        <a:rPr lang="en-US" altLang="ko-KR" sz="1050" u="none" strike="noStrike" dirty="0">
+                          <a:effectLst/>
+                        </a:rPr>
+                        <a:t>Loop</a:t>
                       </a:r>
                       <a:r>
                         <a:rPr lang="ko-KR" altLang="en-US" sz="1050" u="none" strike="noStrike" dirty="0">
-                          <a:solidFill>
-                            <a:schemeClr val="bg1">
-                              <a:lumMod val="50000"/>
-                            </a:schemeClr>
-                          </a:solidFill>
-                          <a:effectLst/>
-                        </a:rPr>
-                        <a:t>최적화 구현</a:t>
-                      </a:r>
-                      <a:endParaRPr lang="ko-KR" altLang="en-US" sz="1050" b="0" i="0" u="none" strike="noStrike" dirty="0">
-                        <a:solidFill>
-                          <a:schemeClr val="bg1">
-                            <a:lumMod val="50000"/>
-                          </a:schemeClr>
+                          <a:effectLst/>
+                        </a:rPr>
+                        <a:t>문 내에 처리 조건</a:t>
+                      </a:r>
+                      <a:endParaRPr lang="ko-KR" altLang="en-US" sz="1050" b="1" i="0" u="none" strike="noStrike" dirty="0">
+                        <a:solidFill>
+                          <a:srgbClr val="000000"/>
                         </a:solidFill>
                         <a:effectLst/>
                         <a:latin typeface="맑은 고딕" panose="020B0503020000020004" pitchFamily="50" charset="-127"/>
@@ -4159,13 +3400,225 @@
                       </a:endParaRPr>
                     </a:p>
                   </a:txBody>
-                  <a:tcPr marL="9525" marR="9525" marT="9525" marB="0" anchor="ctr">
-                    <a:solidFill>
-                      <a:schemeClr val="bg1">
-                        <a:lumMod val="85000"/>
-                      </a:schemeClr>
-                    </a:solidFill>
-                  </a:tcPr>
+                  <a:tcPr marL="9525" marR="9525" marT="9525" marB="0" anchor="ctr"/>
+                </a:tc>
+                <a:tc>
+                  <a:txBody>
+                    <a:bodyPr/>
+                    <a:lstStyle/>
+                    <a:p>
+                      <a:pPr algn="ctr" fontAlgn="ctr"/>
+                      <a:r>
+                        <a:rPr lang="en-US" altLang="ko-KR" sz="1000" b="0" i="0" u="none" strike="noStrike" dirty="0" smtClean="0">
+                          <a:solidFill>
+                            <a:srgbClr val="000000"/>
+                          </a:solidFill>
+                          <a:effectLst/>
+                          <a:latin typeface="맑은 고딕" panose="020B0503020000020004" pitchFamily="50" charset="-127"/>
+                          <a:ea typeface="+mn-ea"/>
+                        </a:rPr>
+                        <a:t>While</a:t>
+                      </a:r>
+                      <a:r>
+                        <a:rPr lang="ko-KR" altLang="en-US" sz="1000" b="0" i="0" u="none" strike="noStrike" dirty="0" smtClean="0">
+                          <a:solidFill>
+                            <a:srgbClr val="000000"/>
+                          </a:solidFill>
+                          <a:effectLst/>
+                          <a:latin typeface="맑은 고딕" panose="020B0503020000020004" pitchFamily="50" charset="-127"/>
+                          <a:ea typeface="+mn-ea"/>
+                        </a:rPr>
+                        <a:t>문 내에서</a:t>
+                      </a:r>
+                      <a:r>
+                        <a:rPr lang="ko-KR" altLang="en-US" sz="1000" b="0" i="0" u="none" strike="noStrike" baseline="0" dirty="0" smtClean="0">
+                          <a:solidFill>
+                            <a:srgbClr val="000000"/>
+                          </a:solidFill>
+                          <a:effectLst/>
+                          <a:latin typeface="맑은 고딕" panose="020B0503020000020004" pitchFamily="50" charset="-127"/>
+                          <a:ea typeface="+mn-ea"/>
+                        </a:rPr>
+                        <a:t> </a:t>
+                      </a:r>
+                      <a:r>
+                        <a:rPr lang="en-US" altLang="ko-KR" sz="1000" b="0" i="0" u="none" strike="noStrike" baseline="0" dirty="0" smtClean="0">
+                          <a:solidFill>
+                            <a:srgbClr val="000000"/>
+                          </a:solidFill>
+                          <a:effectLst/>
+                          <a:latin typeface="맑은 고딕" panose="020B0503020000020004" pitchFamily="50" charset="-127"/>
+                          <a:ea typeface="+mn-ea"/>
+                        </a:rPr>
+                        <a:t>delay </a:t>
+                      </a:r>
+                      <a:r>
+                        <a:rPr lang="ko-KR" altLang="en-US" sz="1000" b="0" i="0" u="none" strike="noStrike" baseline="0" dirty="0" smtClean="0">
+                          <a:solidFill>
+                            <a:srgbClr val="000000"/>
+                          </a:solidFill>
+                          <a:effectLst/>
+                          <a:latin typeface="맑은 고딕" panose="020B0503020000020004" pitchFamily="50" charset="-127"/>
+                          <a:ea typeface="+mn-ea"/>
+                        </a:rPr>
+                        <a:t>코드가 동작되지 않는 경우가 확인되었습니다</a:t>
+                      </a:r>
+                      <a:r>
+                        <a:rPr lang="en-US" altLang="ko-KR" sz="1000" b="0" i="0" u="none" strike="noStrike" baseline="0" dirty="0" smtClean="0">
+                          <a:solidFill>
+                            <a:srgbClr val="000000"/>
+                          </a:solidFill>
+                          <a:effectLst/>
+                          <a:latin typeface="맑은 고딕" panose="020B0503020000020004" pitchFamily="50" charset="-127"/>
+                          <a:ea typeface="+mn-ea"/>
+                        </a:rPr>
+                        <a:t>.</a:t>
+                      </a:r>
+                      <a:endParaRPr lang="ko-KR" altLang="en-US" sz="1000" b="0" i="0" u="none" strike="noStrike" dirty="0">
+                        <a:solidFill>
+                          <a:srgbClr val="000000"/>
+                        </a:solidFill>
+                        <a:effectLst/>
+                        <a:latin typeface="맑은 고딕" panose="020B0503020000020004" pitchFamily="50" charset="-127"/>
+                        <a:ea typeface="+mn-ea"/>
+                      </a:endParaRPr>
+                    </a:p>
+                  </a:txBody>
+                  <a:tcPr marL="9525" marR="9525" marT="9525" marB="0" anchor="ctr"/>
+                </a:tc>
+                <a:extLst>
+                  <a:ext uri="{0D108BD9-81ED-4DB2-BD59-A6C34878D82A}">
+                    <a16:rowId xmlns:a16="http://schemas.microsoft.com/office/drawing/2014/main" val="1948227982"/>
+                  </a:ext>
+                </a:extLst>
+              </a:tr>
+              <a:tr h="288000">
+                <a:tc vMerge="1">
+                  <a:txBody>
+                    <a:bodyPr/>
+                    <a:lstStyle/>
+                    <a:p>
+                      <a:pPr algn="l" fontAlgn="ctr"/>
+                      <a:endParaRPr lang="ko-KR" altLang="en-US" sz="1100" b="0" i="0" u="none" strike="noStrike" dirty="0">
+                        <a:solidFill>
+                          <a:srgbClr val="000000"/>
+                        </a:solidFill>
+                        <a:effectLst/>
+                        <a:latin typeface="맑은 고딕" panose="020B0503020000020004" pitchFamily="50" charset="-127"/>
+                        <a:ea typeface="맑은 고딕" panose="020B0503020000020004" pitchFamily="50" charset="-127"/>
+                      </a:endParaRPr>
+                    </a:p>
+                  </a:txBody>
+                  <a:tcPr marL="9525" marR="9525" marT="9525" marB="0" anchor="ctr"/>
+                </a:tc>
+                <a:tc>
+                  <a:txBody>
+                    <a:bodyPr/>
+                    <a:lstStyle/>
+                    <a:p>
+                      <a:pPr lvl="1" algn="l" fontAlgn="ctr"/>
+                      <a:r>
+                        <a:rPr lang="en-US" altLang="ko-KR" sz="1050" u="none" strike="noStrike" dirty="0">
+                          <a:effectLst/>
+                        </a:rPr>
+                        <a:t>Event, Ctrl Manager </a:t>
+                      </a:r>
+                      <a:r>
+                        <a:rPr lang="ko-KR" altLang="en-US" sz="1050" u="none" strike="noStrike" dirty="0">
+                          <a:effectLst/>
+                        </a:rPr>
+                        <a:t>이벤트 교환 횟수 최소화</a:t>
+                      </a:r>
+                      <a:endParaRPr lang="ko-KR" altLang="en-US" sz="1050" b="1" i="0" u="none" strike="noStrike" dirty="0">
+                        <a:solidFill>
+                          <a:srgbClr val="000000"/>
+                        </a:solidFill>
+                        <a:effectLst/>
+                        <a:latin typeface="맑은 고딕" panose="020B0503020000020004" pitchFamily="50" charset="-127"/>
+                        <a:ea typeface="맑은 고딕" panose="020B0503020000020004" pitchFamily="50" charset="-127"/>
+                      </a:endParaRPr>
+                    </a:p>
+                  </a:txBody>
+                  <a:tcPr marL="9525" marR="9525" marT="9525" marB="0" anchor="ctr"/>
+                </a:tc>
+                <a:tc>
+                  <a:txBody>
+                    <a:bodyPr/>
+                    <a:lstStyle/>
+                    <a:p>
+                      <a:pPr algn="ctr" fontAlgn="ctr"/>
+                      <a:endParaRPr lang="ko-KR" altLang="en-US" sz="1050" b="1" i="0" u="none" strike="noStrike" dirty="0">
+                        <a:solidFill>
+                          <a:srgbClr val="000000"/>
+                        </a:solidFill>
+                        <a:effectLst/>
+                        <a:latin typeface="맑은 고딕" panose="020B0503020000020004" pitchFamily="50" charset="-127"/>
+                        <a:ea typeface="맑은 고딕" panose="020B0503020000020004" pitchFamily="50" charset="-127"/>
+                      </a:endParaRPr>
+                    </a:p>
+                  </a:txBody>
+                  <a:tcPr marL="9525" marR="9525" marT="9525" marB="0" anchor="ctr"/>
+                </a:tc>
+                <a:extLst>
+                  <a:ext uri="{0D108BD9-81ED-4DB2-BD59-A6C34878D82A}">
+                    <a16:rowId xmlns:a16="http://schemas.microsoft.com/office/drawing/2014/main" val="1712770648"/>
+                  </a:ext>
+                </a:extLst>
+              </a:tr>
+              <a:tr h="288000">
+                <a:tc vMerge="1">
+                  <a:txBody>
+                    <a:bodyPr/>
+                    <a:lstStyle/>
+                    <a:p>
+                      <a:pPr algn="l" fontAlgn="ctr"/>
+                      <a:endParaRPr lang="ko-KR" altLang="en-US" sz="1100" b="0" i="0" u="none" strike="noStrike" dirty="0">
+                        <a:solidFill>
+                          <a:srgbClr val="000000"/>
+                        </a:solidFill>
+                        <a:effectLst/>
+                        <a:latin typeface="맑은 고딕" panose="020B0503020000020004" pitchFamily="50" charset="-127"/>
+                        <a:ea typeface="맑은 고딕" panose="020B0503020000020004" pitchFamily="50" charset="-127"/>
+                      </a:endParaRPr>
+                    </a:p>
+                  </a:txBody>
+                  <a:tcPr marL="9525" marR="9525" marT="9525" marB="0" anchor="ctr"/>
+                </a:tc>
+                <a:tc>
+                  <a:txBody>
+                    <a:bodyPr/>
+                    <a:lstStyle/>
+                    <a:p>
+                      <a:pPr lvl="1" algn="l" fontAlgn="ctr"/>
+                      <a:r>
+                        <a:rPr lang="ko-KR" altLang="en-US" sz="1050" u="none" strike="noStrike" dirty="0">
+                          <a:effectLst/>
+                        </a:rPr>
+                        <a:t>적절한 </a:t>
+                      </a:r>
+                      <a:r>
+                        <a:rPr lang="en-US" altLang="ko-KR" sz="1050" u="none" strike="noStrike" dirty="0">
+                          <a:effectLst/>
+                        </a:rPr>
+                        <a:t>DP </a:t>
+                      </a:r>
+                      <a:r>
+                        <a:rPr lang="ko-KR" altLang="en-US" sz="1050" u="none" strike="noStrike" dirty="0">
+                          <a:effectLst/>
+                        </a:rPr>
+                        <a:t>처리 함수 사용</a:t>
+                      </a:r>
+                      <a:endParaRPr lang="ko-KR" altLang="en-US" sz="1050" b="1" i="0" u="none" strike="noStrike" dirty="0">
+                        <a:solidFill>
+                          <a:srgbClr val="000000"/>
+                        </a:solidFill>
+                        <a:effectLst/>
+                        <a:latin typeface="맑은 고딕" panose="020B0503020000020004" pitchFamily="50" charset="-127"/>
+                        <a:ea typeface="맑은 고딕" panose="020B0503020000020004" pitchFamily="50" charset="-127"/>
+                      </a:endParaRPr>
+                    </a:p>
+                  </a:txBody>
+                  <a:tcPr marL="9525" marR="9525" marT="9525" marB="0" anchor="ctr"/>
                 </a:tc>
                 <a:tc>
                   <a:txBody>
@@ -4189,20 +3642,80 @@
                         <a:tabLst/>
                         <a:defRPr/>
                       </a:pPr>
-                      <a:r>
-                        <a:rPr lang="en-US" altLang="ko-KR" sz="1050" b="0" i="0" u="none" strike="noStrike" dirty="0" smtClean="0">
-                          <a:solidFill>
-                            <a:schemeClr val="bg1">
-                              <a:lumMod val="50000"/>
-                            </a:schemeClr>
-                          </a:solidFill>
-                          <a:effectLst/>
-                          <a:latin typeface="맑은 고딕" panose="020B0503020000020004" pitchFamily="50" charset="-127"/>
-                          <a:ea typeface="+mn-ea"/>
-                        </a:rPr>
-                        <a:t>X</a:t>
-                      </a:r>
-                      <a:endParaRPr lang="ko-KR" altLang="en-US" sz="1050" b="0" i="0" u="none" strike="noStrike" dirty="0" smtClean="0">
+                      <a:endParaRPr lang="ko-KR" altLang="en-US" sz="1050" b="1" i="0" u="none" strike="noStrike" dirty="0" smtClean="0">
+                        <a:solidFill>
+                          <a:srgbClr val="000000"/>
+                        </a:solidFill>
+                        <a:effectLst/>
+                        <a:latin typeface="맑은 고딕" panose="020B0503020000020004" pitchFamily="50" charset="-127"/>
+                        <a:ea typeface="+mn-ea"/>
+                      </a:endParaRPr>
+                    </a:p>
+                  </a:txBody>
+                  <a:tcPr marL="9525" marR="9525" marT="9525" marB="0" anchor="ctr"/>
+                </a:tc>
+                <a:extLst>
+                  <a:ext uri="{0D108BD9-81ED-4DB2-BD59-A6C34878D82A}">
+                    <a16:rowId xmlns:a16="http://schemas.microsoft.com/office/drawing/2014/main" val="67822993"/>
+                  </a:ext>
+                </a:extLst>
+              </a:tr>
+              <a:tr h="288000">
+                <a:tc vMerge="1">
+                  <a:txBody>
+                    <a:bodyPr/>
+                    <a:lstStyle/>
+                    <a:p>
+                      <a:pPr algn="l" fontAlgn="ctr"/>
+                      <a:endParaRPr lang="ko-KR" altLang="en-US" sz="1100" b="0" i="0" u="none" strike="noStrike" dirty="0">
+                        <a:solidFill>
+                          <a:srgbClr val="000000"/>
+                        </a:solidFill>
+                        <a:effectLst/>
+                        <a:latin typeface="맑은 고딕" panose="020B0503020000020004" pitchFamily="50" charset="-127"/>
+                        <a:ea typeface="맑은 고딕" panose="020B0503020000020004" pitchFamily="50" charset="-127"/>
+                      </a:endParaRPr>
+                    </a:p>
+                  </a:txBody>
+                  <a:tcPr marL="9525" marR="9525" marT="9525" marB="0" anchor="ctr"/>
+                </a:tc>
+                <a:tc>
+                  <a:txBody>
+                    <a:bodyPr/>
+                    <a:lstStyle/>
+                    <a:p>
+                      <a:pPr lvl="1" algn="l" fontAlgn="ctr"/>
+                      <a:r>
+                        <a:rPr lang="en-US" sz="1050" u="none" strike="noStrike" dirty="0" err="1">
+                          <a:effectLst/>
+                        </a:rPr>
+                        <a:t>Raima</a:t>
+                      </a:r>
+                      <a:r>
+                        <a:rPr lang="en-US" sz="1050" u="none" strike="noStrike" dirty="0">
+                          <a:effectLst/>
+                        </a:rPr>
+                        <a:t> </a:t>
+                      </a:r>
+                      <a:r>
+                        <a:rPr lang="en-US" sz="1050" u="none" strike="noStrike" dirty="0" smtClean="0">
+                          <a:effectLst/>
+                        </a:rPr>
+                        <a:t>DB</a:t>
+                      </a:r>
+                      <a:r>
+                        <a:rPr lang="en-US" sz="1050" u="none" strike="noStrike" baseline="0" dirty="0" smtClean="0">
+                          <a:effectLst/>
+                        </a:rPr>
+                        <a:t> </a:t>
+                      </a:r>
+                      <a:r>
+                        <a:rPr lang="ko-KR" altLang="en-US" sz="1050" u="none" strike="noStrike" baseline="0" dirty="0" smtClean="0">
+                          <a:effectLst/>
+                        </a:rPr>
+                        <a:t>증가 방지</a:t>
+                      </a:r>
+                      <a:endParaRPr lang="ko-KR" altLang="en-US" sz="1050" b="0" i="0" u="none" strike="noStrike" dirty="0">
                         <a:solidFill>
                           <a:schemeClr val="bg1">
                             <a:lumMod val="50000"/>
@@ -4210,149 +3723,11 @@
                         </a:solidFill>
                         <a:effectLst/>
                         <a:latin typeface="맑은 고딕" panose="020B0503020000020004" pitchFamily="50" charset="-127"/>
-                        <a:ea typeface="+mn-ea"/>
-                      </a:endParaRPr>
-                    </a:p>
-                  </a:txBody>
-                  <a:tcPr marL="9525" marR="9525" marT="9525" marB="0" anchor="ctr">
-                    <a:solidFill>
-                      <a:schemeClr val="bg1">
-                        <a:lumMod val="85000"/>
-                      </a:schemeClr>
-                    </a:solidFill>
-                  </a:tcPr>
-                </a:tc>
-                <a:tc>
-                  <a:txBody>
-                    <a:bodyPr/>
-                    <a:lstStyle/>
-                    <a:p>
-                      <a:pPr algn="l" fontAlgn="ctr"/>
-                      <a:endParaRPr lang="ko-KR" altLang="en-US" sz="900" b="0" i="0" u="none" strike="noStrike" dirty="0">
-                        <a:solidFill>
-                          <a:schemeClr val="bg1">
-                            <a:lumMod val="50000"/>
-                          </a:schemeClr>
-                        </a:solidFill>
-                        <a:effectLst/>
-                        <a:latin typeface="맑은 고딕" panose="020B0503020000020004" pitchFamily="50" charset="-127"/>
                         <a:ea typeface="맑은 고딕" panose="020B0503020000020004" pitchFamily="50" charset="-127"/>
                       </a:endParaRPr>
                     </a:p>
                   </a:txBody>
-                  <a:tcPr marL="9525" marR="9525" marT="9525" marB="0" anchor="ctr">
-                    <a:solidFill>
-                      <a:schemeClr val="bg1">
-                        <a:lumMod val="85000"/>
-                      </a:schemeClr>
-                    </a:solidFill>
-                  </a:tcPr>
-                </a:tc>
-                <a:extLst>
-                  <a:ext uri="{0D108BD9-81ED-4DB2-BD59-A6C34878D82A}">
-                    <a16:rowId xmlns:a16="http://schemas.microsoft.com/office/drawing/2014/main" val="2543438367"/>
-                  </a:ext>
-                </a:extLst>
-              </a:tr>
-              <a:tr h="351716">
-                <a:tc vMerge="1">
-                  <a:txBody>
-                    <a:bodyPr/>
-                    <a:lstStyle/>
-                    <a:p>
-                      <a:pPr algn="l" fontAlgn="ctr"/>
-                      <a:endParaRPr lang="ko-KR" altLang="en-US" sz="1100" b="0" i="0" u="none" strike="noStrike" dirty="0">
-                        <a:solidFill>
-                          <a:srgbClr val="000000"/>
-                        </a:solidFill>
-                        <a:effectLst/>
-                        <a:latin typeface="맑은 고딕" panose="020B0503020000020004" pitchFamily="50" charset="-127"/>
-                        <a:ea typeface="맑은 고딕" panose="020B0503020000020004" pitchFamily="50" charset="-127"/>
-                      </a:endParaRPr>
-                    </a:p>
-                  </a:txBody>
                   <a:tcPr marL="9525" marR="9525" marT="9525" marB="0" anchor="ctr"/>
-                </a:tc>
-                <a:tc>
-                  <a:txBody>
-                    <a:bodyPr/>
-                    <a:lstStyle/>
-                    <a:p>
-                      <a:pPr lvl="1" algn="l" fontAlgn="ctr"/>
-                      <a:r>
-                        <a:rPr lang="en-US" sz="1050" u="none" strike="noStrike" dirty="0" err="1">
-                          <a:solidFill>
-                            <a:schemeClr val="bg1">
-                              <a:lumMod val="50000"/>
-                            </a:schemeClr>
-                          </a:solidFill>
-                          <a:effectLst/>
-                        </a:rPr>
-                        <a:t>Raima</a:t>
-                      </a:r>
-                      <a:r>
-                        <a:rPr lang="en-US" sz="1050" u="none" strike="noStrike" dirty="0">
-                          <a:solidFill>
-                            <a:schemeClr val="bg1">
-                              <a:lumMod val="50000"/>
-                            </a:schemeClr>
-                          </a:solidFill>
-                          <a:effectLst/>
-                        </a:rPr>
-                        <a:t> </a:t>
-                      </a:r>
-                      <a:r>
-                        <a:rPr lang="en-US" sz="1050" u="none" strike="noStrike" dirty="0" smtClean="0">
-                          <a:solidFill>
-                            <a:schemeClr val="bg1">
-                              <a:lumMod val="50000"/>
-                            </a:schemeClr>
-                          </a:solidFill>
-                          <a:effectLst/>
-                        </a:rPr>
-                        <a:t>DB</a:t>
-                      </a:r>
-                      <a:r>
-                        <a:rPr lang="en-US" sz="1050" u="none" strike="noStrike" baseline="0" dirty="0" smtClean="0">
-                          <a:solidFill>
-                            <a:schemeClr val="bg1">
-                              <a:lumMod val="50000"/>
-                            </a:schemeClr>
-                          </a:solidFill>
-                          <a:effectLst/>
-                        </a:rPr>
-                        <a:t> </a:t>
-                      </a:r>
-                      <a:r>
-                        <a:rPr lang="ko-KR" altLang="en-US" sz="1050" u="none" strike="noStrike" baseline="0" dirty="0" smtClean="0">
-                          <a:solidFill>
-                            <a:schemeClr val="bg1">
-                              <a:lumMod val="50000"/>
-                            </a:schemeClr>
-                          </a:solidFill>
-                          <a:effectLst/>
-                        </a:rPr>
-                        <a:t>증가 방지</a:t>
-                      </a:r>
-                      <a:endParaRPr lang="ko-KR" altLang="en-US" sz="1050" b="0" i="0" u="none" strike="noStrike" dirty="0">
-                        <a:solidFill>
-                          <a:schemeClr val="bg1">
-                            <a:lumMod val="50000"/>
-                          </a:schemeClr>
-                        </a:solidFill>
-                        <a:effectLst/>
-                        <a:latin typeface="맑은 고딕" panose="020B0503020000020004" pitchFamily="50" charset="-127"/>
-                        <a:ea typeface="맑은 고딕" panose="020B0503020000020004" pitchFamily="50" charset="-127"/>
-                      </a:endParaRPr>
-                    </a:p>
-                  </a:txBody>
-                  <a:tcPr marL="9525" marR="9525" marT="9525" marB="0" anchor="ctr">
-                    <a:solidFill>
-                      <a:schemeClr val="bg1">
-                        <a:lumMod val="85000"/>
-                      </a:schemeClr>
-                    </a:solidFill>
-                  </a:tcPr>
                 </a:tc>
                 <a:tc>
                   <a:txBody>
@@ -4377,17 +3752,10 @@
                         <a:defRPr/>
                       </a:pPr>
                       <a:r>
-                        <a:rPr lang="en-US" altLang="ko-KR" sz="1050" b="0" i="0" u="none" strike="noStrike" dirty="0" smtClean="0">
-                          <a:solidFill>
-                            <a:schemeClr val="bg1">
-                              <a:lumMod val="50000"/>
-                            </a:schemeClr>
-                          </a:solidFill>
-                          <a:effectLst/>
-                          <a:latin typeface="맑은 고딕" panose="020B0503020000020004" pitchFamily="50" charset="-127"/>
-                          <a:ea typeface="+mn-ea"/>
-                        </a:rPr>
-                        <a:t>X</a:t>
+                        <a:rPr lang="en-US" altLang="ko-KR" sz="1050" u="none" strike="noStrike" dirty="0" smtClean="0">
+                          <a:effectLst/>
+                        </a:rPr>
+                        <a:t>- </a:t>
                       </a:r>
                       <a:endParaRPr lang="ko-KR" altLang="en-US" sz="1050" b="0" i="0" u="none" strike="noStrike" dirty="0" smtClean="0">
                         <a:solidFill>
@@ -4401,120 +3769,7 @@
                       </a:endParaRPr>
                     </a:p>
                   </a:txBody>
-                  <a:tcPr marL="9525" marR="9525" marT="9525" marB="0" anchor="ctr">
-                    <a:solidFill>
-                      <a:schemeClr val="bg1">
-                        <a:lumMod val="85000"/>
-                      </a:schemeClr>
-                    </a:solidFill>
-                  </a:tcPr>
-                </a:tc>
-                <a:tc>
-                  <a:txBody>
-                    <a:bodyPr/>
-                    <a:lstStyle/>
-                    <a:p>
-                      <a:pPr marL="0" marR="0" lvl="0" indent="0" algn="l" defTabSz="914400" rtl="0" eaLnBrk="1" fontAlgn="ctr" latinLnBrk="1" hangingPunct="1">
-                        <a:lnSpc>
-                          <a:spcPct val="100000"/>
-                        </a:lnSpc>
-                        <a:spcBef>
-                          <a:spcPts val="0"/>
-                        </a:spcBef>
-                        <a:spcAft>
-                          <a:spcPts val="0"/>
-                        </a:spcAft>
-                        <a:buClrTx/>
-                        <a:buSzTx/>
-                        <a:buFontTx/>
-                        <a:buNone/>
-                        <a:tabLst/>
-                        <a:defRPr/>
-                      </a:pPr>
-                      <a:r>
-                        <a:rPr lang="en-US" altLang="ko-KR" sz="900" b="0" i="0" u="none" strike="noStrike" dirty="0" smtClean="0">
-                          <a:solidFill>
-                            <a:schemeClr val="bg1">
-                              <a:lumMod val="50000"/>
-                            </a:schemeClr>
-                          </a:solidFill>
-                          <a:effectLst/>
-                          <a:latin typeface="+mn-ea"/>
-                          <a:ea typeface="+mn-ea"/>
-                        </a:rPr>
-                        <a:t> </a:t>
-                      </a:r>
-                      <a:r>
-                        <a:rPr lang="en-US" altLang="ko-KR" sz="900" b="0" i="0" u="none" strike="noStrike" baseline="0" dirty="0" smtClean="0">
-                          <a:solidFill>
-                            <a:schemeClr val="bg1">
-                              <a:lumMod val="50000"/>
-                            </a:schemeClr>
-                          </a:solidFill>
-                          <a:effectLst/>
-                          <a:latin typeface="+mn-ea"/>
-                          <a:ea typeface="+mn-ea"/>
-                        </a:rPr>
-                        <a:t> </a:t>
-                      </a:r>
-                      <a:r>
-                        <a:rPr lang="en-US" altLang="ko-KR" sz="900" b="0" i="0" u="none" strike="noStrike" baseline="0" dirty="0" err="1" smtClean="0">
-                          <a:solidFill>
-                            <a:schemeClr val="bg1">
-                              <a:lumMod val="50000"/>
-                            </a:schemeClr>
-                          </a:solidFill>
-                          <a:effectLst/>
-                          <a:latin typeface="+mn-ea"/>
-                          <a:ea typeface="+mn-ea"/>
-                        </a:rPr>
-                        <a:t>dpSet</a:t>
-                      </a:r>
-                      <a:r>
-                        <a:rPr lang="en-US" altLang="ko-KR" sz="900" b="0" i="0" u="none" strike="noStrike" baseline="0" dirty="0" smtClean="0">
-                          <a:solidFill>
-                            <a:schemeClr val="bg1">
-                              <a:lumMod val="50000"/>
-                            </a:schemeClr>
-                          </a:solidFill>
-                          <a:effectLst/>
-                          <a:latin typeface="+mn-ea"/>
-                          <a:ea typeface="+mn-ea"/>
-                        </a:rPr>
-                        <a:t> </a:t>
-                      </a:r>
-                      <a:r>
-                        <a:rPr lang="ko-KR" altLang="en-US" sz="900" b="0" i="0" u="none" strike="noStrike" baseline="0" dirty="0" smtClean="0">
-                          <a:solidFill>
-                            <a:schemeClr val="bg1">
-                              <a:lumMod val="50000"/>
-                            </a:schemeClr>
-                          </a:solidFill>
-                          <a:effectLst/>
-                          <a:latin typeface="+mn-ea"/>
-                          <a:ea typeface="+mn-ea"/>
-                        </a:rPr>
-                        <a:t>처리하는 변수에 저장하는 텍스트 확인 어려움</a:t>
-                      </a:r>
-                      <a:endParaRPr lang="ko-KR" altLang="en-US" sz="900" b="0" i="0" u="none" strike="noStrike" dirty="0">
-                        <a:solidFill>
-                          <a:schemeClr val="bg1">
-                            <a:lumMod val="50000"/>
-                          </a:schemeClr>
-                        </a:solidFill>
-                        <a:effectLst/>
-                        <a:latin typeface="맑은 고딕" panose="020B0503020000020004" pitchFamily="50" charset="-127"/>
-                        <a:ea typeface="맑은 고딕" panose="020B0503020000020004" pitchFamily="50" charset="-127"/>
-                      </a:endParaRPr>
-                    </a:p>
-                  </a:txBody>
-                  <a:tcPr marL="9525" marR="9525" marT="9525" marB="0" anchor="ctr">
-                    <a:solidFill>
-                      <a:schemeClr val="bg1">
-                        <a:lumMod val="85000"/>
-                      </a:schemeClr>
-                    </a:solidFill>
-                  </a:tcPr>
+                  <a:tcPr marL="9525" marR="9525" marT="9525" marB="0" anchor="ctr"/>
                 </a:tc>
                 <a:extLst>
                   <a:ext uri="{0D108BD9-81ED-4DB2-BD59-A6C34878D82A}">
@@ -4522,23 +3777,28 @@
                   </a:ext>
                 </a:extLst>
               </a:tr>
-              <a:tr h="351716">
-                <a:tc rowSpan="4">
-                  <a:txBody>
-                    <a:bodyPr/>
-                    <a:lstStyle/>
-                    <a:p>
-                      <a:pPr algn="ctr" fontAlgn="ctr"/>
-                      <a:r>
-                        <a:rPr lang="en-US" altLang="ko-KR" sz="1100" b="1" i="0" u="none" strike="noStrike" dirty="0" smtClean="0">
-                          <a:solidFill>
-                            <a:srgbClr val="000000"/>
-                          </a:solidFill>
-                          <a:effectLst/>
-                          <a:latin typeface="맑은 고딕" panose="020B0503020000020004" pitchFamily="50" charset="-127"/>
-                          <a:ea typeface="맑은 고딕" panose="020B0503020000020004" pitchFamily="50" charset="-127"/>
-                        </a:rPr>
-                        <a:t>DB</a:t>
+              <a:tr h="288000">
+                <a:tc>
+                  <a:txBody>
+                    <a:bodyPr/>
+                    <a:lstStyle/>
+                    <a:p>
+                      <a:pPr algn="ctr" fontAlgn="ctr">
+                        <a:lnSpc>
+                          <a:spcPct val="150000"/>
+                        </a:lnSpc>
+                      </a:pPr>
+                      <a:r>
+                        <a:rPr lang="en-US" altLang="ko-KR" sz="1100" u="none" strike="noStrike" dirty="0" smtClean="0">
+                          <a:effectLst/>
+                        </a:rPr>
+                        <a:t>Query </a:t>
+                      </a:r>
+                      <a:r>
+                        <a:rPr lang="ko-KR" altLang="en-US" sz="1100" u="none" strike="noStrike" baseline="0" dirty="0" smtClean="0">
+                          <a:effectLst/>
+                        </a:rPr>
+                        <a:t>검증</a:t>
                       </a:r>
                       <a:endParaRPr lang="ko-KR" altLang="en-US" sz="1100" b="1" i="0" u="none" strike="noStrike" dirty="0">
                         <a:solidFill>
@@ -4550,13 +3810,7 @@
                       </a:endParaRPr>
                     </a:p>
                   </a:txBody>
-                  <a:tcPr marL="9525" marR="9525" marT="9525" marB="0" anchor="ctr">
-                    <a:solidFill>
-                      <a:schemeClr val="bg1">
-                        <a:lumMod val="85000"/>
-                      </a:schemeClr>
-                    </a:solidFill>
-                  </a:tcPr>
+                  <a:tcPr marL="9525" marR="9525" marT="9525" marB="0" anchor="ctr"/>
                 </a:tc>
                 <a:tc>
                   <a:txBody>
@@ -4566,36 +3820,21 @@
                       <a:pPr lvl="1" algn="l" fontAlgn="ctr"/>
                       <a:r>
                         <a:rPr lang="en-US" altLang="ko-KR" sz="1050" u="none" strike="noStrike" dirty="0" smtClean="0">
-                          <a:solidFill>
-                            <a:schemeClr val="bg1">
-                              <a:lumMod val="50000"/>
-                            </a:schemeClr>
-                          </a:solidFill>
-                          <a:effectLst/>
-                        </a:rPr>
-                        <a:t>DB </a:t>
-                      </a:r>
-                      <a:r>
-                        <a:rPr lang="ko-KR" altLang="en-US" sz="1050" u="none" strike="noStrike" dirty="0" smtClean="0">
-                          <a:solidFill>
-                            <a:schemeClr val="bg1">
-                              <a:lumMod val="50000"/>
-                            </a:schemeClr>
-                          </a:solidFill>
-                          <a:effectLst/>
-                        </a:rPr>
-                        <a:t>쿼리 바인딩  </a:t>
-                      </a:r>
-                      <a:r>
-                        <a:rPr lang="ko-KR" altLang="en-US" sz="1050" u="none" strike="noStrike" dirty="0">
-                          <a:solidFill>
-                            <a:schemeClr val="bg1">
-                              <a:lumMod val="50000"/>
-                            </a:schemeClr>
-                          </a:solidFill>
-                          <a:effectLst/>
-                        </a:rPr>
-                        <a:t>처리</a:t>
+                          <a:effectLst/>
+                        </a:rPr>
+                        <a:t>Query</a:t>
+                      </a:r>
+                      <a:r>
+                        <a:rPr lang="en-US" altLang="ko-KR" sz="1050" u="none" strike="noStrike" baseline="0" dirty="0" smtClean="0">
+                          <a:effectLst/>
+                        </a:rPr>
+                        <a:t> </a:t>
+                      </a:r>
+                      <a:r>
+                        <a:rPr lang="ko-KR" altLang="en-US" sz="1050" u="none" strike="noStrike" baseline="0" dirty="0" smtClean="0">
+                          <a:effectLst/>
+                        </a:rPr>
+                        <a:t>정합성 검증 확인</a:t>
                       </a:r>
                       <a:endParaRPr lang="ko-KR" altLang="en-US" sz="1050" b="0" i="0" u="none" strike="noStrike" dirty="0">
                         <a:solidFill>
@@ -4609,13 +3848,7 @@
                       </a:endParaRPr>
                     </a:p>
                   </a:txBody>
-                  <a:tcPr marL="9525" marR="9525" marT="9525" marB="0" anchor="ctr">
-                    <a:solidFill>
-                      <a:schemeClr val="bg1">
-                        <a:lumMod val="85000"/>
-                      </a:schemeClr>
-                    </a:solidFill>
-                  </a:tcPr>
+                  <a:tcPr marL="9525" marR="9525" marT="9525" marB="0" anchor="ctr"/>
                 </a:tc>
                 <a:tc>
                   <a:txBody>
@@ -4640,23 +3873,15 @@
                         <a:defRPr/>
                       </a:pPr>
                       <a:r>
-                        <a:rPr kumimoji="0" lang="en-US" altLang="ko-KR" sz="1050" b="0" i="0" u="none" strike="noStrike" kern="1200" cap="none" spc="0" normalizeH="0" baseline="0" noProof="0" smtClean="0">
+                        <a:rPr kumimoji="0" lang="en-US" altLang="ko-KR" sz="1050" u="none" strike="noStrike" kern="1200" cap="none" spc="0" normalizeH="0" baseline="0" noProof="0" dirty="0" smtClean="0">
                           <a:ln>
                             <a:noFill/>
                           </a:ln>
-                          <a:solidFill>
-                            <a:schemeClr val="bg1">
-                              <a:lumMod val="50000"/>
-                            </a:schemeClr>
-                          </a:solidFill>
                           <a:effectLst/>
                           <a:uLnTx/>
                           <a:uFillTx/>
-                          <a:latin typeface="맑은 고딕" panose="020B0503020000020004" pitchFamily="50" charset="-127"/>
-                          <a:ea typeface="맑은 고딕" panose="020B0503020000020004" pitchFamily="50" charset="-127"/>
-                          <a:cs typeface="+mn-cs"/>
-                        </a:rPr>
-                        <a:t>X</a:t>
+                        </a:rPr>
+                        <a:t>- </a:t>
                       </a:r>
                       <a:endParaRPr lang="ko-KR" altLang="en-US" sz="1050" b="0" i="0" u="none" strike="noStrike" dirty="0" smtClean="0">
                         <a:solidFill>
@@ -4667,6 +3892,110 @@
                         <a:effectLst/>
                         <a:latin typeface="맑은 고딕" panose="020B0503020000020004" pitchFamily="50" charset="-127"/>
                         <a:ea typeface="+mn-ea"/>
+                      </a:endParaRPr>
+                    </a:p>
+                  </a:txBody>
+                  <a:tcPr marL="9525" marR="9525" marT="9525" marB="0" anchor="ctr"/>
+                </a:tc>
+                <a:extLst>
+                  <a:ext uri="{0D108BD9-81ED-4DB2-BD59-A6C34878D82A}">
+                    <a16:rowId xmlns:a16="http://schemas.microsoft.com/office/drawing/2014/main" val="1662157061"/>
+                  </a:ext>
+                </a:extLst>
+              </a:tr>
+              <a:tr h="288000">
+                <a:tc rowSpan="6">
+                  <a:txBody>
+                    <a:bodyPr/>
+                    <a:lstStyle/>
+                    <a:p>
+                      <a:pPr algn="ctr" fontAlgn="ctr"/>
+                      <a:r>
+                        <a:rPr lang="ko-KR" altLang="en-US" sz="1100" u="none" strike="noStrike" dirty="0" smtClean="0">
+                          <a:effectLst/>
+                        </a:rPr>
+                        <a:t>코드 표준</a:t>
+                      </a:r>
+                      <a:endParaRPr lang="ko-KR" altLang="en-US" sz="1100" b="1" i="0" u="none" strike="noStrike" dirty="0">
+                        <a:solidFill>
+                          <a:srgbClr val="000000"/>
+                        </a:solidFill>
+                        <a:effectLst/>
+                        <a:latin typeface="맑은 고딕" panose="020B0503020000020004" pitchFamily="50" charset="-127"/>
+                        <a:ea typeface="맑은 고딕" panose="020B0503020000020004" pitchFamily="50" charset="-127"/>
+                      </a:endParaRPr>
+                    </a:p>
+                  </a:txBody>
+                  <a:tcPr marL="9525" marR="9525" marT="9525" marB="0" anchor="ctr"/>
+                </a:tc>
+                <a:tc>
+                  <a:txBody>
+                    <a:bodyPr/>
+                    <a:lstStyle/>
+                    <a:p>
+                      <a:pPr lvl="1" algn="l" fontAlgn="ctr"/>
+                      <a:r>
+                        <a:rPr lang="en-US" altLang="ko-KR" sz="1050" u="none" strike="noStrike" dirty="0">
+                          <a:effectLst/>
+                        </a:rPr>
+                        <a:t>DP </a:t>
+                      </a:r>
+                      <a:r>
+                        <a:rPr lang="ko-KR" altLang="en-US" sz="1050" u="none" strike="noStrike" dirty="0">
+                          <a:effectLst/>
+                        </a:rPr>
+                        <a:t>함수 예외 처리 </a:t>
+                      </a:r>
+                      <a:endParaRPr lang="ko-KR" altLang="en-US" sz="1050" b="0" i="0" u="none" strike="noStrike" dirty="0">
+                        <a:solidFill>
+                          <a:srgbClr val="000000"/>
+                        </a:solidFill>
+                        <a:effectLst/>
+                        <a:latin typeface="맑은 고딕" panose="020B0503020000020004" pitchFamily="50" charset="-127"/>
+                        <a:ea typeface="맑은 고딕" panose="020B0503020000020004" pitchFamily="50" charset="-127"/>
+                      </a:endParaRPr>
+                    </a:p>
+                  </a:txBody>
+                  <a:tcPr marL="9525" marR="9525" marT="9525" marB="0" anchor="ctr"/>
+                </a:tc>
+                <a:tc>
+                  <a:txBody>
+                    <a:bodyPr/>
+                    <a:lstStyle/>
+                    <a:p>
+                      <a:pPr algn="ctr" fontAlgn="ctr"/>
+                      <a:endParaRPr lang="ko-KR" altLang="en-US" sz="1050" b="0" i="0" u="none" strike="noStrike" dirty="0">
+                        <a:solidFill>
+                          <a:srgbClr val="000000"/>
+                        </a:solidFill>
+                        <a:effectLst/>
+                        <a:latin typeface="맑은 고딕" panose="020B0503020000020004" pitchFamily="50" charset="-127"/>
+                        <a:ea typeface="맑은 고딕" panose="020B0503020000020004" pitchFamily="50" charset="-127"/>
+                      </a:endParaRPr>
+                    </a:p>
+                  </a:txBody>
+                  <a:tcPr marL="9525" marR="9525" marT="9525" marB="0" anchor="ctr"/>
+                </a:tc>
+                <a:extLst>
+                  <a:ext uri="{0D108BD9-81ED-4DB2-BD59-A6C34878D82A}">
+                    <a16:rowId xmlns:a16="http://schemas.microsoft.com/office/drawing/2014/main" val="3404628410"/>
+                  </a:ext>
+                </a:extLst>
+              </a:tr>
+              <a:tr h="288000">
+                <a:tc vMerge="1">
+                  <a:txBody>
+                    <a:bodyPr/>
+                    <a:lstStyle/>
+                    <a:p>
+                      <a:pPr algn="ctr" fontAlgn="ctr"/>
+                      <a:endParaRPr lang="ko-KR" altLang="en-US" sz="1100" b="1" i="0" u="none" strike="noStrike" dirty="0">
+                        <a:solidFill>
+                          <a:srgbClr val="000000"/>
+                        </a:solidFill>
+                        <a:effectLst/>
+                        <a:latin typeface="맑은 고딕" panose="020B0503020000020004" pitchFamily="50" charset="-127"/>
+                        <a:ea typeface="맑은 고딕" panose="020B0503020000020004" pitchFamily="50" charset="-127"/>
                       </a:endParaRPr>
                     </a:p>
                   </a:txBody>
@@ -4683,54 +4012,22 @@
                     <a:bodyPr/>
                     <a:lstStyle/>
                     <a:p>
-                      <a:pPr marL="0" marR="0" lvl="0" indent="0" algn="l" defTabSz="914400" rtl="0" eaLnBrk="1" fontAlgn="ctr" latinLnBrk="1" hangingPunct="1">
-                        <a:lnSpc>
-                          <a:spcPct val="100000"/>
-                        </a:lnSpc>
-                        <a:spcBef>
-                          <a:spcPts val="0"/>
-                        </a:spcBef>
-                        <a:spcAft>
-                          <a:spcPts val="0"/>
-                        </a:spcAft>
-                        <a:buClrTx/>
-                        <a:buSzTx/>
-                        <a:buFontTx/>
-                        <a:buNone/>
-                        <a:tabLst/>
-                        <a:defRPr/>
-                      </a:pPr>
-                      <a:r>
-                        <a:rPr lang="en-US" altLang="ko-KR" sz="900" b="0" i="0" u="none" strike="noStrike" dirty="0" smtClean="0">
-                          <a:solidFill>
-                            <a:schemeClr val="bg1">
-                              <a:lumMod val="50000"/>
-                            </a:schemeClr>
-                          </a:solidFill>
-                          <a:effectLst/>
-                          <a:latin typeface="맑은 고딕" panose="020B0503020000020004" pitchFamily="50" charset="-127"/>
-                          <a:ea typeface="맑은 고딕" panose="020B0503020000020004" pitchFamily="50" charset="-127"/>
-                        </a:rPr>
-                        <a:t>  DB Query </a:t>
-                      </a:r>
-                      <a:r>
-                        <a:rPr lang="ko-KR" altLang="en-US" sz="900" b="0" i="0" u="none" strike="noStrike" dirty="0" smtClean="0">
-                          <a:solidFill>
-                            <a:schemeClr val="bg1">
-                              <a:lumMod val="50000"/>
-                            </a:schemeClr>
-                          </a:solidFill>
-                          <a:effectLst/>
-                          <a:latin typeface="맑은 고딕" panose="020B0503020000020004" pitchFamily="50" charset="-127"/>
-                          <a:ea typeface="맑은 고딕" panose="020B0503020000020004" pitchFamily="50" charset="-127"/>
-                        </a:rPr>
-                        <a:t>텍스트 확인 어려움</a:t>
-                      </a:r>
-                      <a:endParaRPr lang="ko-KR" altLang="en-US" sz="900" b="0" i="0" u="none" strike="noStrike" dirty="0">
-                        <a:solidFill>
-                          <a:schemeClr val="bg1">
-                            <a:lumMod val="50000"/>
-                          </a:schemeClr>
+                      <a:pPr lvl="1" algn="l" fontAlgn="ctr"/>
+                      <a:r>
+                        <a:rPr lang="en-US" sz="1050" u="none" strike="noStrike" dirty="0">
+                          <a:effectLst/>
+                        </a:rPr>
+                        <a:t>Try, Catch </a:t>
+                      </a:r>
+                      <a:r>
+                        <a:rPr lang="ko-KR" altLang="en-US" sz="1050" u="none" strike="noStrike" dirty="0">
+                          <a:effectLst/>
+                        </a:rPr>
+                        <a:t>예외처리</a:t>
+                      </a:r>
+                      <a:endParaRPr lang="ko-KR" altLang="en-US" sz="1050" b="0" i="0" u="none" strike="noStrike" dirty="0">
+                        <a:solidFill>
+                          <a:srgbClr val="000000"/>
                         </a:solidFill>
                         <a:effectLst/>
                         <a:latin typeface="맑은 고딕" panose="020B0503020000020004" pitchFamily="50" charset="-127"/>
@@ -4738,75 +4035,7 @@
                       </a:endParaRPr>
                     </a:p>
                   </a:txBody>
-                  <a:tcPr marL="9525" marR="9525" marT="9525" marB="0" anchor="ctr">
-                    <a:solidFill>
-                      <a:schemeClr val="bg1">
-                        <a:lumMod val="85000"/>
-                      </a:schemeClr>
-                    </a:solidFill>
-                  </a:tcPr>
-                </a:tc>
-                <a:extLst>
-                  <a:ext uri="{0D108BD9-81ED-4DB2-BD59-A6C34878D82A}">
-                    <a16:rowId xmlns:a16="http://schemas.microsoft.com/office/drawing/2014/main" val="1662157061"/>
-                  </a:ext>
-                </a:extLst>
-              </a:tr>
-              <a:tr h="245937">
-                <a:tc vMerge="1">
-                  <a:txBody>
-                    <a:bodyPr/>
-                    <a:lstStyle/>
-                    <a:p>
-                      <a:pPr algn="l" fontAlgn="ctr"/>
-                      <a:endParaRPr lang="ko-KR" altLang="en-US" sz="1100" b="0" i="0" u="none" strike="noStrike" dirty="0">
-                        <a:solidFill>
-                          <a:srgbClr val="000000"/>
-                        </a:solidFill>
-                        <a:effectLst/>
-                        <a:latin typeface="맑은 고딕" panose="020B0503020000020004" pitchFamily="50" charset="-127"/>
-                        <a:ea typeface="맑은 고딕" panose="020B0503020000020004" pitchFamily="50" charset="-127"/>
-                      </a:endParaRPr>
-                    </a:p>
-                  </a:txBody>
                   <a:tcPr marL="9525" marR="9525" marT="9525" marB="0" anchor="ctr"/>
-                </a:tc>
-                <a:tc>
-                  <a:txBody>
-                    <a:bodyPr/>
-                    <a:lstStyle/>
-                    <a:p>
-                      <a:pPr lvl="1" algn="l" fontAlgn="ctr"/>
-                      <a:r>
-                        <a:rPr lang="ko-KR" altLang="en-US" sz="1050" u="none" strike="noStrike" dirty="0">
-                          <a:solidFill>
-                            <a:schemeClr val="bg1">
-                              <a:lumMod val="50000"/>
-                            </a:schemeClr>
-                          </a:solidFill>
-                          <a:effectLst/>
-                        </a:rPr>
-                        <a:t>쿼리 주석 처리</a:t>
-                      </a:r>
-                      <a:endParaRPr lang="ko-KR" altLang="en-US" sz="1050" b="0" i="0" u="none" strike="noStrike" dirty="0">
-                        <a:solidFill>
-                          <a:schemeClr val="bg1">
-                            <a:lumMod val="50000"/>
-                          </a:schemeClr>
-                        </a:solidFill>
-                        <a:effectLst/>
-                        <a:latin typeface="맑은 고딕" panose="020B0503020000020004" pitchFamily="50" charset="-127"/>
-                        <a:ea typeface="맑은 고딕" panose="020B0503020000020004" pitchFamily="50" charset="-127"/>
-                      </a:endParaRPr>
-                    </a:p>
-                  </a:txBody>
-                  <a:tcPr marL="9525" marR="9525" marT="9525" marB="0" anchor="ctr">
-                    <a:solidFill>
-                      <a:schemeClr val="bg1">
-                        <a:lumMod val="85000"/>
-                      </a:schemeClr>
-                    </a:solidFill>
-                  </a:tcPr>
                 </a:tc>
                 <a:tc>
                   <a:txBody>
@@ -4830,30 +4059,9 @@
                         <a:tabLst/>
                         <a:defRPr/>
                       </a:pPr>
-                      <a:r>
-                        <a:rPr kumimoji="0" lang="en-US" altLang="ko-KR" sz="1050" b="0" i="0" u="none" strike="noStrike" kern="1200" cap="none" spc="0" normalizeH="0" baseline="0" noProof="0" smtClean="0">
-                          <a:ln>
-                            <a:noFill/>
-                          </a:ln>
-                          <a:solidFill>
-                            <a:schemeClr val="bg1">
-                              <a:lumMod val="50000"/>
-                            </a:schemeClr>
-                          </a:solidFill>
-                          <a:effectLst/>
-                          <a:uLnTx/>
-                          <a:uFillTx/>
-                          <a:latin typeface="맑은 고딕" panose="020B0503020000020004" pitchFamily="50" charset="-127"/>
-                          <a:ea typeface="맑은 고딕" panose="020B0503020000020004" pitchFamily="50" charset="-127"/>
-                          <a:cs typeface="+mn-cs"/>
-                        </a:rPr>
-                        <a:t>X</a:t>
-                      </a:r>
                       <a:endParaRPr lang="ko-KR" altLang="en-US" sz="1050" b="0" i="0" u="none" strike="noStrike" dirty="0" smtClean="0">
                         <a:solidFill>
-                          <a:schemeClr val="bg1">
-                            <a:lumMod val="50000"/>
-                          </a:schemeClr>
+                          <a:srgbClr val="000000"/>
                         </a:solidFill>
                         <a:effectLst/>
                         <a:latin typeface="맑은 고딕" panose="020B0503020000020004" pitchFamily="50" charset="-127"/>
@@ -4861,79 +4069,21 @@
                       </a:endParaRPr>
                     </a:p>
                   </a:txBody>
-                  <a:tcPr marL="9525" marR="9525" marT="9525" marB="0" anchor="ctr">
-                    <a:solidFill>
-                      <a:schemeClr val="bg1">
-                        <a:lumMod val="85000"/>
-                      </a:schemeClr>
-                    </a:solidFill>
-                  </a:tcPr>
-                </a:tc>
-                <a:tc>
-                  <a:txBody>
-                    <a:bodyPr/>
-                    <a:lstStyle/>
-                    <a:p>
-                      <a:pPr lvl="0" algn="l" fontAlgn="ctr"/>
-                      <a:r>
-                        <a:rPr lang="en-US" altLang="ko-KR" sz="900" b="0" i="0" u="none" strike="noStrike" dirty="0" smtClean="0">
-                          <a:solidFill>
-                            <a:schemeClr val="bg1">
-                              <a:lumMod val="50000"/>
-                            </a:schemeClr>
-                          </a:solidFill>
-                          <a:effectLst/>
-                          <a:latin typeface="맑은 고딕" panose="020B0503020000020004" pitchFamily="50" charset="-127"/>
-                          <a:ea typeface="+mn-ea"/>
-                        </a:rPr>
-                        <a:t>  DB Query </a:t>
-                      </a:r>
-                      <a:r>
-                        <a:rPr lang="ko-KR" altLang="en-US" sz="900" b="0" i="0" u="none" strike="noStrike" dirty="0" smtClean="0">
-                          <a:solidFill>
-                            <a:schemeClr val="bg1">
-                              <a:lumMod val="50000"/>
-                            </a:schemeClr>
-                          </a:solidFill>
-                          <a:effectLst/>
-                          <a:latin typeface="맑은 고딕" panose="020B0503020000020004" pitchFamily="50" charset="-127"/>
-                          <a:ea typeface="+mn-ea"/>
-                        </a:rPr>
-                        <a:t>텍스트 확인 어려움</a:t>
-                      </a:r>
-                      <a:endParaRPr lang="en-US" altLang="ko-KR" sz="900" b="0" i="0" u="none" strike="noStrike" dirty="0" smtClean="0">
-                        <a:solidFill>
-                          <a:schemeClr val="bg1">
-                            <a:lumMod val="50000"/>
-                          </a:schemeClr>
-                        </a:solidFill>
-                        <a:effectLst/>
-                        <a:latin typeface="+mn-ea"/>
-                        <a:ea typeface="+mn-ea"/>
-                      </a:endParaRPr>
-                    </a:p>
-                  </a:txBody>
-                  <a:tcPr marL="9525" marR="9525" marT="9525" marB="0" anchor="ctr">
-                    <a:solidFill>
-                      <a:schemeClr val="bg1">
-                        <a:lumMod val="85000"/>
-                      </a:schemeClr>
-                    </a:solidFill>
-                  </a:tcPr>
+                  <a:tcPr marL="9525" marR="9525" marT="9525" marB="0" anchor="ctr"/>
                 </a:tc>
                 <a:extLst>
                   <a:ext uri="{0D108BD9-81ED-4DB2-BD59-A6C34878D82A}">
-                    <a16:rowId xmlns:a16="http://schemas.microsoft.com/office/drawing/2014/main" val="3933723257"/>
+                    <a16:rowId xmlns:a16="http://schemas.microsoft.com/office/drawing/2014/main" val="4272751360"/>
                   </a:ext>
                 </a:extLst>
               </a:tr>
-              <a:tr h="245937">
+              <a:tr h="288000">
                 <a:tc vMerge="1">
                   <a:txBody>
                     <a:bodyPr/>
                     <a:lstStyle/>
                     <a:p>
-                      <a:pPr algn="l" fontAlgn="ctr"/>
+                      <a:pPr algn="ctr" fontAlgn="ctr"/>
                       <a:endParaRPr lang="ko-KR" altLang="en-US" sz="1100" b="0" i="0" u="none" strike="noStrike" dirty="0">
                         <a:solidFill>
                           <a:srgbClr val="000000"/>
@@ -4953,21 +4103,32 @@
                     <a:p>
                       <a:pPr lvl="1" algn="l" fontAlgn="ctr"/>
                       <a:r>
-                        <a:rPr lang="ko-KR" altLang="en-US" sz="1050" u="none" strike="noStrike" dirty="0">
-                          <a:solidFill>
-                            <a:schemeClr val="bg1">
-                              <a:lumMod val="50000"/>
-                            </a:schemeClr>
-                          </a:solidFill>
-                          <a:effectLst/>
-                        </a:rPr>
-                        <a:t>쿼리 검증</a:t>
+                        <a:rPr lang="ko-KR" altLang="en-US" sz="1050" u="none" strike="noStrike" dirty="0" smtClean="0">
+                          <a:effectLst/>
+                        </a:rPr>
+                        <a:t>이력 </a:t>
+                      </a:r>
+                      <a:r>
+                        <a:rPr lang="ko-KR" altLang="en-US" sz="1050" u="none" strike="noStrike" dirty="0" smtClean="0">
+                          <a:effectLst/>
+                        </a:rPr>
+                        <a:t>정보 </a:t>
+                      </a:r>
+                      <a:r>
+                        <a:rPr lang="ko-KR" altLang="en-US" sz="1050" u="none" strike="noStrike" dirty="0" smtClean="0">
+                          <a:effectLst/>
+                        </a:rPr>
+                        <a:t>작성 </a:t>
+                      </a:r>
+                      <a:r>
+                        <a:rPr lang="ko-KR" altLang="en-US" sz="1050" u="none" strike="noStrike" dirty="0" smtClean="0">
+                          <a:effectLst/>
+                        </a:rPr>
+                        <a:t>확인</a:t>
                       </a:r>
                       <a:endParaRPr lang="ko-KR" altLang="en-US" sz="1050" b="0" i="0" u="none" strike="noStrike" dirty="0">
                         <a:solidFill>
-                          <a:schemeClr val="bg1">
-                            <a:lumMod val="50000"/>
-                          </a:schemeClr>
+                          <a:srgbClr val="000000"/>
                         </a:solidFill>
                         <a:effectLst/>
                         <a:latin typeface="맑은 고딕" panose="020B0503020000020004" pitchFamily="50" charset="-127"/>
@@ -4975,13 +4136,7 @@
                       </a:endParaRPr>
                     </a:p>
                   </a:txBody>
-                  <a:tcPr marL="9525" marR="9525" marT="9525" marB="0" anchor="ctr">
-                    <a:solidFill>
-                      <a:schemeClr val="bg1">
-                        <a:lumMod val="85000"/>
-                      </a:schemeClr>
-                    </a:solidFill>
-                  </a:tcPr>
+                  <a:tcPr marL="9525" marR="9525" marT="9525" marB="0" anchor="ctr"/>
                 </a:tc>
                 <a:tc>
                   <a:txBody>
@@ -5005,26 +4160,97 @@
                         <a:tabLst/>
                         <a:defRPr/>
                       </a:pPr>
-                      <a:r>
-                        <a:rPr kumimoji="0" lang="en-US" altLang="ko-KR" sz="1050" b="0" i="0" u="none" strike="noStrike" kern="1200" cap="none" spc="0" normalizeH="0" baseline="0" noProof="0" smtClean="0">
-                          <a:ln>
-                            <a:noFill/>
-                          </a:ln>
-                          <a:solidFill>
-                            <a:schemeClr val="bg1">
-                              <a:lumMod val="50000"/>
-                            </a:schemeClr>
-                          </a:solidFill>
-                          <a:effectLst/>
-                          <a:uLnTx/>
-                          <a:uFillTx/>
-                          <a:latin typeface="맑은 고딕" panose="020B0503020000020004" pitchFamily="50" charset="-127"/>
-                          <a:ea typeface="맑은 고딕" panose="020B0503020000020004" pitchFamily="50" charset="-127"/>
-                          <a:cs typeface="+mn-cs"/>
-                        </a:rPr>
-                        <a:t>X</a:t>
-                      </a:r>
                       <a:endParaRPr lang="ko-KR" altLang="en-US" sz="1050" b="0" i="0" u="none" strike="noStrike" dirty="0" smtClean="0">
+                        <a:solidFill>
+                          <a:srgbClr val="000000"/>
+                        </a:solidFill>
+                        <a:effectLst/>
+                        <a:latin typeface="맑은 고딕" panose="020B0503020000020004" pitchFamily="50" charset="-127"/>
+                        <a:ea typeface="+mn-ea"/>
+                      </a:endParaRPr>
+                    </a:p>
+                  </a:txBody>
+                  <a:tcPr marL="9525" marR="9525" marT="9525" marB="0" anchor="ctr"/>
+                </a:tc>
+                <a:extLst>
+                  <a:ext uri="{0D108BD9-81ED-4DB2-BD59-A6C34878D82A}">
+                    <a16:rowId xmlns:a16="http://schemas.microsoft.com/office/drawing/2014/main" val="1946168024"/>
+                  </a:ext>
+                </a:extLst>
+              </a:tr>
+              <a:tr h="288000">
+                <a:tc vMerge="1">
+                  <a:txBody>
+                    <a:bodyPr/>
+                    <a:lstStyle/>
+                    <a:p>
+                      <a:pPr algn="ctr" fontAlgn="ctr"/>
+                      <a:endParaRPr lang="ko-KR" altLang="en-US" sz="1100" b="0" i="0" u="none" strike="noStrike" dirty="0">
+                        <a:solidFill>
+                          <a:srgbClr val="000000"/>
+                        </a:solidFill>
+                        <a:effectLst/>
+                        <a:latin typeface="맑은 고딕" panose="020B0503020000020004" pitchFamily="50" charset="-127"/>
+                        <a:ea typeface="맑은 고딕" panose="020B0503020000020004" pitchFamily="50" charset="-127"/>
+                      </a:endParaRPr>
+                    </a:p>
+                  </a:txBody>
+                  <a:tcPr marL="9525" marR="9525" marT="9525" marB="0" anchor="ctr"/>
+                </a:tc>
+                <a:tc>
+                  <a:txBody>
+                    <a:bodyPr/>
+                    <a:lstStyle/>
+                    <a:p>
+                      <a:pPr lvl="1" algn="l" fontAlgn="ctr"/>
+                      <a:r>
+                        <a:rPr lang="ko-KR" altLang="en-US" sz="1050" u="none" strike="noStrike" dirty="0" smtClean="0">
+                          <a:effectLst/>
+                        </a:rPr>
+                        <a:t>예상하지 못한 </a:t>
+                      </a:r>
+                      <a:r>
+                        <a:rPr lang="en-US" altLang="ko-KR" sz="1050" u="none" strike="noStrike" dirty="0" smtClean="0">
+                          <a:effectLst/>
+                        </a:rPr>
+                        <a:t>Logic </a:t>
+                      </a:r>
+                      <a:r>
+                        <a:rPr lang="ko-KR" altLang="en-US" sz="1050" u="none" strike="noStrike" dirty="0" smtClean="0">
+                          <a:effectLst/>
+                        </a:rPr>
+                        <a:t>동작 확인</a:t>
+                      </a:r>
+                      <a:r>
+                        <a:rPr lang="en-US" altLang="ko-KR" sz="1050" u="none" strike="noStrike" dirty="0" smtClean="0">
+                          <a:effectLst/>
+                        </a:rPr>
+                        <a:t/>
+                      </a:r>
+                      <a:br>
+                        <a:rPr lang="en-US" altLang="ko-KR" sz="1050" u="none" strike="noStrike" dirty="0" smtClean="0">
+                          <a:effectLst/>
+                        </a:rPr>
+                      </a:br>
+                      <a:r>
+                        <a:rPr lang="en-US" altLang="ko-KR" sz="1050" u="none" strike="noStrike" dirty="0" smtClean="0">
+                          <a:effectLst/>
+                        </a:rPr>
+                        <a:t>(Logic </a:t>
+                      </a:r>
+                      <a:r>
+                        <a:rPr lang="ko-KR" altLang="en-US" sz="1050" u="none" strike="noStrike" dirty="0" smtClean="0">
+                          <a:effectLst/>
+                        </a:rPr>
+                        <a:t>요구사항 동작 체크</a:t>
+                      </a:r>
+                      <a:r>
+                        <a:rPr lang="en-US" altLang="ko-KR" sz="1050" u="none" strike="noStrike" dirty="0" smtClean="0">
+                          <a:effectLst/>
+                        </a:rPr>
+                        <a:t>)</a:t>
+                      </a:r>
+                      <a:endParaRPr lang="ko-KR" altLang="en-US" sz="1050" b="0" i="0" u="none" strike="noStrike" dirty="0">
                         <a:solidFill>
                           <a:schemeClr val="bg1">
                             <a:lumMod val="50000"/>
@@ -5032,160 +4258,11 @@
                         </a:solidFill>
                         <a:effectLst/>
                         <a:latin typeface="맑은 고딕" panose="020B0503020000020004" pitchFamily="50" charset="-127"/>
-                        <a:ea typeface="+mn-ea"/>
-                      </a:endParaRPr>
-                    </a:p>
-                  </a:txBody>
-                  <a:tcPr marL="9525" marR="9525" marT="9525" marB="0" anchor="ctr">
-                    <a:solidFill>
-                      <a:schemeClr val="bg1">
-                        <a:lumMod val="85000"/>
-                      </a:schemeClr>
-                    </a:solidFill>
-                  </a:tcPr>
-                </a:tc>
-                <a:tc>
-                  <a:txBody>
-                    <a:bodyPr/>
-                    <a:lstStyle/>
-                    <a:p>
-                      <a:pPr marL="0" marR="0" lvl="0" indent="0" algn="l" defTabSz="914400" rtl="0" eaLnBrk="1" fontAlgn="ctr" latinLnBrk="1" hangingPunct="1">
-                        <a:lnSpc>
-                          <a:spcPct val="100000"/>
-                        </a:lnSpc>
-                        <a:spcBef>
-                          <a:spcPts val="0"/>
-                        </a:spcBef>
-                        <a:spcAft>
-                          <a:spcPts val="0"/>
-                        </a:spcAft>
-                        <a:buClrTx/>
-                        <a:buSzTx/>
-                        <a:buFontTx/>
-                        <a:buNone/>
-                        <a:tabLst/>
-                        <a:defRPr/>
-                      </a:pPr>
-                      <a:r>
-                        <a:rPr lang="en-US" altLang="ko-KR" sz="900" b="0" i="0" u="none" strike="noStrike" dirty="0" smtClean="0">
-                          <a:solidFill>
-                            <a:schemeClr val="bg1">
-                              <a:lumMod val="50000"/>
-                            </a:schemeClr>
-                          </a:solidFill>
-                          <a:effectLst/>
-                          <a:latin typeface="+mn-ea"/>
-                          <a:ea typeface="+mn-ea"/>
-                        </a:rPr>
-                        <a:t>  </a:t>
-                      </a:r>
-                      <a:r>
-                        <a:rPr lang="en-US" altLang="ko-KR" sz="900" b="0" i="0" u="none" strike="noStrike" dirty="0" smtClean="0">
-                          <a:solidFill>
-                            <a:schemeClr val="bg1">
-                              <a:lumMod val="50000"/>
-                            </a:schemeClr>
-                          </a:solidFill>
-                          <a:effectLst/>
-                          <a:latin typeface="맑은 고딕" panose="020B0503020000020004" pitchFamily="50" charset="-127"/>
-                          <a:ea typeface="+mn-ea"/>
-                        </a:rPr>
-                        <a:t>DB Query </a:t>
-                      </a:r>
-                      <a:r>
-                        <a:rPr lang="ko-KR" altLang="en-US" sz="900" b="0" i="0" u="none" strike="noStrike" dirty="0" smtClean="0">
-                          <a:solidFill>
-                            <a:schemeClr val="bg1">
-                              <a:lumMod val="50000"/>
-                            </a:schemeClr>
-                          </a:solidFill>
-                          <a:effectLst/>
-                          <a:latin typeface="맑은 고딕" panose="020B0503020000020004" pitchFamily="50" charset="-127"/>
-                          <a:ea typeface="+mn-ea"/>
-                        </a:rPr>
-                        <a:t>텍스트 확인 어려움</a:t>
-                      </a:r>
-                      <a:endParaRPr lang="en-US" altLang="ko-KR" sz="900" b="0" i="0" u="none" strike="noStrike" dirty="0" smtClean="0">
-                        <a:solidFill>
-                          <a:schemeClr val="bg1">
-                            <a:lumMod val="50000"/>
-                          </a:schemeClr>
-                        </a:solidFill>
-                        <a:effectLst/>
-                        <a:latin typeface="+mn-ea"/>
-                        <a:ea typeface="+mn-ea"/>
-                      </a:endParaRPr>
-                    </a:p>
-                  </a:txBody>
-                  <a:tcPr marL="9525" marR="9525" marT="9525" marB="0" anchor="ctr">
-                    <a:solidFill>
-                      <a:schemeClr val="bg1">
-                        <a:lumMod val="85000"/>
-                      </a:schemeClr>
-                    </a:solidFill>
-                  </a:tcPr>
-                </a:tc>
-                <a:extLst>
-                  <a:ext uri="{0D108BD9-81ED-4DB2-BD59-A6C34878D82A}">
-                    <a16:rowId xmlns:a16="http://schemas.microsoft.com/office/drawing/2014/main" val="3491343565"/>
-                  </a:ext>
-                </a:extLst>
-              </a:tr>
-              <a:tr h="245937">
-                <a:tc vMerge="1">
-                  <a:txBody>
-                    <a:bodyPr/>
-                    <a:lstStyle/>
-                    <a:p>
-                      <a:pPr algn="l" fontAlgn="ctr"/>
-                      <a:endParaRPr lang="en-US" sz="1100" b="0" i="0" u="none" strike="noStrike" dirty="0">
-                        <a:solidFill>
-                          <a:srgbClr val="000000"/>
-                        </a:solidFill>
-                        <a:effectLst/>
-                        <a:latin typeface="맑은 고딕" panose="020B0503020000020004" pitchFamily="50" charset="-127"/>
                         <a:ea typeface="맑은 고딕" panose="020B0503020000020004" pitchFamily="50" charset="-127"/>
                       </a:endParaRPr>
                     </a:p>
                   </a:txBody>
                   <a:tcPr marL="9525" marR="9525" marT="9525" marB="0" anchor="ctr"/>
-                </a:tc>
-                <a:tc>
-                  <a:txBody>
-                    <a:bodyPr/>
-                    <a:lstStyle/>
-                    <a:p>
-                      <a:pPr lvl="1" algn="l" fontAlgn="ctr"/>
-                      <a:r>
-                        <a:rPr lang="en-US" sz="1050" u="none" strike="noStrike" dirty="0">
-                          <a:solidFill>
-                            <a:schemeClr val="bg1">
-                              <a:lumMod val="50000"/>
-                            </a:schemeClr>
-                          </a:solidFill>
-                          <a:effectLst/>
-                        </a:rPr>
-                        <a:t>DB Query Error</a:t>
-                      </a:r>
-                      <a:endParaRPr lang="en-US" sz="1050" b="0" i="0" u="none" strike="noStrike" dirty="0">
-                        <a:solidFill>
-                          <a:schemeClr val="bg1">
-                            <a:lumMod val="50000"/>
-                          </a:schemeClr>
-                        </a:solidFill>
-                        <a:effectLst/>
-                        <a:latin typeface="맑은 고딕" panose="020B0503020000020004" pitchFamily="50" charset="-127"/>
-                        <a:ea typeface="맑은 고딕" panose="020B0503020000020004" pitchFamily="50" charset="-127"/>
-                      </a:endParaRPr>
-                    </a:p>
-                  </a:txBody>
-                  <a:tcPr marL="9525" marR="9525" marT="9525" marB="0" anchor="ctr">
-                    <a:solidFill>
-                      <a:schemeClr val="bg1">
-                        <a:lumMod val="85000"/>
-                      </a:schemeClr>
-                    </a:solidFill>
-                  </a:tcPr>
                 </a:tc>
                 <a:tc>
                   <a:txBody>
@@ -5210,23 +4287,10 @@
                         <a:defRPr/>
                       </a:pPr>
                       <a:r>
-                        <a:rPr kumimoji="0" lang="en-US" altLang="ko-KR" sz="1050" b="0" i="0" u="none" strike="noStrike" kern="1200" cap="none" spc="0" normalizeH="0" baseline="0" noProof="0" dirty="0" smtClean="0">
-                          <a:ln>
-                            <a:noFill/>
-                          </a:ln>
-                          <a:solidFill>
-                            <a:schemeClr val="bg1">
-                              <a:lumMod val="50000"/>
-                            </a:schemeClr>
-                          </a:solidFill>
-                          <a:effectLst/>
-                          <a:uLnTx/>
-                          <a:uFillTx/>
-                          <a:latin typeface="맑은 고딕" panose="020B0503020000020004" pitchFamily="50" charset="-127"/>
-                          <a:ea typeface="맑은 고딕" panose="020B0503020000020004" pitchFamily="50" charset="-127"/>
-                          <a:cs typeface="+mn-cs"/>
-                        </a:rPr>
-                        <a:t>X</a:t>
+                        <a:rPr lang="en-US" altLang="ko-KR" sz="1050" u="none" strike="noStrike" dirty="0" smtClean="0">
+                          <a:effectLst/>
+                        </a:rPr>
+                        <a:t>-</a:t>
                       </a:r>
                       <a:endParaRPr lang="ko-KR" altLang="en-US" sz="1050" b="0" i="0" u="none" strike="noStrike" dirty="0" smtClean="0">
                         <a:solidFill>
@@ -5240,107 +4304,22 @@
                       </a:endParaRPr>
                     </a:p>
                   </a:txBody>
-                  <a:tcPr marL="9525" marR="9525" marT="9525" marB="0" anchor="ctr">
-                    <a:solidFill>
-                      <a:schemeClr val="bg1">
-                        <a:lumMod val="85000"/>
-                      </a:schemeClr>
-                    </a:solidFill>
-                  </a:tcPr>
-                </a:tc>
-                <a:tc>
-                  <a:txBody>
-                    <a:bodyPr/>
-                    <a:lstStyle/>
-                    <a:p>
-                      <a:pPr marL="0" marR="0" lvl="0" indent="0" algn="l" defTabSz="914400" rtl="0" eaLnBrk="1" fontAlgn="ctr" latinLnBrk="1" hangingPunct="1">
-                        <a:lnSpc>
-                          <a:spcPct val="100000"/>
-                        </a:lnSpc>
-                        <a:spcBef>
-                          <a:spcPts val="0"/>
-                        </a:spcBef>
-                        <a:spcAft>
-                          <a:spcPts val="0"/>
-                        </a:spcAft>
-                        <a:buClrTx/>
-                        <a:buSzTx/>
-                        <a:buFontTx/>
-                        <a:buNone/>
-                        <a:tabLst/>
-                        <a:defRPr/>
-                      </a:pPr>
-                      <a:r>
-                        <a:rPr lang="en-US" altLang="ko-KR" sz="900" b="0" i="0" u="none" strike="noStrike" dirty="0" smtClean="0">
-                          <a:solidFill>
-                            <a:schemeClr val="bg1">
-                              <a:lumMod val="50000"/>
-                            </a:schemeClr>
-                          </a:solidFill>
-                          <a:effectLst/>
-                          <a:latin typeface="맑은 고딕" panose="020B0503020000020004" pitchFamily="50" charset="-127"/>
-                          <a:ea typeface="+mn-ea"/>
-                        </a:rPr>
-                        <a:t>  DB Query </a:t>
-                      </a:r>
-                      <a:r>
-                        <a:rPr lang="ko-KR" altLang="en-US" sz="900" b="0" i="0" u="none" strike="noStrike" dirty="0" smtClean="0">
-                          <a:solidFill>
-                            <a:schemeClr val="bg1">
-                              <a:lumMod val="50000"/>
-                            </a:schemeClr>
-                          </a:solidFill>
-                          <a:effectLst/>
-                          <a:latin typeface="맑은 고딕" panose="020B0503020000020004" pitchFamily="50" charset="-127"/>
-                          <a:ea typeface="+mn-ea"/>
-                        </a:rPr>
-                        <a:t>텍스트 확인 어려움</a:t>
-                      </a:r>
-                      <a:endParaRPr lang="en-US" sz="900" b="0" i="0" u="none" strike="noStrike" dirty="0">
-                        <a:solidFill>
-                          <a:schemeClr val="bg1">
-                            <a:lumMod val="50000"/>
-                          </a:schemeClr>
-                        </a:solidFill>
-                        <a:effectLst/>
-                        <a:latin typeface="맑은 고딕" panose="020B0503020000020004" pitchFamily="50" charset="-127"/>
-                        <a:ea typeface="맑은 고딕" panose="020B0503020000020004" pitchFamily="50" charset="-127"/>
-                      </a:endParaRPr>
-                    </a:p>
-                  </a:txBody>
-                  <a:tcPr marL="9525" marR="9525" marT="9525" marB="0" anchor="ctr">
-                    <a:solidFill>
-                      <a:schemeClr val="bg1">
-                        <a:lumMod val="85000"/>
-                      </a:schemeClr>
-                    </a:solidFill>
-                  </a:tcPr>
+                  <a:tcPr marL="9525" marR="9525" marT="9525" marB="0" anchor="ctr"/>
                 </a:tc>
                 <a:extLst>
                   <a:ext uri="{0D108BD9-81ED-4DB2-BD59-A6C34878D82A}">
-                    <a16:rowId xmlns:a16="http://schemas.microsoft.com/office/drawing/2014/main" val="707000697"/>
+                    <a16:rowId xmlns:a16="http://schemas.microsoft.com/office/drawing/2014/main" val="720252962"/>
                   </a:ext>
                 </a:extLst>
               </a:tr>
-              <a:tr h="245937">
-                <a:tc rowSpan="6">
+              <a:tr h="288000">
+                <a:tc vMerge="1">
                   <a:txBody>
                     <a:bodyPr/>
                     <a:lstStyle/>
                     <a:p>
                       <a:pPr algn="ctr" fontAlgn="ctr"/>
-                      <a:r>
-                        <a:rPr lang="ko-KR" altLang="en-US" sz="1100" b="1" i="0" u="none" strike="noStrike" dirty="0" smtClean="0">
-                          <a:solidFill>
-                            <a:srgbClr val="000000"/>
-                          </a:solidFill>
-                          <a:effectLst/>
-                          <a:latin typeface="맑은 고딕" panose="020B0503020000020004" pitchFamily="50" charset="-127"/>
-                          <a:ea typeface="맑은 고딕" panose="020B0503020000020004" pitchFamily="50" charset="-127"/>
-                        </a:rPr>
-                        <a:t>코드 표준</a:t>
-                      </a:r>
-                      <a:endParaRPr lang="ko-KR" altLang="en-US" sz="1100" b="1" i="0" u="none" strike="noStrike" dirty="0">
+                      <a:endParaRPr lang="ko-KR" altLang="en-US" sz="1100" b="0" i="0" u="none" strike="noStrike" dirty="0">
                         <a:solidFill>
                           <a:srgbClr val="000000"/>
                         </a:solidFill>
@@ -5350,13 +4329,7 @@
                       </a:endParaRPr>
                     </a:p>
                   </a:txBody>
-                  <a:tcPr marL="9525" marR="9525" marT="9525" marB="0" anchor="ctr">
-                    <a:solidFill>
-                      <a:schemeClr val="bg1">
-                        <a:lumMod val="85000"/>
-                      </a:schemeClr>
-                    </a:solidFill>
-                  </a:tcPr>
+                  <a:tcPr marL="9525" marR="9525" marT="9525" marB="0" anchor="ctr"/>
                 </a:tc>
                 <a:tc>
                   <a:txBody>
@@ -5365,157 +4338,16 @@
                     <a:p>
                       <a:pPr lvl="1" algn="l" fontAlgn="ctr"/>
                       <a:r>
-                        <a:rPr lang="en-US" altLang="ko-KR" sz="1050" u="none" strike="noStrike" dirty="0">
-                          <a:effectLst/>
-                        </a:rPr>
-                        <a:t>DP </a:t>
-                      </a:r>
-                      <a:r>
-                        <a:rPr lang="ko-KR" altLang="en-US" sz="1050" u="none" strike="noStrike" dirty="0">
-                          <a:effectLst/>
-                        </a:rPr>
-                        <a:t>함수 예외 처리 </a:t>
-                      </a:r>
-                      <a:endParaRPr lang="ko-KR" altLang="en-US" sz="1050" b="0" i="0" u="none" strike="noStrike" dirty="0">
-                        <a:solidFill>
-                          <a:srgbClr val="000000"/>
-                        </a:solidFill>
-                        <a:effectLst/>
-                        <a:latin typeface="맑은 고딕" panose="020B0503020000020004" pitchFamily="50" charset="-127"/>
-                        <a:ea typeface="맑은 고딕" panose="020B0503020000020004" pitchFamily="50" charset="-127"/>
-                      </a:endParaRPr>
-                    </a:p>
-                  </a:txBody>
-                  <a:tcPr marL="9525" marR="9525" marT="9525" marB="0" anchor="ctr"/>
-                </a:tc>
-                <a:tc>
-                  <a:txBody>
-                    <a:bodyPr/>
-                    <a:lstStyle/>
-                    <a:p>
-                      <a:pPr algn="ctr" fontAlgn="ctr"/>
-                      <a:r>
-                        <a:rPr lang="ko-KR" altLang="en-US" sz="1050" b="0" i="0" u="none" strike="noStrike" dirty="0" smtClean="0">
-                          <a:solidFill>
-                            <a:srgbClr val="000000"/>
-                          </a:solidFill>
-                          <a:effectLst/>
-                          <a:latin typeface="맑은 고딕" panose="020B0503020000020004" pitchFamily="50" charset="-127"/>
-                          <a:ea typeface="+mn-ea"/>
-                        </a:rPr>
-                        <a:t>○</a:t>
-                      </a:r>
-                      <a:endParaRPr lang="ko-KR" altLang="en-US" sz="1050" b="0" i="0" u="none" strike="noStrike" dirty="0">
-                        <a:solidFill>
-                          <a:srgbClr val="000000"/>
-                        </a:solidFill>
-                        <a:effectLst/>
-                        <a:latin typeface="맑은 고딕" panose="020B0503020000020004" pitchFamily="50" charset="-127"/>
-                        <a:ea typeface="맑은 고딕" panose="020B0503020000020004" pitchFamily="50" charset="-127"/>
-                      </a:endParaRPr>
-                    </a:p>
-                  </a:txBody>
-                  <a:tcPr marL="9525" marR="9525" marT="9525" marB="0" anchor="ctr"/>
-                </a:tc>
-                <a:tc>
-                  <a:txBody>
-                    <a:bodyPr/>
-                    <a:lstStyle/>
-                    <a:p>
-                      <a:pPr algn="l" fontAlgn="ctr"/>
-                      <a:r>
-                        <a:rPr lang="en-US" altLang="ko-KR" sz="900" b="0" i="0" u="none" strike="noStrike" dirty="0" smtClean="0">
-                          <a:solidFill>
-                            <a:srgbClr val="000000"/>
-                          </a:solidFill>
-                          <a:effectLst/>
-                          <a:latin typeface="맑은 고딕" panose="020B0503020000020004" pitchFamily="50" charset="-127"/>
-                          <a:ea typeface="맑은 고딕" panose="020B0503020000020004" pitchFamily="50" charset="-127"/>
-                        </a:rPr>
-                        <a:t> </a:t>
-                      </a:r>
-                      <a:r>
-                        <a:rPr lang="en-US" altLang="ko-KR" sz="900" b="0" i="0" u="none" strike="noStrike" baseline="0" dirty="0" smtClean="0">
-                          <a:solidFill>
-                            <a:srgbClr val="000000"/>
-                          </a:solidFill>
-                          <a:effectLst/>
-                          <a:latin typeface="맑은 고딕" panose="020B0503020000020004" pitchFamily="50" charset="-127"/>
-                          <a:ea typeface="맑은 고딕" panose="020B0503020000020004" pitchFamily="50" charset="-127"/>
-                        </a:rPr>
-                        <a:t>DP </a:t>
-                      </a:r>
-                      <a:r>
-                        <a:rPr lang="ko-KR" altLang="en-US" sz="900" b="0" i="0" u="none" strike="noStrike" baseline="0" dirty="0" smtClean="0">
-                          <a:solidFill>
-                            <a:srgbClr val="000000"/>
-                          </a:solidFill>
-                          <a:effectLst/>
-                          <a:latin typeface="맑은 고딕" panose="020B0503020000020004" pitchFamily="50" charset="-127"/>
-                          <a:ea typeface="맑은 고딕" panose="020B0503020000020004" pitchFamily="50" charset="-127"/>
-                        </a:rPr>
-                        <a:t>처리 함수 확인하여 예외처리 확인</a:t>
-                      </a:r>
-                      <a:endParaRPr lang="ko-KR" altLang="en-US" sz="900" b="0" i="0" u="none" strike="noStrike" dirty="0">
-                        <a:solidFill>
-                          <a:srgbClr val="000000"/>
-                        </a:solidFill>
-                        <a:effectLst/>
-                        <a:latin typeface="맑은 고딕" panose="020B0503020000020004" pitchFamily="50" charset="-127"/>
-                        <a:ea typeface="맑은 고딕" panose="020B0503020000020004" pitchFamily="50" charset="-127"/>
-                      </a:endParaRPr>
-                    </a:p>
-                  </a:txBody>
-                  <a:tcPr marL="9525" marR="9525" marT="9525" marB="0" anchor="ctr"/>
-                </a:tc>
-                <a:extLst>
-                  <a:ext uri="{0D108BD9-81ED-4DB2-BD59-A6C34878D82A}">
-                    <a16:rowId xmlns:a16="http://schemas.microsoft.com/office/drawing/2014/main" val="3404628410"/>
-                  </a:ext>
-                </a:extLst>
-              </a:tr>
-              <a:tr h="245937">
-                <a:tc vMerge="1">
-                  <a:txBody>
-                    <a:bodyPr/>
-                    <a:lstStyle/>
-                    <a:p>
-                      <a:pPr algn="ctr" fontAlgn="ctr"/>
-                      <a:endParaRPr lang="ko-KR" altLang="en-US" sz="1100" b="1" i="0" u="none" strike="noStrike" dirty="0">
-                        <a:solidFill>
-                          <a:srgbClr val="000000"/>
-                        </a:solidFill>
-                        <a:effectLst/>
-                        <a:latin typeface="맑은 고딕" panose="020B0503020000020004" pitchFamily="50" charset="-127"/>
-                        <a:ea typeface="맑은 고딕" panose="020B0503020000020004" pitchFamily="50" charset="-127"/>
-                      </a:endParaRPr>
-                    </a:p>
-                  </a:txBody>
-                  <a:tcPr marL="9525" marR="9525" marT="9525" marB="0" anchor="ctr">
-                    <a:solidFill>
-                      <a:schemeClr val="bg1">
-                        <a:lumMod val="85000"/>
-                      </a:schemeClr>
-                    </a:solidFill>
-                  </a:tcPr>
-                </a:tc>
-                <a:tc>
-                  <a:txBody>
-                    <a:bodyPr/>
-                    <a:lstStyle/>
-                    <a:p>
-                      <a:pPr lvl="1" algn="l" fontAlgn="ctr"/>
-                      <a:r>
-                        <a:rPr lang="en-US" sz="1050" u="none" strike="noStrike" dirty="0">
-                          <a:effectLst/>
-                        </a:rPr>
-                        <a:t>Try, Catch </a:t>
-                      </a:r>
-                      <a:r>
-                        <a:rPr lang="ko-KR" altLang="en-US" sz="1050" u="none" strike="noStrike" dirty="0">
-                          <a:effectLst/>
-                        </a:rPr>
-                        <a:t>예외처리</a:t>
+                        <a:rPr lang="ko-KR" altLang="en-US" sz="1050" u="none" strike="noStrike" dirty="0" smtClean="0">
+                          <a:effectLst/>
+                        </a:rPr>
+                        <a:t>하드 코딩 </a:t>
+                      </a:r>
+                      <a:r>
+                        <a:rPr lang="ko-KR" altLang="en-US" sz="1050" u="none" strike="noStrike" dirty="0" smtClean="0">
+                          <a:effectLst/>
+                        </a:rPr>
+                        <a:t>금지</a:t>
                       </a:r>
                       <a:endParaRPr lang="ko-KR" altLang="en-US" sz="1050" b="0" i="0" u="none" strike="noStrike" dirty="0">
                         <a:solidFill>
@@ -5551,650 +4383,13 @@
                         <a:tabLst/>
                         <a:defRPr/>
                       </a:pPr>
-                      <a:r>
-                        <a:rPr lang="ko-KR" altLang="en-US" sz="1050" b="0" i="0" u="none" strike="noStrike" dirty="0" smtClean="0">
-                          <a:solidFill>
-                            <a:srgbClr val="000000"/>
-                          </a:solidFill>
-                          <a:effectLst/>
-                          <a:latin typeface="맑은 고딕" panose="020B0503020000020004" pitchFamily="50" charset="-127"/>
-                          <a:ea typeface="+mn-ea"/>
-                        </a:rPr>
-                        <a:t>○</a:t>
-                      </a:r>
-                    </a:p>
-                  </a:txBody>
-                  <a:tcPr marL="9525" marR="9525" marT="9525" marB="0" anchor="ctr"/>
-                </a:tc>
-                <a:tc>
-                  <a:txBody>
-                    <a:bodyPr/>
-                    <a:lstStyle/>
-                    <a:p>
-                      <a:pPr algn="l" fontAlgn="ctr"/>
-                      <a:r>
-                        <a:rPr lang="en-US" altLang="ko-KR" sz="900" b="0" i="0" u="none" strike="noStrike" dirty="0" smtClean="0">
-                          <a:solidFill>
-                            <a:srgbClr val="000000"/>
-                          </a:solidFill>
-                          <a:effectLst/>
-                          <a:latin typeface="맑은 고딕" panose="020B0503020000020004" pitchFamily="50" charset="-127"/>
-                          <a:ea typeface="맑은 고딕" panose="020B0503020000020004" pitchFamily="50" charset="-127"/>
-                        </a:rPr>
-                        <a:t> - </a:t>
-                      </a:r>
-                      <a:r>
-                        <a:rPr lang="ko-KR" altLang="en-US" sz="900" b="0" i="0" u="none" strike="noStrike" dirty="0" err="1" smtClean="0">
-                          <a:solidFill>
-                            <a:srgbClr val="000000"/>
-                          </a:solidFill>
-                          <a:effectLst/>
-                          <a:latin typeface="맑은 고딕" panose="020B0503020000020004" pitchFamily="50" charset="-127"/>
-                          <a:ea typeface="맑은 고딕" panose="020B0503020000020004" pitchFamily="50" charset="-127"/>
-                        </a:rPr>
-                        <a:t>함수내에서</a:t>
-                      </a:r>
-                      <a:r>
-                        <a:rPr lang="ko-KR" altLang="en-US" sz="900" b="0" i="0" u="none" strike="noStrike" dirty="0" smtClean="0">
-                          <a:solidFill>
-                            <a:srgbClr val="000000"/>
-                          </a:solidFill>
-                          <a:effectLst/>
-                          <a:latin typeface="맑은 고딕" panose="020B0503020000020004" pitchFamily="50" charset="-127"/>
-                          <a:ea typeface="맑은 고딕" panose="020B0503020000020004" pitchFamily="50" charset="-127"/>
-                        </a:rPr>
-                        <a:t> </a:t>
-                      </a:r>
-                      <a:r>
-                        <a:rPr lang="en-US" altLang="ko-KR" sz="900" b="0" i="0" u="none" strike="noStrike" dirty="0" err="1" smtClean="0">
-                          <a:solidFill>
-                            <a:srgbClr val="000000"/>
-                          </a:solidFill>
-                          <a:effectLst/>
-                          <a:latin typeface="맑은 고딕" panose="020B0503020000020004" pitchFamily="50" charset="-127"/>
-                          <a:ea typeface="맑은 고딕" panose="020B0503020000020004" pitchFamily="50" charset="-127"/>
-                        </a:rPr>
-                        <a:t>try~catch</a:t>
-                      </a:r>
-                      <a:r>
-                        <a:rPr lang="en-US" altLang="ko-KR" sz="900" b="0" i="0" u="none" strike="noStrike" dirty="0" smtClean="0">
-                          <a:solidFill>
-                            <a:srgbClr val="000000"/>
-                          </a:solidFill>
-                          <a:effectLst/>
-                          <a:latin typeface="맑은 고딕" panose="020B0503020000020004" pitchFamily="50" charset="-127"/>
-                          <a:ea typeface="맑은 고딕" panose="020B0503020000020004" pitchFamily="50" charset="-127"/>
-                        </a:rPr>
-                        <a:t> </a:t>
-                      </a:r>
-                      <a:r>
-                        <a:rPr lang="ko-KR" altLang="en-US" sz="900" b="0" i="0" u="none" strike="noStrike" dirty="0" smtClean="0">
-                          <a:solidFill>
-                            <a:srgbClr val="000000"/>
-                          </a:solidFill>
-                          <a:effectLst/>
-                          <a:latin typeface="맑은 고딕" panose="020B0503020000020004" pitchFamily="50" charset="-127"/>
-                          <a:ea typeface="맑은 고딕" panose="020B0503020000020004" pitchFamily="50" charset="-127"/>
-                        </a:rPr>
-                        <a:t>예외처리 작성 확인</a:t>
-                      </a:r>
-                      <a:endParaRPr lang="ko-KR" altLang="en-US" sz="900" b="0" i="0" u="none" strike="noStrike" dirty="0">
+                      <a:endParaRPr lang="ko-KR" altLang="en-US" sz="1050" b="0" i="0" u="none" strike="noStrike" dirty="0" smtClean="0">
                         <a:solidFill>
                           <a:srgbClr val="000000"/>
                         </a:solidFill>
                         <a:effectLst/>
                         <a:latin typeface="맑은 고딕" panose="020B0503020000020004" pitchFamily="50" charset="-127"/>
-                        <a:ea typeface="맑은 고딕" panose="020B0503020000020004" pitchFamily="50" charset="-127"/>
-                      </a:endParaRPr>
-                    </a:p>
-                  </a:txBody>
-                  <a:tcPr marL="9525" marR="9525" marT="9525" marB="0" anchor="ctr"/>
-                </a:tc>
-                <a:extLst>
-                  <a:ext uri="{0D108BD9-81ED-4DB2-BD59-A6C34878D82A}">
-                    <a16:rowId xmlns:a16="http://schemas.microsoft.com/office/drawing/2014/main" val="4272751360"/>
-                  </a:ext>
-                </a:extLst>
-              </a:tr>
-              <a:tr h="245937">
-                <a:tc vMerge="1">
-                  <a:txBody>
-                    <a:bodyPr/>
-                    <a:lstStyle/>
-                    <a:p>
-                      <a:pPr algn="ctr" fontAlgn="ctr"/>
-                      <a:endParaRPr lang="ko-KR" altLang="en-US" sz="1100" b="0" i="0" u="none" strike="noStrike" dirty="0">
-                        <a:solidFill>
-                          <a:srgbClr val="000000"/>
-                        </a:solidFill>
-                        <a:effectLst/>
-                        <a:latin typeface="맑은 고딕" panose="020B0503020000020004" pitchFamily="50" charset="-127"/>
-                        <a:ea typeface="맑은 고딕" panose="020B0503020000020004" pitchFamily="50" charset="-127"/>
-                      </a:endParaRPr>
-                    </a:p>
-                  </a:txBody>
-                  <a:tcPr marL="9525" marR="9525" marT="9525" marB="0" anchor="ctr"/>
-                </a:tc>
-                <a:tc>
-                  <a:txBody>
-                    <a:bodyPr/>
-                    <a:lstStyle/>
-                    <a:p>
-                      <a:pPr lvl="1" algn="l" fontAlgn="ctr"/>
-                      <a:r>
-                        <a:rPr lang="ko-KR" altLang="en-US" sz="1050" u="none" strike="noStrike" dirty="0">
-                          <a:effectLst/>
-                        </a:rPr>
-                        <a:t>스크립트 이력 관리</a:t>
-                      </a:r>
-                      <a:endParaRPr lang="ko-KR" altLang="en-US" sz="1050" b="0" i="0" u="none" strike="noStrike" dirty="0">
-                        <a:solidFill>
-                          <a:srgbClr val="000000"/>
-                        </a:solidFill>
-                        <a:effectLst/>
-                        <a:latin typeface="맑은 고딕" panose="020B0503020000020004" pitchFamily="50" charset="-127"/>
-                        <a:ea typeface="맑은 고딕" panose="020B0503020000020004" pitchFamily="50" charset="-127"/>
-                      </a:endParaRPr>
-                    </a:p>
-                  </a:txBody>
-                  <a:tcPr marL="9525" marR="9525" marT="9525" marB="0" anchor="ctr"/>
-                </a:tc>
-                <a:tc>
-                  <a:txBody>
-                    <a:bodyPr/>
-                    <a:lstStyle/>
-                    <a:p>
-                      <a:pPr marL="0" marR="0" indent="0" algn="ctr" defTabSz="914400" rtl="0" eaLnBrk="1" fontAlgn="ctr" latinLnBrk="1" hangingPunct="1">
-                        <a:lnSpc>
-                          <a:spcPct val="100000"/>
-                        </a:lnSpc>
-                        <a:spcBef>
-                          <a:spcPts val="0"/>
-                        </a:spcBef>
-                        <a:spcAft>
-                          <a:spcPts val="0"/>
-                        </a:spcAft>
-                        <a:buClrTx/>
-                        <a:buSzTx/>
-                        <a:buFontTx/>
-                        <a:buNone/>
-                        <a:tabLst/>
-                        <a:defRPr/>
-                      </a:pPr>
-                      <a:r>
-                        <a:rPr lang="ko-KR" altLang="en-US" sz="1050" b="0" i="0" u="none" strike="noStrike" dirty="0" smtClean="0">
-                          <a:solidFill>
-                            <a:srgbClr val="000000"/>
-                          </a:solidFill>
-                          <a:effectLst/>
-                          <a:latin typeface="맑은 고딕" panose="020B0503020000020004" pitchFamily="50" charset="-127"/>
-                          <a:ea typeface="+mn-ea"/>
-                        </a:rPr>
-                        <a:t>○</a:t>
-                      </a:r>
-                    </a:p>
-                  </a:txBody>
-                  <a:tcPr marL="9525" marR="9525" marT="9525" marB="0" anchor="ctr"/>
-                </a:tc>
-                <a:tc>
-                  <a:txBody>
-                    <a:bodyPr/>
-                    <a:lstStyle/>
-                    <a:p>
-                      <a:pPr algn="l" fontAlgn="ctr"/>
-                      <a:r>
-                        <a:rPr lang="en-US" altLang="ko-KR" sz="900" b="0" i="0" u="none" strike="noStrike" dirty="0" smtClean="0">
-                          <a:solidFill>
-                            <a:srgbClr val="000000"/>
-                          </a:solidFill>
-                          <a:effectLst/>
-                          <a:latin typeface="맑은 고딕" panose="020B0503020000020004" pitchFamily="50" charset="-127"/>
-                          <a:ea typeface="맑은 고딕" panose="020B0503020000020004" pitchFamily="50" charset="-127"/>
-                        </a:rPr>
-                        <a:t> - </a:t>
-                      </a:r>
-                      <a:r>
-                        <a:rPr lang="ko-KR" altLang="en-US" sz="900" b="0" i="0" u="none" strike="noStrike" dirty="0" smtClean="0">
-                          <a:solidFill>
-                            <a:srgbClr val="000000"/>
-                          </a:solidFill>
-                          <a:effectLst/>
-                          <a:latin typeface="맑은 고딕" panose="020B0503020000020004" pitchFamily="50" charset="-127"/>
-                          <a:ea typeface="+mn-ea"/>
-                        </a:rPr>
-                        <a:t>전역 변수에 날짜</a:t>
-                      </a:r>
-                      <a:r>
-                        <a:rPr lang="en-US" altLang="ko-KR" sz="900" b="0" i="0" u="none" strike="noStrike" dirty="0" smtClean="0">
-                          <a:solidFill>
-                            <a:srgbClr val="000000"/>
-                          </a:solidFill>
-                          <a:effectLst/>
-                          <a:latin typeface="맑은 고딕" panose="020B0503020000020004" pitchFamily="50" charset="-127"/>
-                          <a:ea typeface="+mn-ea"/>
-                        </a:rPr>
-                        <a:t>(</a:t>
-                      </a:r>
-                      <a:r>
-                        <a:rPr lang="en-US" altLang="ko-KR" sz="900" b="0" i="0" u="none" strike="noStrike" dirty="0" err="1" smtClean="0">
-                          <a:solidFill>
-                            <a:srgbClr val="000000"/>
-                          </a:solidFill>
-                          <a:effectLst/>
-                          <a:latin typeface="맑은 고딕" panose="020B0503020000020004" pitchFamily="50" charset="-127"/>
-                          <a:ea typeface="+mn-ea"/>
-                        </a:rPr>
-                        <a:t>20XX.XX.XX</a:t>
-                      </a:r>
-                      <a:r>
-                        <a:rPr lang="en-US" altLang="ko-KR" sz="900" b="0" i="0" u="none" strike="noStrike" dirty="0" smtClean="0">
-                          <a:solidFill>
-                            <a:srgbClr val="000000"/>
-                          </a:solidFill>
-                          <a:effectLst/>
-                          <a:latin typeface="맑은 고딕" panose="020B0503020000020004" pitchFamily="50" charset="-127"/>
-                          <a:ea typeface="+mn-ea"/>
-                        </a:rPr>
-                        <a:t>)</a:t>
-                      </a:r>
-                      <a:r>
-                        <a:rPr lang="ko-KR" altLang="en-US" sz="900" b="0" i="0" u="none" strike="noStrike" dirty="0" smtClean="0">
-                          <a:solidFill>
-                            <a:srgbClr val="000000"/>
-                          </a:solidFill>
-                          <a:effectLst/>
-                          <a:latin typeface="맑은 고딕" panose="020B0503020000020004" pitchFamily="50" charset="-127"/>
-                          <a:ea typeface="+mn-ea"/>
-                        </a:rPr>
-                        <a:t>와 버전</a:t>
-                      </a:r>
-                      <a:r>
-                        <a:rPr lang="en-US" altLang="ko-KR" sz="900" b="0" i="0" u="none" strike="noStrike" dirty="0" smtClean="0">
-                          <a:solidFill>
-                            <a:srgbClr val="000000"/>
-                          </a:solidFill>
-                          <a:effectLst/>
-                          <a:latin typeface="맑은 고딕" panose="020B0503020000020004" pitchFamily="50" charset="-127"/>
-                          <a:ea typeface="+mn-ea"/>
-                        </a:rPr>
-                        <a:t>(</a:t>
-                      </a:r>
-                      <a:r>
-                        <a:rPr lang="en-US" altLang="ko-KR" sz="900" b="0" i="0" u="none" strike="noStrike" dirty="0" err="1" smtClean="0">
-                          <a:solidFill>
-                            <a:srgbClr val="000000"/>
-                          </a:solidFill>
-                          <a:effectLst/>
-                          <a:latin typeface="맑은 고딕" panose="020B0503020000020004" pitchFamily="50" charset="-127"/>
-                          <a:ea typeface="+mn-ea"/>
-                        </a:rPr>
-                        <a:t>vXX.XX</a:t>
-                      </a:r>
-                      <a:r>
-                        <a:rPr lang="en-US" altLang="ko-KR" sz="900" b="0" i="0" u="none" strike="noStrike" dirty="0" smtClean="0">
-                          <a:solidFill>
-                            <a:srgbClr val="000000"/>
-                          </a:solidFill>
-                          <a:effectLst/>
-                          <a:latin typeface="맑은 고딕" panose="020B0503020000020004" pitchFamily="50" charset="-127"/>
-                          <a:ea typeface="+mn-ea"/>
-                        </a:rPr>
-                        <a:t>) </a:t>
-                      </a:r>
-                      <a:r>
-                        <a:rPr lang="ko-KR" altLang="en-US" sz="900" b="0" i="0" u="none" strike="noStrike" dirty="0" smtClean="0">
-                          <a:solidFill>
-                            <a:srgbClr val="000000"/>
-                          </a:solidFill>
-                          <a:effectLst/>
-                          <a:latin typeface="맑은 고딕" panose="020B0503020000020004" pitchFamily="50" charset="-127"/>
-                          <a:ea typeface="+mn-ea"/>
-                        </a:rPr>
-                        <a:t>확인</a:t>
-                      </a:r>
-                      <a:endParaRPr lang="ko-KR" altLang="en-US" sz="900" b="0" i="0" u="none" strike="noStrike" dirty="0">
-                        <a:solidFill>
-                          <a:srgbClr val="000000"/>
-                        </a:solidFill>
-                        <a:effectLst/>
-                        <a:latin typeface="맑은 고딕" panose="020B0503020000020004" pitchFamily="50" charset="-127"/>
-                        <a:ea typeface="맑은 고딕" panose="020B0503020000020004" pitchFamily="50" charset="-127"/>
-                      </a:endParaRPr>
-                    </a:p>
-                  </a:txBody>
-                  <a:tcPr marL="9525" marR="9525" marT="9525" marB="0" anchor="ctr"/>
-                </a:tc>
-                <a:extLst>
-                  <a:ext uri="{0D108BD9-81ED-4DB2-BD59-A6C34878D82A}">
-                    <a16:rowId xmlns:a16="http://schemas.microsoft.com/office/drawing/2014/main" val="1946168024"/>
-                  </a:ext>
-                </a:extLst>
-              </a:tr>
-              <a:tr h="245937">
-                <a:tc vMerge="1">
-                  <a:txBody>
-                    <a:bodyPr/>
-                    <a:lstStyle/>
-                    <a:p>
-                      <a:pPr algn="ctr" fontAlgn="ctr"/>
-                      <a:endParaRPr lang="ko-KR" altLang="en-US" sz="1100" b="0" i="0" u="none" strike="noStrike" dirty="0">
-                        <a:solidFill>
-                          <a:srgbClr val="000000"/>
-                        </a:solidFill>
-                        <a:effectLst/>
-                        <a:latin typeface="맑은 고딕" panose="020B0503020000020004" pitchFamily="50" charset="-127"/>
-                        <a:ea typeface="맑은 고딕" panose="020B0503020000020004" pitchFamily="50" charset="-127"/>
-                      </a:endParaRPr>
-                    </a:p>
-                  </a:txBody>
-                  <a:tcPr marL="9525" marR="9525" marT="9525" marB="0" anchor="ctr"/>
-                </a:tc>
-                <a:tc>
-                  <a:txBody>
-                    <a:bodyPr/>
-                    <a:lstStyle/>
-                    <a:p>
-                      <a:pPr lvl="1" algn="l" fontAlgn="ctr"/>
-                      <a:r>
-                        <a:rPr lang="ko-KR" altLang="en-US" sz="1050" u="none" strike="noStrike" dirty="0">
-                          <a:solidFill>
-                            <a:schemeClr val="bg1">
-                              <a:lumMod val="50000"/>
-                            </a:schemeClr>
-                          </a:solidFill>
-                          <a:effectLst/>
-                        </a:rPr>
-                        <a:t>제약 조건 확인</a:t>
-                      </a:r>
-                      <a:endParaRPr lang="ko-KR" altLang="en-US" sz="1050" b="0" i="0" u="none" strike="noStrike" dirty="0">
-                        <a:solidFill>
-                          <a:schemeClr val="bg1">
-                            <a:lumMod val="50000"/>
-                          </a:schemeClr>
-                        </a:solidFill>
-                        <a:effectLst/>
-                        <a:latin typeface="맑은 고딕" panose="020B0503020000020004" pitchFamily="50" charset="-127"/>
-                        <a:ea typeface="맑은 고딕" panose="020B0503020000020004" pitchFamily="50" charset="-127"/>
-                      </a:endParaRPr>
-                    </a:p>
-                  </a:txBody>
-                  <a:tcPr marL="9525" marR="9525" marT="9525" marB="0" anchor="ctr">
-                    <a:solidFill>
-                      <a:schemeClr val="bg1">
-                        <a:lumMod val="85000"/>
-                      </a:schemeClr>
-                    </a:solidFill>
-                  </a:tcPr>
-                </a:tc>
-                <a:tc>
-                  <a:txBody>
-                    <a:bodyPr/>
-                    <a:lstStyle/>
-                    <a:p>
-                      <a:pPr marL="0" marR="0" indent="0" algn="ctr" defTabSz="914400" rtl="0" eaLnBrk="1" fontAlgn="ctr" latinLnBrk="1" hangingPunct="1">
-                        <a:lnSpc>
-                          <a:spcPct val="100000"/>
-                        </a:lnSpc>
-                        <a:spcBef>
-                          <a:spcPts val="0"/>
-                        </a:spcBef>
-                        <a:spcAft>
-                          <a:spcPts val="0"/>
-                        </a:spcAft>
-                        <a:buClrTx/>
-                        <a:buSzTx/>
-                        <a:buFontTx/>
-                        <a:buNone/>
-                        <a:tabLst/>
-                        <a:defRPr/>
-                      </a:pPr>
-                      <a:r>
-                        <a:rPr lang="en-US" altLang="ko-KR" sz="1050" b="0" i="0" u="none" strike="noStrike" dirty="0" smtClean="0">
-                          <a:solidFill>
-                            <a:schemeClr val="bg1">
-                              <a:lumMod val="50000"/>
-                            </a:schemeClr>
-                          </a:solidFill>
-                          <a:effectLst/>
-                          <a:latin typeface="맑은 고딕" panose="020B0503020000020004" pitchFamily="50" charset="-127"/>
-                          <a:ea typeface="+mn-ea"/>
-                        </a:rPr>
-                        <a:t>X</a:t>
-                      </a:r>
-                      <a:endParaRPr lang="ko-KR" altLang="en-US" sz="1050" b="0" i="0" u="none" strike="noStrike" dirty="0" smtClean="0">
-                        <a:solidFill>
-                          <a:schemeClr val="bg1">
-                            <a:lumMod val="50000"/>
-                          </a:schemeClr>
-                        </a:solidFill>
-                        <a:effectLst/>
-                        <a:latin typeface="맑은 고딕" panose="020B0503020000020004" pitchFamily="50" charset="-127"/>
                         <a:ea typeface="+mn-ea"/>
-                      </a:endParaRPr>
-                    </a:p>
-                  </a:txBody>
-                  <a:tcPr marL="9525" marR="9525" marT="9525" marB="0" anchor="ctr">
-                    <a:solidFill>
-                      <a:schemeClr val="bg1">
-                        <a:lumMod val="85000"/>
-                      </a:schemeClr>
-                    </a:solidFill>
-                  </a:tcPr>
-                </a:tc>
-                <a:tc>
-                  <a:txBody>
-                    <a:bodyPr/>
-                    <a:lstStyle/>
-                    <a:p>
-                      <a:pPr algn="l" fontAlgn="ctr"/>
-                      <a:r>
-                        <a:rPr lang="en-US" altLang="ko-KR" sz="900" b="0" i="0" u="none" strike="noStrike" dirty="0" smtClean="0">
-                          <a:solidFill>
-                            <a:schemeClr val="bg1">
-                              <a:lumMod val="50000"/>
-                            </a:schemeClr>
-                          </a:solidFill>
-                          <a:effectLst/>
-                          <a:latin typeface="맑은 고딕" panose="020B0503020000020004" pitchFamily="50" charset="-127"/>
-                          <a:ea typeface="맑은 고딕" panose="020B0503020000020004" pitchFamily="50" charset="-127"/>
-                        </a:rPr>
-                        <a:t>  </a:t>
-                      </a:r>
-                      <a:r>
-                        <a:rPr lang="ko-KR" altLang="en-US" sz="900" b="0" i="0" u="none" strike="noStrike" dirty="0" smtClean="0">
-                          <a:solidFill>
-                            <a:schemeClr val="bg1">
-                              <a:lumMod val="50000"/>
-                            </a:schemeClr>
-                          </a:solidFill>
-                          <a:effectLst/>
-                          <a:latin typeface="맑은 고딕" panose="020B0503020000020004" pitchFamily="50" charset="-127"/>
-                          <a:ea typeface="맑은 고딕" panose="020B0503020000020004" pitchFamily="50" charset="-127"/>
-                        </a:rPr>
-                        <a:t>특정 제약 조건</a:t>
-                      </a:r>
-                      <a:r>
-                        <a:rPr lang="ko-KR" altLang="en-US" sz="900" b="0" i="0" u="none" strike="noStrike" baseline="0" dirty="0" smtClean="0">
-                          <a:solidFill>
-                            <a:schemeClr val="bg1">
-                              <a:lumMod val="50000"/>
-                            </a:schemeClr>
-                          </a:solidFill>
-                          <a:effectLst/>
-                          <a:latin typeface="맑은 고딕" panose="020B0503020000020004" pitchFamily="50" charset="-127"/>
-                          <a:ea typeface="맑은 고딕" panose="020B0503020000020004" pitchFamily="50" charset="-127"/>
-                        </a:rPr>
-                        <a:t> 정의 불가능</a:t>
-                      </a:r>
-                      <a:endParaRPr lang="ko-KR" altLang="en-US" sz="900" b="0" i="0" u="none" strike="noStrike" dirty="0">
-                        <a:solidFill>
-                          <a:schemeClr val="bg1">
-                            <a:lumMod val="50000"/>
-                          </a:schemeClr>
-                        </a:solidFill>
-                        <a:effectLst/>
-                        <a:latin typeface="맑은 고딕" panose="020B0503020000020004" pitchFamily="50" charset="-127"/>
-                        <a:ea typeface="맑은 고딕" panose="020B0503020000020004" pitchFamily="50" charset="-127"/>
-                      </a:endParaRPr>
-                    </a:p>
-                  </a:txBody>
-                  <a:tcPr marL="9525" marR="9525" marT="9525" marB="0" anchor="ctr">
-                    <a:solidFill>
-                      <a:schemeClr val="bg1">
-                        <a:lumMod val="85000"/>
-                      </a:schemeClr>
-                    </a:solidFill>
-                  </a:tcPr>
-                </a:tc>
-                <a:extLst>
-                  <a:ext uri="{0D108BD9-81ED-4DB2-BD59-A6C34878D82A}">
-                    <a16:rowId xmlns:a16="http://schemas.microsoft.com/office/drawing/2014/main" val="720252962"/>
-                  </a:ext>
-                </a:extLst>
-              </a:tr>
-              <a:tr h="245937">
-                <a:tc vMerge="1">
-                  <a:txBody>
-                    <a:bodyPr/>
-                    <a:lstStyle/>
-                    <a:p>
-                      <a:pPr algn="ctr" fontAlgn="ctr"/>
-                      <a:endParaRPr lang="ko-KR" altLang="en-US" sz="1100" b="0" i="0" u="none" strike="noStrike" dirty="0">
-                        <a:solidFill>
-                          <a:srgbClr val="000000"/>
-                        </a:solidFill>
-                        <a:effectLst/>
-                        <a:latin typeface="맑은 고딕" panose="020B0503020000020004" pitchFamily="50" charset="-127"/>
-                        <a:ea typeface="맑은 고딕" panose="020B0503020000020004" pitchFamily="50" charset="-127"/>
-                      </a:endParaRPr>
-                    </a:p>
-                  </a:txBody>
-                  <a:tcPr marL="9525" marR="9525" marT="9525" marB="0" anchor="ctr"/>
-                </a:tc>
-                <a:tc>
-                  <a:txBody>
-                    <a:bodyPr/>
-                    <a:lstStyle/>
-                    <a:p>
-                      <a:pPr lvl="1" algn="l" fontAlgn="ctr"/>
-                      <a:r>
-                        <a:rPr lang="ko-KR" altLang="en-US" sz="1050" u="none" strike="noStrike" dirty="0" smtClean="0">
-                          <a:effectLst/>
-                        </a:rPr>
-                        <a:t>하드 코딩 </a:t>
-                      </a:r>
-                      <a:r>
-                        <a:rPr lang="ko-KR" altLang="en-US" sz="1050" u="none" strike="noStrike" dirty="0">
-                          <a:effectLst/>
-                        </a:rPr>
-                        <a:t>지양</a:t>
-                      </a:r>
-                      <a:endParaRPr lang="ko-KR" altLang="en-US" sz="1050" b="0" i="0" u="none" strike="noStrike" dirty="0">
-                        <a:solidFill>
-                          <a:srgbClr val="000000"/>
-                        </a:solidFill>
-                        <a:effectLst/>
-                        <a:latin typeface="맑은 고딕" panose="020B0503020000020004" pitchFamily="50" charset="-127"/>
-                        <a:ea typeface="맑은 고딕" panose="020B0503020000020004" pitchFamily="50" charset="-127"/>
-                      </a:endParaRPr>
-                    </a:p>
-                  </a:txBody>
-                  <a:tcPr marL="9525" marR="9525" marT="9525" marB="0" anchor="ctr"/>
-                </a:tc>
-                <a:tc>
-                  <a:txBody>
-                    <a:bodyPr/>
-                    <a:lstStyle/>
-                    <a:p>
-                      <a:pPr marL="0" marR="0" indent="0" algn="ctr" defTabSz="914400" rtl="0" eaLnBrk="1" fontAlgn="ctr" latinLnBrk="1" hangingPunct="1">
-                        <a:lnSpc>
-                          <a:spcPct val="100000"/>
-                        </a:lnSpc>
-                        <a:spcBef>
-                          <a:spcPts val="0"/>
-                        </a:spcBef>
-                        <a:spcAft>
-                          <a:spcPts val="0"/>
-                        </a:spcAft>
-                        <a:buClrTx/>
-                        <a:buSzTx/>
-                        <a:buFontTx/>
-                        <a:buNone/>
-                        <a:tabLst/>
-                        <a:defRPr/>
-                      </a:pPr>
-                      <a:r>
-                        <a:rPr lang="ko-KR" altLang="en-US" sz="1050" b="0" i="0" u="none" strike="noStrike" dirty="0" smtClean="0">
-                          <a:solidFill>
-                            <a:srgbClr val="000000"/>
-                          </a:solidFill>
-                          <a:effectLst/>
-                          <a:latin typeface="맑은 고딕" panose="020B0503020000020004" pitchFamily="50" charset="-127"/>
-                          <a:ea typeface="+mn-ea"/>
-                        </a:rPr>
-                        <a:t>○</a:t>
-                      </a:r>
-                    </a:p>
-                  </a:txBody>
-                  <a:tcPr marL="9525" marR="9525" marT="9525" marB="0" anchor="ctr"/>
-                </a:tc>
-                <a:tc>
-                  <a:txBody>
-                    <a:bodyPr/>
-                    <a:lstStyle/>
-                    <a:p>
-                      <a:pPr algn="l" fontAlgn="ctr"/>
-                      <a:r>
-                        <a:rPr lang="en-US" altLang="ko-KR" sz="900" b="0" i="0" u="none" strike="noStrike" dirty="0" smtClean="0">
-                          <a:solidFill>
-                            <a:srgbClr val="000000"/>
-                          </a:solidFill>
-                          <a:effectLst/>
-                          <a:latin typeface="맑은 고딕" panose="020B0503020000020004" pitchFamily="50" charset="-127"/>
-                          <a:ea typeface="맑은 고딕" panose="020B0503020000020004" pitchFamily="50" charset="-127"/>
-                        </a:rPr>
-                        <a:t> - </a:t>
-                      </a:r>
-                      <a:r>
-                        <a:rPr lang="ko-KR" altLang="en-US" sz="900" b="0" i="0" u="none" strike="noStrike" dirty="0" smtClean="0">
-                          <a:solidFill>
-                            <a:srgbClr val="000000"/>
-                          </a:solidFill>
-                          <a:effectLst/>
-                          <a:latin typeface="맑은 고딕" panose="020B0503020000020004" pitchFamily="50" charset="-127"/>
-                          <a:ea typeface="맑은 고딕" panose="020B0503020000020004" pitchFamily="50" charset="-127"/>
-                        </a:rPr>
-                        <a:t>함수내 지역변수에서 </a:t>
-                      </a:r>
-                      <a:r>
-                        <a:rPr lang="en-US" altLang="ko-KR" sz="900" b="0" i="0" u="none" strike="noStrike" dirty="0" smtClean="0">
-                          <a:solidFill>
-                            <a:srgbClr val="000000"/>
-                          </a:solidFill>
-                          <a:effectLst/>
-                          <a:latin typeface="맑은 고딕" panose="020B0503020000020004" pitchFamily="50" charset="-127"/>
-                          <a:ea typeface="맑은 고딕" panose="020B0503020000020004" pitchFamily="50" charset="-127"/>
-                        </a:rPr>
-                        <a:t>“” </a:t>
-                      </a:r>
-                      <a:r>
-                        <a:rPr lang="ko-KR" altLang="en-US" sz="900" b="0" i="0" u="none" strike="noStrike" dirty="0" smtClean="0">
-                          <a:solidFill>
-                            <a:srgbClr val="000000"/>
-                          </a:solidFill>
-                          <a:effectLst/>
-                          <a:latin typeface="맑은 고딕" panose="020B0503020000020004" pitchFamily="50" charset="-127"/>
-                          <a:ea typeface="맑은 고딕" panose="020B0503020000020004" pitchFamily="50" charset="-127"/>
-                        </a:rPr>
-                        <a:t>사용 확인</a:t>
-                      </a:r>
-                      <a:endParaRPr lang="ko-KR" altLang="en-US" sz="900" b="0" i="0" u="none" strike="noStrike" dirty="0">
-                        <a:solidFill>
-                          <a:srgbClr val="000000"/>
-                        </a:solidFill>
-                        <a:effectLst/>
-                        <a:latin typeface="맑은 고딕" panose="020B0503020000020004" pitchFamily="50" charset="-127"/>
-                        <a:ea typeface="맑은 고딕" panose="020B0503020000020004" pitchFamily="50" charset="-127"/>
                       </a:endParaRPr>
                     </a:p>
                   </a:txBody>
@@ -6206,7 +4401,7 @@
                   </a:ext>
                 </a:extLst>
               </a:tr>
-              <a:tr h="245937">
+              <a:tr h="288000">
                 <a:tc vMerge="1">
                   <a:txBody>
                     <a:bodyPr/>
@@ -6235,7 +4430,13 @@
                         <a:rPr lang="ko-KR" altLang="en-US" sz="1050" u="none" strike="noStrike" dirty="0">
                           <a:effectLst/>
                         </a:rPr>
-                        <a:t>불필요한 코드 지양</a:t>
+                        <a:t>불필요한 코드 </a:t>
+                      </a:r>
+                      <a:r>
+                        <a:rPr lang="ko-KR" altLang="en-US" sz="1050" u="none" strike="noStrike" dirty="0" smtClean="0">
+                          <a:effectLst/>
+                        </a:rPr>
+                        <a:t>금지</a:t>
                       </a:r>
                       <a:endParaRPr lang="ko-KR" altLang="en-US" sz="1050" b="0" i="0" u="none" strike="noStrike" dirty="0">
                         <a:solidFill>
@@ -6255,113 +4456,7 @@
                     <a:lstStyle/>
                     <a:p>
                       <a:pPr algn="ctr" fontAlgn="ctr"/>
-                      <a:r>
-                        <a:rPr lang="ko-KR" altLang="en-US" sz="1050" b="0" i="0" u="none" strike="noStrike" dirty="0" smtClean="0">
-                          <a:solidFill>
-                            <a:srgbClr val="000000"/>
-                          </a:solidFill>
-                          <a:effectLst/>
-                          <a:latin typeface="맑은 고딕" panose="020B0503020000020004" pitchFamily="50" charset="-127"/>
-                          <a:ea typeface="+mn-ea"/>
-                        </a:rPr>
-                        <a:t>○</a:t>
-                      </a:r>
                       <a:endParaRPr lang="ko-KR" altLang="en-US" sz="1050" b="0" i="0" u="none" strike="noStrike" dirty="0">
-                        <a:solidFill>
-                          <a:srgbClr val="000000"/>
-                        </a:solidFill>
-                        <a:effectLst/>
-                        <a:latin typeface="맑은 고딕" panose="020B0503020000020004" pitchFamily="50" charset="-127"/>
-                        <a:ea typeface="맑은 고딕" panose="020B0503020000020004" pitchFamily="50" charset="-127"/>
-                      </a:endParaRPr>
-                    </a:p>
-                  </a:txBody>
-                  <a:tcPr marL="9525" marR="9525" marT="9525" marB="0" anchor="ctr"/>
-                </a:tc>
-                <a:tc>
-                  <a:txBody>
-                    <a:bodyPr/>
-                    <a:lstStyle/>
-                    <a:p>
-                      <a:pPr algn="l" fontAlgn="ctr"/>
-                      <a:r>
-                        <a:rPr lang="en-US" altLang="ko-KR" sz="900" b="0" i="0" u="none" strike="noStrike" dirty="0" smtClean="0">
-                          <a:solidFill>
-                            <a:srgbClr val="000000"/>
-                          </a:solidFill>
-                          <a:effectLst/>
-                          <a:latin typeface="맑은 고딕" panose="020B0503020000020004" pitchFamily="50" charset="-127"/>
-                          <a:ea typeface="맑은 고딕" panose="020B0503020000020004" pitchFamily="50" charset="-127"/>
-                        </a:rPr>
-                        <a:t> - </a:t>
-                      </a:r>
-                      <a:r>
-                        <a:rPr lang="ko-KR" altLang="en-US" sz="900" b="0" i="0" u="none" strike="noStrike" dirty="0" smtClean="0">
-                          <a:solidFill>
-                            <a:srgbClr val="000000"/>
-                          </a:solidFill>
-                          <a:effectLst/>
-                          <a:latin typeface="맑은 고딕" panose="020B0503020000020004" pitchFamily="50" charset="-127"/>
-                          <a:ea typeface="맑은 고딕" panose="020B0503020000020004" pitchFamily="50" charset="-127"/>
-                        </a:rPr>
-                        <a:t>미사용 함수</a:t>
-                      </a:r>
-                      <a:r>
-                        <a:rPr lang="en-US" altLang="ko-KR" sz="900" b="0" i="0" u="none" strike="noStrike" dirty="0" smtClean="0">
-                          <a:solidFill>
-                            <a:srgbClr val="000000"/>
-                          </a:solidFill>
-                          <a:effectLst/>
-                          <a:latin typeface="맑은 고딕" panose="020B0503020000020004" pitchFamily="50" charset="-127"/>
-                          <a:ea typeface="맑은 고딕" panose="020B0503020000020004" pitchFamily="50" charset="-127"/>
-                        </a:rPr>
-                        <a:t>, </a:t>
-                      </a:r>
-                      <a:r>
-                        <a:rPr lang="ko-KR" altLang="en-US" sz="900" b="0" i="0" u="none" strike="noStrike" dirty="0" smtClean="0">
-                          <a:solidFill>
-                            <a:srgbClr val="000000"/>
-                          </a:solidFill>
-                          <a:effectLst/>
-                          <a:latin typeface="맑은 고딕" panose="020B0503020000020004" pitchFamily="50" charset="-127"/>
-                          <a:ea typeface="맑은 고딕" panose="020B0503020000020004" pitchFamily="50" charset="-127"/>
-                        </a:rPr>
-                        <a:t>변수 유</a:t>
-                      </a:r>
-                      <a:r>
-                        <a:rPr lang="en-US" altLang="ko-KR" sz="900" b="0" i="0" u="none" strike="noStrike" dirty="0" smtClean="0">
-                          <a:solidFill>
-                            <a:srgbClr val="000000"/>
-                          </a:solidFill>
-                          <a:effectLst/>
-                          <a:latin typeface="맑은 고딕" panose="020B0503020000020004" pitchFamily="50" charset="-127"/>
-                          <a:ea typeface="맑은 고딕" panose="020B0503020000020004" pitchFamily="50" charset="-127"/>
-                        </a:rPr>
-                        <a:t>/</a:t>
-                      </a:r>
-                      <a:r>
-                        <a:rPr lang="ko-KR" altLang="en-US" sz="900" b="0" i="0" u="none" strike="noStrike" dirty="0" smtClean="0">
-                          <a:solidFill>
-                            <a:srgbClr val="000000"/>
-                          </a:solidFill>
-                          <a:effectLst/>
-                          <a:latin typeface="맑은 고딕" panose="020B0503020000020004" pitchFamily="50" charset="-127"/>
-                          <a:ea typeface="맑은 고딕" panose="020B0503020000020004" pitchFamily="50" charset="-127"/>
-                        </a:rPr>
-                        <a:t>무</a:t>
-                      </a:r>
-                      <a:r>
-                        <a:rPr lang="ko-KR" altLang="en-US" sz="900" b="0" i="0" u="none" strike="noStrike" baseline="0" dirty="0" smtClean="0">
-                          <a:solidFill>
-                            <a:srgbClr val="000000"/>
-                          </a:solidFill>
-                          <a:effectLst/>
-                          <a:latin typeface="맑은 고딕" panose="020B0503020000020004" pitchFamily="50" charset="-127"/>
-                          <a:ea typeface="맑은 고딕" panose="020B0503020000020004" pitchFamily="50" charset="-127"/>
-                        </a:rPr>
-                        <a:t> 확인</a:t>
-                      </a:r>
-                      <a:endParaRPr lang="ko-KR" altLang="en-US" sz="900" b="0" i="0" u="none" strike="noStrike" dirty="0">
                         <a:solidFill>
                           <a:srgbClr val="000000"/>
                         </a:solidFill>
@@ -6386,7 +4481,7 @@
     </p:spTree>
     <p:extLst>
       <p:ext uri="{BB962C8B-B14F-4D97-AF65-F5344CB8AC3E}">
-        <p14:creationId xmlns:p14="http://schemas.microsoft.com/office/powerpoint/2010/main" val="201021417"/>
+        <p14:creationId xmlns:p14="http://schemas.microsoft.com/office/powerpoint/2010/main" val="3849682986"/>
       </p:ext>
     </p:extLst>
   </p:cSld>
@@ -6462,22 +4557,59 @@
                   <a:srgbClr val="E9520B"/>
                 </a:solidFill>
               </a:rPr>
-              <a:t>■ 코드 리뷰 점검 기능 설계</a:t>
-            </a:r>
-            <a:endParaRPr lang="en-US" altLang="ko-KR" b="1" dirty="0" smtClean="0">
-              <a:ln>
-                <a:solidFill>
-                  <a:schemeClr val="tx1">
-                    <a:lumMod val="50000"/>
-                    <a:lumOff val="50000"/>
-                    <a:alpha val="0"/>
-                  </a:schemeClr>
-                </a:solidFill>
-              </a:ln>
-              <a:solidFill>
-                <a:srgbClr val="E9520B"/>
-              </a:solidFill>
-            </a:endParaRPr>
+              <a:t>■ 코드 리뷰 점검 </a:t>
+            </a:r>
+            <a:r>
+              <a:rPr lang="en-US" altLang="ko-KR" b="1" dirty="0" smtClean="0">
+                <a:ln>
+                  <a:solidFill>
+                    <a:schemeClr val="tx1">
+                      <a:lumMod val="50000"/>
+                      <a:lumOff val="50000"/>
+                      <a:alpha val="0"/>
+                    </a:schemeClr>
+                  </a:solidFill>
+                </a:ln>
+                <a:solidFill>
+                  <a:srgbClr val="E9520B"/>
+                </a:solidFill>
+              </a:rPr>
+              <a:t>Tool</a:t>
+            </a:r>
+            <a:r>
+              <a:rPr lang="ko-KR" altLang="en-US" b="1" dirty="0" smtClean="0">
+                <a:ln>
+                  <a:solidFill>
+                    <a:schemeClr val="tx1">
+                      <a:lumMod val="50000"/>
+                      <a:lumOff val="50000"/>
+                      <a:alpha val="0"/>
+                    </a:schemeClr>
+                  </a:solidFill>
+                </a:ln>
+                <a:solidFill>
+                  <a:srgbClr val="E9520B"/>
+                </a:solidFill>
+              </a:rPr>
+              <a:t> 항목 </a:t>
+            </a:r>
+            <a:r>
+              <a:rPr lang="en-US" altLang="ko-KR" b="1" dirty="0" smtClean="0">
+                <a:ln>
+                  <a:solidFill>
+                    <a:schemeClr val="tx1">
+                      <a:lumMod val="50000"/>
+                      <a:lumOff val="50000"/>
+                      <a:alpha val="0"/>
+                    </a:schemeClr>
+                  </a:solidFill>
+                </a:ln>
+                <a:solidFill>
+                  <a:srgbClr val="E9520B"/>
+                </a:solidFill>
+              </a:rPr>
+              <a:t>- Server</a:t>
+            </a:r>
           </a:p>
         </p:txBody>
       </p:sp>
@@ -6507,25 +4639,6 @@
           <a:lstStyle/>
           <a:p>
             <a:r>
-              <a:rPr lang="en-US" altLang="ko-KR" sz="2800" b="1" dirty="0" smtClean="0">
-                <a:ln>
-                  <a:solidFill>
-                    <a:prstClr val="white">
-                      <a:alpha val="0"/>
-                    </a:prstClr>
-                  </a:solidFill>
-                </a:ln>
-                <a:solidFill>
-                  <a:prstClr val="white">
-                    <a:lumMod val="50000"/>
-                  </a:prstClr>
-                </a:solidFill>
-                <a:latin typeface="+mn-ea"/>
-                <a:ea typeface="+mn-ea"/>
-              </a:rPr>
-              <a:t>UI</a:t>
-            </a:r>
-            <a:r>
               <a:rPr lang="ko-KR" altLang="en-US" sz="2800" b="1" dirty="0" smtClean="0">
                 <a:ln>
                   <a:solidFill>
@@ -6542,7 +4655,7 @@
                 <a:latin typeface="+mn-ea"/>
                 <a:ea typeface="+mn-ea"/>
               </a:rPr>
-              <a:t> 설계</a:t>
+              <a:t>기능 정의</a:t>
             </a:r>
             <a:endParaRPr lang="ko-KR" altLang="en-US" sz="2800" b="1" dirty="0">
               <a:latin typeface="+mn-ea"/>
@@ -6551,335 +4664,23 @@
           </a:p>
         </p:txBody>
       </p:sp>
-      <p:sp>
-        <p:nvSpPr>
-          <p:cNvPr id="2" name="순서도: 연결자 1"/>
-          <p:cNvSpPr/>
-          <p:nvPr/>
-        </p:nvSpPr>
-        <p:spPr>
-          <a:xfrm>
-            <a:off x="1388604" y="1795285"/>
-            <a:ext cx="1692188" cy="604431"/>
-          </a:xfrm>
-          <a:prstGeom prst="flowChartConnector">
-            <a:avLst/>
-          </a:prstGeom>
-        </p:spPr>
-        <p:style>
-          <a:lnRef idx="2">
-            <a:schemeClr val="accent2">
-              <a:shade val="50000"/>
-            </a:schemeClr>
-          </a:lnRef>
-          <a:fillRef idx="1">
-            <a:schemeClr val="accent2"/>
-          </a:fillRef>
-          <a:effectRef idx="0">
-            <a:schemeClr val="accent2"/>
-          </a:effectRef>
-          <a:fontRef idx="minor">
-            <a:schemeClr val="lt1"/>
-          </a:fontRef>
-        </p:style>
-        <p:txBody>
-          <a:bodyPr rtlCol="0" anchor="ctr"/>
-          <a:lstStyle/>
-          <a:p>
-            <a:pPr algn="ctr"/>
-            <a:r>
-              <a:rPr lang="ko-KR" altLang="en-US" sz="1400" b="1" dirty="0" smtClean="0"/>
-              <a:t>시작</a:t>
-            </a:r>
-            <a:endParaRPr lang="ko-KR" altLang="en-US" sz="1400" b="1" dirty="0"/>
-          </a:p>
-        </p:txBody>
-      </p:sp>
-      <p:sp>
-        <p:nvSpPr>
-          <p:cNvPr id="3" name="순서도: 처리 2"/>
-          <p:cNvSpPr/>
-          <p:nvPr/>
-        </p:nvSpPr>
-        <p:spPr>
-          <a:xfrm>
-            <a:off x="884548" y="3125231"/>
-            <a:ext cx="2700300" cy="451161"/>
-          </a:xfrm>
-          <a:prstGeom prst="flowChartProcess">
-            <a:avLst/>
-          </a:prstGeom>
-        </p:spPr>
-        <p:style>
-          <a:lnRef idx="2">
-            <a:schemeClr val="accent2">
-              <a:shade val="50000"/>
-            </a:schemeClr>
-          </a:lnRef>
-          <a:fillRef idx="1">
-            <a:schemeClr val="accent2"/>
-          </a:fillRef>
-          <a:effectRef idx="0">
-            <a:schemeClr val="accent2"/>
-          </a:effectRef>
-          <a:fontRef idx="minor">
-            <a:schemeClr val="lt1"/>
-          </a:fontRef>
-        </p:style>
-        <p:txBody>
-          <a:bodyPr rtlCol="0" anchor="ctr"/>
-          <a:lstStyle/>
-          <a:p>
-            <a:pPr algn="ctr"/>
-            <a:r>
-              <a:rPr lang="en-US" altLang="ko-KR" sz="1400" b="1" dirty="0" smtClean="0"/>
-              <a:t>Code</a:t>
-            </a:r>
-            <a:r>
-              <a:rPr lang="ko-KR" altLang="en-US" sz="1400" b="1" dirty="0" smtClean="0"/>
-              <a:t>의 구조</a:t>
-            </a:r>
-            <a:r>
-              <a:rPr lang="en-US" altLang="ko-KR" sz="1400" b="1" dirty="0"/>
-              <a:t> </a:t>
-            </a:r>
-            <a:r>
-              <a:rPr lang="en-US" altLang="ko-KR" sz="1400" b="1" dirty="0" smtClean="0"/>
-              <a:t>Level</a:t>
-            </a:r>
-            <a:r>
-              <a:rPr lang="ko-KR" altLang="en-US" sz="1400" b="1" dirty="0" smtClean="0"/>
-              <a:t> 구조화</a:t>
-            </a:r>
-            <a:endParaRPr lang="ko-KR" altLang="en-US" sz="1400" b="1" dirty="0"/>
-          </a:p>
-        </p:txBody>
-      </p:sp>
-      <p:sp>
-        <p:nvSpPr>
-          <p:cNvPr id="4" name="아래쪽 화살표 3"/>
-          <p:cNvSpPr/>
-          <p:nvPr/>
-        </p:nvSpPr>
-        <p:spPr>
-          <a:xfrm>
-            <a:off x="2072680" y="2607700"/>
-            <a:ext cx="324036" cy="362704"/>
-          </a:xfrm>
-          <a:prstGeom prst="downArrow">
-            <a:avLst/>
-          </a:prstGeom>
-        </p:spPr>
-        <p:style>
-          <a:lnRef idx="2">
-            <a:schemeClr val="accent2">
-              <a:shade val="50000"/>
-            </a:schemeClr>
-          </a:lnRef>
-          <a:fillRef idx="1">
-            <a:schemeClr val="accent2"/>
-          </a:fillRef>
-          <a:effectRef idx="0">
-            <a:schemeClr val="accent2"/>
-          </a:effectRef>
-          <a:fontRef idx="minor">
-            <a:schemeClr val="lt1"/>
-          </a:fontRef>
-        </p:style>
-        <p:txBody>
-          <a:bodyPr rtlCol="0" anchor="ctr"/>
-          <a:lstStyle/>
-          <a:p>
-            <a:pPr algn="ctr"/>
-            <a:endParaRPr lang="ko-KR" altLang="en-US" sz="1400" b="1"/>
-          </a:p>
-        </p:txBody>
-      </p:sp>
-      <p:sp>
-        <p:nvSpPr>
-          <p:cNvPr id="7" name="순서도: 처리 6"/>
-          <p:cNvSpPr/>
-          <p:nvPr/>
-        </p:nvSpPr>
-        <p:spPr>
-          <a:xfrm>
-            <a:off x="884548" y="4185661"/>
-            <a:ext cx="2700300" cy="451161"/>
-          </a:xfrm>
-          <a:prstGeom prst="flowChartProcess">
-            <a:avLst/>
-          </a:prstGeom>
-        </p:spPr>
-        <p:style>
-          <a:lnRef idx="2">
-            <a:schemeClr val="accent2">
-              <a:shade val="50000"/>
-            </a:schemeClr>
-          </a:lnRef>
-          <a:fillRef idx="1">
-            <a:schemeClr val="accent2"/>
-          </a:fillRef>
-          <a:effectRef idx="0">
-            <a:schemeClr val="accent2"/>
-          </a:effectRef>
-          <a:fontRef idx="minor">
-            <a:schemeClr val="lt1"/>
-          </a:fontRef>
-        </p:style>
-        <p:txBody>
-          <a:bodyPr rtlCol="0" anchor="ctr"/>
-          <a:lstStyle/>
-          <a:p>
-            <a:pPr algn="ctr"/>
-            <a:r>
-              <a:rPr lang="ko-KR" altLang="en-US" sz="1400" b="1" dirty="0" smtClean="0"/>
-              <a:t>코드 리뷰 항목 점검</a:t>
-            </a:r>
-            <a:endParaRPr lang="ko-KR" altLang="en-US" sz="1400" b="1" dirty="0"/>
-          </a:p>
-        </p:txBody>
-      </p:sp>
-      <p:sp>
-        <p:nvSpPr>
-          <p:cNvPr id="9" name="순서도: 처리 8"/>
-          <p:cNvSpPr/>
-          <p:nvPr/>
-        </p:nvSpPr>
-        <p:spPr>
-          <a:xfrm>
-            <a:off x="889715" y="5246091"/>
-            <a:ext cx="2700300" cy="451161"/>
-          </a:xfrm>
-          <a:prstGeom prst="flowChartProcess">
-            <a:avLst/>
-          </a:prstGeom>
-        </p:spPr>
-        <p:style>
-          <a:lnRef idx="2">
-            <a:schemeClr val="accent2">
-              <a:shade val="50000"/>
-            </a:schemeClr>
-          </a:lnRef>
-          <a:fillRef idx="1">
-            <a:schemeClr val="accent2"/>
-          </a:fillRef>
-          <a:effectRef idx="0">
-            <a:schemeClr val="accent2"/>
-          </a:effectRef>
-          <a:fontRef idx="minor">
-            <a:schemeClr val="lt1"/>
-          </a:fontRef>
-        </p:style>
-        <p:txBody>
-          <a:bodyPr rtlCol="0" anchor="ctr"/>
-          <a:lstStyle/>
-          <a:p>
-            <a:pPr algn="ctr"/>
-            <a:r>
-              <a:rPr lang="ko-KR" altLang="en-US" sz="1400" b="1" dirty="0" smtClean="0"/>
-              <a:t>점검 결과 출력</a:t>
-            </a:r>
-            <a:endParaRPr lang="ko-KR" altLang="en-US" sz="1400" b="1" dirty="0"/>
-          </a:p>
-        </p:txBody>
-      </p:sp>
-      <p:sp>
-        <p:nvSpPr>
-          <p:cNvPr id="10" name="아래쪽 화살표 9"/>
-          <p:cNvSpPr/>
-          <p:nvPr/>
-        </p:nvSpPr>
-        <p:spPr>
-          <a:xfrm>
-            <a:off x="2072680" y="3727948"/>
-            <a:ext cx="324036" cy="362704"/>
-          </a:xfrm>
-          <a:prstGeom prst="downArrow">
-            <a:avLst/>
-          </a:prstGeom>
-        </p:spPr>
-        <p:style>
-          <a:lnRef idx="2">
-            <a:schemeClr val="accent2">
-              <a:shade val="50000"/>
-            </a:schemeClr>
-          </a:lnRef>
-          <a:fillRef idx="1">
-            <a:schemeClr val="accent2"/>
-          </a:fillRef>
-          <a:effectRef idx="0">
-            <a:schemeClr val="accent2"/>
-          </a:effectRef>
-          <a:fontRef idx="minor">
-            <a:schemeClr val="lt1"/>
-          </a:fontRef>
-        </p:style>
-        <p:txBody>
-          <a:bodyPr rtlCol="0" anchor="ctr"/>
-          <a:lstStyle/>
-          <a:p>
-            <a:pPr algn="ctr"/>
-            <a:endParaRPr lang="ko-KR" altLang="en-US" sz="1400" b="1"/>
-          </a:p>
-        </p:txBody>
-      </p:sp>
-      <p:sp>
-        <p:nvSpPr>
-          <p:cNvPr id="11" name="아래쪽 화살표 10"/>
-          <p:cNvSpPr/>
-          <p:nvPr/>
-        </p:nvSpPr>
-        <p:spPr>
-          <a:xfrm>
-            <a:off x="2072680" y="4766315"/>
-            <a:ext cx="324036" cy="362704"/>
-          </a:xfrm>
-          <a:prstGeom prst="downArrow">
-            <a:avLst/>
-          </a:prstGeom>
-        </p:spPr>
-        <p:style>
-          <a:lnRef idx="2">
-            <a:schemeClr val="accent2">
-              <a:shade val="50000"/>
-            </a:schemeClr>
-          </a:lnRef>
-          <a:fillRef idx="1">
-            <a:schemeClr val="accent2"/>
-          </a:fillRef>
-          <a:effectRef idx="0">
-            <a:schemeClr val="accent2"/>
-          </a:effectRef>
-          <a:fontRef idx="minor">
-            <a:schemeClr val="lt1"/>
-          </a:fontRef>
-        </p:style>
-        <p:txBody>
-          <a:bodyPr rtlCol="0" anchor="ctr"/>
-          <a:lstStyle/>
-          <a:p>
-            <a:pPr algn="ctr"/>
-            <a:endParaRPr lang="ko-KR" altLang="en-US" sz="1400" b="1"/>
-          </a:p>
-        </p:txBody>
-      </p:sp>
       <p:graphicFrame>
         <p:nvGraphicFramePr>
-          <p:cNvPr id="12" name="표 11"/>
+          <p:cNvPr id="2" name="표 1"/>
           <p:cNvGraphicFramePr>
             <a:graphicFrameLocks noGrp="1"/>
           </p:cNvGraphicFramePr>
           <p:nvPr>
             <p:extLst>
               <p:ext uri="{D42A27DB-BD31-4B8C-83A1-F6EECF244321}">
-                <p14:modId xmlns:p14="http://schemas.microsoft.com/office/powerpoint/2010/main" val="4060206266"/>
+                <p14:modId xmlns:p14="http://schemas.microsoft.com/office/powerpoint/2010/main" val="2176576863"/>
               </p:ext>
             </p:extLst>
           </p:nvPr>
         </p:nvGraphicFramePr>
         <p:xfrm>
-          <a:off x="4304928" y="3152091"/>
-          <a:ext cx="4934999" cy="2324793"/>
+          <a:off x="668524" y="1664806"/>
+          <a:ext cx="8874845" cy="4560865"/>
         </p:xfrm>
         <a:graphic>
           <a:graphicData uri="http://schemas.openxmlformats.org/drawingml/2006/table">
@@ -6888,28 +4689,28 @@
                 <a:tableStyleId>{616DA210-FB5B-4158-B5E0-FEB733F419BA}</a:tableStyleId>
               </a:tblPr>
               <a:tblGrid>
-                <a:gridCol w="571950">
+                <a:gridCol w="827955">
                   <a:extLst>
                     <a:ext uri="{9D8B030D-6E8A-4147-A177-3AD203B41FA5}">
                       <a16:colId xmlns:a16="http://schemas.microsoft.com/office/drawing/2014/main" val="3322228484"/>
                     </a:ext>
                   </a:extLst>
                 </a:gridCol>
-                <a:gridCol w="1497013">
+                <a:gridCol w="3672545">
                   <a:extLst>
                     <a:ext uri="{9D8B030D-6E8A-4147-A177-3AD203B41FA5}">
                       <a16:colId xmlns:a16="http://schemas.microsoft.com/office/drawing/2014/main" val="3088701884"/>
                     </a:ext>
                   </a:extLst>
                 </a:gridCol>
-                <a:gridCol w="540638">
+                <a:gridCol w="1008112">
                   <a:extLst>
                     <a:ext uri="{9D8B030D-6E8A-4147-A177-3AD203B41FA5}">
                       <a16:colId xmlns:a16="http://schemas.microsoft.com/office/drawing/2014/main" val="3637397950"/>
                     </a:ext>
                   </a:extLst>
                 </a:gridCol>
-                <a:gridCol w="2325398">
+                <a:gridCol w="3366233">
                   <a:extLst>
                     <a:ext uri="{9D8B030D-6E8A-4147-A177-3AD203B41FA5}">
                       <a16:colId xmlns:a16="http://schemas.microsoft.com/office/drawing/2014/main" val="1474204968"/>
@@ -6917,7 +4718,7 @@
                   </a:extLst>
                 </a:gridCol>
               </a:tblGrid>
-              <a:tr h="125469">
+              <a:tr h="288030">
                 <a:tc>
                   <a:txBody>
                     <a:bodyPr/>
@@ -6925,7 +4726,7 @@
                     <a:p>
                       <a:pPr algn="ctr" fontAlgn="ctr"/>
                       <a:r>
-                        <a:rPr lang="ko-KR" altLang="en-US" sz="600" b="1" i="0" u="none" strike="noStrike" dirty="0" smtClean="0">
+                        <a:rPr lang="ko-KR" altLang="en-US" sz="1100" b="1" i="0" u="none" strike="noStrike" dirty="0" smtClean="0">
                           <a:solidFill>
                             <a:srgbClr val="000000"/>
                           </a:solidFill>
@@ -6935,7 +4736,7 @@
                         </a:rPr>
                         <a:t>구분</a:t>
                       </a:r>
-                      <a:endParaRPr lang="ko-KR" altLang="en-US" sz="600" b="1" i="0" u="none" strike="noStrike" dirty="0">
+                      <a:endParaRPr lang="ko-KR" altLang="en-US" sz="1100" b="1" i="0" u="none" strike="noStrike" dirty="0">
                         <a:solidFill>
                           <a:srgbClr val="000000"/>
                         </a:solidFill>
@@ -6960,12 +4761,12 @@
                     <a:p>
                       <a:pPr algn="ctr" fontAlgn="ctr"/>
                       <a:r>
-                        <a:rPr lang="ko-KR" altLang="en-US" sz="600" b="1" u="none" strike="noStrike" dirty="0">
+                        <a:rPr lang="ko-KR" altLang="en-US" sz="1100" b="1" u="none" strike="noStrike" dirty="0">
                           <a:effectLst/>
                         </a:rPr>
                         <a:t>코드 리뷰 항목</a:t>
                       </a:r>
-                      <a:endParaRPr lang="ko-KR" altLang="en-US" sz="600" b="1" i="0" u="none" strike="noStrike" dirty="0">
+                      <a:endParaRPr lang="ko-KR" altLang="en-US" sz="1100" b="1" i="0" u="none" strike="noStrike" dirty="0">
                         <a:solidFill>
                           <a:srgbClr val="000000"/>
                         </a:solidFill>
@@ -6990,7 +4791,7 @@
                     <a:p>
                       <a:pPr algn="ctr" fontAlgn="ctr"/>
                       <a:r>
-                        <a:rPr lang="ko-KR" altLang="en-US" sz="600" b="1" i="0" u="none" strike="noStrike" dirty="0" smtClean="0">
+                        <a:rPr lang="ko-KR" altLang="en-US" sz="1100" b="1" i="0" u="none" strike="noStrike" dirty="0" smtClean="0">
                           <a:solidFill>
                             <a:srgbClr val="000000"/>
                           </a:solidFill>
@@ -7000,7 +4801,7 @@
                         </a:rPr>
                         <a:t>검증 가능성</a:t>
                       </a:r>
-                      <a:endParaRPr lang="ko-KR" altLang="en-US" sz="600" b="1" i="0" u="none" strike="noStrike" dirty="0">
+                      <a:endParaRPr lang="ko-KR" altLang="en-US" sz="1100" b="1" i="0" u="none" strike="noStrike" dirty="0">
                         <a:solidFill>
                           <a:srgbClr val="000000"/>
                         </a:solidFill>
@@ -7025,7 +4826,7 @@
                     <a:p>
                       <a:pPr algn="ctr" fontAlgn="ctr"/>
                       <a:r>
-                        <a:rPr lang="ko-KR" altLang="en-US" sz="600" b="1" i="0" u="none" strike="noStrike" dirty="0" smtClean="0">
+                        <a:rPr lang="ko-KR" altLang="en-US" sz="1100" b="1" i="0" u="none" strike="noStrike" dirty="0" smtClean="0">
                           <a:solidFill>
                             <a:srgbClr val="000000"/>
                           </a:solidFill>
@@ -7035,7 +4836,7 @@
                         </a:rPr>
                         <a:t>검증 방법</a:t>
                       </a:r>
-                      <a:endParaRPr lang="ko-KR" altLang="en-US" sz="600" b="1" i="0" u="none" strike="noStrike" dirty="0">
+                      <a:endParaRPr lang="ko-KR" altLang="en-US" sz="1100" b="1" i="0" u="none" strike="noStrike" dirty="0">
                         <a:solidFill>
                           <a:srgbClr val="000000"/>
                         </a:solidFill>
@@ -7059,7 +4860,7 @@
                   </a:ext>
                 </a:extLst>
               </a:tr>
-              <a:tr h="123479">
+              <a:tr h="245937">
                 <a:tc rowSpan="6">
                   <a:txBody>
                     <a:bodyPr/>
@@ -7067,7 +4868,7 @@
                     <a:p>
                       <a:pPr algn="ctr" fontAlgn="ctr"/>
                       <a:r>
-                        <a:rPr lang="ko-KR" altLang="en-US" sz="600" b="1" i="0" u="none" strike="noStrike" dirty="0" smtClean="0">
+                        <a:rPr lang="ko-KR" altLang="en-US" sz="1100" b="1" i="0" u="none" strike="noStrike" dirty="0" smtClean="0">
                           <a:solidFill>
                             <a:srgbClr val="000000"/>
                           </a:solidFill>
@@ -7077,7 +4878,7 @@
                         </a:rPr>
                         <a:t>성능</a:t>
                       </a:r>
-                      <a:endParaRPr lang="ko-KR" altLang="en-US" sz="600" b="1" i="0" u="none" strike="noStrike" dirty="0">
+                      <a:endParaRPr lang="ko-KR" altLang="en-US" sz="1100" b="1" i="0" u="none" strike="noStrike" dirty="0">
                         <a:solidFill>
                           <a:srgbClr val="000000"/>
                         </a:solidFill>
@@ -7100,28 +4901,45 @@
                     <a:bodyPr/>
                     <a:lstStyle/>
                     <a:p>
-                      <a:pPr lvl="0" algn="l" fontAlgn="ctr"/>
-                      <a:r>
-                        <a:rPr lang="ko-KR" altLang="en-US" sz="600" u="none" strike="noStrike" dirty="0">
+                      <a:pPr lvl="1" algn="l" fontAlgn="ctr"/>
+                      <a:r>
+                        <a:rPr lang="ko-KR" altLang="en-US" sz="1050" u="none" strike="noStrike" dirty="0">
+                          <a:solidFill>
+                            <a:schemeClr val="bg1">
+                              <a:lumMod val="50000"/>
+                            </a:schemeClr>
+                          </a:solidFill>
                           <a:effectLst/>
                         </a:rPr>
                         <a:t>스크립트 동작 </a:t>
                       </a:r>
                       <a:r>
-                        <a:rPr lang="en-US" altLang="ko-KR" sz="600" u="none" strike="noStrike" dirty="0">
+                        <a:rPr lang="en-US" altLang="ko-KR" sz="1050" u="none" strike="noStrike" dirty="0">
+                          <a:solidFill>
+                            <a:schemeClr val="bg1">
+                              <a:lumMod val="50000"/>
+                            </a:schemeClr>
+                          </a:solidFill>
                           <a:effectLst/>
                         </a:rPr>
                         <a:t>Active </a:t>
                       </a:r>
                       <a:r>
-                        <a:rPr lang="ko-KR" altLang="en-US" sz="600" u="none" strike="noStrike" dirty="0">
+                        <a:rPr lang="ko-KR" altLang="en-US" sz="1050" u="none" strike="noStrike" dirty="0">
+                          <a:solidFill>
+                            <a:schemeClr val="bg1">
+                              <a:lumMod val="50000"/>
+                            </a:schemeClr>
+                          </a:solidFill>
                           <a:effectLst/>
                         </a:rPr>
                         <a:t>감시 적용</a:t>
                       </a:r>
-                      <a:endParaRPr lang="ko-KR" altLang="en-US" sz="600" b="0" i="0" u="none" strike="noStrike" dirty="0">
-                        <a:solidFill>
-                          <a:srgbClr val="000000"/>
+                      <a:endParaRPr lang="ko-KR" altLang="en-US" sz="1050" b="0" i="0" u="none" strike="noStrike" dirty="0">
+                        <a:solidFill>
+                          <a:schemeClr val="bg1">
+                            <a:lumMod val="50000"/>
+                          </a:schemeClr>
                         </a:solidFill>
                         <a:effectLst/>
                         <a:latin typeface="맑은 고딕" panose="020B0503020000020004" pitchFamily="50" charset="-127"/>
@@ -7129,7 +4947,13 @@
                       </a:endParaRPr>
                     </a:p>
                   </a:txBody>
-                  <a:tcPr marL="9525" marR="9525" marT="9525" marB="0" anchor="ctr"/>
+                  <a:tcPr marL="9525" marR="9525" marT="9525" marB="0" anchor="ctr">
+                    <a:solidFill>
+                      <a:schemeClr val="bg1">
+                        <a:lumMod val="85000"/>
+                      </a:schemeClr>
+                    </a:solidFill>
+                  </a:tcPr>
                 </a:tc>
                 <a:tc>
                   <a:txBody>
@@ -7138,19 +4962,23 @@
                     <a:p>
                       <a:pPr algn="ctr" fontAlgn="ctr"/>
                       <a:r>
-                        <a:rPr lang="ko-KR" altLang="en-US" sz="600" b="0" i="0" u="none" strike="noStrike" dirty="0" smtClean="0">
-                          <a:solidFill>
-                            <a:srgbClr val="000000"/>
+                        <a:rPr lang="en-US" altLang="ko-KR" sz="1050" b="0" i="0" u="none" strike="noStrike" dirty="0" smtClean="0">
+                          <a:solidFill>
+                            <a:schemeClr val="bg1">
+                              <a:lumMod val="50000"/>
+                            </a:schemeClr>
                           </a:solidFill>
                           <a:effectLst/>
                           <a:latin typeface="맑은 고딕" panose="020B0503020000020004" pitchFamily="50" charset="-127"/>
                           <a:ea typeface="+mn-ea"/>
                         </a:rPr>
-                        <a:t>△</a:t>
-                      </a:r>
-                      <a:endParaRPr lang="ko-KR" altLang="en-US" sz="600" b="0" i="0" u="none" strike="noStrike" dirty="0">
-                        <a:solidFill>
-                          <a:srgbClr val="000000"/>
+                        <a:t>X</a:t>
+                      </a:r>
+                      <a:endParaRPr lang="ko-KR" altLang="en-US" sz="1050" b="0" i="0" u="none" strike="noStrike" dirty="0">
+                        <a:solidFill>
+                          <a:schemeClr val="bg1">
+                            <a:lumMod val="50000"/>
+                          </a:schemeClr>
                         </a:solidFill>
                         <a:effectLst/>
                         <a:latin typeface="맑은 고딕" panose="020B0503020000020004" pitchFamily="50" charset="-127"/>
@@ -7158,7 +4986,13 @@
                       </a:endParaRPr>
                     </a:p>
                   </a:txBody>
-                  <a:tcPr marL="9525" marR="9525" marT="9525" marB="0" anchor="ctr"/>
+                  <a:tcPr marL="9525" marR="9525" marT="9525" marB="0" anchor="ctr">
+                    <a:solidFill>
+                      <a:schemeClr val="bg1">
+                        <a:lumMod val="85000"/>
+                      </a:schemeClr>
+                    </a:solidFill>
+                  </a:tcPr>
                 </a:tc>
                 <a:tc>
                   <a:txBody>
@@ -7166,9 +5000,11 @@
                     <a:lstStyle/>
                     <a:p>
                       <a:pPr algn="l" fontAlgn="ctr"/>
-                      <a:endParaRPr lang="ko-KR" altLang="en-US" sz="600" b="0" i="0" u="none" strike="noStrike" dirty="0">
-                        <a:solidFill>
-                          <a:srgbClr val="000000"/>
+                      <a:endParaRPr lang="ko-KR" altLang="en-US" sz="900" b="0" i="0" u="none" strike="noStrike" dirty="0">
+                        <a:solidFill>
+                          <a:schemeClr val="bg1">
+                            <a:lumMod val="50000"/>
+                          </a:schemeClr>
                         </a:solidFill>
                         <a:effectLst/>
                         <a:latin typeface="맑은 고딕" panose="020B0503020000020004" pitchFamily="50" charset="-127"/>
@@ -7176,7 +5012,13 @@
                       </a:endParaRPr>
                     </a:p>
                   </a:txBody>
-                  <a:tcPr marL="9525" marR="9525" marT="9525" marB="0" anchor="ctr"/>
+                  <a:tcPr marL="9525" marR="9525" marT="9525" marB="0" anchor="ctr">
+                    <a:solidFill>
+                      <a:schemeClr val="bg1">
+                        <a:lumMod val="85000"/>
+                      </a:schemeClr>
+                    </a:solidFill>
+                  </a:tcPr>
                 </a:tc>
                 <a:extLst>
                   <a:ext uri="{0D108BD9-81ED-4DB2-BD59-A6C34878D82A}">
@@ -7184,7 +5026,7 @@
                   </a:ext>
                 </a:extLst>
               </a:tr>
-              <a:tr h="123479">
+              <a:tr h="245937">
                 <a:tc vMerge="1">
                   <a:txBody>
                     <a:bodyPr/>
@@ -7208,20 +5050,20 @@
                     <a:bodyPr/>
                     <a:lstStyle/>
                     <a:p>
-                      <a:pPr lvl="0" algn="l" fontAlgn="ctr"/>
-                      <a:r>
-                        <a:rPr lang="en-US" altLang="ko-KR" sz="600" u="none" strike="noStrike" dirty="0">
+                      <a:pPr lvl="1" algn="l" fontAlgn="ctr"/>
+                      <a:r>
+                        <a:rPr lang="en-US" altLang="ko-KR" sz="1050" u="none" strike="noStrike" dirty="0">
                           <a:effectLst/>
                         </a:rPr>
                         <a:t>Loop</a:t>
                       </a:r>
                       <a:r>
-                        <a:rPr lang="ko-KR" altLang="en-US" sz="600" u="none" strike="noStrike" dirty="0">
+                        <a:rPr lang="ko-KR" altLang="en-US" sz="1050" u="none" strike="noStrike" dirty="0">
                           <a:effectLst/>
                         </a:rPr>
                         <a:t>문 내에 처리 조건</a:t>
                       </a:r>
-                      <a:endParaRPr lang="ko-KR" altLang="en-US" sz="600" b="0" i="0" u="none" strike="noStrike" dirty="0">
+                      <a:endParaRPr lang="ko-KR" altLang="en-US" sz="1050" b="0" i="0" u="none" strike="noStrike" dirty="0">
                         <a:solidFill>
                           <a:srgbClr val="000000"/>
                         </a:solidFill>
@@ -7231,7 +5073,11 @@
                       </a:endParaRPr>
                     </a:p>
                   </a:txBody>
-                  <a:tcPr marL="9525" marR="9525" marT="9525" marB="0" anchor="ctr"/>
+                  <a:tcPr marL="9525" marR="9525" marT="9525" marB="0" anchor="ctr">
+                    <a:solidFill>
+                      <a:schemeClr val="bg1"/>
+                    </a:solidFill>
+                  </a:tcPr>
                 </a:tc>
                 <a:tc>
                   <a:txBody>
@@ -7240,7 +5086,40 @@
                     <a:p>
                       <a:pPr algn="ctr" fontAlgn="ctr"/>
                       <a:r>
-                        <a:rPr lang="ko-KR" altLang="en-US" sz="600" b="0" i="0" u="none" strike="noStrike" dirty="0" smtClean="0">
+                        <a:rPr lang="ko-KR" altLang="en-US" sz="1050" b="0" i="0" u="none" strike="noStrike" dirty="0" smtClean="0">
+                          <a:solidFill>
+                            <a:srgbClr val="000000"/>
+                          </a:solidFill>
+                          <a:effectLst/>
+                          <a:latin typeface="맑은 고딕" panose="020B0503020000020004" pitchFamily="50" charset="-127"/>
+                          <a:ea typeface="+mn-ea"/>
+                        </a:rPr>
+                        <a:t>○</a:t>
+                      </a:r>
+                      <a:endParaRPr lang="ko-KR" altLang="en-US" sz="1050" b="0" i="0" u="none" strike="noStrike" dirty="0">
+                        <a:solidFill>
+                          <a:srgbClr val="000000"/>
+                        </a:solidFill>
+                        <a:effectLst/>
+                        <a:latin typeface="맑은 고딕" panose="020B0503020000020004" pitchFamily="50" charset="-127"/>
+                        <a:ea typeface="+mn-ea"/>
+                      </a:endParaRPr>
+                    </a:p>
+                  </a:txBody>
+                  <a:tcPr marL="9525" marR="9525" marT="9525" marB="0" anchor="ctr">
+                    <a:solidFill>
+                      <a:schemeClr val="bg1"/>
+                    </a:solidFill>
+                  </a:tcPr>
+                </a:tc>
+                <a:tc>
+                  <a:txBody>
+                    <a:bodyPr/>
+                    <a:lstStyle/>
+                    <a:p>
+                      <a:pPr algn="l" fontAlgn="ctr"/>
+                      <a:r>
+                        <a:rPr lang="en-US" altLang="ko-KR" sz="900" b="0" i="0" u="none" strike="noStrike" baseline="0" dirty="0" smtClean="0">
                           <a:solidFill>
                             <a:srgbClr val="000000"/>
                           </a:solidFill>
@@ -7248,28 +5127,10 @@
                           <a:latin typeface="맑은 고딕" panose="020B0503020000020004" pitchFamily="50" charset="-127"/>
                           <a:ea typeface="맑은 고딕" panose="020B0503020000020004" pitchFamily="50" charset="-127"/>
                         </a:rPr>
-                        <a:t>△</a:t>
-                      </a:r>
-                      <a:endParaRPr lang="ko-KR" altLang="en-US" sz="600" b="0" i="0" u="none" strike="noStrike" dirty="0">
-                        <a:solidFill>
-                          <a:srgbClr val="000000"/>
-                        </a:solidFill>
-                        <a:effectLst/>
-                        <a:latin typeface="맑은 고딕" panose="020B0503020000020004" pitchFamily="50" charset="-127"/>
-                        <a:ea typeface="맑은 고딕" panose="020B0503020000020004" pitchFamily="50" charset="-127"/>
-                      </a:endParaRPr>
-                    </a:p>
-                  </a:txBody>
-                  <a:tcPr marL="9525" marR="9525" marT="9525" marB="0" anchor="ctr"/>
-                </a:tc>
-                <a:tc>
-                  <a:txBody>
-                    <a:bodyPr/>
-                    <a:lstStyle/>
-                    <a:p>
-                      <a:pPr algn="l" fontAlgn="ctr"/>
-                      <a:r>
-                        <a:rPr lang="en-US" altLang="ko-KR" sz="600" b="0" i="0" u="none" strike="noStrike" baseline="0" dirty="0" smtClean="0">
+                        <a:t> - while</a:t>
+                      </a:r>
+                      <a:r>
+                        <a:rPr lang="ko-KR" altLang="en-US" sz="900" b="0" i="0" u="none" strike="noStrike" baseline="0" dirty="0" smtClean="0">
                           <a:solidFill>
                             <a:srgbClr val="000000"/>
                           </a:solidFill>
@@ -7277,10 +5138,10 @@
                           <a:latin typeface="맑은 고딕" panose="020B0503020000020004" pitchFamily="50" charset="-127"/>
                           <a:ea typeface="맑은 고딕" panose="020B0503020000020004" pitchFamily="50" charset="-127"/>
                         </a:rPr>
-                        <a:t> - while</a:t>
-                      </a:r>
-                      <a:r>
-                        <a:rPr lang="ko-KR" altLang="en-US" sz="600" b="0" i="0" u="none" strike="noStrike" baseline="0" dirty="0" smtClean="0">
+                        <a:t>문 조건 별 </a:t>
+                      </a:r>
+                      <a:r>
+                        <a:rPr lang="en-US" altLang="ko-KR" sz="900" b="0" i="0" u="none" strike="noStrike" baseline="0" dirty="0" smtClean="0">
                           <a:solidFill>
                             <a:srgbClr val="000000"/>
                           </a:solidFill>
@@ -7288,10 +5149,10 @@
                           <a:latin typeface="맑은 고딕" panose="020B0503020000020004" pitchFamily="50" charset="-127"/>
                           <a:ea typeface="맑은 고딕" panose="020B0503020000020004" pitchFamily="50" charset="-127"/>
                         </a:rPr>
-                        <a:t>문 조건 별 </a:t>
-                      </a:r>
-                      <a:r>
-                        <a:rPr lang="en-US" altLang="ko-KR" sz="600" b="0" i="0" u="none" strike="noStrike" baseline="0" dirty="0" smtClean="0">
+                        <a:t>Delay </a:t>
+                      </a:r>
+                      <a:r>
+                        <a:rPr lang="ko-KR" altLang="en-US" sz="900" b="0" i="0" u="none" strike="noStrike" baseline="0" dirty="0" smtClean="0">
                           <a:solidFill>
                             <a:srgbClr val="000000"/>
                           </a:solidFill>
@@ -7299,20 +5160,9 @@
                           <a:latin typeface="맑은 고딕" panose="020B0503020000020004" pitchFamily="50" charset="-127"/>
                           <a:ea typeface="맑은 고딕" panose="020B0503020000020004" pitchFamily="50" charset="-127"/>
                         </a:rPr>
-                        <a:t>Delay </a:t>
-                      </a:r>
-                      <a:r>
-                        <a:rPr lang="ko-KR" altLang="en-US" sz="600" b="0" i="0" u="none" strike="noStrike" baseline="0" dirty="0" smtClean="0">
-                          <a:solidFill>
-                            <a:srgbClr val="000000"/>
-                          </a:solidFill>
-                          <a:effectLst/>
-                          <a:latin typeface="맑은 고딕" panose="020B0503020000020004" pitchFamily="50" charset="-127"/>
-                          <a:ea typeface="맑은 고딕" panose="020B0503020000020004" pitchFamily="50" charset="-127"/>
-                        </a:rPr>
                         <a:t>처리 확인</a:t>
                       </a:r>
-                      <a:endParaRPr lang="ko-KR" altLang="en-US" sz="600" b="0" i="0" u="none" strike="noStrike" dirty="0">
+                      <a:endParaRPr lang="ko-KR" altLang="en-US" sz="900" b="0" i="0" u="none" strike="noStrike" dirty="0">
                         <a:solidFill>
                           <a:srgbClr val="000000"/>
                         </a:solidFill>
@@ -7322,7 +5172,11 @@
                       </a:endParaRPr>
                     </a:p>
                   </a:txBody>
-                  <a:tcPr marL="9525" marR="9525" marT="9525" marB="0" anchor="ctr"/>
+                  <a:tcPr marL="9525" marR="9525" marT="9525" marB="0" anchor="ctr">
+                    <a:solidFill>
+                      <a:schemeClr val="bg1"/>
+                    </a:solidFill>
+                  </a:tcPr>
                 </a:tc>
                 <a:extLst>
                   <a:ext uri="{0D108BD9-81ED-4DB2-BD59-A6C34878D82A}">
@@ -7330,7 +5184,7 @@
                   </a:ext>
                 </a:extLst>
               </a:tr>
-              <a:tr h="235309">
+              <a:tr h="372222">
                 <a:tc vMerge="1">
                   <a:txBody>
                     <a:bodyPr/>
@@ -7354,20 +5208,20 @@
                     <a:bodyPr/>
                     <a:lstStyle/>
                     <a:p>
-                      <a:pPr lvl="0" algn="l" fontAlgn="ctr"/>
-                      <a:r>
-                        <a:rPr lang="en-US" altLang="ko-KR" sz="600" u="none" strike="noStrike" dirty="0">
+                      <a:pPr lvl="1" algn="l" fontAlgn="ctr"/>
+                      <a:r>
+                        <a:rPr lang="en-US" altLang="ko-KR" sz="1050" u="none" strike="noStrike" dirty="0">
                           <a:effectLst/>
                         </a:rPr>
                         <a:t>Event, Ctrl Manager </a:t>
                       </a:r>
                       <a:r>
-                        <a:rPr lang="ko-KR" altLang="en-US" sz="600" u="none" strike="noStrike" dirty="0">
+                        <a:rPr lang="ko-KR" altLang="en-US" sz="1050" u="none" strike="noStrike" dirty="0">
                           <a:effectLst/>
                         </a:rPr>
                         <a:t>이벤트 교환 횟수 최소화</a:t>
                       </a:r>
-                      <a:endParaRPr lang="ko-KR" altLang="en-US" sz="600" b="0" i="0" u="none" strike="noStrike" dirty="0">
+                      <a:endParaRPr lang="ko-KR" altLang="en-US" sz="1050" b="0" i="0" u="none" strike="noStrike" dirty="0">
                         <a:solidFill>
                           <a:srgbClr val="000000"/>
                         </a:solidFill>
@@ -7386,7 +5240,7 @@
                     <a:p>
                       <a:pPr algn="ctr" fontAlgn="ctr"/>
                       <a:r>
-                        <a:rPr lang="ko-KR" altLang="en-US" sz="600" b="0" i="0" u="none" strike="noStrike" dirty="0" smtClean="0">
+                        <a:rPr lang="ko-KR" altLang="en-US" sz="1050" b="0" i="0" u="none" strike="noStrike" dirty="0" smtClean="0">
                           <a:solidFill>
                             <a:srgbClr val="000000"/>
                           </a:solidFill>
@@ -7396,7 +5250,7 @@
                         </a:rPr>
                         <a:t>○</a:t>
                       </a:r>
-                      <a:endParaRPr lang="ko-KR" altLang="en-US" sz="600" b="0" i="0" u="none" strike="noStrike" dirty="0">
+                      <a:endParaRPr lang="ko-KR" altLang="en-US" sz="1050" b="0" i="0" u="none" strike="noStrike" dirty="0">
                         <a:solidFill>
                           <a:srgbClr val="000000"/>
                         </a:solidFill>
@@ -7431,7 +5285,7 @@
                         <a:defRPr/>
                       </a:pPr>
                       <a:r>
-                        <a:rPr lang="en-US" altLang="ko-KR" sz="600" b="0" i="0" u="none" strike="noStrike" dirty="0" smtClean="0">
+                        <a:rPr lang="en-US" altLang="ko-KR" sz="900" b="0" i="0" u="none" strike="noStrike" dirty="0" smtClean="0">
                           <a:solidFill>
                             <a:schemeClr val="tx1"/>
                           </a:solidFill>
@@ -7442,7 +5296,7 @@
                         <a:t> - </a:t>
                       </a:r>
                       <a:r>
-                        <a:rPr lang="en-US" altLang="ko-KR" sz="600" b="0" i="0" u="none" strike="noStrike" dirty="0" err="1" smtClean="0">
+                        <a:rPr lang="en-US" altLang="ko-KR" sz="900" b="0" i="0" u="none" strike="noStrike" dirty="0" err="1" smtClean="0">
                           <a:solidFill>
                             <a:schemeClr val="tx1"/>
                           </a:solidFill>
@@ -7453,7 +5307,7 @@
                         <a:t>dpGet</a:t>
                       </a:r>
                       <a:r>
-                        <a:rPr lang="en-US" altLang="ko-KR" sz="600" b="0" i="0" u="none" strike="noStrike" dirty="0" smtClean="0">
+                        <a:rPr lang="en-US" altLang="ko-KR" sz="900" b="0" i="0" u="none" strike="noStrike" dirty="0" smtClean="0">
                           <a:solidFill>
                             <a:schemeClr val="tx1"/>
                           </a:solidFill>
@@ -7464,7 +5318,7 @@
                         <a:t>,</a:t>
                       </a:r>
                       <a:r>
-                        <a:rPr lang="en-US" altLang="ko-KR" sz="600" b="0" i="0" u="none" strike="noStrike" baseline="0" dirty="0" smtClean="0">
+                        <a:rPr lang="en-US" altLang="ko-KR" sz="900" b="0" i="0" u="none" strike="noStrike" baseline="0" dirty="0" smtClean="0">
                           <a:solidFill>
                             <a:schemeClr val="tx1"/>
                           </a:solidFill>
@@ -7475,7 +5329,7 @@
                         <a:t> </a:t>
                       </a:r>
                       <a:r>
-                        <a:rPr lang="en-US" altLang="ko-KR" sz="600" b="0" i="0" u="none" strike="noStrike" dirty="0" err="1" smtClean="0">
+                        <a:rPr lang="en-US" altLang="ko-KR" sz="900" b="0" i="0" u="none" strike="noStrike" dirty="0" err="1" smtClean="0">
                           <a:solidFill>
                             <a:schemeClr val="tx1"/>
                           </a:solidFill>
@@ -7486,7 +5340,7 @@
                         <a:t>dpSet</a:t>
                       </a:r>
                       <a:r>
-                        <a:rPr lang="en-US" altLang="ko-KR" sz="600" b="0" i="0" u="none" strike="noStrike" dirty="0" smtClean="0">
+                        <a:rPr lang="en-US" altLang="ko-KR" sz="900" b="0" i="0" u="none" strike="noStrike" dirty="0" smtClean="0">
                           <a:solidFill>
                             <a:schemeClr val="tx1"/>
                           </a:solidFill>
@@ -7497,7 +5351,7 @@
                         <a:t> </a:t>
                       </a:r>
                       <a:r>
-                        <a:rPr lang="ko-KR" altLang="en-US" sz="600" b="0" i="0" u="none" strike="noStrike" dirty="0" smtClean="0">
+                        <a:rPr lang="ko-KR" altLang="en-US" sz="900" b="0" i="0" u="none" strike="noStrike" dirty="0" smtClean="0">
                           <a:solidFill>
                             <a:schemeClr val="tx1"/>
                           </a:solidFill>
@@ -7508,7 +5362,7 @@
                         <a:t>반복</a:t>
                       </a:r>
                       <a:r>
-                        <a:rPr lang="ko-KR" altLang="en-US" sz="600" b="0" i="0" u="none" strike="noStrike" baseline="0" dirty="0" smtClean="0">
+                        <a:rPr lang="ko-KR" altLang="en-US" sz="900" b="0" i="0" u="none" strike="noStrike" baseline="0" dirty="0" smtClean="0">
                           <a:solidFill>
                             <a:schemeClr val="tx1"/>
                           </a:solidFill>
@@ -7519,7 +5373,7 @@
                         <a:t> 코드가 </a:t>
                       </a:r>
                       <a:r>
-                        <a:rPr lang="ko-KR" altLang="en-US" sz="600" b="0" i="0" u="none" strike="noStrike" baseline="0" dirty="0" err="1" smtClean="0">
+                        <a:rPr lang="ko-KR" altLang="en-US" sz="900" b="0" i="0" u="none" strike="noStrike" baseline="0" dirty="0" err="1" smtClean="0">
                           <a:solidFill>
                             <a:schemeClr val="tx1"/>
                           </a:solidFill>
@@ -7530,7 +5384,7 @@
                         <a:t>반복문</a:t>
                       </a:r>
                       <a:r>
-                        <a:rPr lang="ko-KR" altLang="en-US" sz="600" b="0" i="0" u="none" strike="noStrike" baseline="0" dirty="0" smtClean="0">
+                        <a:rPr lang="ko-KR" altLang="en-US" sz="900" b="0" i="0" u="none" strike="noStrike" baseline="0" dirty="0" smtClean="0">
                           <a:solidFill>
                             <a:schemeClr val="tx1"/>
                           </a:solidFill>
@@ -7541,7 +5395,7 @@
                         <a:t> 내에 사용 확인</a:t>
                       </a:r>
                       <a:r>
-                        <a:rPr lang="en-US" altLang="ko-KR" sz="600" b="0" i="0" u="none" strike="noStrike" baseline="0" dirty="0" smtClean="0">
+                        <a:rPr lang="en-US" altLang="ko-KR" sz="900" b="0" i="0" u="none" strike="noStrike" baseline="0" dirty="0" smtClean="0">
                           <a:solidFill>
                             <a:schemeClr val="tx1"/>
                           </a:solidFill>
@@ -7552,7 +5406,7 @@
                         <a:t/>
                       </a:r>
                       <a:br>
-                        <a:rPr lang="en-US" altLang="ko-KR" sz="600" b="0" i="0" u="none" strike="noStrike" baseline="0" dirty="0" smtClean="0">
+                        <a:rPr lang="en-US" altLang="ko-KR" sz="900" b="0" i="0" u="none" strike="noStrike" baseline="0" dirty="0" smtClean="0">
                           <a:solidFill>
                             <a:schemeClr val="tx1"/>
                           </a:solidFill>
@@ -7562,7 +5416,7 @@
                         </a:rPr>
                       </a:br>
                       <a:r>
-                        <a:rPr lang="en-US" altLang="ko-KR" sz="600" b="0" i="0" u="none" strike="noStrike" baseline="0" dirty="0" smtClean="0">
+                        <a:rPr lang="en-US" altLang="ko-KR" sz="900" b="0" i="0" u="none" strike="noStrike" baseline="0" dirty="0" smtClean="0">
                           <a:solidFill>
                             <a:schemeClr val="tx1"/>
                           </a:solidFill>
@@ -7574,7 +5428,7 @@
                         <a:t> </a:t>
                       </a:r>
                       <a:r>
-                        <a:rPr lang="ko-KR" altLang="en-US" sz="600" b="0" i="0" u="none" strike="noStrike" baseline="0" dirty="0" err="1" smtClean="0">
+                        <a:rPr lang="ko-KR" altLang="en-US" sz="900" b="0" i="0" u="none" strike="noStrike" baseline="0" dirty="0" err="1" smtClean="0">
                           <a:solidFill>
                             <a:schemeClr val="tx1"/>
                           </a:solidFill>
@@ -7586,7 +5440,7 @@
                         <a:t>사용있는</a:t>
                       </a:r>
                       <a:r>
-                        <a:rPr lang="ko-KR" altLang="en-US" sz="600" b="0" i="0" u="none" strike="noStrike" baseline="0" dirty="0" smtClean="0">
+                        <a:rPr lang="ko-KR" altLang="en-US" sz="900" b="0" i="0" u="none" strike="noStrike" baseline="0" dirty="0" smtClean="0">
                           <a:solidFill>
                             <a:schemeClr val="tx1"/>
                           </a:solidFill>
@@ -7597,7 +5451,7 @@
                         </a:rPr>
                         <a:t> 경우 에러 판단</a:t>
                       </a:r>
-                      <a:endParaRPr lang="ko-KR" altLang="en-US" sz="600" b="0" i="0" u="none" strike="noStrike" dirty="0">
+                      <a:endParaRPr lang="ko-KR" altLang="en-US" sz="900" b="0" i="0" u="none" strike="noStrike" dirty="0">
                         <a:solidFill>
                           <a:schemeClr val="tx1"/>
                         </a:solidFill>
@@ -7615,7 +5469,7 @@
                   </a:ext>
                 </a:extLst>
               </a:tr>
-              <a:tr h="123479">
+              <a:tr h="245937">
                 <a:tc vMerge="1">
                   <a:txBody>
                     <a:bodyPr/>
@@ -7639,26 +5493,26 @@
                     <a:bodyPr/>
                     <a:lstStyle/>
                     <a:p>
-                      <a:pPr lvl="0" algn="l" fontAlgn="ctr"/>
-                      <a:r>
-                        <a:rPr lang="ko-KR" altLang="en-US" sz="600" u="none" strike="noStrike" dirty="0">
+                      <a:pPr lvl="1" algn="l" fontAlgn="ctr"/>
+                      <a:r>
+                        <a:rPr lang="ko-KR" altLang="en-US" sz="1050" u="none" strike="noStrike" dirty="0">
                           <a:effectLst/>
                         </a:rPr>
                         <a:t>적절한 </a:t>
                       </a:r>
                       <a:r>
-                        <a:rPr lang="en-US" altLang="ko-KR" sz="600" u="none" strike="noStrike" dirty="0">
+                        <a:rPr lang="en-US" altLang="ko-KR" sz="1050" u="none" strike="noStrike" dirty="0">
                           <a:effectLst/>
                         </a:rPr>
                         <a:t>DP </a:t>
                       </a:r>
                       <a:r>
-                        <a:rPr lang="ko-KR" altLang="en-US" sz="600" u="none" strike="noStrike" dirty="0">
+                        <a:rPr lang="ko-KR" altLang="en-US" sz="1050" u="none" strike="noStrike" dirty="0">
                           <a:effectLst/>
                         </a:rPr>
                         <a:t>처리 함수 사용</a:t>
                       </a:r>
-                      <a:endParaRPr lang="ko-KR" altLang="en-US" sz="600" b="0" i="0" u="none" strike="noStrike" dirty="0">
+                      <a:endParaRPr lang="ko-KR" altLang="en-US" sz="1050" b="0" i="0" u="none" strike="noStrike" dirty="0">
                         <a:solidFill>
                           <a:srgbClr val="000000"/>
                         </a:solidFill>
@@ -7693,7 +5547,7 @@
                         <a:defRPr/>
                       </a:pPr>
                       <a:r>
-                        <a:rPr lang="en-US" altLang="ko-KR" sz="600" b="0" i="0" u="none" strike="noStrike" dirty="0" smtClean="0">
+                        <a:rPr lang="ko-KR" altLang="en-US" sz="1050" b="0" i="0" u="none" strike="noStrike" dirty="0" smtClean="0">
                           <a:solidFill>
                             <a:srgbClr val="000000"/>
                           </a:solidFill>
@@ -7701,16 +5555,8 @@
                           <a:latin typeface="맑은 고딕" panose="020B0503020000020004" pitchFamily="50" charset="-127"/>
                           <a:ea typeface="+mn-ea"/>
                         </a:rPr>
-                        <a:t>X</a:t>
-                      </a:r>
-                      <a:endParaRPr lang="ko-KR" altLang="en-US" sz="600" b="0" i="0" u="none" strike="noStrike" dirty="0" smtClean="0">
-                        <a:solidFill>
-                          <a:srgbClr val="000000"/>
-                        </a:solidFill>
-                        <a:effectLst/>
-                        <a:latin typeface="맑은 고딕" panose="020B0503020000020004" pitchFamily="50" charset="-127"/>
-                        <a:ea typeface="+mn-ea"/>
-                      </a:endParaRPr>
+                        <a:t>○</a:t>
+                      </a:r>
                     </a:p>
                   </a:txBody>
                   <a:tcPr marL="9525" marR="9525" marT="9525" marB="0" anchor="ctr"/>
@@ -7722,7 +5568,7 @@
                     <a:p>
                       <a:pPr algn="l" fontAlgn="ctr"/>
                       <a:r>
-                        <a:rPr lang="en-US" altLang="ko-KR" sz="600" b="0" i="0" u="none" strike="noStrike" dirty="0" smtClean="0">
+                        <a:rPr lang="en-US" altLang="ko-KR" sz="900" b="0" i="0" u="none" strike="noStrike" dirty="0" smtClean="0">
                           <a:solidFill>
                             <a:srgbClr val="000000"/>
                           </a:solidFill>
@@ -7730,9 +5576,75 @@
                           <a:latin typeface="맑은 고딕" panose="020B0503020000020004" pitchFamily="50" charset="-127"/>
                           <a:ea typeface="맑은 고딕" panose="020B0503020000020004" pitchFamily="50" charset="-127"/>
                         </a:rPr>
-                        <a:t> - </a:t>
-                      </a:r>
-                      <a:endParaRPr lang="ko-KR" altLang="en-US" sz="600" b="0" i="0" u="none" strike="noStrike" dirty="0">
+                        <a:t>  Callback</a:t>
+                      </a:r>
+                      <a:r>
+                        <a:rPr lang="en-US" altLang="ko-KR" sz="900" b="0" i="0" u="none" strike="noStrike" baseline="0" dirty="0" smtClean="0">
+                          <a:solidFill>
+                            <a:srgbClr val="000000"/>
+                          </a:solidFill>
+                          <a:effectLst/>
+                          <a:latin typeface="맑은 고딕" panose="020B0503020000020004" pitchFamily="50" charset="-127"/>
+                          <a:ea typeface="맑은 고딕" panose="020B0503020000020004" pitchFamily="50" charset="-127"/>
+                        </a:rPr>
+                        <a:t> </a:t>
+                      </a:r>
+                      <a:r>
+                        <a:rPr lang="ko-KR" altLang="en-US" sz="900" b="0" i="0" u="none" strike="noStrike" baseline="0" dirty="0" smtClean="0">
+                          <a:solidFill>
+                            <a:srgbClr val="000000"/>
+                          </a:solidFill>
+                          <a:effectLst/>
+                          <a:latin typeface="맑은 고딕" panose="020B0503020000020004" pitchFamily="50" charset="-127"/>
+                          <a:ea typeface="맑은 고딕" panose="020B0503020000020004" pitchFamily="50" charset="-127"/>
+                        </a:rPr>
+                        <a:t>함수내 </a:t>
+                      </a:r>
+                      <a:r>
+                        <a:rPr lang="en-US" altLang="ko-KR" sz="900" b="0" i="0" u="none" strike="noStrike" baseline="0" dirty="0" smtClean="0">
+                          <a:solidFill>
+                            <a:srgbClr val="000000"/>
+                          </a:solidFill>
+                          <a:effectLst/>
+                          <a:latin typeface="맑은 고딕" panose="020B0503020000020004" pitchFamily="50" charset="-127"/>
+                          <a:ea typeface="맑은 고딕" panose="020B0503020000020004" pitchFamily="50" charset="-127"/>
+                        </a:rPr>
+                        <a:t>Delay </a:t>
+                      </a:r>
+                      <a:r>
+                        <a:rPr lang="ko-KR" altLang="en-US" sz="900" b="0" i="0" u="none" strike="noStrike" baseline="0" dirty="0" smtClean="0">
+                          <a:solidFill>
+                            <a:srgbClr val="000000"/>
+                          </a:solidFill>
+                          <a:effectLst/>
+                          <a:latin typeface="맑은 고딕" panose="020B0503020000020004" pitchFamily="50" charset="-127"/>
+                          <a:ea typeface="맑은 고딕" panose="020B0503020000020004" pitchFamily="50" charset="-127"/>
+                        </a:rPr>
+                        <a:t>처리 유</a:t>
+                      </a:r>
+                      <a:r>
+                        <a:rPr lang="en-US" altLang="ko-KR" sz="900" b="0" i="0" u="none" strike="noStrike" baseline="0" dirty="0" smtClean="0">
+                          <a:solidFill>
+                            <a:srgbClr val="000000"/>
+                          </a:solidFill>
+                          <a:effectLst/>
+                          <a:latin typeface="맑은 고딕" panose="020B0503020000020004" pitchFamily="50" charset="-127"/>
+                          <a:ea typeface="맑은 고딕" panose="020B0503020000020004" pitchFamily="50" charset="-127"/>
+                        </a:rPr>
+                        <a:t>/</a:t>
+                      </a:r>
+                      <a:r>
+                        <a:rPr lang="ko-KR" altLang="en-US" sz="900" b="0" i="0" u="none" strike="noStrike" baseline="0" dirty="0" smtClean="0">
+                          <a:solidFill>
+                            <a:srgbClr val="000000"/>
+                          </a:solidFill>
+                          <a:effectLst/>
+                          <a:latin typeface="맑은 고딕" panose="020B0503020000020004" pitchFamily="50" charset="-127"/>
+                          <a:ea typeface="맑은 고딕" panose="020B0503020000020004" pitchFamily="50" charset="-127"/>
+                        </a:rPr>
+                        <a:t>무 확인</a:t>
+                      </a:r>
+                      <a:endParaRPr lang="ko-KR" altLang="en-US" sz="900" b="0" i="0" u="none" strike="noStrike" dirty="0">
                         <a:solidFill>
                           <a:srgbClr val="000000"/>
                         </a:solidFill>
@@ -7750,7 +5662,7 @@
                   </a:ext>
                 </a:extLst>
               </a:tr>
-              <a:tr h="123479">
+              <a:tr h="245937">
                 <a:tc vMerge="1">
                   <a:txBody>
                     <a:bodyPr/>
@@ -7774,22 +5686,34 @@
                     <a:bodyPr/>
                     <a:lstStyle/>
                     <a:p>
-                      <a:pPr lvl="0" algn="l" fontAlgn="ctr"/>
-                      <a:r>
-                        <a:rPr lang="en-US" sz="600" u="none" strike="noStrike" dirty="0">
+                      <a:pPr lvl="1" algn="l" fontAlgn="ctr"/>
+                      <a:r>
+                        <a:rPr lang="en-US" sz="1050" u="none" strike="noStrike" dirty="0">
+                          <a:solidFill>
+                            <a:schemeClr val="bg1">
+                              <a:lumMod val="50000"/>
+                            </a:schemeClr>
+                          </a:solidFill>
                           <a:effectLst/>
                         </a:rPr>
                         <a:t>DP Query </a:t>
                       </a:r>
                       <a:r>
-                        <a:rPr lang="ko-KR" altLang="en-US" sz="600" u="none" strike="noStrike" dirty="0">
+                        <a:rPr lang="ko-KR" altLang="en-US" sz="1050" u="none" strike="noStrike" dirty="0">
+                          <a:solidFill>
+                            <a:schemeClr val="bg1">
+                              <a:lumMod val="50000"/>
+                            </a:schemeClr>
+                          </a:solidFill>
                           <a:effectLst/>
                         </a:rPr>
                         <a:t>최적화 구현</a:t>
                       </a:r>
-                      <a:endParaRPr lang="ko-KR" altLang="en-US" sz="600" b="0" i="0" u="none" strike="noStrike" dirty="0">
-                        <a:solidFill>
-                          <a:srgbClr val="000000"/>
+                      <a:endParaRPr lang="ko-KR" altLang="en-US" sz="1050" b="0" i="0" u="none" strike="noStrike" dirty="0">
+                        <a:solidFill>
+                          <a:schemeClr val="bg1">
+                            <a:lumMod val="50000"/>
+                          </a:schemeClr>
                         </a:solidFill>
                         <a:effectLst/>
                         <a:latin typeface="맑은 고딕" panose="020B0503020000020004" pitchFamily="50" charset="-127"/>
@@ -7797,7 +5721,13 @@
                       </a:endParaRPr>
                     </a:p>
                   </a:txBody>
-                  <a:tcPr marL="9525" marR="9525" marT="9525" marB="0" anchor="ctr"/>
+                  <a:tcPr marL="9525" marR="9525" marT="9525" marB="0" anchor="ctr">
+                    <a:solidFill>
+                      <a:schemeClr val="bg1">
+                        <a:lumMod val="85000"/>
+                      </a:schemeClr>
+                    </a:solidFill>
+                  </a:tcPr>
                 </a:tc>
                 <a:tc>
                   <a:txBody>
@@ -7822,9 +5752,11 @@
                         <a:defRPr/>
                       </a:pPr>
                       <a:r>
-                        <a:rPr lang="en-US" altLang="ko-KR" sz="600" b="0" i="0" u="none" strike="noStrike" dirty="0" smtClean="0">
-                          <a:solidFill>
-                            <a:srgbClr val="000000"/>
+                        <a:rPr lang="en-US" altLang="ko-KR" sz="1050" b="0" i="0" u="none" strike="noStrike" dirty="0" smtClean="0">
+                          <a:solidFill>
+                            <a:schemeClr val="bg1">
+                              <a:lumMod val="50000"/>
+                            </a:schemeClr>
                           </a:solidFill>
                           <a:effectLst/>
                           <a:latin typeface="맑은 고딕" panose="020B0503020000020004" pitchFamily="50" charset="-127"/>
@@ -7832,9 +5764,11 @@
                         </a:rPr>
                         <a:t>X</a:t>
                       </a:r>
-                      <a:endParaRPr lang="ko-KR" altLang="en-US" sz="600" b="0" i="0" u="none" strike="noStrike" dirty="0" smtClean="0">
-                        <a:solidFill>
-                          <a:srgbClr val="000000"/>
+                      <a:endParaRPr lang="ko-KR" altLang="en-US" sz="1050" b="0" i="0" u="none" strike="noStrike" dirty="0" smtClean="0">
+                        <a:solidFill>
+                          <a:schemeClr val="bg1">
+                            <a:lumMod val="50000"/>
+                          </a:schemeClr>
                         </a:solidFill>
                         <a:effectLst/>
                         <a:latin typeface="맑은 고딕" panose="020B0503020000020004" pitchFamily="50" charset="-127"/>
@@ -7842,7 +5776,13 @@
                       </a:endParaRPr>
                     </a:p>
                   </a:txBody>
-                  <a:tcPr marL="9525" marR="9525" marT="9525" marB="0" anchor="ctr"/>
+                  <a:tcPr marL="9525" marR="9525" marT="9525" marB="0" anchor="ctr">
+                    <a:solidFill>
+                      <a:schemeClr val="bg1">
+                        <a:lumMod val="85000"/>
+                      </a:schemeClr>
+                    </a:solidFill>
+                  </a:tcPr>
                 </a:tc>
                 <a:tc>
                   <a:txBody>
@@ -7850,86 +5790,11 @@
                     <a:lstStyle/>
                     <a:p>
                       <a:pPr algn="l" fontAlgn="ctr"/>
-                      <a:r>
-                        <a:rPr lang="en-US" altLang="ko-KR" sz="600" b="0" i="0" u="none" strike="noStrike" dirty="0" smtClean="0">
-                          <a:solidFill>
-                            <a:srgbClr val="000000"/>
-                          </a:solidFill>
-                          <a:effectLst/>
-                          <a:latin typeface="맑은 고딕" panose="020B0503020000020004" pitchFamily="50" charset="-127"/>
-                          <a:ea typeface="맑은 고딕" panose="020B0503020000020004" pitchFamily="50" charset="-127"/>
-                        </a:rPr>
-                        <a:t> -</a:t>
-                      </a:r>
-                      <a:r>
-                        <a:rPr lang="en-US" altLang="ko-KR" sz="600" b="0" i="0" u="none" strike="noStrike" baseline="0" dirty="0" smtClean="0">
-                          <a:solidFill>
-                            <a:srgbClr val="000000"/>
-                          </a:solidFill>
-                          <a:effectLst/>
-                          <a:latin typeface="맑은 고딕" panose="020B0503020000020004" pitchFamily="50" charset="-127"/>
-                          <a:ea typeface="맑은 고딕" panose="020B0503020000020004" pitchFamily="50" charset="-127"/>
-                        </a:rPr>
-                        <a:t> </a:t>
-                      </a:r>
-                      <a:r>
-                        <a:rPr lang="ko-KR" altLang="en-US" sz="600" b="0" i="0" u="none" strike="noStrike" baseline="0" dirty="0" smtClean="0">
-                          <a:solidFill>
-                            <a:srgbClr val="000000"/>
-                          </a:solidFill>
-                          <a:effectLst/>
-                          <a:latin typeface="맑은 고딕" panose="020B0503020000020004" pitchFamily="50" charset="-127"/>
-                          <a:ea typeface="맑은 고딕" panose="020B0503020000020004" pitchFamily="50" charset="-127"/>
-                        </a:rPr>
-                        <a:t>보통 </a:t>
-                      </a:r>
-                      <a:r>
-                        <a:rPr lang="en-US" altLang="ko-KR" sz="600" b="0" i="0" u="none" strike="noStrike" baseline="0" dirty="0" smtClean="0">
-                          <a:solidFill>
-                            <a:srgbClr val="000000"/>
-                          </a:solidFill>
-                          <a:effectLst/>
-                          <a:latin typeface="맑은 고딕" panose="020B0503020000020004" pitchFamily="50" charset="-127"/>
-                          <a:ea typeface="맑은 고딕" panose="020B0503020000020004" pitchFamily="50" charset="-127"/>
-                        </a:rPr>
-                        <a:t>Query</a:t>
-                      </a:r>
-                      <a:r>
-                        <a:rPr lang="ko-KR" altLang="en-US" sz="600" b="0" i="0" u="none" strike="noStrike" baseline="0" dirty="0" smtClean="0">
-                          <a:solidFill>
-                            <a:srgbClr val="000000"/>
-                          </a:solidFill>
-                          <a:effectLst/>
-                          <a:latin typeface="맑은 고딕" panose="020B0503020000020004" pitchFamily="50" charset="-127"/>
-                          <a:ea typeface="맑은 고딕" panose="020B0503020000020004" pitchFamily="50" charset="-127"/>
-                        </a:rPr>
-                        <a:t>들이 함수화 처리되어 완성된 </a:t>
-                      </a:r>
-                      <a:r>
-                        <a:rPr lang="en-US" altLang="ko-KR" sz="600" b="0" i="0" u="none" strike="noStrike" baseline="0" dirty="0" smtClean="0">
-                          <a:solidFill>
-                            <a:srgbClr val="000000"/>
-                          </a:solidFill>
-                          <a:effectLst/>
-                          <a:latin typeface="맑은 고딕" panose="020B0503020000020004" pitchFamily="50" charset="-127"/>
-                          <a:ea typeface="맑은 고딕" panose="020B0503020000020004" pitchFamily="50" charset="-127"/>
-                        </a:rPr>
-                        <a:t>Query </a:t>
-                      </a:r>
-                      <a:r>
-                        <a:rPr lang="ko-KR" altLang="en-US" sz="600" b="0" i="0" u="none" strike="noStrike" baseline="0" dirty="0" smtClean="0">
-                          <a:solidFill>
-                            <a:srgbClr val="000000"/>
-                          </a:solidFill>
-                          <a:effectLst/>
-                          <a:latin typeface="맑은 고딕" panose="020B0503020000020004" pitchFamily="50" charset="-127"/>
-                          <a:ea typeface="맑은 고딕" panose="020B0503020000020004" pitchFamily="50" charset="-127"/>
-                        </a:rPr>
-                        <a:t>확인 어려움</a:t>
-                      </a:r>
-                      <a:endParaRPr lang="ko-KR" altLang="en-US" sz="600" b="0" i="0" u="none" strike="noStrike" dirty="0">
-                        <a:solidFill>
-                          <a:srgbClr val="000000"/>
+                      <a:endParaRPr lang="ko-KR" altLang="en-US" sz="900" b="0" i="0" u="none" strike="noStrike" dirty="0">
+                        <a:solidFill>
+                          <a:schemeClr val="bg1">
+                            <a:lumMod val="50000"/>
+                          </a:schemeClr>
                         </a:solidFill>
                         <a:effectLst/>
                         <a:latin typeface="맑은 고딕" panose="020B0503020000020004" pitchFamily="50" charset="-127"/>
@@ -7937,7 +5802,13 @@
                       </a:endParaRPr>
                     </a:p>
                   </a:txBody>
-                  <a:tcPr marL="9525" marR="9525" marT="9525" marB="0" anchor="ctr"/>
+                  <a:tcPr marL="9525" marR="9525" marT="9525" marB="0" anchor="ctr">
+                    <a:solidFill>
+                      <a:schemeClr val="bg1">
+                        <a:lumMod val="85000"/>
+                      </a:schemeClr>
+                    </a:solidFill>
+                  </a:tcPr>
                 </a:tc>
                 <a:extLst>
                   <a:ext uri="{0D108BD9-81ED-4DB2-BD59-A6C34878D82A}">
@@ -7945,7 +5816,7 @@
                   </a:ext>
                 </a:extLst>
               </a:tr>
-              <a:tr h="235309">
+              <a:tr h="351716">
                 <a:tc vMerge="1">
                   <a:txBody>
                     <a:bodyPr/>
@@ -7969,55 +5840,67 @@
                     <a:bodyPr/>
                     <a:lstStyle/>
                     <a:p>
-                      <a:pPr lvl="0" algn="l" fontAlgn="ctr"/>
-                      <a:r>
-                        <a:rPr lang="en-US" sz="600" u="none" strike="noStrike" dirty="0" err="1">
-                          <a:solidFill>
-                            <a:schemeClr val="tx1"/>
+                      <a:pPr lvl="1" algn="l" fontAlgn="ctr"/>
+                      <a:r>
+                        <a:rPr lang="en-US" sz="1050" u="none" strike="noStrike" dirty="0" err="1">
+                          <a:solidFill>
+                            <a:schemeClr val="bg1">
+                              <a:lumMod val="50000"/>
+                            </a:schemeClr>
                           </a:solidFill>
                           <a:effectLst/>
                         </a:rPr>
                         <a:t>Raima</a:t>
                       </a:r>
                       <a:r>
-                        <a:rPr lang="en-US" sz="600" u="none" strike="noStrike" dirty="0">
-                          <a:solidFill>
-                            <a:schemeClr val="tx1"/>
+                        <a:rPr lang="en-US" sz="1050" u="none" strike="noStrike" dirty="0">
+                          <a:solidFill>
+                            <a:schemeClr val="bg1">
+                              <a:lumMod val="50000"/>
+                            </a:schemeClr>
                           </a:solidFill>
                           <a:effectLst/>
                         </a:rPr>
                         <a:t> </a:t>
                       </a:r>
                       <a:r>
-                        <a:rPr lang="en-US" sz="600" u="none" strike="noStrike" dirty="0" smtClean="0">
-                          <a:solidFill>
-                            <a:schemeClr val="tx1"/>
+                        <a:rPr lang="en-US" sz="1050" u="none" strike="noStrike" dirty="0" smtClean="0">
+                          <a:solidFill>
+                            <a:schemeClr val="bg1">
+                              <a:lumMod val="50000"/>
+                            </a:schemeClr>
                           </a:solidFill>
                           <a:effectLst/>
                         </a:rPr>
                         <a:t>DB</a:t>
                       </a:r>
                       <a:r>
-                        <a:rPr lang="en-US" sz="600" u="none" strike="noStrike" baseline="0" dirty="0" smtClean="0">
-                          <a:solidFill>
-                            <a:schemeClr val="tx1"/>
+                        <a:rPr lang="en-US" sz="1050" u="none" strike="noStrike" baseline="0" dirty="0" smtClean="0">
+                          <a:solidFill>
+                            <a:schemeClr val="bg1">
+                              <a:lumMod val="50000"/>
+                            </a:schemeClr>
                           </a:solidFill>
                           <a:effectLst/>
                         </a:rPr>
                         <a:t> </a:t>
                       </a:r>
                       <a:r>
-                        <a:rPr lang="ko-KR" altLang="en-US" sz="600" u="none" strike="noStrike" baseline="0" dirty="0" smtClean="0">
-                          <a:solidFill>
-                            <a:schemeClr val="tx1"/>
+                        <a:rPr lang="ko-KR" altLang="en-US" sz="1050" u="none" strike="noStrike" baseline="0" dirty="0" smtClean="0">
+                          <a:solidFill>
+                            <a:schemeClr val="bg1">
+                              <a:lumMod val="50000"/>
+                            </a:schemeClr>
                           </a:solidFill>
                           <a:effectLst/>
                         </a:rPr>
                         <a:t>증가 방지</a:t>
                       </a:r>
-                      <a:endParaRPr lang="ko-KR" altLang="en-US" sz="600" b="0" i="0" u="none" strike="noStrike" dirty="0">
-                        <a:solidFill>
-                          <a:schemeClr val="tx1"/>
+                      <a:endParaRPr lang="ko-KR" altLang="en-US" sz="1050" b="0" i="0" u="none" strike="noStrike" dirty="0">
+                        <a:solidFill>
+                          <a:schemeClr val="bg1">
+                            <a:lumMod val="50000"/>
+                          </a:schemeClr>
                         </a:solidFill>
                         <a:effectLst/>
                         <a:latin typeface="맑은 고딕" panose="020B0503020000020004" pitchFamily="50" charset="-127"/>
@@ -8025,7 +5908,13 @@
                       </a:endParaRPr>
                     </a:p>
                   </a:txBody>
-                  <a:tcPr marL="9525" marR="9525" marT="9525" marB="0" anchor="ctr"/>
+                  <a:tcPr marL="9525" marR="9525" marT="9525" marB="0" anchor="ctr">
+                    <a:solidFill>
+                      <a:schemeClr val="bg1">
+                        <a:lumMod val="85000"/>
+                      </a:schemeClr>
+                    </a:solidFill>
+                  </a:tcPr>
                 </a:tc>
                 <a:tc>
                   <a:txBody>
@@ -8050,19 +5939,37 @@
                         <a:defRPr/>
                       </a:pPr>
                       <a:r>
-                        <a:rPr lang="ko-KR" altLang="en-US" sz="600" b="0" i="0" u="none" strike="noStrike" dirty="0" smtClean="0">
-                          <a:solidFill>
-                            <a:srgbClr val="000000"/>
+                        <a:rPr lang="en-US" altLang="ko-KR" sz="1050" b="0" i="0" u="none" strike="noStrike" dirty="0" smtClean="0">
+                          <a:solidFill>
+                            <a:schemeClr val="bg1">
+                              <a:lumMod val="50000"/>
+                            </a:schemeClr>
                           </a:solidFill>
                           <a:effectLst/>
                           <a:latin typeface="맑은 고딕" panose="020B0503020000020004" pitchFamily="50" charset="-127"/>
                           <a:ea typeface="+mn-ea"/>
                         </a:rPr>
-                        <a:t>○</a:t>
-                      </a:r>
-                    </a:p>
-                  </a:txBody>
-                  <a:tcPr marL="9525" marR="9525" marT="9525" marB="0" anchor="ctr"/>
+                        <a:t>X</a:t>
+                      </a:r>
+                      <a:endParaRPr lang="ko-KR" altLang="en-US" sz="1050" b="0" i="0" u="none" strike="noStrike" dirty="0" smtClean="0">
+                        <a:solidFill>
+                          <a:schemeClr val="bg1">
+                            <a:lumMod val="50000"/>
+                          </a:schemeClr>
+                        </a:solidFill>
+                        <a:effectLst/>
+                        <a:latin typeface="맑은 고딕" panose="020B0503020000020004" pitchFamily="50" charset="-127"/>
+                        <a:ea typeface="+mn-ea"/>
+                      </a:endParaRPr>
+                    </a:p>
+                  </a:txBody>
+                  <a:tcPr marL="9525" marR="9525" marT="9525" marB="0" anchor="ctr">
+                    <a:solidFill>
+                      <a:schemeClr val="bg1">
+                        <a:lumMod val="85000"/>
+                      </a:schemeClr>
+                    </a:solidFill>
+                  </a:tcPr>
                 </a:tc>
                 <a:tc>
                   <a:txBody>
@@ -8087,200 +5994,75 @@
                         <a:defRPr/>
                       </a:pPr>
                       <a:r>
-                        <a:rPr lang="en-US" altLang="ko-KR" sz="600" b="0" i="0" u="none" strike="noStrike" dirty="0" smtClean="0">
-                          <a:solidFill>
-                            <a:srgbClr val="000000"/>
+                        <a:rPr lang="en-US" altLang="ko-KR" sz="900" b="0" i="0" u="none" strike="noStrike" dirty="0" smtClean="0">
+                          <a:solidFill>
+                            <a:schemeClr val="bg1">
+                              <a:lumMod val="50000"/>
+                            </a:schemeClr>
                           </a:solidFill>
                           <a:effectLst/>
                           <a:latin typeface="+mn-ea"/>
                           <a:ea typeface="+mn-ea"/>
                         </a:rPr>
-                        <a:t> - </a:t>
-                      </a:r>
-                      <a:r>
-                        <a:rPr lang="en-US" altLang="ko-KR" sz="600" b="0" i="0" u="none" strike="noStrike" dirty="0" err="1" smtClean="0">
-                          <a:solidFill>
-                            <a:srgbClr val="000000"/>
+                        <a:t> </a:t>
+                      </a:r>
+                      <a:r>
+                        <a:rPr lang="en-US" altLang="ko-KR" sz="900" b="0" i="0" u="none" strike="noStrike" baseline="0" dirty="0" smtClean="0">
+                          <a:solidFill>
+                            <a:schemeClr val="bg1">
+                              <a:lumMod val="50000"/>
+                            </a:schemeClr>
                           </a:solidFill>
                           <a:effectLst/>
                           <a:latin typeface="+mn-ea"/>
                           <a:ea typeface="+mn-ea"/>
                         </a:rPr>
-                        <a:t>dpSet</a:t>
-                      </a:r>
-                      <a:r>
-                        <a:rPr lang="en-US" altLang="ko-KR" sz="600" b="0" i="0" u="none" strike="noStrike" baseline="0" dirty="0" smtClean="0">
-                          <a:solidFill>
-                            <a:srgbClr val="000000"/>
+                        <a:t> </a:t>
+                      </a:r>
+                      <a:r>
+                        <a:rPr lang="en-US" altLang="ko-KR" sz="900" b="0" i="0" u="none" strike="noStrike" baseline="0" dirty="0" err="1" smtClean="0">
+                          <a:solidFill>
+                            <a:schemeClr val="bg1">
+                              <a:lumMod val="50000"/>
+                            </a:schemeClr>
                           </a:solidFill>
                           <a:effectLst/>
                           <a:latin typeface="+mn-ea"/>
                           <a:ea typeface="+mn-ea"/>
                         </a:rPr>
-                        <a:t> </a:t>
-                      </a:r>
-                      <a:r>
-                        <a:rPr lang="ko-KR" altLang="en-US" sz="600" b="0" i="0" u="none" strike="noStrike" baseline="0" dirty="0" smtClean="0">
-                          <a:solidFill>
-                            <a:srgbClr val="000000"/>
+                        <a:t>dpSet</a:t>
+                      </a:r>
+                      <a:r>
+                        <a:rPr lang="en-US" altLang="ko-KR" sz="900" b="0" i="0" u="none" strike="noStrike" baseline="0" dirty="0" smtClean="0">
+                          <a:solidFill>
+                            <a:schemeClr val="bg1">
+                              <a:lumMod val="50000"/>
+                            </a:schemeClr>
                           </a:solidFill>
                           <a:effectLst/>
                           <a:latin typeface="+mn-ea"/>
                           <a:ea typeface="+mn-ea"/>
                         </a:rPr>
-                        <a:t>처리 시 </a:t>
-                      </a:r>
-                      <a:r>
-                        <a:rPr lang="ko-KR" altLang="en-US" sz="600" b="0" i="0" u="none" strike="noStrike" baseline="0" dirty="0" err="1" smtClean="0">
-                          <a:solidFill>
-                            <a:srgbClr val="000000"/>
+                        <a:t> </a:t>
+                      </a:r>
+                      <a:r>
+                        <a:rPr lang="ko-KR" altLang="en-US" sz="900" b="0" i="0" u="none" strike="noStrike" baseline="0" dirty="0" smtClean="0">
+                          <a:solidFill>
+                            <a:schemeClr val="bg1">
+                              <a:lumMod val="50000"/>
+                            </a:schemeClr>
                           </a:solidFill>
                           <a:effectLst/>
                           <a:latin typeface="+mn-ea"/>
                           <a:ea typeface="+mn-ea"/>
                         </a:rPr>
-                        <a:t>파라미터</a:t>
-                      </a:r>
-                      <a:r>
-                        <a:rPr lang="ko-KR" altLang="en-US" sz="600" b="0" i="0" u="none" strike="noStrike" baseline="0" dirty="0" smtClean="0">
-                          <a:solidFill>
-                            <a:srgbClr val="000000"/>
-                          </a:solidFill>
-                          <a:effectLst/>
-                          <a:latin typeface="+mn-ea"/>
-                          <a:ea typeface="+mn-ea"/>
-                        </a:rPr>
-                        <a:t> 대상이 </a:t>
-                      </a:r>
-                      <a:r>
-                        <a:rPr lang="en-US" altLang="ko-KR" sz="600" b="0" i="0" u="none" strike="noStrike" baseline="0" dirty="0" err="1" smtClean="0">
-                          <a:solidFill>
-                            <a:srgbClr val="000000"/>
-                          </a:solidFill>
-                          <a:effectLst/>
-                          <a:latin typeface="+mn-ea"/>
-                          <a:ea typeface="+mn-ea"/>
-                        </a:rPr>
-                        <a:t>config</a:t>
-                      </a:r>
-                      <a:r>
-                        <a:rPr lang="en-US" altLang="ko-KR" sz="600" b="0" i="0" u="none" strike="noStrike" baseline="0" dirty="0" smtClean="0">
-                          <a:solidFill>
-                            <a:srgbClr val="000000"/>
-                          </a:solidFill>
-                          <a:effectLst/>
-                          <a:latin typeface="+mn-ea"/>
-                          <a:ea typeface="+mn-ea"/>
-                        </a:rPr>
-                        <a:t> </a:t>
-                      </a:r>
-                      <a:r>
-                        <a:rPr lang="ko-KR" altLang="en-US" sz="600" b="0" i="0" u="none" strike="noStrike" baseline="0" dirty="0" smtClean="0">
-                          <a:solidFill>
-                            <a:srgbClr val="000000"/>
-                          </a:solidFill>
-                          <a:effectLst/>
-                          <a:latin typeface="+mn-ea"/>
-                          <a:ea typeface="+mn-ea"/>
-                        </a:rPr>
-                        <a:t>사용 확인</a:t>
-                      </a:r>
-                      <a:r>
-                        <a:rPr lang="en-US" altLang="ko-KR" sz="600" b="0" i="0" u="none" strike="noStrike" baseline="0" dirty="0" smtClean="0">
-                          <a:solidFill>
-                            <a:srgbClr val="000000"/>
-                          </a:solidFill>
-                          <a:effectLst/>
-                          <a:latin typeface="+mn-ea"/>
-                          <a:ea typeface="+mn-ea"/>
-                        </a:rPr>
-                        <a:t/>
-                      </a:r>
-                      <a:br>
-                        <a:rPr lang="en-US" altLang="ko-KR" sz="600" b="0" i="0" u="none" strike="noStrike" baseline="0" dirty="0" smtClean="0">
-                          <a:solidFill>
-                            <a:srgbClr val="000000"/>
-                          </a:solidFill>
-                          <a:effectLst/>
-                          <a:latin typeface="+mn-ea"/>
-                          <a:ea typeface="+mn-ea"/>
-                        </a:rPr>
-                      </a:br>
-                      <a:r>
-                        <a:rPr lang="en-US" altLang="ko-KR" sz="600" b="0" i="0" u="none" strike="noStrike" baseline="0" dirty="0" smtClean="0">
-                          <a:solidFill>
-                            <a:schemeClr val="tx1"/>
-                          </a:solidFill>
-                          <a:effectLst/>
-                          <a:latin typeface="+mn-ea"/>
-                          <a:ea typeface="+mn-ea"/>
-                          <a:sym typeface="Wingdings" panose="05000000000000000000" pitchFamily="2" charset="2"/>
-                        </a:rPr>
-                        <a:t> </a:t>
-                      </a:r>
-                      <a:r>
-                        <a:rPr lang="ko-KR" altLang="en-US" sz="600" b="0" i="0" u="none" strike="noStrike" baseline="0" dirty="0" err="1" smtClean="0">
-                          <a:solidFill>
-                            <a:schemeClr val="tx1"/>
-                          </a:solidFill>
-                          <a:effectLst/>
-                          <a:latin typeface="+mn-ea"/>
-                          <a:ea typeface="+mn-ea"/>
-                          <a:sym typeface="Wingdings" panose="05000000000000000000" pitchFamily="2" charset="2"/>
-                        </a:rPr>
-                        <a:t>사용있는</a:t>
-                      </a:r>
-                      <a:r>
-                        <a:rPr lang="ko-KR" altLang="en-US" sz="600" b="0" i="0" u="none" strike="noStrike" baseline="0" dirty="0" smtClean="0">
-                          <a:solidFill>
-                            <a:schemeClr val="tx1"/>
-                          </a:solidFill>
-                          <a:effectLst/>
-                          <a:latin typeface="+mn-ea"/>
-                          <a:ea typeface="+mn-ea"/>
-                          <a:sym typeface="Wingdings" panose="05000000000000000000" pitchFamily="2" charset="2"/>
-                        </a:rPr>
-                        <a:t> 경우 에러 판단</a:t>
-                      </a:r>
-                      <a:endParaRPr lang="ko-KR" altLang="en-US" sz="600" b="0" i="0" u="none" strike="noStrike" dirty="0">
-                        <a:solidFill>
-                          <a:srgbClr val="000000"/>
-                        </a:solidFill>
-                        <a:effectLst/>
-                        <a:latin typeface="맑은 고딕" panose="020B0503020000020004" pitchFamily="50" charset="-127"/>
-                        <a:ea typeface="맑은 고딕" panose="020B0503020000020004" pitchFamily="50" charset="-127"/>
-                      </a:endParaRPr>
-                    </a:p>
-                  </a:txBody>
-                  <a:tcPr marL="9525" marR="9525" marT="9525" marB="0" anchor="ctr"/>
-                </a:tc>
-                <a:extLst>
-                  <a:ext uri="{0D108BD9-81ED-4DB2-BD59-A6C34878D82A}">
-                    <a16:rowId xmlns:a16="http://schemas.microsoft.com/office/drawing/2014/main" val="3040971575"/>
-                  </a:ext>
-                </a:extLst>
-              </a:tr>
-              <a:tr h="123479">
-                <a:tc rowSpan="4">
-                  <a:txBody>
-                    <a:bodyPr/>
-                    <a:lstStyle/>
-                    <a:p>
-                      <a:pPr algn="ctr" fontAlgn="ctr"/>
-                      <a:r>
-                        <a:rPr lang="en-US" altLang="ko-KR" sz="600" b="1" i="0" u="none" strike="noStrike" dirty="0" smtClean="0">
-                          <a:solidFill>
-                            <a:srgbClr val="000000"/>
-                          </a:solidFill>
-                          <a:effectLst/>
-                          <a:latin typeface="맑은 고딕" panose="020B0503020000020004" pitchFamily="50" charset="-127"/>
-                          <a:ea typeface="맑은 고딕" panose="020B0503020000020004" pitchFamily="50" charset="-127"/>
-                        </a:rPr>
-                        <a:t>DB</a:t>
-                      </a:r>
-                      <a:endParaRPr lang="ko-KR" altLang="en-US" sz="600" b="1" i="0" u="none" strike="noStrike" dirty="0">
-                        <a:solidFill>
-                          <a:srgbClr val="000000"/>
+                        <a:t>처리하는 변수에 저장하는 텍스트 확인 어려움</a:t>
+                      </a:r>
+                      <a:endParaRPr lang="ko-KR" altLang="en-US" sz="900" b="0" i="0" u="none" strike="noStrike" dirty="0">
+                        <a:solidFill>
+                          <a:schemeClr val="bg1">
+                            <a:lumMod val="50000"/>
+                          </a:schemeClr>
                         </a:solidFill>
                         <a:effectLst/>
                         <a:latin typeface="맑은 고딕" panose="020B0503020000020004" pitchFamily="50" charset="-127"/>
@@ -8296,33 +6078,92 @@
                     </a:solidFill>
                   </a:tcPr>
                 </a:tc>
+                <a:extLst>
+                  <a:ext uri="{0D108BD9-81ED-4DB2-BD59-A6C34878D82A}">
+                    <a16:rowId xmlns:a16="http://schemas.microsoft.com/office/drawing/2014/main" val="3040971575"/>
+                  </a:ext>
+                </a:extLst>
+              </a:tr>
+              <a:tr h="351716">
+                <a:tc rowSpan="4">
+                  <a:txBody>
+                    <a:bodyPr/>
+                    <a:lstStyle/>
+                    <a:p>
+                      <a:pPr algn="ctr" fontAlgn="ctr"/>
+                      <a:r>
+                        <a:rPr lang="en-US" altLang="ko-KR" sz="1100" b="1" i="0" u="none" strike="noStrike" dirty="0" smtClean="0">
+                          <a:solidFill>
+                            <a:srgbClr val="000000"/>
+                          </a:solidFill>
+                          <a:effectLst/>
+                          <a:latin typeface="맑은 고딕" panose="020B0503020000020004" pitchFamily="50" charset="-127"/>
+                          <a:ea typeface="맑은 고딕" panose="020B0503020000020004" pitchFamily="50" charset="-127"/>
+                        </a:rPr>
+                        <a:t>DB</a:t>
+                      </a:r>
+                      <a:endParaRPr lang="ko-KR" altLang="en-US" sz="1100" b="1" i="0" u="none" strike="noStrike" dirty="0">
+                        <a:solidFill>
+                          <a:srgbClr val="000000"/>
+                        </a:solidFill>
+                        <a:effectLst/>
+                        <a:latin typeface="맑은 고딕" panose="020B0503020000020004" pitchFamily="50" charset="-127"/>
+                        <a:ea typeface="맑은 고딕" panose="020B0503020000020004" pitchFamily="50" charset="-127"/>
+                      </a:endParaRPr>
+                    </a:p>
+                  </a:txBody>
+                  <a:tcPr marL="9525" marR="9525" marT="9525" marB="0" anchor="ctr">
+                    <a:solidFill>
+                      <a:schemeClr val="bg1">
+                        <a:lumMod val="85000"/>
+                      </a:schemeClr>
+                    </a:solidFill>
+                  </a:tcPr>
+                </a:tc>
                 <a:tc>
                   <a:txBody>
                     <a:bodyPr/>
                     <a:lstStyle/>
                     <a:p>
-                      <a:pPr lvl="0" algn="l" fontAlgn="ctr"/>
-                      <a:r>
-                        <a:rPr lang="en-US" altLang="ko-KR" sz="600" u="none" strike="noStrike" dirty="0" smtClean="0">
+                      <a:pPr lvl="1" algn="l" fontAlgn="ctr"/>
+                      <a:r>
+                        <a:rPr lang="en-US" altLang="ko-KR" sz="1050" u="none" strike="noStrike" dirty="0" smtClean="0">
+                          <a:solidFill>
+                            <a:schemeClr val="bg1">
+                              <a:lumMod val="50000"/>
+                            </a:schemeClr>
+                          </a:solidFill>
                           <a:effectLst/>
                         </a:rPr>
                         <a:t>DB </a:t>
                       </a:r>
                       <a:r>
-                        <a:rPr lang="ko-KR" altLang="en-US" sz="600" u="none" strike="noStrike" dirty="0" smtClean="0">
+                        <a:rPr lang="ko-KR" altLang="en-US" sz="1050" u="none" strike="noStrike" dirty="0" smtClean="0">
+                          <a:solidFill>
+                            <a:schemeClr val="bg1">
+                              <a:lumMod val="50000"/>
+                            </a:schemeClr>
+                          </a:solidFill>
                           <a:effectLst/>
                         </a:rPr>
                         <a:t>쿼리 바인딩  </a:t>
                       </a:r>
                       <a:r>
-                        <a:rPr lang="ko-KR" altLang="en-US" sz="600" u="none" strike="noStrike" dirty="0">
+                        <a:rPr lang="ko-KR" altLang="en-US" sz="1050" u="none" strike="noStrike" dirty="0">
+                          <a:solidFill>
+                            <a:schemeClr val="bg1">
+                              <a:lumMod val="50000"/>
+                            </a:schemeClr>
+                          </a:solidFill>
                           <a:effectLst/>
                         </a:rPr>
                         <a:t>처리</a:t>
                       </a:r>
-                      <a:endParaRPr lang="ko-KR" altLang="en-US" sz="600" b="0" i="0" u="none" strike="noStrike" dirty="0">
-                        <a:solidFill>
-                          <a:srgbClr val="000000"/>
+                      <a:endParaRPr lang="ko-KR" altLang="en-US" sz="1050" b="0" i="0" u="none" strike="noStrike" dirty="0">
+                        <a:solidFill>
+                          <a:schemeClr val="bg1">
+                            <a:lumMod val="50000"/>
+                          </a:schemeClr>
                         </a:solidFill>
                         <a:effectLst/>
                         <a:latin typeface="맑은 고딕" panose="020B0503020000020004" pitchFamily="50" charset="-127"/>
@@ -8330,7 +6171,13 @@
                       </a:endParaRPr>
                     </a:p>
                   </a:txBody>
-                  <a:tcPr marL="9525" marR="9525" marT="9525" marB="0" anchor="ctr"/>
+                  <a:tcPr marL="9525" marR="9525" marT="9525" marB="0" anchor="ctr">
+                    <a:solidFill>
+                      <a:schemeClr val="bg1">
+                        <a:lumMod val="85000"/>
+                      </a:schemeClr>
+                    </a:solidFill>
+                  </a:tcPr>
                 </a:tc>
                 <a:tc>
                   <a:txBody>
@@ -8355,19 +6202,43 @@
                         <a:defRPr/>
                       </a:pPr>
                       <a:r>
-                        <a:rPr lang="ko-KR" altLang="en-US" sz="600" b="0" i="0" u="none" strike="noStrike" dirty="0" smtClean="0">
-                          <a:solidFill>
-                            <a:srgbClr val="000000"/>
-                          </a:solidFill>
-                          <a:effectLst/>
+                        <a:rPr kumimoji="0" lang="en-US" altLang="ko-KR" sz="1050" b="0" i="0" u="none" strike="noStrike" kern="1200" cap="none" spc="0" normalizeH="0" baseline="0" noProof="0" smtClean="0">
+                          <a:ln>
+                            <a:noFill/>
+                          </a:ln>
+                          <a:solidFill>
+                            <a:schemeClr val="bg1">
+                              <a:lumMod val="50000"/>
+                            </a:schemeClr>
+                          </a:solidFill>
+                          <a:effectLst/>
+                          <a:uLnTx/>
+                          <a:uFillTx/>
                           <a:latin typeface="맑은 고딕" panose="020B0503020000020004" pitchFamily="50" charset="-127"/>
-                          <a:ea typeface="+mn-ea"/>
-                        </a:rPr>
-                        <a:t>△</a:t>
-                      </a:r>
-                    </a:p>
-                  </a:txBody>
-                  <a:tcPr marL="9525" marR="9525" marT="9525" marB="0" anchor="ctr"/>
+                          <a:ea typeface="맑은 고딕" panose="020B0503020000020004" pitchFamily="50" charset="-127"/>
+                          <a:cs typeface="+mn-cs"/>
+                        </a:rPr>
+                        <a:t>X</a:t>
+                      </a:r>
+                      <a:endParaRPr lang="ko-KR" altLang="en-US" sz="1050" b="0" i="0" u="none" strike="noStrike" dirty="0" smtClean="0">
+                        <a:solidFill>
+                          <a:schemeClr val="bg1">
+                            <a:lumMod val="50000"/>
+                          </a:schemeClr>
+                        </a:solidFill>
+                        <a:effectLst/>
+                        <a:latin typeface="맑은 고딕" panose="020B0503020000020004" pitchFamily="50" charset="-127"/>
+                        <a:ea typeface="+mn-ea"/>
+                      </a:endParaRPr>
+                    </a:p>
+                  </a:txBody>
+                  <a:tcPr marL="9525" marR="9525" marT="9525" marB="0" anchor="ctr">
+                    <a:solidFill>
+                      <a:schemeClr val="bg1">
+                        <a:lumMod val="85000"/>
+                      </a:schemeClr>
+                    </a:solidFill>
+                  </a:tcPr>
                 </a:tc>
                 <a:tc>
                   <a:txBody>
@@ -8392,74 +6263,36 @@
                         <a:defRPr/>
                       </a:pPr>
                       <a:r>
-                        <a:rPr lang="en-US" altLang="ko-KR" sz="600" b="0" i="0" u="none" strike="noStrike" dirty="0" smtClean="0">
-                          <a:solidFill>
-                            <a:srgbClr val="000000"/>
+                        <a:rPr lang="en-US" altLang="ko-KR" sz="900" b="0" i="0" u="none" strike="noStrike" dirty="0" smtClean="0">
+                          <a:solidFill>
+                            <a:schemeClr val="bg1">
+                              <a:lumMod val="50000"/>
+                            </a:schemeClr>
                           </a:solidFill>
                           <a:effectLst/>
                           <a:latin typeface="맑은 고딕" panose="020B0503020000020004" pitchFamily="50" charset="-127"/>
                           <a:ea typeface="맑은 고딕" panose="020B0503020000020004" pitchFamily="50" charset="-127"/>
                         </a:rPr>
-                        <a:t> - </a:t>
-                      </a:r>
-                      <a:r>
-                        <a:rPr lang="en-US" altLang="ko-KR" sz="600" b="0" i="0" u="none" strike="noStrike" dirty="0" smtClean="0">
-                          <a:solidFill>
-                            <a:srgbClr val="000000"/>
-                          </a:solidFill>
-                          <a:effectLst/>
-                          <a:latin typeface="+mn-ea"/>
-                          <a:ea typeface="+mn-ea"/>
-                        </a:rPr>
-                        <a:t>DB Query</a:t>
-                      </a:r>
-                      <a:r>
-                        <a:rPr lang="en-US" altLang="ko-KR" sz="600" b="0" i="0" u="none" strike="noStrike" baseline="0" dirty="0" smtClean="0">
-                          <a:solidFill>
-                            <a:srgbClr val="000000"/>
-                          </a:solidFill>
-                          <a:effectLst/>
-                          <a:latin typeface="+mn-ea"/>
-                          <a:ea typeface="+mn-ea"/>
-                        </a:rPr>
-                        <a:t> </a:t>
-                      </a:r>
-                      <a:r>
-                        <a:rPr lang="ko-KR" altLang="en-US" sz="600" b="0" i="0" u="none" strike="noStrike" baseline="0" dirty="0" smtClean="0">
-                          <a:solidFill>
-                            <a:srgbClr val="000000"/>
-                          </a:solidFill>
-                          <a:effectLst/>
-                          <a:latin typeface="+mn-ea"/>
-                          <a:ea typeface="+mn-ea"/>
-                        </a:rPr>
-                        <a:t>문에서 </a:t>
-                      </a:r>
-                      <a:r>
-                        <a:rPr lang="en-US" altLang="ko-KR" sz="600" b="0" i="0" u="none" strike="noStrike" baseline="0" dirty="0" smtClean="0">
-                          <a:solidFill>
-                            <a:srgbClr val="000000"/>
-                          </a:solidFill>
-                          <a:effectLst/>
-                          <a:latin typeface="+mn-ea"/>
-                          <a:ea typeface="+mn-ea"/>
-                        </a:rPr>
-                        <a:t>where</a:t>
-                      </a:r>
-                      <a:r>
-                        <a:rPr lang="ko-KR" altLang="en-US" sz="600" b="0" i="0" u="none" strike="noStrike" baseline="0" dirty="0" smtClean="0">
-                          <a:solidFill>
-                            <a:srgbClr val="000000"/>
-                          </a:solidFill>
-                          <a:effectLst/>
-                          <a:latin typeface="+mn-ea"/>
-                          <a:ea typeface="+mn-ea"/>
-                        </a:rPr>
-                        <a:t>절에서 바인딩 확인</a:t>
-                      </a:r>
-                      <a:endParaRPr lang="ko-KR" altLang="en-US" sz="600" b="0" i="0" u="none" strike="noStrike" dirty="0">
-                        <a:solidFill>
-                          <a:srgbClr val="000000"/>
+                        <a:t>  DB Query </a:t>
+                      </a:r>
+                      <a:r>
+                        <a:rPr lang="ko-KR" altLang="en-US" sz="900" b="0" i="0" u="none" strike="noStrike" dirty="0" smtClean="0">
+                          <a:solidFill>
+                            <a:schemeClr val="bg1">
+                              <a:lumMod val="50000"/>
+                            </a:schemeClr>
+                          </a:solidFill>
+                          <a:effectLst/>
+                          <a:latin typeface="맑은 고딕" panose="020B0503020000020004" pitchFamily="50" charset="-127"/>
+                          <a:ea typeface="맑은 고딕" panose="020B0503020000020004" pitchFamily="50" charset="-127"/>
+                        </a:rPr>
+                        <a:t>텍스트 확인 어려움</a:t>
+                      </a:r>
+                      <a:endParaRPr lang="ko-KR" altLang="en-US" sz="900" b="0" i="0" u="none" strike="noStrike" dirty="0">
+                        <a:solidFill>
+                          <a:schemeClr val="bg1">
+                            <a:lumMod val="50000"/>
+                          </a:schemeClr>
                         </a:solidFill>
                         <a:effectLst/>
                         <a:latin typeface="맑은 고딕" panose="020B0503020000020004" pitchFamily="50" charset="-127"/>
@@ -8467,7 +6300,13 @@
                       </a:endParaRPr>
                     </a:p>
                   </a:txBody>
-                  <a:tcPr marL="9525" marR="9525" marT="9525" marB="0" anchor="ctr"/>
+                  <a:tcPr marL="9525" marR="9525" marT="9525" marB="0" anchor="ctr">
+                    <a:solidFill>
+                      <a:schemeClr val="bg1">
+                        <a:lumMod val="85000"/>
+                      </a:schemeClr>
+                    </a:solidFill>
+                  </a:tcPr>
                 </a:tc>
                 <a:extLst>
                   <a:ext uri="{0D108BD9-81ED-4DB2-BD59-A6C34878D82A}">
@@ -8475,7 +6314,7 @@
                   </a:ext>
                 </a:extLst>
               </a:tr>
-              <a:tr h="123479">
+              <a:tr h="245937">
                 <a:tc vMerge="1">
                   <a:txBody>
                     <a:bodyPr/>
@@ -8499,16 +6338,23 @@
                     <a:bodyPr/>
                     <a:lstStyle/>
                     <a:p>
-                      <a:pPr lvl="0" algn="l" fontAlgn="ctr"/>
-                      <a:r>
-                        <a:rPr lang="ko-KR" altLang="en-US" sz="600" u="none" strike="noStrike" dirty="0">
+                      <a:pPr lvl="1" algn="l" fontAlgn="ctr"/>
+                      <a:r>
+                        <a:rPr lang="ko-KR" altLang="en-US" sz="1050" u="none" strike="noStrike" dirty="0">
+                          <a:solidFill>
+                            <a:schemeClr val="bg1">
+                              <a:lumMod val="50000"/>
+                            </a:schemeClr>
+                          </a:solidFill>
                           <a:effectLst/>
                         </a:rPr>
                         <a:t>쿼리 주석 처리</a:t>
                       </a:r>
-                      <a:endParaRPr lang="ko-KR" altLang="en-US" sz="600" b="0" i="0" u="none" strike="noStrike" dirty="0">
-                        <a:solidFill>
-                          <a:srgbClr val="000000"/>
+                      <a:endParaRPr lang="ko-KR" altLang="en-US" sz="1050" b="0" i="0" u="none" strike="noStrike" dirty="0">
+                        <a:solidFill>
+                          <a:schemeClr val="bg1">
+                            <a:lumMod val="50000"/>
+                          </a:schemeClr>
                         </a:solidFill>
                         <a:effectLst/>
                         <a:latin typeface="맑은 고딕" panose="020B0503020000020004" pitchFamily="50" charset="-127"/>
@@ -8516,7 +6362,13 @@
                       </a:endParaRPr>
                     </a:p>
                   </a:txBody>
-                  <a:tcPr marL="9525" marR="9525" marT="9525" marB="0" anchor="ctr"/>
+                  <a:tcPr marL="9525" marR="9525" marT="9525" marB="0" anchor="ctr">
+                    <a:solidFill>
+                      <a:schemeClr val="bg1">
+                        <a:lumMod val="85000"/>
+                      </a:schemeClr>
+                    </a:solidFill>
+                  </a:tcPr>
                 </a:tc>
                 <a:tc>
                   <a:txBody>
@@ -8541,84 +6393,81 @@
                         <a:defRPr/>
                       </a:pPr>
                       <a:r>
-                        <a:rPr lang="ko-KR" altLang="en-US" sz="600" b="0" i="0" u="none" strike="noStrike" dirty="0" smtClean="0">
-                          <a:solidFill>
-                            <a:srgbClr val="000000"/>
+                        <a:rPr kumimoji="0" lang="en-US" altLang="ko-KR" sz="1050" b="0" i="0" u="none" strike="noStrike" kern="1200" cap="none" spc="0" normalizeH="0" baseline="0" noProof="0" smtClean="0">
+                          <a:ln>
+                            <a:noFill/>
+                          </a:ln>
+                          <a:solidFill>
+                            <a:schemeClr val="bg1">
+                              <a:lumMod val="50000"/>
+                            </a:schemeClr>
+                          </a:solidFill>
+                          <a:effectLst/>
+                          <a:uLnTx/>
+                          <a:uFillTx/>
+                          <a:latin typeface="맑은 고딕" panose="020B0503020000020004" pitchFamily="50" charset="-127"/>
+                          <a:ea typeface="맑은 고딕" panose="020B0503020000020004" pitchFamily="50" charset="-127"/>
+                          <a:cs typeface="+mn-cs"/>
+                        </a:rPr>
+                        <a:t>X</a:t>
+                      </a:r>
+                      <a:endParaRPr lang="ko-KR" altLang="en-US" sz="1050" b="0" i="0" u="none" strike="noStrike" dirty="0" smtClean="0">
+                        <a:solidFill>
+                          <a:schemeClr val="bg1">
+                            <a:lumMod val="50000"/>
+                          </a:schemeClr>
+                        </a:solidFill>
+                        <a:effectLst/>
+                        <a:latin typeface="맑은 고딕" panose="020B0503020000020004" pitchFamily="50" charset="-127"/>
+                        <a:ea typeface="+mn-ea"/>
+                      </a:endParaRPr>
+                    </a:p>
+                  </a:txBody>
+                  <a:tcPr marL="9525" marR="9525" marT="9525" marB="0" anchor="ctr">
+                    <a:solidFill>
+                      <a:schemeClr val="bg1">
+                        <a:lumMod val="85000"/>
+                      </a:schemeClr>
+                    </a:solidFill>
+                  </a:tcPr>
+                </a:tc>
+                <a:tc>
+                  <a:txBody>
+                    <a:bodyPr/>
+                    <a:lstStyle/>
+                    <a:p>
+                      <a:pPr lvl="0" algn="l" fontAlgn="ctr"/>
+                      <a:r>
+                        <a:rPr lang="en-US" altLang="ko-KR" sz="900" b="0" i="0" u="none" strike="noStrike" dirty="0" smtClean="0">
+                          <a:solidFill>
+                            <a:schemeClr val="bg1">
+                              <a:lumMod val="50000"/>
+                            </a:schemeClr>
                           </a:solidFill>
                           <a:effectLst/>
                           <a:latin typeface="맑은 고딕" panose="020B0503020000020004" pitchFamily="50" charset="-127"/>
                           <a:ea typeface="+mn-ea"/>
                         </a:rPr>
-                        <a:t>△</a:t>
-                      </a:r>
-                    </a:p>
-                  </a:txBody>
-                  <a:tcPr marL="9525" marR="9525" marT="9525" marB="0" anchor="ctr"/>
-                </a:tc>
-                <a:tc>
-                  <a:txBody>
-                    <a:bodyPr/>
-                    <a:lstStyle/>
-                    <a:p>
-                      <a:pPr lvl="0" algn="l" fontAlgn="ctr"/>
-                      <a:r>
-                        <a:rPr lang="en-US" altLang="ko-KR" sz="600" b="0" i="0" u="none" strike="noStrike" dirty="0" smtClean="0">
-                          <a:solidFill>
-                            <a:srgbClr val="000000"/>
-                          </a:solidFill>
-                          <a:effectLst/>
-                          <a:latin typeface="+mn-ea"/>
+                        <a:t>  DB Query </a:t>
+                      </a:r>
+                      <a:r>
+                        <a:rPr lang="ko-KR" altLang="en-US" sz="900" b="0" i="0" u="none" strike="noStrike" dirty="0" smtClean="0">
+                          <a:solidFill>
+                            <a:schemeClr val="bg1">
+                              <a:lumMod val="50000"/>
+                            </a:schemeClr>
+                          </a:solidFill>
+                          <a:effectLst/>
+                          <a:latin typeface="맑은 고딕" panose="020B0503020000020004" pitchFamily="50" charset="-127"/>
                           <a:ea typeface="+mn-ea"/>
                         </a:rPr>
-                        <a:t> - DB Query</a:t>
-                      </a:r>
-                      <a:r>
-                        <a:rPr lang="ko-KR" altLang="en-US" sz="600" b="0" i="0" u="none" strike="noStrike" dirty="0" smtClean="0">
-                          <a:solidFill>
-                            <a:srgbClr val="000000"/>
-                          </a:solidFill>
-                          <a:effectLst/>
-                          <a:latin typeface="+mn-ea"/>
-                          <a:ea typeface="+mn-ea"/>
-                        </a:rPr>
-                        <a:t>문에서 </a:t>
-                      </a:r>
-                      <a:r>
-                        <a:rPr lang="en-US" altLang="ko-KR" sz="600" b="0" i="0" u="none" strike="noStrike" dirty="0" smtClean="0">
-                          <a:solidFill>
-                            <a:srgbClr val="000000"/>
-                          </a:solidFill>
-                          <a:effectLst/>
-                          <a:latin typeface="+mn-ea"/>
-                          <a:ea typeface="+mn-ea"/>
-                        </a:rPr>
-                        <a:t>/**/</a:t>
-                      </a:r>
-                      <a:r>
-                        <a:rPr lang="en-US" altLang="ko-KR" sz="600" b="0" i="0" u="none" strike="noStrike" baseline="0" dirty="0" smtClean="0">
-                          <a:solidFill>
-                            <a:srgbClr val="000000"/>
-                          </a:solidFill>
-                          <a:effectLst/>
-                          <a:latin typeface="+mn-ea"/>
-                          <a:ea typeface="+mn-ea"/>
-                        </a:rPr>
-                        <a:t> </a:t>
-                      </a:r>
-                      <a:r>
-                        <a:rPr lang="ko-KR" altLang="en-US" sz="600" b="0" i="0" u="none" strike="noStrike" baseline="0" dirty="0" smtClean="0">
-                          <a:solidFill>
-                            <a:srgbClr val="000000"/>
-                          </a:solidFill>
-                          <a:effectLst/>
-                          <a:latin typeface="+mn-ea"/>
-                          <a:ea typeface="+mn-ea"/>
-                        </a:rPr>
-                        <a:t>문자열 확인</a:t>
-                      </a:r>
-                      <a:endParaRPr lang="en-US" altLang="ko-KR" sz="600" b="0" i="0" u="none" strike="noStrike" dirty="0" smtClean="0">
-                        <a:solidFill>
-                          <a:srgbClr val="000000"/>
+                        <a:t>텍스트 확인 어려움</a:t>
+                      </a:r>
+                      <a:endParaRPr lang="en-US" altLang="ko-KR" sz="900" b="0" i="0" u="none" strike="noStrike" dirty="0" smtClean="0">
+                        <a:solidFill>
+                          <a:schemeClr val="bg1">
+                            <a:lumMod val="50000"/>
+                          </a:schemeClr>
                         </a:solidFill>
                         <a:effectLst/>
                         <a:latin typeface="+mn-ea"/>
@@ -8626,7 +6475,13 @@
                       </a:endParaRPr>
                     </a:p>
                   </a:txBody>
-                  <a:tcPr marL="9525" marR="9525" marT="9525" marB="0" anchor="ctr"/>
+                  <a:tcPr marL="9525" marR="9525" marT="9525" marB="0" anchor="ctr">
+                    <a:solidFill>
+                      <a:schemeClr val="bg1">
+                        <a:lumMod val="85000"/>
+                      </a:schemeClr>
+                    </a:solidFill>
+                  </a:tcPr>
                 </a:tc>
                 <a:extLst>
                   <a:ext uri="{0D108BD9-81ED-4DB2-BD59-A6C34878D82A}">
@@ -8634,7 +6489,7 @@
                   </a:ext>
                 </a:extLst>
               </a:tr>
-              <a:tr h="123479">
+              <a:tr h="245937">
                 <a:tc vMerge="1">
                   <a:txBody>
                     <a:bodyPr/>
@@ -8658,16 +6513,23 @@
                     <a:bodyPr/>
                     <a:lstStyle/>
                     <a:p>
-                      <a:pPr lvl="0" algn="l" fontAlgn="ctr"/>
-                      <a:r>
-                        <a:rPr lang="ko-KR" altLang="en-US" sz="600" u="none" strike="noStrike" dirty="0">
+                      <a:pPr lvl="1" algn="l" fontAlgn="ctr"/>
+                      <a:r>
+                        <a:rPr lang="ko-KR" altLang="en-US" sz="1050" u="none" strike="noStrike" dirty="0">
+                          <a:solidFill>
+                            <a:schemeClr val="bg1">
+                              <a:lumMod val="50000"/>
+                            </a:schemeClr>
+                          </a:solidFill>
                           <a:effectLst/>
                         </a:rPr>
                         <a:t>쿼리 검증</a:t>
                       </a:r>
-                      <a:endParaRPr lang="ko-KR" altLang="en-US" sz="600" b="0" i="0" u="none" strike="noStrike" dirty="0">
-                        <a:solidFill>
-                          <a:srgbClr val="000000"/>
+                      <a:endParaRPr lang="ko-KR" altLang="en-US" sz="1050" b="0" i="0" u="none" strike="noStrike" dirty="0">
+                        <a:solidFill>
+                          <a:schemeClr val="bg1">
+                            <a:lumMod val="50000"/>
+                          </a:schemeClr>
                         </a:solidFill>
                         <a:effectLst/>
                         <a:latin typeface="맑은 고딕" panose="020B0503020000020004" pitchFamily="50" charset="-127"/>
@@ -8675,7 +6537,13 @@
                       </a:endParaRPr>
                     </a:p>
                   </a:txBody>
-                  <a:tcPr marL="9525" marR="9525" marT="9525" marB="0" anchor="ctr"/>
+                  <a:tcPr marL="9525" marR="9525" marT="9525" marB="0" anchor="ctr">
+                    <a:solidFill>
+                      <a:schemeClr val="bg1">
+                        <a:lumMod val="85000"/>
+                      </a:schemeClr>
+                    </a:solidFill>
+                  </a:tcPr>
                 </a:tc>
                 <a:tc>
                   <a:txBody>
@@ -8700,19 +6568,29 @@
                         <a:defRPr/>
                       </a:pPr>
                       <a:r>
-                        <a:rPr lang="en-US" altLang="ko-KR" sz="600" b="0" i="0" u="none" strike="noStrike" dirty="0" smtClean="0">
-                          <a:solidFill>
-                            <a:srgbClr val="000000"/>
-                          </a:solidFill>
-                          <a:effectLst/>
+                        <a:rPr kumimoji="0" lang="en-US" altLang="ko-KR" sz="1050" b="0" i="0" u="none" strike="noStrike" kern="1200" cap="none" spc="0" normalizeH="0" baseline="0" noProof="0" smtClean="0">
+                          <a:ln>
+                            <a:noFill/>
+                          </a:ln>
+                          <a:solidFill>
+                            <a:schemeClr val="bg1">
+                              <a:lumMod val="50000"/>
+                            </a:schemeClr>
+                          </a:solidFill>
+                          <a:effectLst/>
+                          <a:uLnTx/>
+                          <a:uFillTx/>
                           <a:latin typeface="맑은 고딕" panose="020B0503020000020004" pitchFamily="50" charset="-127"/>
-                          <a:ea typeface="+mn-ea"/>
+                          <a:ea typeface="맑은 고딕" panose="020B0503020000020004" pitchFamily="50" charset="-127"/>
+                          <a:cs typeface="+mn-cs"/>
                         </a:rPr>
                         <a:t>X</a:t>
                       </a:r>
-                      <a:endParaRPr lang="ko-KR" altLang="en-US" sz="600" b="0" i="0" u="none" strike="noStrike" dirty="0" smtClean="0">
-                        <a:solidFill>
-                          <a:srgbClr val="000000"/>
+                      <a:endParaRPr lang="ko-KR" altLang="en-US" sz="1050" b="0" i="0" u="none" strike="noStrike" dirty="0" smtClean="0">
+                        <a:solidFill>
+                          <a:schemeClr val="bg1">
+                            <a:lumMod val="50000"/>
+                          </a:schemeClr>
                         </a:solidFill>
                         <a:effectLst/>
                         <a:latin typeface="맑은 고딕" panose="020B0503020000020004" pitchFamily="50" charset="-127"/>
@@ -8720,7 +6598,13 @@
                       </a:endParaRPr>
                     </a:p>
                   </a:txBody>
-                  <a:tcPr marL="9525" marR="9525" marT="9525" marB="0" anchor="ctr"/>
+                  <a:tcPr marL="9525" marR="9525" marT="9525" marB="0" anchor="ctr">
+                    <a:solidFill>
+                      <a:schemeClr val="bg1">
+                        <a:lumMod val="85000"/>
+                      </a:schemeClr>
+                    </a:solidFill>
+                  </a:tcPr>
                 </a:tc>
                 <a:tc>
                   <a:txBody>
@@ -8745,19 +6629,63 @@
                         <a:defRPr/>
                       </a:pPr>
                       <a:r>
-                        <a:rPr lang="en-US" altLang="ko-KR" sz="600" b="0" i="0" u="none" strike="noStrike" dirty="0" smtClean="0">
-                          <a:solidFill>
-                            <a:srgbClr val="000000"/>
+                        <a:rPr lang="en-US" altLang="ko-KR" sz="900" b="0" i="0" u="none" strike="noStrike" dirty="0" smtClean="0">
+                          <a:solidFill>
+                            <a:schemeClr val="bg1">
+                              <a:lumMod val="50000"/>
+                            </a:schemeClr>
                           </a:solidFill>
                           <a:effectLst/>
                           <a:latin typeface="+mn-ea"/>
                           <a:ea typeface="+mn-ea"/>
                         </a:rPr>
-                        <a:t> </a:t>
-                      </a:r>
-                    </a:p>
-                  </a:txBody>
-                  <a:tcPr marL="9525" marR="9525" marT="9525" marB="0" anchor="ctr"/>
+                        <a:t>  </a:t>
+                      </a:r>
+                      <a:r>
+                        <a:rPr lang="en-US" altLang="ko-KR" sz="900" b="0" i="0" u="none" strike="noStrike" dirty="0" smtClean="0">
+                          <a:solidFill>
+                            <a:schemeClr val="bg1">
+                              <a:lumMod val="50000"/>
+                            </a:schemeClr>
+                          </a:solidFill>
+                          <a:effectLst/>
+                          <a:latin typeface="맑은 고딕" panose="020B0503020000020004" pitchFamily="50" charset="-127"/>
+                          <a:ea typeface="+mn-ea"/>
+                        </a:rPr>
+                        <a:t>DB Query </a:t>
+                      </a:r>
+                      <a:r>
+                        <a:rPr lang="ko-KR" altLang="en-US" sz="900" b="0" i="0" u="none" strike="noStrike" dirty="0" smtClean="0">
+                          <a:solidFill>
+                            <a:schemeClr val="bg1">
+                              <a:lumMod val="50000"/>
+                            </a:schemeClr>
+                          </a:solidFill>
+                          <a:effectLst/>
+                          <a:latin typeface="맑은 고딕" panose="020B0503020000020004" pitchFamily="50" charset="-127"/>
+                          <a:ea typeface="+mn-ea"/>
+                        </a:rPr>
+                        <a:t>텍스트 확인 어려움</a:t>
+                      </a:r>
+                      <a:endParaRPr lang="en-US" altLang="ko-KR" sz="900" b="0" i="0" u="none" strike="noStrike" dirty="0" smtClean="0">
+                        <a:solidFill>
+                          <a:schemeClr val="bg1">
+                            <a:lumMod val="50000"/>
+                          </a:schemeClr>
+                        </a:solidFill>
+                        <a:effectLst/>
+                        <a:latin typeface="+mn-ea"/>
+                        <a:ea typeface="+mn-ea"/>
+                      </a:endParaRPr>
+                    </a:p>
+                  </a:txBody>
+                  <a:tcPr marL="9525" marR="9525" marT="9525" marB="0" anchor="ctr">
+                    <a:solidFill>
+                      <a:schemeClr val="bg1">
+                        <a:lumMod val="85000"/>
+                      </a:schemeClr>
+                    </a:solidFill>
+                  </a:tcPr>
                 </a:tc>
                 <a:extLst>
                   <a:ext uri="{0D108BD9-81ED-4DB2-BD59-A6C34878D82A}">
@@ -8765,7 +6693,7 @@
                   </a:ext>
                 </a:extLst>
               </a:tr>
-              <a:tr h="123479">
+              <a:tr h="245937">
                 <a:tc vMerge="1">
                   <a:txBody>
                     <a:bodyPr/>
@@ -8789,16 +6717,23 @@
                     <a:bodyPr/>
                     <a:lstStyle/>
                     <a:p>
-                      <a:pPr lvl="0" algn="l" fontAlgn="ctr"/>
-                      <a:r>
-                        <a:rPr lang="en-US" sz="600" u="none" strike="noStrike" dirty="0">
+                      <a:pPr lvl="1" algn="l" fontAlgn="ctr"/>
+                      <a:r>
+                        <a:rPr lang="en-US" sz="1050" u="none" strike="noStrike" dirty="0">
+                          <a:solidFill>
+                            <a:schemeClr val="bg1">
+                              <a:lumMod val="50000"/>
+                            </a:schemeClr>
+                          </a:solidFill>
                           <a:effectLst/>
                         </a:rPr>
                         <a:t>DB Query Error</a:t>
                       </a:r>
-                      <a:endParaRPr lang="en-US" sz="600" b="0" i="0" u="none" strike="noStrike" dirty="0">
-                        <a:solidFill>
-                          <a:srgbClr val="000000"/>
+                      <a:endParaRPr lang="en-US" sz="1050" b="0" i="0" u="none" strike="noStrike" dirty="0">
+                        <a:solidFill>
+                          <a:schemeClr val="bg1">
+                            <a:lumMod val="50000"/>
+                          </a:schemeClr>
                         </a:solidFill>
                         <a:effectLst/>
                         <a:latin typeface="맑은 고딕" panose="020B0503020000020004" pitchFamily="50" charset="-127"/>
@@ -8806,7 +6741,13 @@
                       </a:endParaRPr>
                     </a:p>
                   </a:txBody>
-                  <a:tcPr marL="9525" marR="9525" marT="9525" marB="0" anchor="ctr"/>
+                  <a:tcPr marL="9525" marR="9525" marT="9525" marB="0" anchor="ctr">
+                    <a:solidFill>
+                      <a:schemeClr val="bg1">
+                        <a:lumMod val="85000"/>
+                      </a:schemeClr>
+                    </a:solidFill>
+                  </a:tcPr>
                 </a:tc>
                 <a:tc>
                   <a:txBody>
@@ -8831,19 +6772,43 @@
                         <a:defRPr/>
                       </a:pPr>
                       <a:r>
-                        <a:rPr lang="ko-KR" altLang="en-US" sz="600" b="0" i="0" u="none" strike="noStrike" dirty="0" smtClean="0">
-                          <a:solidFill>
-                            <a:srgbClr val="000000"/>
-                          </a:solidFill>
-                          <a:effectLst/>
+                        <a:rPr kumimoji="0" lang="en-US" altLang="ko-KR" sz="1050" b="0" i="0" u="none" strike="noStrike" kern="1200" cap="none" spc="0" normalizeH="0" baseline="0" noProof="0" dirty="0" smtClean="0">
+                          <a:ln>
+                            <a:noFill/>
+                          </a:ln>
+                          <a:solidFill>
+                            <a:schemeClr val="bg1">
+                              <a:lumMod val="50000"/>
+                            </a:schemeClr>
+                          </a:solidFill>
+                          <a:effectLst/>
+                          <a:uLnTx/>
+                          <a:uFillTx/>
                           <a:latin typeface="맑은 고딕" panose="020B0503020000020004" pitchFamily="50" charset="-127"/>
-                          <a:ea typeface="+mn-ea"/>
-                        </a:rPr>
-                        <a:t>△</a:t>
-                      </a:r>
-                    </a:p>
-                  </a:txBody>
-                  <a:tcPr marL="9525" marR="9525" marT="9525" marB="0" anchor="ctr"/>
+                          <a:ea typeface="맑은 고딕" panose="020B0503020000020004" pitchFamily="50" charset="-127"/>
+                          <a:cs typeface="+mn-cs"/>
+                        </a:rPr>
+                        <a:t>X</a:t>
+                      </a:r>
+                      <a:endParaRPr lang="ko-KR" altLang="en-US" sz="1050" b="0" i="0" u="none" strike="noStrike" dirty="0" smtClean="0">
+                        <a:solidFill>
+                          <a:schemeClr val="bg1">
+                            <a:lumMod val="50000"/>
+                          </a:schemeClr>
+                        </a:solidFill>
+                        <a:effectLst/>
+                        <a:latin typeface="맑은 고딕" panose="020B0503020000020004" pitchFamily="50" charset="-127"/>
+                        <a:ea typeface="+mn-ea"/>
+                      </a:endParaRPr>
+                    </a:p>
+                  </a:txBody>
+                  <a:tcPr marL="9525" marR="9525" marT="9525" marB="0" anchor="ctr">
+                    <a:solidFill>
+                      <a:schemeClr val="bg1">
+                        <a:lumMod val="85000"/>
+                      </a:schemeClr>
+                    </a:solidFill>
+                  </a:tcPr>
                 </a:tc>
                 <a:tc>
                   <a:txBody>
@@ -8868,66 +6833,36 @@
                         <a:defRPr/>
                       </a:pPr>
                       <a:r>
-                        <a:rPr lang="en-US" altLang="ko-KR" sz="600" b="0" i="0" u="none" strike="noStrike" dirty="0" smtClean="0">
-                          <a:solidFill>
-                            <a:srgbClr val="000000"/>
-                          </a:solidFill>
-                          <a:effectLst/>
-                          <a:latin typeface="+mn-ea"/>
+                        <a:rPr lang="en-US" altLang="ko-KR" sz="900" b="0" i="0" u="none" strike="noStrike" dirty="0" smtClean="0">
+                          <a:solidFill>
+                            <a:schemeClr val="bg1">
+                              <a:lumMod val="50000"/>
+                            </a:schemeClr>
+                          </a:solidFill>
+                          <a:effectLst/>
+                          <a:latin typeface="맑은 고딕" panose="020B0503020000020004" pitchFamily="50" charset="-127"/>
                           <a:ea typeface="+mn-ea"/>
                         </a:rPr>
-                        <a:t> - Query </a:t>
-                      </a:r>
-                      <a:r>
-                        <a:rPr lang="ko-KR" altLang="en-US" sz="600" b="0" i="0" u="none" strike="noStrike" dirty="0" smtClean="0">
-                          <a:solidFill>
-                            <a:srgbClr val="000000"/>
-                          </a:solidFill>
-                          <a:effectLst/>
-                          <a:latin typeface="+mn-ea"/>
+                        <a:t>  DB Query </a:t>
+                      </a:r>
+                      <a:r>
+                        <a:rPr lang="ko-KR" altLang="en-US" sz="900" b="0" i="0" u="none" strike="noStrike" dirty="0" smtClean="0">
+                          <a:solidFill>
+                            <a:schemeClr val="bg1">
+                              <a:lumMod val="50000"/>
+                            </a:schemeClr>
+                          </a:solidFill>
+                          <a:effectLst/>
+                          <a:latin typeface="맑은 고딕" panose="020B0503020000020004" pitchFamily="50" charset="-127"/>
                           <a:ea typeface="+mn-ea"/>
                         </a:rPr>
-                        <a:t>실행 후 실패 동작 확인</a:t>
-                      </a:r>
-                      <a:endParaRPr lang="en-US" sz="600" b="0" i="0" u="none" strike="noStrike" dirty="0">
-                        <a:solidFill>
-                          <a:srgbClr val="000000"/>
-                        </a:solidFill>
-                        <a:effectLst/>
-                        <a:latin typeface="맑은 고딕" panose="020B0503020000020004" pitchFamily="50" charset="-127"/>
-                        <a:ea typeface="맑은 고딕" panose="020B0503020000020004" pitchFamily="50" charset="-127"/>
-                      </a:endParaRPr>
-                    </a:p>
-                  </a:txBody>
-                  <a:tcPr marL="9525" marR="9525" marT="9525" marB="0" anchor="ctr"/>
-                </a:tc>
-                <a:extLst>
-                  <a:ext uri="{0D108BD9-81ED-4DB2-BD59-A6C34878D82A}">
-                    <a16:rowId xmlns:a16="http://schemas.microsoft.com/office/drawing/2014/main" val="707000697"/>
-                  </a:ext>
-                </a:extLst>
-              </a:tr>
-              <a:tr h="123479">
-                <a:tc rowSpan="6">
-                  <a:txBody>
-                    <a:bodyPr/>
-                    <a:lstStyle/>
-                    <a:p>
-                      <a:pPr algn="ctr" fontAlgn="ctr"/>
-                      <a:r>
-                        <a:rPr lang="ko-KR" altLang="en-US" sz="600" b="1" i="0" u="none" strike="noStrike" dirty="0" smtClean="0">
-                          <a:solidFill>
-                            <a:srgbClr val="000000"/>
-                          </a:solidFill>
-                          <a:effectLst/>
-                          <a:latin typeface="맑은 고딕" panose="020B0503020000020004" pitchFamily="50" charset="-127"/>
-                          <a:ea typeface="맑은 고딕" panose="020B0503020000020004" pitchFamily="50" charset="-127"/>
-                        </a:rPr>
-                        <a:t>코드 표준</a:t>
-                      </a:r>
-                      <a:endParaRPr lang="ko-KR" altLang="en-US" sz="600" b="1" i="0" u="none" strike="noStrike" dirty="0">
-                        <a:solidFill>
-                          <a:srgbClr val="000000"/>
+                        <a:t>텍스트 확인 어려움</a:t>
+                      </a:r>
+                      <a:endParaRPr lang="en-US" sz="900" b="0" i="0" u="none" strike="noStrike" dirty="0">
+                        <a:solidFill>
+                          <a:schemeClr val="bg1">
+                            <a:lumMod val="50000"/>
+                          </a:schemeClr>
                         </a:solidFill>
                         <a:effectLst/>
                         <a:latin typeface="맑은 고딕" panose="020B0503020000020004" pitchFamily="50" charset="-127"/>
@@ -8943,129 +6878,30 @@
                     </a:solidFill>
                   </a:tcPr>
                 </a:tc>
-                <a:tc>
-                  <a:txBody>
-                    <a:bodyPr/>
-                    <a:lstStyle/>
-                    <a:p>
-                      <a:pPr lvl="0" algn="l" fontAlgn="ctr"/>
-                      <a:r>
-                        <a:rPr lang="en-US" altLang="ko-KR" sz="600" u="none" strike="noStrike" dirty="0">
-                          <a:effectLst/>
-                        </a:rPr>
-                        <a:t>DP </a:t>
-                      </a:r>
-                      <a:r>
-                        <a:rPr lang="ko-KR" altLang="en-US" sz="600" u="none" strike="noStrike" dirty="0">
-                          <a:effectLst/>
-                        </a:rPr>
-                        <a:t>함수 예외 처리 </a:t>
-                      </a:r>
-                      <a:endParaRPr lang="ko-KR" altLang="en-US" sz="600" b="0" i="0" u="none" strike="noStrike" dirty="0">
-                        <a:solidFill>
-                          <a:srgbClr val="000000"/>
-                        </a:solidFill>
-                        <a:effectLst/>
-                        <a:latin typeface="맑은 고딕" panose="020B0503020000020004" pitchFamily="50" charset="-127"/>
-                        <a:ea typeface="맑은 고딕" panose="020B0503020000020004" pitchFamily="50" charset="-127"/>
-                      </a:endParaRPr>
-                    </a:p>
-                  </a:txBody>
-                  <a:tcPr marL="9525" marR="9525" marT="9525" marB="0" anchor="ctr"/>
-                </a:tc>
-                <a:tc>
-                  <a:txBody>
-                    <a:bodyPr/>
-                    <a:lstStyle/>
-                    <a:p>
-                      <a:pPr algn="ctr" fontAlgn="ctr"/>
-                      <a:r>
-                        <a:rPr lang="ko-KR" altLang="en-US" sz="600" b="0" i="0" u="none" strike="noStrike" dirty="0" smtClean="0">
-                          <a:solidFill>
-                            <a:srgbClr val="000000"/>
-                          </a:solidFill>
-                          <a:effectLst/>
-                          <a:latin typeface="맑은 고딕" panose="020B0503020000020004" pitchFamily="50" charset="-127"/>
-                          <a:ea typeface="+mn-ea"/>
-                        </a:rPr>
-                        <a:t>○</a:t>
-                      </a:r>
-                      <a:endParaRPr lang="ko-KR" altLang="en-US" sz="600" b="0" i="0" u="none" strike="noStrike" dirty="0">
-                        <a:solidFill>
-                          <a:srgbClr val="000000"/>
-                        </a:solidFill>
-                        <a:effectLst/>
-                        <a:latin typeface="맑은 고딕" panose="020B0503020000020004" pitchFamily="50" charset="-127"/>
-                        <a:ea typeface="맑은 고딕" panose="020B0503020000020004" pitchFamily="50" charset="-127"/>
-                      </a:endParaRPr>
-                    </a:p>
-                  </a:txBody>
-                  <a:tcPr marL="9525" marR="9525" marT="9525" marB="0" anchor="ctr"/>
-                </a:tc>
-                <a:tc>
-                  <a:txBody>
-                    <a:bodyPr/>
-                    <a:lstStyle/>
-                    <a:p>
-                      <a:pPr algn="l" fontAlgn="ctr"/>
-                      <a:r>
-                        <a:rPr lang="en-US" altLang="ko-KR" sz="600" b="0" i="0" u="none" strike="noStrike" dirty="0" smtClean="0">
-                          <a:solidFill>
-                            <a:srgbClr val="000000"/>
-                          </a:solidFill>
-                          <a:effectLst/>
-                          <a:latin typeface="맑은 고딕" panose="020B0503020000020004" pitchFamily="50" charset="-127"/>
-                          <a:ea typeface="맑은 고딕" panose="020B0503020000020004" pitchFamily="50" charset="-127"/>
-                        </a:rPr>
-                        <a:t> -</a:t>
-                      </a:r>
-                      <a:r>
-                        <a:rPr lang="en-US" altLang="ko-KR" sz="600" b="0" i="0" u="none" strike="noStrike" baseline="0" dirty="0" smtClean="0">
-                          <a:solidFill>
-                            <a:srgbClr val="000000"/>
-                          </a:solidFill>
-                          <a:effectLst/>
-                          <a:latin typeface="맑은 고딕" panose="020B0503020000020004" pitchFamily="50" charset="-127"/>
-                          <a:ea typeface="맑은 고딕" panose="020B0503020000020004" pitchFamily="50" charset="-127"/>
-                        </a:rPr>
-                        <a:t> DP </a:t>
-                      </a:r>
-                      <a:r>
-                        <a:rPr lang="ko-KR" altLang="en-US" sz="600" b="0" i="0" u="none" strike="noStrike" baseline="0" dirty="0" smtClean="0">
-                          <a:solidFill>
-                            <a:srgbClr val="000000"/>
-                          </a:solidFill>
-                          <a:effectLst/>
-                          <a:latin typeface="맑은 고딕" panose="020B0503020000020004" pitchFamily="50" charset="-127"/>
-                          <a:ea typeface="맑은 고딕" panose="020B0503020000020004" pitchFamily="50" charset="-127"/>
-                        </a:rPr>
-                        <a:t>처리 함수 확인하여 예외처리 확인</a:t>
-                      </a:r>
-                      <a:endParaRPr lang="ko-KR" altLang="en-US" sz="600" b="0" i="0" u="none" strike="noStrike" dirty="0">
-                        <a:solidFill>
-                          <a:srgbClr val="000000"/>
-                        </a:solidFill>
-                        <a:effectLst/>
-                        <a:latin typeface="맑은 고딕" panose="020B0503020000020004" pitchFamily="50" charset="-127"/>
-                        <a:ea typeface="맑은 고딕" panose="020B0503020000020004" pitchFamily="50" charset="-127"/>
-                      </a:endParaRPr>
-                    </a:p>
-                  </a:txBody>
-                  <a:tcPr marL="9525" marR="9525" marT="9525" marB="0" anchor="ctr"/>
-                </a:tc>
                 <a:extLst>
                   <a:ext uri="{0D108BD9-81ED-4DB2-BD59-A6C34878D82A}">
-                    <a16:rowId xmlns:a16="http://schemas.microsoft.com/office/drawing/2014/main" val="3404628410"/>
+                    <a16:rowId xmlns:a16="http://schemas.microsoft.com/office/drawing/2014/main" val="707000697"/>
                   </a:ext>
                 </a:extLst>
               </a:tr>
-              <a:tr h="123479">
-                <a:tc vMerge="1">
+              <a:tr h="245937">
+                <a:tc rowSpan="6">
                   <a:txBody>
                     <a:bodyPr/>
                     <a:lstStyle/>
                     <a:p>
                       <a:pPr algn="ctr" fontAlgn="ctr"/>
+                      <a:r>
+                        <a:rPr lang="ko-KR" altLang="en-US" sz="1100" b="1" i="0" u="none" strike="noStrike" dirty="0" smtClean="0">
+                          <a:solidFill>
+                            <a:srgbClr val="000000"/>
+                          </a:solidFill>
+                          <a:effectLst/>
+                          <a:latin typeface="맑은 고딕" panose="020B0503020000020004" pitchFamily="50" charset="-127"/>
+                          <a:ea typeface="맑은 고딕" panose="020B0503020000020004" pitchFamily="50" charset="-127"/>
+                        </a:rPr>
+                        <a:t>코드 표준</a:t>
+                      </a:r>
                       <a:endParaRPr lang="ko-KR" altLang="en-US" sz="1100" b="1" i="0" u="none" strike="noStrike" dirty="0">
                         <a:solidFill>
                           <a:srgbClr val="000000"/>
@@ -9089,20 +6925,161 @@
                     <a:bodyPr/>
                     <a:lstStyle/>
                     <a:p>
-                      <a:pPr lvl="0" algn="l" fontAlgn="ctr"/>
-                      <a:r>
-                        <a:rPr lang="en-US" sz="600" u="none" strike="noStrike" dirty="0">
+                      <a:pPr lvl="1" algn="l" fontAlgn="ctr"/>
+                      <a:r>
+                        <a:rPr lang="en-US" altLang="ko-KR" sz="1050" u="none" strike="noStrike" dirty="0">
+                          <a:effectLst/>
+                        </a:rPr>
+                        <a:t>DP </a:t>
+                      </a:r>
+                      <a:r>
+                        <a:rPr lang="ko-KR" altLang="en-US" sz="1050" u="none" strike="noStrike" dirty="0">
+                          <a:effectLst/>
+                        </a:rPr>
+                        <a:t>함수 예외 처리 </a:t>
+                      </a:r>
+                      <a:endParaRPr lang="ko-KR" altLang="en-US" sz="1050" b="0" i="0" u="none" strike="noStrike" dirty="0">
+                        <a:solidFill>
+                          <a:srgbClr val="000000"/>
+                        </a:solidFill>
+                        <a:effectLst/>
+                        <a:latin typeface="맑은 고딕" panose="020B0503020000020004" pitchFamily="50" charset="-127"/>
+                        <a:ea typeface="맑은 고딕" panose="020B0503020000020004" pitchFamily="50" charset="-127"/>
+                      </a:endParaRPr>
+                    </a:p>
+                  </a:txBody>
+                  <a:tcPr marL="9525" marR="9525" marT="9525" marB="0" anchor="ctr"/>
+                </a:tc>
+                <a:tc>
+                  <a:txBody>
+                    <a:bodyPr/>
+                    <a:lstStyle/>
+                    <a:p>
+                      <a:pPr algn="ctr" fontAlgn="ctr"/>
+                      <a:r>
+                        <a:rPr lang="ko-KR" altLang="en-US" sz="1050" b="0" i="0" u="none" strike="noStrike" dirty="0" smtClean="0">
+                          <a:solidFill>
+                            <a:srgbClr val="000000"/>
+                          </a:solidFill>
+                          <a:effectLst/>
+                          <a:latin typeface="맑은 고딕" panose="020B0503020000020004" pitchFamily="50" charset="-127"/>
+                          <a:ea typeface="+mn-ea"/>
+                        </a:rPr>
+                        <a:t>○</a:t>
+                      </a:r>
+                      <a:endParaRPr lang="ko-KR" altLang="en-US" sz="1050" b="0" i="0" u="none" strike="noStrike" dirty="0">
+                        <a:solidFill>
+                          <a:srgbClr val="000000"/>
+                        </a:solidFill>
+                        <a:effectLst/>
+                        <a:latin typeface="맑은 고딕" panose="020B0503020000020004" pitchFamily="50" charset="-127"/>
+                        <a:ea typeface="맑은 고딕" panose="020B0503020000020004" pitchFamily="50" charset="-127"/>
+                      </a:endParaRPr>
+                    </a:p>
+                  </a:txBody>
+                  <a:tcPr marL="9525" marR="9525" marT="9525" marB="0" anchor="ctr"/>
+                </a:tc>
+                <a:tc>
+                  <a:txBody>
+                    <a:bodyPr/>
+                    <a:lstStyle/>
+                    <a:p>
+                      <a:pPr algn="l" fontAlgn="ctr"/>
+                      <a:r>
+                        <a:rPr lang="en-US" altLang="ko-KR" sz="900" b="0" i="0" u="none" strike="noStrike" dirty="0" smtClean="0">
+                          <a:solidFill>
+                            <a:srgbClr val="000000"/>
+                          </a:solidFill>
+                          <a:effectLst/>
+                          <a:latin typeface="맑은 고딕" panose="020B0503020000020004" pitchFamily="50" charset="-127"/>
+                          <a:ea typeface="맑은 고딕" panose="020B0503020000020004" pitchFamily="50" charset="-127"/>
+                        </a:rPr>
+                        <a:t> </a:t>
+                      </a:r>
+                      <a:r>
+                        <a:rPr lang="en-US" altLang="ko-KR" sz="900" b="0" i="0" u="none" strike="noStrike" baseline="0" dirty="0" smtClean="0">
+                          <a:solidFill>
+                            <a:srgbClr val="000000"/>
+                          </a:solidFill>
+                          <a:effectLst/>
+                          <a:latin typeface="맑은 고딕" panose="020B0503020000020004" pitchFamily="50" charset="-127"/>
+                          <a:ea typeface="맑은 고딕" panose="020B0503020000020004" pitchFamily="50" charset="-127"/>
+                        </a:rPr>
+                        <a:t>DP </a:t>
+                      </a:r>
+                      <a:r>
+                        <a:rPr lang="ko-KR" altLang="en-US" sz="900" b="0" i="0" u="none" strike="noStrike" baseline="0" dirty="0" smtClean="0">
+                          <a:solidFill>
+                            <a:srgbClr val="000000"/>
+                          </a:solidFill>
+                          <a:effectLst/>
+                          <a:latin typeface="맑은 고딕" panose="020B0503020000020004" pitchFamily="50" charset="-127"/>
+                          <a:ea typeface="맑은 고딕" panose="020B0503020000020004" pitchFamily="50" charset="-127"/>
+                        </a:rPr>
+                        <a:t>처리 함수 확인하여 예외처리 확인</a:t>
+                      </a:r>
+                      <a:endParaRPr lang="ko-KR" altLang="en-US" sz="900" b="0" i="0" u="none" strike="noStrike" dirty="0">
+                        <a:solidFill>
+                          <a:srgbClr val="000000"/>
+                        </a:solidFill>
+                        <a:effectLst/>
+                        <a:latin typeface="맑은 고딕" panose="020B0503020000020004" pitchFamily="50" charset="-127"/>
+                        <a:ea typeface="맑은 고딕" panose="020B0503020000020004" pitchFamily="50" charset="-127"/>
+                      </a:endParaRPr>
+                    </a:p>
+                  </a:txBody>
+                  <a:tcPr marL="9525" marR="9525" marT="9525" marB="0" anchor="ctr"/>
+                </a:tc>
+                <a:extLst>
+                  <a:ext uri="{0D108BD9-81ED-4DB2-BD59-A6C34878D82A}">
+                    <a16:rowId xmlns:a16="http://schemas.microsoft.com/office/drawing/2014/main" val="3404628410"/>
+                  </a:ext>
+                </a:extLst>
+              </a:tr>
+              <a:tr h="245937">
+                <a:tc vMerge="1">
+                  <a:txBody>
+                    <a:bodyPr/>
+                    <a:lstStyle/>
+                    <a:p>
+                      <a:pPr algn="ctr" fontAlgn="ctr"/>
+                      <a:endParaRPr lang="ko-KR" altLang="en-US" sz="1100" b="1" i="0" u="none" strike="noStrike" dirty="0">
+                        <a:solidFill>
+                          <a:srgbClr val="000000"/>
+                        </a:solidFill>
+                        <a:effectLst/>
+                        <a:latin typeface="맑은 고딕" panose="020B0503020000020004" pitchFamily="50" charset="-127"/>
+                        <a:ea typeface="맑은 고딕" panose="020B0503020000020004" pitchFamily="50" charset="-127"/>
+                      </a:endParaRPr>
+                    </a:p>
+                  </a:txBody>
+                  <a:tcPr marL="9525" marR="9525" marT="9525" marB="0" anchor="ctr">
+                    <a:solidFill>
+                      <a:schemeClr val="bg1">
+                        <a:lumMod val="85000"/>
+                      </a:schemeClr>
+                    </a:solidFill>
+                  </a:tcPr>
+                </a:tc>
+                <a:tc>
+                  <a:txBody>
+                    <a:bodyPr/>
+                    <a:lstStyle/>
+                    <a:p>
+                      <a:pPr lvl="1" algn="l" fontAlgn="ctr"/>
+                      <a:r>
+                        <a:rPr lang="en-US" sz="1050" u="none" strike="noStrike" dirty="0">
                           <a:effectLst/>
                         </a:rPr>
                         <a:t>Try, Catch </a:t>
                       </a:r>
                       <a:r>
-                        <a:rPr lang="ko-KR" altLang="en-US" sz="600" u="none" strike="noStrike" dirty="0">
+                        <a:rPr lang="ko-KR" altLang="en-US" sz="1050" u="none" strike="noStrike" dirty="0">
                           <a:effectLst/>
                         </a:rPr>
                         <a:t>예외처리</a:t>
                       </a:r>
-                      <a:endParaRPr lang="ko-KR" altLang="en-US" sz="600" b="0" i="0" u="none" strike="noStrike" dirty="0">
+                      <a:endParaRPr lang="ko-KR" altLang="en-US" sz="1050" b="0" i="0" u="none" strike="noStrike" dirty="0">
                         <a:solidFill>
                           <a:srgbClr val="000000"/>
                         </a:solidFill>
@@ -9137,7 +7114,7 @@
                         <a:defRPr/>
                       </a:pPr>
                       <a:r>
-                        <a:rPr lang="ko-KR" altLang="en-US" sz="600" b="0" i="0" u="none" strike="noStrike" dirty="0" smtClean="0">
+                        <a:rPr lang="ko-KR" altLang="en-US" sz="1050" b="0" i="0" u="none" strike="noStrike" dirty="0" smtClean="0">
                           <a:solidFill>
                             <a:srgbClr val="000000"/>
                           </a:solidFill>
@@ -9145,7 +7122,7 @@
                           <a:latin typeface="맑은 고딕" panose="020B0503020000020004" pitchFamily="50" charset="-127"/>
                           <a:ea typeface="+mn-ea"/>
                         </a:rPr>
-                        <a:t>△</a:t>
+                        <a:t>○</a:t>
                       </a:r>
                     </a:p>
                   </a:txBody>
@@ -9158,7 +7135,7 @@
                     <a:p>
                       <a:pPr algn="l" fontAlgn="ctr"/>
                       <a:r>
-                        <a:rPr lang="en-US" altLang="ko-KR" sz="600" b="0" i="0" u="none" strike="noStrike" dirty="0" smtClean="0">
+                        <a:rPr lang="en-US" altLang="ko-KR" sz="900" b="0" i="0" u="none" strike="noStrike" dirty="0" smtClean="0">
                           <a:solidFill>
                             <a:srgbClr val="000000"/>
                           </a:solidFill>
@@ -9169,7 +7146,7 @@
                         <a:t> - </a:t>
                       </a:r>
                       <a:r>
-                        <a:rPr lang="ko-KR" altLang="en-US" sz="600" b="0" i="0" u="none" strike="noStrike" dirty="0" smtClean="0">
+                        <a:rPr lang="ko-KR" altLang="en-US" sz="900" b="0" i="0" u="none" strike="noStrike" dirty="0" err="1" smtClean="0">
                           <a:solidFill>
                             <a:srgbClr val="000000"/>
                           </a:solidFill>
@@ -9177,10 +7154,10 @@
                           <a:latin typeface="맑은 고딕" panose="020B0503020000020004" pitchFamily="50" charset="-127"/>
                           <a:ea typeface="맑은 고딕" panose="020B0503020000020004" pitchFamily="50" charset="-127"/>
                         </a:rPr>
-                        <a:t>함수 내에서 </a:t>
-                      </a:r>
-                      <a:r>
-                        <a:rPr lang="en-US" altLang="ko-KR" sz="600" b="0" i="0" u="none" strike="noStrike" dirty="0" err="1" smtClean="0">
+                        <a:t>함수내에서</a:t>
+                      </a:r>
+                      <a:r>
+                        <a:rPr lang="ko-KR" altLang="en-US" sz="900" b="0" i="0" u="none" strike="noStrike" dirty="0" smtClean="0">
                           <a:solidFill>
                             <a:srgbClr val="000000"/>
                           </a:solidFill>
@@ -9188,10 +7165,10 @@
                           <a:latin typeface="맑은 고딕" panose="020B0503020000020004" pitchFamily="50" charset="-127"/>
                           <a:ea typeface="맑은 고딕" panose="020B0503020000020004" pitchFamily="50" charset="-127"/>
                         </a:rPr>
-                        <a:t>try~catch</a:t>
-                      </a:r>
-                      <a:r>
-                        <a:rPr lang="en-US" altLang="ko-KR" sz="600" b="0" i="0" u="none" strike="noStrike" dirty="0" smtClean="0">
+                        <a:t> </a:t>
+                      </a:r>
+                      <a:r>
+                        <a:rPr lang="en-US" altLang="ko-KR" sz="900" b="0" i="0" u="none" strike="noStrike" dirty="0" err="1" smtClean="0">
                           <a:solidFill>
                             <a:srgbClr val="000000"/>
                           </a:solidFill>
@@ -9199,10 +7176,10 @@
                           <a:latin typeface="맑은 고딕" panose="020B0503020000020004" pitchFamily="50" charset="-127"/>
                           <a:ea typeface="맑은 고딕" panose="020B0503020000020004" pitchFamily="50" charset="-127"/>
                         </a:rPr>
-                        <a:t> </a:t>
-                      </a:r>
-                      <a:r>
-                        <a:rPr lang="ko-KR" altLang="en-US" sz="600" b="0" i="0" u="none" strike="noStrike" dirty="0" smtClean="0">
+                        <a:t>try~catch</a:t>
+                      </a:r>
+                      <a:r>
+                        <a:rPr lang="en-US" altLang="ko-KR" sz="900" b="0" i="0" u="none" strike="noStrike" dirty="0" smtClean="0">
                           <a:solidFill>
                             <a:srgbClr val="000000"/>
                           </a:solidFill>
@@ -9210,9 +7187,20 @@
                           <a:latin typeface="맑은 고딕" panose="020B0503020000020004" pitchFamily="50" charset="-127"/>
                           <a:ea typeface="맑은 고딕" panose="020B0503020000020004" pitchFamily="50" charset="-127"/>
                         </a:rPr>
+                        <a:t> </a:t>
+                      </a:r>
+                      <a:r>
+                        <a:rPr lang="ko-KR" altLang="en-US" sz="900" b="0" i="0" u="none" strike="noStrike" dirty="0" smtClean="0">
+                          <a:solidFill>
+                            <a:srgbClr val="000000"/>
+                          </a:solidFill>
+                          <a:effectLst/>
+                          <a:latin typeface="맑은 고딕" panose="020B0503020000020004" pitchFamily="50" charset="-127"/>
+                          <a:ea typeface="맑은 고딕" panose="020B0503020000020004" pitchFamily="50" charset="-127"/>
+                        </a:rPr>
                         <a:t>예외처리 작성 확인</a:t>
                       </a:r>
-                      <a:endParaRPr lang="ko-KR" altLang="en-US" sz="600" b="0" i="0" u="none" strike="noStrike" dirty="0">
+                      <a:endParaRPr lang="ko-KR" altLang="en-US" sz="900" b="0" i="0" u="none" strike="noStrike" dirty="0">
                         <a:solidFill>
                           <a:srgbClr val="000000"/>
                         </a:solidFill>
@@ -9230,7 +7218,7 @@
                   </a:ext>
                 </a:extLst>
               </a:tr>
-              <a:tr h="123479">
+              <a:tr h="245937">
                 <a:tc vMerge="1">
                   <a:txBody>
                     <a:bodyPr/>
@@ -9254,14 +7242,14 @@
                     <a:bodyPr/>
                     <a:lstStyle/>
                     <a:p>
-                      <a:pPr lvl="0" algn="l" fontAlgn="ctr"/>
-                      <a:r>
-                        <a:rPr lang="ko-KR" altLang="en-US" sz="600" u="none" strike="noStrike" dirty="0">
+                      <a:pPr lvl="1" algn="l" fontAlgn="ctr"/>
+                      <a:r>
+                        <a:rPr lang="ko-KR" altLang="en-US" sz="1050" u="none" strike="noStrike" dirty="0">
                           <a:effectLst/>
                         </a:rPr>
                         <a:t>스크립트 이력 관리</a:t>
                       </a:r>
-                      <a:endParaRPr lang="ko-KR" altLang="en-US" sz="600" b="0" i="0" u="none" strike="noStrike" dirty="0">
+                      <a:endParaRPr lang="ko-KR" altLang="en-US" sz="1050" b="0" i="0" u="none" strike="noStrike" dirty="0">
                         <a:solidFill>
                           <a:srgbClr val="000000"/>
                         </a:solidFill>
@@ -9296,7 +7284,7 @@
                         <a:defRPr/>
                       </a:pPr>
                       <a:r>
-                        <a:rPr lang="ko-KR" altLang="en-US" sz="600" b="0" i="0" u="none" strike="noStrike" dirty="0" smtClean="0">
+                        <a:rPr lang="ko-KR" altLang="en-US" sz="1050" b="0" i="0" u="none" strike="noStrike" dirty="0" smtClean="0">
                           <a:solidFill>
                             <a:srgbClr val="000000"/>
                           </a:solidFill>
@@ -9317,7 +7305,7 @@
                     <a:p>
                       <a:pPr algn="l" fontAlgn="ctr"/>
                       <a:r>
-                        <a:rPr lang="en-US" altLang="ko-KR" sz="600" b="0" i="0" u="none" strike="noStrike" dirty="0" smtClean="0">
+                        <a:rPr lang="en-US" altLang="ko-KR" sz="900" b="0" i="0" u="none" strike="noStrike" dirty="0" smtClean="0">
                           <a:solidFill>
                             <a:srgbClr val="000000"/>
                           </a:solidFill>
@@ -9328,7 +7316,7 @@
                         <a:t> - </a:t>
                       </a:r>
                       <a:r>
-                        <a:rPr lang="ko-KR" altLang="en-US" sz="600" b="0" i="0" u="none" strike="noStrike" dirty="0" smtClean="0">
+                        <a:rPr lang="ko-KR" altLang="en-US" sz="900" b="0" i="0" u="none" strike="noStrike" dirty="0" smtClean="0">
                           <a:solidFill>
                             <a:srgbClr val="000000"/>
                           </a:solidFill>
@@ -9339,7 +7327,7 @@
                         <a:t>전역 변수에 날짜</a:t>
                       </a:r>
                       <a:r>
-                        <a:rPr lang="en-US" altLang="ko-KR" sz="600" b="0" i="0" u="none" strike="noStrike" dirty="0" smtClean="0">
+                        <a:rPr lang="en-US" altLang="ko-KR" sz="900" b="0" i="0" u="none" strike="noStrike" dirty="0" smtClean="0">
                           <a:solidFill>
                             <a:srgbClr val="000000"/>
                           </a:solidFill>
@@ -9350,7 +7338,7 @@
                         <a:t>(</a:t>
                       </a:r>
                       <a:r>
-                        <a:rPr lang="en-US" altLang="ko-KR" sz="600" b="0" i="0" u="none" strike="noStrike" dirty="0" err="1" smtClean="0">
+                        <a:rPr lang="en-US" altLang="ko-KR" sz="900" b="0" i="0" u="none" strike="noStrike" dirty="0" err="1" smtClean="0">
                           <a:solidFill>
                             <a:srgbClr val="000000"/>
                           </a:solidFill>
@@ -9361,7 +7349,7 @@
                         <a:t>20XX.XX.XX</a:t>
                       </a:r>
                       <a:r>
-                        <a:rPr lang="en-US" altLang="ko-KR" sz="600" b="0" i="0" u="none" strike="noStrike" dirty="0" smtClean="0">
+                        <a:rPr lang="en-US" altLang="ko-KR" sz="900" b="0" i="0" u="none" strike="noStrike" dirty="0" smtClean="0">
                           <a:solidFill>
                             <a:srgbClr val="000000"/>
                           </a:solidFill>
@@ -9372,7 +7360,7 @@
                         <a:t>)</a:t>
                       </a:r>
                       <a:r>
-                        <a:rPr lang="ko-KR" altLang="en-US" sz="600" b="0" i="0" u="none" strike="noStrike" dirty="0" smtClean="0">
+                        <a:rPr lang="ko-KR" altLang="en-US" sz="900" b="0" i="0" u="none" strike="noStrike" dirty="0" smtClean="0">
                           <a:solidFill>
                             <a:srgbClr val="000000"/>
                           </a:solidFill>
@@ -9383,7 +7371,7 @@
                         <a:t>와 버전</a:t>
                       </a:r>
                       <a:r>
-                        <a:rPr lang="en-US" altLang="ko-KR" sz="600" b="0" i="0" u="none" strike="noStrike" dirty="0" smtClean="0">
+                        <a:rPr lang="en-US" altLang="ko-KR" sz="900" b="0" i="0" u="none" strike="noStrike" dirty="0" smtClean="0">
                           <a:solidFill>
                             <a:srgbClr val="000000"/>
                           </a:solidFill>
@@ -9394,7 +7382,7 @@
                         <a:t>(</a:t>
                       </a:r>
                       <a:r>
-                        <a:rPr lang="en-US" altLang="ko-KR" sz="600" b="0" i="0" u="none" strike="noStrike" dirty="0" err="1" smtClean="0">
+                        <a:rPr lang="en-US" altLang="ko-KR" sz="900" b="0" i="0" u="none" strike="noStrike" dirty="0" err="1" smtClean="0">
                           <a:solidFill>
                             <a:srgbClr val="000000"/>
                           </a:solidFill>
@@ -9405,7 +7393,7 @@
                         <a:t>vXX.XX</a:t>
                       </a:r>
                       <a:r>
-                        <a:rPr lang="en-US" altLang="ko-KR" sz="600" b="0" i="0" u="none" strike="noStrike" dirty="0" smtClean="0">
+                        <a:rPr lang="en-US" altLang="ko-KR" sz="900" b="0" i="0" u="none" strike="noStrike" dirty="0" smtClean="0">
                           <a:solidFill>
                             <a:srgbClr val="000000"/>
                           </a:solidFill>
@@ -9416,7 +7404,7 @@
                         <a:t>) </a:t>
                       </a:r>
                       <a:r>
-                        <a:rPr lang="ko-KR" altLang="en-US" sz="600" b="0" i="0" u="none" strike="noStrike" dirty="0" smtClean="0">
+                        <a:rPr lang="ko-KR" altLang="en-US" sz="900" b="0" i="0" u="none" strike="noStrike" dirty="0" smtClean="0">
                           <a:solidFill>
                             <a:srgbClr val="000000"/>
                           </a:solidFill>
@@ -9426,7 +7414,7 @@
                         </a:rPr>
                         <a:t>확인</a:t>
                       </a:r>
-                      <a:endParaRPr lang="ko-KR" altLang="en-US" sz="600" b="0" i="0" u="none" strike="noStrike" dirty="0">
+                      <a:endParaRPr lang="ko-KR" altLang="en-US" sz="900" b="0" i="0" u="none" strike="noStrike" dirty="0">
                         <a:solidFill>
                           <a:srgbClr val="000000"/>
                         </a:solidFill>
@@ -9444,7 +7432,7 @@
                   </a:ext>
                 </a:extLst>
               </a:tr>
-              <a:tr h="123479">
+              <a:tr h="245937">
                 <a:tc vMerge="1">
                   <a:txBody>
                     <a:bodyPr/>
@@ -9468,16 +7456,23 @@
                     <a:bodyPr/>
                     <a:lstStyle/>
                     <a:p>
-                      <a:pPr lvl="0" algn="l" fontAlgn="ctr"/>
-                      <a:r>
-                        <a:rPr lang="ko-KR" altLang="en-US" sz="600" u="none" strike="noStrike" dirty="0">
+                      <a:pPr lvl="1" algn="l" fontAlgn="ctr"/>
+                      <a:r>
+                        <a:rPr lang="ko-KR" altLang="en-US" sz="1050" u="none" strike="noStrike" dirty="0">
+                          <a:solidFill>
+                            <a:schemeClr val="bg1">
+                              <a:lumMod val="50000"/>
+                            </a:schemeClr>
+                          </a:solidFill>
                           <a:effectLst/>
                         </a:rPr>
                         <a:t>제약 조건 확인</a:t>
                       </a:r>
-                      <a:endParaRPr lang="ko-KR" altLang="en-US" sz="600" b="0" i="0" u="none" strike="noStrike" dirty="0">
-                        <a:solidFill>
-                          <a:srgbClr val="000000"/>
+                      <a:endParaRPr lang="ko-KR" altLang="en-US" sz="1050" b="0" i="0" u="none" strike="noStrike" dirty="0">
+                        <a:solidFill>
+                          <a:schemeClr val="bg1">
+                            <a:lumMod val="50000"/>
+                          </a:schemeClr>
                         </a:solidFill>
                         <a:effectLst/>
                         <a:latin typeface="맑은 고딕" panose="020B0503020000020004" pitchFamily="50" charset="-127"/>
@@ -9485,7 +7480,13 @@
                       </a:endParaRPr>
                     </a:p>
                   </a:txBody>
-                  <a:tcPr marL="9525" marR="9525" marT="9525" marB="0" anchor="ctr"/>
+                  <a:tcPr marL="9525" marR="9525" marT="9525" marB="0" anchor="ctr">
+                    <a:solidFill>
+                      <a:schemeClr val="bg1">
+                        <a:lumMod val="85000"/>
+                      </a:schemeClr>
+                    </a:solidFill>
+                  </a:tcPr>
                 </a:tc>
                 <a:tc>
                   <a:txBody>
@@ -9510,9 +7511,11 @@
                         <a:defRPr/>
                       </a:pPr>
                       <a:r>
-                        <a:rPr lang="en-US" altLang="ko-KR" sz="600" b="0" i="0" u="none" strike="noStrike" dirty="0" smtClean="0">
-                          <a:solidFill>
-                            <a:srgbClr val="000000"/>
+                        <a:rPr lang="en-US" altLang="ko-KR" sz="1050" b="0" i="0" u="none" strike="noStrike" dirty="0" smtClean="0">
+                          <a:solidFill>
+                            <a:schemeClr val="bg1">
+                              <a:lumMod val="50000"/>
+                            </a:schemeClr>
                           </a:solidFill>
                           <a:effectLst/>
                           <a:latin typeface="맑은 고딕" panose="020B0503020000020004" pitchFamily="50" charset="-127"/>
@@ -9520,9 +7523,11 @@
                         </a:rPr>
                         <a:t>X</a:t>
                       </a:r>
-                      <a:endParaRPr lang="ko-KR" altLang="en-US" sz="600" b="0" i="0" u="none" strike="noStrike" dirty="0" smtClean="0">
-                        <a:solidFill>
-                          <a:srgbClr val="000000"/>
+                      <a:endParaRPr lang="ko-KR" altLang="en-US" sz="1050" b="0" i="0" u="none" strike="noStrike" dirty="0" smtClean="0">
+                        <a:solidFill>
+                          <a:schemeClr val="bg1">
+                            <a:lumMod val="50000"/>
+                          </a:schemeClr>
                         </a:solidFill>
                         <a:effectLst/>
                         <a:latin typeface="맑은 고딕" panose="020B0503020000020004" pitchFamily="50" charset="-127"/>
@@ -9530,7 +7535,13 @@
                       </a:endParaRPr>
                     </a:p>
                   </a:txBody>
-                  <a:tcPr marL="9525" marR="9525" marT="9525" marB="0" anchor="ctr"/>
+                  <a:tcPr marL="9525" marR="9525" marT="9525" marB="0" anchor="ctr">
+                    <a:solidFill>
+                      <a:schemeClr val="bg1">
+                        <a:lumMod val="85000"/>
+                      </a:schemeClr>
+                    </a:solidFill>
+                  </a:tcPr>
                 </a:tc>
                 <a:tc>
                   <a:txBody>
@@ -9538,9 +7549,50 @@
                     <a:lstStyle/>
                     <a:p>
                       <a:pPr algn="l" fontAlgn="ctr"/>
-                      <a:endParaRPr lang="ko-KR" altLang="en-US" sz="600" b="0" i="0" u="none" strike="noStrike" dirty="0">
-                        <a:solidFill>
-                          <a:srgbClr val="000000"/>
+                      <a:r>
+                        <a:rPr lang="en-US" altLang="ko-KR" sz="900" b="0" i="0" u="none" strike="noStrike" dirty="0" smtClean="0">
+                          <a:solidFill>
+                            <a:schemeClr val="bg1">
+                              <a:lumMod val="50000"/>
+                            </a:schemeClr>
+                          </a:solidFill>
+                          <a:effectLst/>
+                          <a:latin typeface="맑은 고딕" panose="020B0503020000020004" pitchFamily="50" charset="-127"/>
+                          <a:ea typeface="맑은 고딕" panose="020B0503020000020004" pitchFamily="50" charset="-127"/>
+                        </a:rPr>
+                        <a:t>  </a:t>
+                      </a:r>
+                      <a:r>
+                        <a:rPr lang="ko-KR" altLang="en-US" sz="900" b="0" i="0" u="none" strike="noStrike" dirty="0" smtClean="0">
+                          <a:solidFill>
+                            <a:schemeClr val="bg1">
+                              <a:lumMod val="50000"/>
+                            </a:schemeClr>
+                          </a:solidFill>
+                          <a:effectLst/>
+                          <a:latin typeface="맑은 고딕" panose="020B0503020000020004" pitchFamily="50" charset="-127"/>
+                          <a:ea typeface="맑은 고딕" panose="020B0503020000020004" pitchFamily="50" charset="-127"/>
+                        </a:rPr>
+                        <a:t>특정 제약 조건</a:t>
+                      </a:r>
+                      <a:r>
+                        <a:rPr lang="ko-KR" altLang="en-US" sz="900" b="0" i="0" u="none" strike="noStrike" baseline="0" dirty="0" smtClean="0">
+                          <a:solidFill>
+                            <a:schemeClr val="bg1">
+                              <a:lumMod val="50000"/>
+                            </a:schemeClr>
+                          </a:solidFill>
+                          <a:effectLst/>
+                          <a:latin typeface="맑은 고딕" panose="020B0503020000020004" pitchFamily="50" charset="-127"/>
+                          <a:ea typeface="맑은 고딕" panose="020B0503020000020004" pitchFamily="50" charset="-127"/>
+                        </a:rPr>
+                        <a:t> 정의 불가능</a:t>
+                      </a:r>
+                      <a:endParaRPr lang="ko-KR" altLang="en-US" sz="900" b="0" i="0" u="none" strike="noStrike" dirty="0">
+                        <a:solidFill>
+                          <a:schemeClr val="bg1">
+                            <a:lumMod val="50000"/>
+                          </a:schemeClr>
                         </a:solidFill>
                         <a:effectLst/>
                         <a:latin typeface="맑은 고딕" panose="020B0503020000020004" pitchFamily="50" charset="-127"/>
@@ -9548,7 +7600,13 @@
                       </a:endParaRPr>
                     </a:p>
                   </a:txBody>
-                  <a:tcPr marL="9525" marR="9525" marT="9525" marB="0" anchor="ctr"/>
+                  <a:tcPr marL="9525" marR="9525" marT="9525" marB="0" anchor="ctr">
+                    <a:solidFill>
+                      <a:schemeClr val="bg1">
+                        <a:lumMod val="85000"/>
+                      </a:schemeClr>
+                    </a:solidFill>
+                  </a:tcPr>
                 </a:tc>
                 <a:extLst>
                   <a:ext uri="{0D108BD9-81ED-4DB2-BD59-A6C34878D82A}">
@@ -9556,7 +7614,7 @@
                   </a:ext>
                 </a:extLst>
               </a:tr>
-              <a:tr h="123479">
+              <a:tr h="245937">
                 <a:tc vMerge="1">
                   <a:txBody>
                     <a:bodyPr/>
@@ -9580,20 +7638,20 @@
                     <a:bodyPr/>
                     <a:lstStyle/>
                     <a:p>
-                      <a:pPr lvl="0" algn="l" fontAlgn="ctr"/>
-                      <a:r>
-                        <a:rPr lang="ko-KR" altLang="en-US" sz="600" u="none" strike="noStrike" dirty="0" err="1">
-                          <a:effectLst/>
-                        </a:rPr>
-                        <a:t>하드코딩</a:t>
-                      </a:r>
-                      <a:r>
-                        <a:rPr lang="ko-KR" altLang="en-US" sz="600" u="none" strike="noStrike" dirty="0">
-                          <a:effectLst/>
-                        </a:rPr>
-                        <a:t> 지양</a:t>
-                      </a:r>
-                      <a:endParaRPr lang="ko-KR" altLang="en-US" sz="600" b="0" i="0" u="none" strike="noStrike" dirty="0">
+                      <a:pPr lvl="1" algn="l" fontAlgn="ctr"/>
+                      <a:r>
+                        <a:rPr lang="ko-KR" altLang="en-US" sz="1050" u="none" strike="noStrike" dirty="0" smtClean="0">
+                          <a:effectLst/>
+                        </a:rPr>
+                        <a:t>하드 코딩 </a:t>
+                      </a:r>
+                      <a:r>
+                        <a:rPr lang="ko-KR" altLang="en-US" sz="1050" u="none" strike="noStrike" dirty="0">
+                          <a:effectLst/>
+                        </a:rPr>
+                        <a:t>지양</a:t>
+                      </a:r>
+                      <a:endParaRPr lang="ko-KR" altLang="en-US" sz="1050" b="0" i="0" u="none" strike="noStrike" dirty="0">
                         <a:solidFill>
                           <a:srgbClr val="000000"/>
                         </a:solidFill>
@@ -9628,7 +7686,7 @@
                         <a:defRPr/>
                       </a:pPr>
                       <a:r>
-                        <a:rPr lang="ko-KR" altLang="en-US" sz="600" b="0" i="0" u="none" strike="noStrike" dirty="0" smtClean="0">
+                        <a:rPr lang="ko-KR" altLang="en-US" sz="1050" b="0" i="0" u="none" strike="noStrike" dirty="0" smtClean="0">
                           <a:solidFill>
                             <a:srgbClr val="000000"/>
                           </a:solidFill>
@@ -9649,7 +7707,7 @@
                     <a:p>
                       <a:pPr algn="l" fontAlgn="ctr"/>
                       <a:r>
-                        <a:rPr lang="en-US" altLang="ko-KR" sz="600" b="0" i="0" u="none" strike="noStrike" dirty="0" smtClean="0">
+                        <a:rPr lang="en-US" altLang="ko-KR" sz="900" b="0" i="0" u="none" strike="noStrike" dirty="0" smtClean="0">
                           <a:solidFill>
                             <a:srgbClr val="000000"/>
                           </a:solidFill>
@@ -9660,7 +7718,7 @@
                         <a:t> - </a:t>
                       </a:r>
                       <a:r>
-                        <a:rPr lang="ko-KR" altLang="en-US" sz="600" b="0" i="0" u="none" strike="noStrike" dirty="0" smtClean="0">
+                        <a:rPr lang="ko-KR" altLang="en-US" sz="900" b="0" i="0" u="none" strike="noStrike" dirty="0" smtClean="0">
                           <a:solidFill>
                             <a:srgbClr val="000000"/>
                           </a:solidFill>
@@ -9671,7 +7729,7 @@
                         <a:t>함수내 지역변수에서 </a:t>
                       </a:r>
                       <a:r>
-                        <a:rPr lang="en-US" altLang="ko-KR" sz="600" b="0" i="0" u="none" strike="noStrike" dirty="0" smtClean="0">
+                        <a:rPr lang="en-US" altLang="ko-KR" sz="900" b="0" i="0" u="none" strike="noStrike" dirty="0" smtClean="0">
                           <a:solidFill>
                             <a:srgbClr val="000000"/>
                           </a:solidFill>
@@ -9682,7 +7740,7 @@
                         <a:t>“” </a:t>
                       </a:r>
                       <a:r>
-                        <a:rPr lang="ko-KR" altLang="en-US" sz="600" b="0" i="0" u="none" strike="noStrike" dirty="0" smtClean="0">
+                        <a:rPr lang="ko-KR" altLang="en-US" sz="900" b="0" i="0" u="none" strike="noStrike" dirty="0" smtClean="0">
                           <a:solidFill>
                             <a:srgbClr val="000000"/>
                           </a:solidFill>
@@ -9692,7 +7750,7 @@
                         </a:rPr>
                         <a:t>사용 확인</a:t>
                       </a:r>
-                      <a:endParaRPr lang="ko-KR" altLang="en-US" sz="600" b="0" i="0" u="none" strike="noStrike" dirty="0">
+                      <a:endParaRPr lang="ko-KR" altLang="en-US" sz="900" b="0" i="0" u="none" strike="noStrike" dirty="0">
                         <a:solidFill>
                           <a:srgbClr val="000000"/>
                         </a:solidFill>
@@ -9710,7 +7768,7 @@
                   </a:ext>
                 </a:extLst>
               </a:tr>
-              <a:tr h="123479">
+              <a:tr h="245937">
                 <a:tc vMerge="1">
                   <a:txBody>
                     <a:bodyPr/>
@@ -9734,14 +7792,14 @@
                     <a:bodyPr/>
                     <a:lstStyle/>
                     <a:p>
-                      <a:pPr lvl="0" algn="l" fontAlgn="ctr"/>
-                      <a:r>
-                        <a:rPr lang="ko-KR" altLang="en-US" sz="600" u="none" strike="noStrike" dirty="0">
+                      <a:pPr lvl="1" algn="l" fontAlgn="ctr"/>
+                      <a:r>
+                        <a:rPr lang="ko-KR" altLang="en-US" sz="1050" u="none" strike="noStrike" dirty="0">
                           <a:effectLst/>
                         </a:rPr>
                         <a:t>불필요한 코드 지양</a:t>
                       </a:r>
-                      <a:endParaRPr lang="ko-KR" altLang="en-US" sz="600" b="0" i="0" u="none" strike="noStrike" dirty="0">
+                      <a:endParaRPr lang="ko-KR" altLang="en-US" sz="1050" b="0" i="0" u="none" strike="noStrike" dirty="0">
                         <a:solidFill>
                           <a:srgbClr val="000000"/>
                         </a:solidFill>
@@ -9760,7 +7818,7 @@
                     <a:p>
                       <a:pPr algn="ctr" fontAlgn="ctr"/>
                       <a:r>
-                        <a:rPr lang="ko-KR" altLang="en-US" sz="600" b="0" i="0" u="none" strike="noStrike" dirty="0" smtClean="0">
+                        <a:rPr lang="ko-KR" altLang="en-US" sz="1050" b="0" i="0" u="none" strike="noStrike" dirty="0" smtClean="0">
                           <a:solidFill>
                             <a:srgbClr val="000000"/>
                           </a:solidFill>
@@ -9770,7 +7828,7 @@
                         </a:rPr>
                         <a:t>○</a:t>
                       </a:r>
-                      <a:endParaRPr lang="ko-KR" altLang="en-US" sz="600" b="0" i="0" u="none" strike="noStrike" dirty="0">
+                      <a:endParaRPr lang="ko-KR" altLang="en-US" sz="1050" b="0" i="0" u="none" strike="noStrike" dirty="0">
                         <a:solidFill>
                           <a:srgbClr val="000000"/>
                         </a:solidFill>
@@ -9789,7 +7847,7 @@
                     <a:p>
                       <a:pPr algn="l" fontAlgn="ctr"/>
                       <a:r>
-                        <a:rPr lang="en-US" altLang="ko-KR" sz="600" b="0" i="0" u="none" strike="noStrike" dirty="0" smtClean="0">
+                        <a:rPr lang="en-US" altLang="ko-KR" sz="900" b="0" i="0" u="none" strike="noStrike" dirty="0" smtClean="0">
                           <a:solidFill>
                             <a:srgbClr val="000000"/>
                           </a:solidFill>
@@ -9800,7 +7858,7 @@
                         <a:t> - </a:t>
                       </a:r>
                       <a:r>
-                        <a:rPr lang="ko-KR" altLang="en-US" sz="600" b="0" i="0" u="none" strike="noStrike" dirty="0" smtClean="0">
+                        <a:rPr lang="ko-KR" altLang="en-US" sz="900" b="0" i="0" u="none" strike="noStrike" dirty="0" smtClean="0">
                           <a:solidFill>
                             <a:srgbClr val="000000"/>
                           </a:solidFill>
@@ -9811,7 +7869,7 @@
                         <a:t>미사용 함수</a:t>
                       </a:r>
                       <a:r>
-                        <a:rPr lang="en-US" altLang="ko-KR" sz="600" b="0" i="0" u="none" strike="noStrike" dirty="0" smtClean="0">
+                        <a:rPr lang="en-US" altLang="ko-KR" sz="900" b="0" i="0" u="none" strike="noStrike" dirty="0" smtClean="0">
                           <a:solidFill>
                             <a:srgbClr val="000000"/>
                           </a:solidFill>
@@ -9822,7 +7880,7 @@
                         <a:t>, </a:t>
                       </a:r>
                       <a:r>
-                        <a:rPr lang="ko-KR" altLang="en-US" sz="600" b="0" i="0" u="none" strike="noStrike" dirty="0" smtClean="0">
+                        <a:rPr lang="ko-KR" altLang="en-US" sz="900" b="0" i="0" u="none" strike="noStrike" dirty="0" smtClean="0">
                           <a:solidFill>
                             <a:srgbClr val="000000"/>
                           </a:solidFill>
@@ -9833,7 +7891,7 @@
                         <a:t>변수 유</a:t>
                       </a:r>
                       <a:r>
-                        <a:rPr lang="en-US" altLang="ko-KR" sz="600" b="0" i="0" u="none" strike="noStrike" dirty="0" smtClean="0">
+                        <a:rPr lang="en-US" altLang="ko-KR" sz="900" b="0" i="0" u="none" strike="noStrike" dirty="0" smtClean="0">
                           <a:solidFill>
                             <a:srgbClr val="000000"/>
                           </a:solidFill>
@@ -9844,7 +7902,7 @@
                         <a:t>/</a:t>
                       </a:r>
                       <a:r>
-                        <a:rPr lang="ko-KR" altLang="en-US" sz="600" b="0" i="0" u="none" strike="noStrike" dirty="0" smtClean="0">
+                        <a:rPr lang="ko-KR" altLang="en-US" sz="900" b="0" i="0" u="none" strike="noStrike" dirty="0" smtClean="0">
                           <a:solidFill>
                             <a:srgbClr val="000000"/>
                           </a:solidFill>
@@ -9855,7 +7913,7 @@
                         <a:t>무</a:t>
                       </a:r>
                       <a:r>
-                        <a:rPr lang="ko-KR" altLang="en-US" sz="600" b="0" i="0" u="none" strike="noStrike" baseline="0" dirty="0" smtClean="0">
+                        <a:rPr lang="ko-KR" altLang="en-US" sz="900" b="0" i="0" u="none" strike="noStrike" baseline="0" dirty="0" smtClean="0">
                           <a:solidFill>
                             <a:srgbClr val="000000"/>
                           </a:solidFill>
@@ -9865,7 +7923,7 @@
                         </a:rPr>
                         <a:t> 확인</a:t>
                       </a:r>
-                      <a:endParaRPr lang="ko-KR" altLang="en-US" sz="600" b="0" i="0" u="none" strike="noStrike" dirty="0">
+                      <a:endParaRPr lang="ko-KR" altLang="en-US" sz="900" b="0" i="0" u="none" strike="noStrike" dirty="0">
                         <a:solidFill>
                           <a:srgbClr val="000000"/>
                         </a:solidFill>
@@ -9887,46 +7945,10 @@
           </a:graphicData>
         </a:graphic>
       </p:graphicFrame>
-      <p:cxnSp>
-        <p:nvCxnSpPr>
-          <p:cNvPr id="15" name="구부러진 연결선 14"/>
-          <p:cNvCxnSpPr>
-            <a:stCxn id="7" idx="3"/>
-            <a:endCxn id="12" idx="1"/>
-          </p:cNvCxnSpPr>
-          <p:nvPr/>
-        </p:nvCxnSpPr>
-        <p:spPr>
-          <a:xfrm flipV="1">
-            <a:off x="3584848" y="4314487"/>
-            <a:ext cx="720080" cy="96755"/>
-          </a:xfrm>
-          <a:prstGeom prst="curvedConnector3">
-            <a:avLst/>
-          </a:prstGeom>
-          <a:ln>
-            <a:tailEnd type="triangle"/>
-          </a:ln>
-        </p:spPr>
-        <p:style>
-          <a:lnRef idx="1">
-            <a:schemeClr val="accent2"/>
-          </a:lnRef>
-          <a:fillRef idx="0">
-            <a:schemeClr val="accent2"/>
-          </a:fillRef>
-          <a:effectRef idx="0">
-            <a:schemeClr val="accent2"/>
-          </a:effectRef>
-          <a:fontRef idx="minor">
-            <a:schemeClr val="tx1"/>
-          </a:fontRef>
-        </p:style>
-      </p:cxnSp>
     </p:spTree>
     <p:extLst>
       <p:ext uri="{BB962C8B-B14F-4D97-AF65-F5344CB8AC3E}">
-        <p14:creationId xmlns:p14="http://schemas.microsoft.com/office/powerpoint/2010/main" val="3331527392"/>
+        <p14:creationId xmlns:p14="http://schemas.microsoft.com/office/powerpoint/2010/main" val="201021417"/>
       </p:ext>
     </p:extLst>
   </p:cSld>
@@ -30517,7 +28539,7 @@
           <p:nvPr>
             <p:extLst>
               <p:ext uri="{D42A27DB-BD31-4B8C-83A1-F6EECF244321}">
-                <p14:modId xmlns:p14="http://schemas.microsoft.com/office/powerpoint/2010/main" val="503130443"/>
+                <p14:modId xmlns:p14="http://schemas.microsoft.com/office/powerpoint/2010/main" val="305361146"/>
               </p:ext>
             </p:extLst>
           </p:nvPr>
@@ -30770,13 +28792,7 @@
                         <a:rPr lang="en-US" altLang="ko-KR" sz="900" u="none" strike="noStrike" dirty="0" smtClean="0">
                           <a:effectLst/>
                         </a:rPr>
-                        <a:t>  </a:t>
-                      </a:r>
-                      <a:r>
-                        <a:rPr lang="en-US" altLang="ko-KR" sz="900" u="none" strike="noStrike" dirty="0" smtClean="0">
-                          <a:effectLst/>
-                        </a:rPr>
-                        <a:t> - </a:t>
+                        <a:t>   - </a:t>
                       </a:r>
                       <a:r>
                         <a:rPr lang="ko-KR" altLang="en-US" sz="900" u="none" strike="noStrike" dirty="0" smtClean="0">
@@ -30899,13 +28915,7 @@
                         <a:rPr lang="en-US" altLang="ko-KR" sz="900" u="none" strike="noStrike" baseline="0" dirty="0" smtClean="0">
                           <a:effectLst/>
                         </a:rPr>
-                        <a:t>  - </a:t>
-                      </a:r>
-                      <a:r>
-                        <a:rPr lang="en-US" altLang="ko-KR" sz="900" u="none" strike="noStrike" baseline="0" dirty="0" smtClean="0">
-                          <a:effectLst/>
-                        </a:rPr>
-                        <a:t>while</a:t>
+                        <a:t>  - while</a:t>
                       </a:r>
                       <a:r>
                         <a:rPr lang="ko-KR" altLang="en-US" sz="900" u="none" strike="noStrike" baseline="0" dirty="0" smtClean="0">
@@ -31951,7 +29961,13 @@
                         <a:rPr lang="ko-KR" altLang="en-US" sz="1050" u="none" strike="noStrike" dirty="0" smtClean="0">
                           <a:effectLst/>
                         </a:rPr>
-                        <a:t>버전 정보 체크 확인</a:t>
+                        <a:t>이력 작성 </a:t>
+                      </a:r>
+                      <a:r>
+                        <a:rPr lang="ko-KR" altLang="en-US" sz="1050" u="none" strike="noStrike" dirty="0" smtClean="0">
+                          <a:effectLst/>
+                        </a:rPr>
+                        <a:t>체크 확인</a:t>
                       </a:r>
                       <a:endParaRPr lang="ko-KR" altLang="en-US" sz="1050" b="0" i="0" u="none" strike="noStrike" dirty="0">
                         <a:solidFill>
@@ -32082,13 +30098,7 @@
                         <a:rPr lang="ko-KR" altLang="en-US" sz="1050" u="none" strike="noStrike" dirty="0" smtClean="0">
                           <a:effectLst/>
                         </a:rPr>
-                        <a:t>동작 </a:t>
-                      </a:r>
-                      <a:r>
-                        <a:rPr lang="ko-KR" altLang="en-US" sz="1050" u="none" strike="noStrike" dirty="0" smtClean="0">
-                          <a:effectLst/>
-                        </a:rPr>
-                        <a:t>확인</a:t>
+                        <a:t>동작 확인</a:t>
                       </a:r>
                       <a:r>
                         <a:rPr lang="en-US" altLang="ko-KR" sz="1050" u="none" strike="noStrike" dirty="0" smtClean="0">
